--- a/My Understanding.pptx
+++ b/My Understanding.pptx
@@ -5,7 +5,7 @@
     <p:sldMasterId id="2147483660" r:id="rId1"/>
   </p:sldMasterIdLst>
   <p:notesMasterIdLst>
-    <p:notesMasterId r:id="rId22"/>
+    <p:notesMasterId r:id="rId31"/>
   </p:notesMasterIdLst>
   <p:sldIdLst>
     <p:sldId id="259" r:id="rId2"/>
@@ -28,6 +28,15 @@
     <p:sldId id="277" r:id="rId19"/>
     <p:sldId id="278" r:id="rId20"/>
     <p:sldId id="279" r:id="rId21"/>
+    <p:sldId id="280" r:id="rId22"/>
+    <p:sldId id="281" r:id="rId23"/>
+    <p:sldId id="282" r:id="rId24"/>
+    <p:sldId id="283" r:id="rId25"/>
+    <p:sldId id="284" r:id="rId26"/>
+    <p:sldId id="285" r:id="rId27"/>
+    <p:sldId id="286" r:id="rId28"/>
+    <p:sldId id="287" r:id="rId29"/>
+    <p:sldId id="288" r:id="rId30"/>
   </p:sldIdLst>
   <p:sldSz cx="14400213" cy="6858000"/>
   <p:notesSz cx="6858000" cy="9144000"/>
@@ -220,7 +229,7 @@
           <a:p>
             <a:fld id="{EC33A393-DAB2-4034-922D-E0C16E3D4877}" type="datetimeFigureOut">
               <a:rPr lang="en-IN" smtClean="0"/>
-              <a:t>11-10-2017</a:t>
+              <a:t>12-10-2017</a:t>
             </a:fld>
             <a:endParaRPr lang="en-IN"/>
           </a:p>
@@ -792,7 +801,7 @@
           <a:p>
             <a:fld id="{21283FD9-7D71-4B97-B325-4182E961AB8D}" type="datetimeFigureOut">
               <a:rPr lang="en-IN" smtClean="0"/>
-              <a:t>11-10-2017</a:t>
+              <a:t>12-10-2017</a:t>
             </a:fld>
             <a:endParaRPr lang="en-IN"/>
           </a:p>
@@ -962,7 +971,7 @@
           <a:p>
             <a:fld id="{21283FD9-7D71-4B97-B325-4182E961AB8D}" type="datetimeFigureOut">
               <a:rPr lang="en-IN" smtClean="0"/>
-              <a:t>11-10-2017</a:t>
+              <a:t>12-10-2017</a:t>
             </a:fld>
             <a:endParaRPr lang="en-IN"/>
           </a:p>
@@ -1142,7 +1151,7 @@
           <a:p>
             <a:fld id="{21283FD9-7D71-4B97-B325-4182E961AB8D}" type="datetimeFigureOut">
               <a:rPr lang="en-IN" smtClean="0"/>
-              <a:t>11-10-2017</a:t>
+              <a:t>12-10-2017</a:t>
             </a:fld>
             <a:endParaRPr lang="en-IN"/>
           </a:p>
@@ -1312,7 +1321,7 @@
           <a:p>
             <a:fld id="{21283FD9-7D71-4B97-B325-4182E961AB8D}" type="datetimeFigureOut">
               <a:rPr lang="en-IN" smtClean="0"/>
-              <a:t>11-10-2017</a:t>
+              <a:t>12-10-2017</a:t>
             </a:fld>
             <a:endParaRPr lang="en-IN"/>
           </a:p>
@@ -1558,7 +1567,7 @@
           <a:p>
             <a:fld id="{21283FD9-7D71-4B97-B325-4182E961AB8D}" type="datetimeFigureOut">
               <a:rPr lang="en-IN" smtClean="0"/>
-              <a:t>11-10-2017</a:t>
+              <a:t>12-10-2017</a:t>
             </a:fld>
             <a:endParaRPr lang="en-IN"/>
           </a:p>
@@ -1790,7 +1799,7 @@
           <a:p>
             <a:fld id="{21283FD9-7D71-4B97-B325-4182E961AB8D}" type="datetimeFigureOut">
               <a:rPr lang="en-IN" smtClean="0"/>
-              <a:t>11-10-2017</a:t>
+              <a:t>12-10-2017</a:t>
             </a:fld>
             <a:endParaRPr lang="en-IN"/>
           </a:p>
@@ -2157,7 +2166,7 @@
           <a:p>
             <a:fld id="{21283FD9-7D71-4B97-B325-4182E961AB8D}" type="datetimeFigureOut">
               <a:rPr lang="en-IN" smtClean="0"/>
-              <a:t>11-10-2017</a:t>
+              <a:t>12-10-2017</a:t>
             </a:fld>
             <a:endParaRPr lang="en-IN"/>
           </a:p>
@@ -2275,7 +2284,7 @@
           <a:p>
             <a:fld id="{21283FD9-7D71-4B97-B325-4182E961AB8D}" type="datetimeFigureOut">
               <a:rPr lang="en-IN" smtClean="0"/>
-              <a:t>11-10-2017</a:t>
+              <a:t>12-10-2017</a:t>
             </a:fld>
             <a:endParaRPr lang="en-IN"/>
           </a:p>
@@ -2370,7 +2379,7 @@
           <a:p>
             <a:fld id="{21283FD9-7D71-4B97-B325-4182E961AB8D}" type="datetimeFigureOut">
               <a:rPr lang="en-IN" smtClean="0"/>
-              <a:t>11-10-2017</a:t>
+              <a:t>12-10-2017</a:t>
             </a:fld>
             <a:endParaRPr lang="en-IN"/>
           </a:p>
@@ -2647,7 +2656,7 @@
           <a:p>
             <a:fld id="{21283FD9-7D71-4B97-B325-4182E961AB8D}" type="datetimeFigureOut">
               <a:rPr lang="en-IN" smtClean="0"/>
-              <a:t>11-10-2017</a:t>
+              <a:t>12-10-2017</a:t>
             </a:fld>
             <a:endParaRPr lang="en-IN"/>
           </a:p>
@@ -2904,7 +2913,7 @@
           <a:p>
             <a:fld id="{21283FD9-7D71-4B97-B325-4182E961AB8D}" type="datetimeFigureOut">
               <a:rPr lang="en-IN" smtClean="0"/>
-              <a:t>11-10-2017</a:t>
+              <a:t>12-10-2017</a:t>
             </a:fld>
             <a:endParaRPr lang="en-IN"/>
           </a:p>
@@ -3117,7 +3126,7 @@
           <a:p>
             <a:fld id="{21283FD9-7D71-4B97-B325-4182E961AB8D}" type="datetimeFigureOut">
               <a:rPr lang="en-IN" smtClean="0"/>
-              <a:t>11-10-2017</a:t>
+              <a:t>12-10-2017</a:t>
             </a:fld>
             <a:endParaRPr lang="en-IN"/>
           </a:p>
@@ -16719,6 +16728,8970 @@
 </p:sld>
 </file>
 
+<file path=ppt/slides/slide21.xml><?xml version="1.0" encoding="utf-8"?>
+<p:sld xmlns:a="http://schemas.openxmlformats.org/drawingml/2006/main" xmlns:r="http://schemas.openxmlformats.org/officeDocument/2006/relationships" xmlns:p="http://schemas.openxmlformats.org/presentationml/2006/main">
+  <p:cSld>
+    <p:spTree>
+      <p:nvGrpSpPr>
+        <p:cNvPr id="1" name=""/>
+        <p:cNvGrpSpPr/>
+        <p:nvPr/>
+      </p:nvGrpSpPr>
+      <p:grpSpPr>
+        <a:xfrm>
+          <a:off x="0" y="0"/>
+          <a:ext cx="0" cy="0"/>
+          <a:chOff x="0" y="0"/>
+          <a:chExt cx="0" cy="0"/>
+        </a:xfrm>
+      </p:grpSpPr>
+      <p:pic>
+        <p:nvPicPr>
+          <p:cNvPr id="14" name="Picture 13">
+            <a:extLst>
+              <a:ext uri="{FF2B5EF4-FFF2-40B4-BE49-F238E27FC236}">
+                <a16:creationId xmlns:a16="http://schemas.microsoft.com/office/drawing/2014/main" id="{0301BE49-D561-4D02-A675-FA4205707922}"/>
+              </a:ext>
+            </a:extLst>
+          </p:cNvPr>
+          <p:cNvPicPr>
+            <a:picLocks noChangeAspect="1"/>
+          </p:cNvPicPr>
+          <p:nvPr/>
+        </p:nvPicPr>
+        <p:blipFill>
+          <a:blip r:embed="rId2">
+            <a:extLst>
+              <a:ext uri="{28A0092B-C50C-407E-A947-70E740481C1C}">
+                <a14:useLocalDpi xmlns:a14="http://schemas.microsoft.com/office/drawing/2010/main" val="0"/>
+              </a:ext>
+            </a:extLst>
+          </a:blip>
+          <a:stretch>
+            <a:fillRect/>
+          </a:stretch>
+        </p:blipFill>
+        <p:spPr>
+          <a:xfrm>
+            <a:off x="284279" y="5028484"/>
+            <a:ext cx="6712595" cy="1700929"/>
+          </a:xfrm>
+          <a:prstGeom prst="rect">
+            <a:avLst/>
+          </a:prstGeom>
+          <a:ln>
+            <a:solidFill>
+              <a:schemeClr val="tx1"/>
+            </a:solidFill>
+          </a:ln>
+        </p:spPr>
+      </p:pic>
+      <p:sp>
+        <p:nvSpPr>
+          <p:cNvPr id="2" name="TextBox 1">
+            <a:extLst>
+              <a:ext uri="{FF2B5EF4-FFF2-40B4-BE49-F238E27FC236}">
+                <a16:creationId xmlns:a16="http://schemas.microsoft.com/office/drawing/2014/main" id="{41916108-C5F5-4A9C-9A50-BD4BB4B9B5FF}"/>
+              </a:ext>
+            </a:extLst>
+          </p:cNvPr>
+          <p:cNvSpPr txBox="1"/>
+          <p:nvPr/>
+        </p:nvSpPr>
+        <p:spPr>
+          <a:xfrm>
+            <a:off x="155809" y="30475"/>
+            <a:ext cx="1517812" cy="523220"/>
+          </a:xfrm>
+          <a:prstGeom prst="rect">
+            <a:avLst/>
+          </a:prstGeom>
+          <a:solidFill>
+            <a:srgbClr val="FFFF00"/>
+          </a:solidFill>
+        </p:spPr>
+        <p:txBody>
+          <a:bodyPr wrap="square" rtlCol="0">
+            <a:spAutoFit/>
+          </a:bodyPr>
+          <a:lstStyle/>
+          <a:p>
+            <a:r>
+              <a:rPr lang="en-IN" sz="2800" u="sng">
+                <a:latin typeface="Roboto" panose="02000000000000000000" pitchFamily="2" charset="0"/>
+                <a:ea typeface="Roboto" panose="02000000000000000000" pitchFamily="2" charset="0"/>
+              </a:rPr>
+              <a:t>Phase 3</a:t>
+            </a:r>
+          </a:p>
+        </p:txBody>
+      </p:sp>
+      <p:sp>
+        <p:nvSpPr>
+          <p:cNvPr id="3" name="TextBox 2">
+            <a:extLst>
+              <a:ext uri="{FF2B5EF4-FFF2-40B4-BE49-F238E27FC236}">
+                <a16:creationId xmlns:a16="http://schemas.microsoft.com/office/drawing/2014/main" id="{1358BFA1-AC6B-4529-9972-1B401AF8715A}"/>
+              </a:ext>
+            </a:extLst>
+          </p:cNvPr>
+          <p:cNvSpPr txBox="1"/>
+          <p:nvPr/>
+        </p:nvSpPr>
+        <p:spPr>
+          <a:xfrm>
+            <a:off x="155809" y="774735"/>
+            <a:ext cx="9831154" cy="954107"/>
+          </a:xfrm>
+          <a:prstGeom prst="rect">
+            <a:avLst/>
+          </a:prstGeom>
+          <a:noFill/>
+        </p:spPr>
+        <p:txBody>
+          <a:bodyPr wrap="square" rtlCol="0">
+            <a:spAutoFit/>
+          </a:bodyPr>
+          <a:lstStyle/>
+          <a:p>
+            <a:r>
+              <a:rPr lang="en-IN" sz="1400" b="1">
+                <a:latin typeface="Roboto" panose="02000000000000000000" pitchFamily="2" charset="0"/>
+                <a:ea typeface="Roboto" panose="02000000000000000000" pitchFamily="2" charset="0"/>
+              </a:rPr>
+              <a:t>Step 2: </a:t>
+            </a:r>
+          </a:p>
+          <a:p>
+            <a:endParaRPr lang="en-IN" sz="1400">
+              <a:latin typeface="Roboto" panose="02000000000000000000" pitchFamily="2" charset="0"/>
+              <a:ea typeface="Roboto" panose="02000000000000000000" pitchFamily="2" charset="0"/>
+            </a:endParaRPr>
+          </a:p>
+          <a:p>
+            <a:pPr marL="342900" indent="-342900">
+              <a:buAutoNum type="arabicPeriod"/>
+            </a:pPr>
+            <a:r>
+              <a:rPr lang="en-IN" sz="1400">
+                <a:latin typeface="Roboto" panose="02000000000000000000" pitchFamily="2" charset="0"/>
+                <a:ea typeface="Roboto" panose="02000000000000000000" pitchFamily="2" charset="0"/>
+              </a:rPr>
+              <a:t>Let us hash the password using </a:t>
+            </a:r>
+            <a:r>
+              <a:rPr lang="en-IN" sz="1400" b="1">
+                <a:solidFill>
+                  <a:srgbClr val="3333CC"/>
+                </a:solidFill>
+                <a:latin typeface="Roboto" panose="02000000000000000000" pitchFamily="2" charset="0"/>
+                <a:ea typeface="Roboto" panose="02000000000000000000" pitchFamily="2" charset="0"/>
+              </a:rPr>
+              <a:t>bcrypt</a:t>
+            </a:r>
+            <a:r>
+              <a:rPr lang="en-IN" sz="1400">
+                <a:latin typeface="Roboto" panose="02000000000000000000" pitchFamily="2" charset="0"/>
+                <a:ea typeface="Roboto" panose="02000000000000000000" pitchFamily="2" charset="0"/>
+              </a:rPr>
+              <a:t> before saving (so will use pre hook from mongoose)</a:t>
+            </a:r>
+          </a:p>
+          <a:p>
+            <a:pPr marL="342900" indent="-342900">
+              <a:buAutoNum type="arabicPeriod"/>
+            </a:pPr>
+            <a:r>
+              <a:rPr lang="en-US" sz="1400">
+                <a:latin typeface="Roboto" panose="02000000000000000000" pitchFamily="2" charset="0"/>
+                <a:ea typeface="Roboto" panose="02000000000000000000" pitchFamily="2" charset="0"/>
+              </a:rPr>
+              <a:t>S</a:t>
+            </a:r>
+            <a:r>
+              <a:rPr lang="en-IN" sz="1400">
+                <a:latin typeface="Roboto" panose="02000000000000000000" pitchFamily="2" charset="0"/>
+                <a:ea typeface="Roboto" panose="02000000000000000000" pitchFamily="2" charset="0"/>
+              </a:rPr>
+              <a:t>ince its hashed, we need to use </a:t>
+            </a:r>
+            <a:r>
+              <a:rPr lang="en-IN" sz="1400">
+                <a:solidFill>
+                  <a:srgbClr val="3333CC"/>
+                </a:solidFill>
+                <a:latin typeface="Roboto" panose="02000000000000000000" pitchFamily="2" charset="0"/>
+                <a:ea typeface="Roboto" panose="02000000000000000000" pitchFamily="2" charset="0"/>
+              </a:rPr>
+              <a:t>bcrypt’s compare method </a:t>
+            </a:r>
+            <a:r>
+              <a:rPr lang="en-IN" sz="1400">
+                <a:latin typeface="Roboto" panose="02000000000000000000" pitchFamily="2" charset="0"/>
+                <a:ea typeface="Roboto" panose="02000000000000000000" pitchFamily="2" charset="0"/>
+              </a:rPr>
+              <a:t>to know if password matches. </a:t>
+            </a:r>
+          </a:p>
+        </p:txBody>
+      </p:sp>
+      <p:sp>
+        <p:nvSpPr>
+          <p:cNvPr id="4" name="TextBox 3">
+            <a:extLst>
+              <a:ext uri="{FF2B5EF4-FFF2-40B4-BE49-F238E27FC236}">
+                <a16:creationId xmlns:a16="http://schemas.microsoft.com/office/drawing/2014/main" id="{389A429B-EB56-4EE4-B110-073228E09113}"/>
+              </a:ext>
+            </a:extLst>
+          </p:cNvPr>
+          <p:cNvSpPr txBox="1"/>
+          <p:nvPr/>
+        </p:nvSpPr>
+        <p:spPr>
+          <a:xfrm>
+            <a:off x="155809" y="1949882"/>
+            <a:ext cx="7330841" cy="1384995"/>
+          </a:xfrm>
+          <a:prstGeom prst="rect">
+            <a:avLst/>
+          </a:prstGeom>
+          <a:noFill/>
+        </p:spPr>
+        <p:txBody>
+          <a:bodyPr wrap="square" rtlCol="0">
+            <a:spAutoFit/>
+          </a:bodyPr>
+          <a:lstStyle/>
+          <a:p>
+            <a:r>
+              <a:rPr lang="en-IN" sz="1400">
+                <a:latin typeface="Roboto" panose="02000000000000000000" pitchFamily="2" charset="0"/>
+                <a:ea typeface="Roboto" panose="02000000000000000000" pitchFamily="2" charset="0"/>
+              </a:rPr>
+              <a:t>Since bcrypt has installation issues at the time of this tutorial, we will use </a:t>
+            </a:r>
+            <a:r>
+              <a:rPr lang="en-IN" sz="1400" b="1">
+                <a:solidFill>
+                  <a:srgbClr val="3333CC"/>
+                </a:solidFill>
+                <a:latin typeface="Roboto" panose="02000000000000000000" pitchFamily="2" charset="0"/>
+                <a:ea typeface="Roboto" panose="02000000000000000000" pitchFamily="2" charset="0"/>
+              </a:rPr>
+              <a:t>bcrypt.js </a:t>
+            </a:r>
+            <a:r>
+              <a:rPr lang="en-IN" sz="1400">
+                <a:latin typeface="Roboto" panose="02000000000000000000" pitchFamily="2" charset="0"/>
+                <a:ea typeface="Roboto" panose="02000000000000000000" pitchFamily="2" charset="0"/>
+              </a:rPr>
+              <a:t>which is same but written in JS. All the coding is same except during installation and require</a:t>
+            </a:r>
+          </a:p>
+          <a:p>
+            <a:r>
+              <a:rPr lang="en-IN" sz="1400">
+                <a:latin typeface="Roboto" panose="02000000000000000000" pitchFamily="2" charset="0"/>
+                <a:ea typeface="Roboto" panose="02000000000000000000" pitchFamily="2" charset="0"/>
+              </a:rPr>
+              <a:t>Use bcryptjs instead of bcrypt. Bcryptjs is too slow so for production, consider bcrypt</a:t>
+            </a:r>
+          </a:p>
+          <a:p>
+            <a:endParaRPr lang="en-IN" sz="1400">
+              <a:latin typeface="Roboto" panose="02000000000000000000" pitchFamily="2" charset="0"/>
+              <a:ea typeface="Roboto" panose="02000000000000000000" pitchFamily="2" charset="0"/>
+            </a:endParaRPr>
+          </a:p>
+          <a:p>
+            <a:r>
+              <a:rPr lang="en-IN" sz="1400" b="1">
+                <a:latin typeface="Roboto" panose="02000000000000000000" pitchFamily="2" charset="0"/>
+                <a:ea typeface="Roboto" panose="02000000000000000000" pitchFamily="2" charset="0"/>
+              </a:rPr>
+              <a:t>Ref</a:t>
+            </a:r>
+            <a:r>
+              <a:rPr lang="en-IN" sz="1400">
+                <a:latin typeface="Roboto" panose="02000000000000000000" pitchFamily="2" charset="0"/>
+                <a:ea typeface="Roboto" panose="02000000000000000000" pitchFamily="2" charset="0"/>
+              </a:rPr>
+              <a:t>:https://www.npmjs.com/package/bcrypt</a:t>
+            </a:r>
+          </a:p>
+          <a:p>
+            <a:r>
+              <a:rPr lang="en-IN" sz="1400" b="1">
+                <a:latin typeface="Roboto" panose="02000000000000000000" pitchFamily="2" charset="0"/>
+                <a:ea typeface="Roboto" panose="02000000000000000000" pitchFamily="2" charset="0"/>
+              </a:rPr>
+              <a:t>Ref</a:t>
+            </a:r>
+            <a:r>
+              <a:rPr lang="en-IN" sz="1400">
+                <a:latin typeface="Roboto" panose="02000000000000000000" pitchFamily="2" charset="0"/>
+                <a:ea typeface="Roboto" panose="02000000000000000000" pitchFamily="2" charset="0"/>
+              </a:rPr>
+              <a:t>:https://www.npmjs.com/package/bcryptjs</a:t>
+            </a:r>
+          </a:p>
+        </p:txBody>
+      </p:sp>
+      <p:pic>
+        <p:nvPicPr>
+          <p:cNvPr id="5" name="Picture 4">
+            <a:extLst>
+              <a:ext uri="{FF2B5EF4-FFF2-40B4-BE49-F238E27FC236}">
+                <a16:creationId xmlns:a16="http://schemas.microsoft.com/office/drawing/2014/main" id="{4D89AE2E-CFAE-471B-8E97-3DF1D975E8EF}"/>
+              </a:ext>
+            </a:extLst>
+          </p:cNvPr>
+          <p:cNvPicPr>
+            <a:picLocks noChangeAspect="1"/>
+          </p:cNvPicPr>
+          <p:nvPr/>
+        </p:nvPicPr>
+        <p:blipFill>
+          <a:blip r:embed="rId3"/>
+          <a:stretch>
+            <a:fillRect/>
+          </a:stretch>
+        </p:blipFill>
+        <p:spPr>
+          <a:xfrm>
+            <a:off x="284279" y="3555917"/>
+            <a:ext cx="3344627" cy="1181578"/>
+          </a:xfrm>
+          <a:prstGeom prst="rect">
+            <a:avLst/>
+          </a:prstGeom>
+          <a:ln>
+            <a:solidFill>
+              <a:schemeClr val="tx1"/>
+            </a:solidFill>
+          </a:ln>
+        </p:spPr>
+      </p:pic>
+      <p:sp>
+        <p:nvSpPr>
+          <p:cNvPr id="8" name="Arrow: Right 7">
+            <a:extLst>
+              <a:ext uri="{FF2B5EF4-FFF2-40B4-BE49-F238E27FC236}">
+                <a16:creationId xmlns:a16="http://schemas.microsoft.com/office/drawing/2014/main" id="{2C6CB153-14A3-4D3F-A644-2614E4DCC2E5}"/>
+              </a:ext>
+            </a:extLst>
+          </p:cNvPr>
+          <p:cNvSpPr/>
+          <p:nvPr/>
+        </p:nvSpPr>
+        <p:spPr>
+          <a:xfrm>
+            <a:off x="6996874" y="5843587"/>
+            <a:ext cx="258330" cy="160912"/>
+          </a:xfrm>
+          <a:prstGeom prst="rightArrow">
+            <a:avLst/>
+          </a:prstGeom>
+        </p:spPr>
+        <p:style>
+          <a:lnRef idx="2">
+            <a:schemeClr val="accent1">
+              <a:shade val="50000"/>
+            </a:schemeClr>
+          </a:lnRef>
+          <a:fillRef idx="1">
+            <a:schemeClr val="accent1"/>
+          </a:fillRef>
+          <a:effectRef idx="0">
+            <a:schemeClr val="accent1"/>
+          </a:effectRef>
+          <a:fontRef idx="minor">
+            <a:schemeClr val="lt1"/>
+          </a:fontRef>
+        </p:style>
+        <p:txBody>
+          <a:bodyPr rtlCol="0" anchor="ctr"/>
+          <a:lstStyle/>
+          <a:p>
+            <a:pPr algn="ctr"/>
+            <a:endParaRPr lang="en-IN"/>
+          </a:p>
+        </p:txBody>
+      </p:sp>
+      <p:sp>
+        <p:nvSpPr>
+          <p:cNvPr id="9" name="TextBox 8">
+            <a:extLst>
+              <a:ext uri="{FF2B5EF4-FFF2-40B4-BE49-F238E27FC236}">
+                <a16:creationId xmlns:a16="http://schemas.microsoft.com/office/drawing/2014/main" id="{AC3AC374-833B-45F3-9A5C-F6414EE35798}"/>
+              </a:ext>
+            </a:extLst>
+          </p:cNvPr>
+          <p:cNvSpPr txBox="1"/>
+          <p:nvPr/>
+        </p:nvSpPr>
+        <p:spPr>
+          <a:xfrm>
+            <a:off x="7255204" y="5662433"/>
+            <a:ext cx="7330841" cy="523220"/>
+          </a:xfrm>
+          <a:prstGeom prst="rect">
+            <a:avLst/>
+          </a:prstGeom>
+          <a:noFill/>
+        </p:spPr>
+        <p:txBody>
+          <a:bodyPr wrap="square" rtlCol="0">
+            <a:spAutoFit/>
+          </a:bodyPr>
+          <a:lstStyle/>
+          <a:p>
+            <a:r>
+              <a:rPr lang="en-IN" sz="1400">
+                <a:latin typeface="Roboto" panose="02000000000000000000" pitchFamily="2" charset="0"/>
+                <a:ea typeface="Roboto" panose="02000000000000000000" pitchFamily="2" charset="0"/>
+              </a:rPr>
+              <a:t>This goes in “pre” hook of “save” of mongoose model. That is,we hash the </a:t>
+            </a:r>
+          </a:p>
+          <a:p>
+            <a:r>
+              <a:rPr lang="en-IN" sz="1400">
+                <a:latin typeface="Roboto" panose="02000000000000000000" pitchFamily="2" charset="0"/>
+                <a:ea typeface="Roboto" panose="02000000000000000000" pitchFamily="2" charset="0"/>
+              </a:rPr>
+              <a:t>password, before saving it in DB</a:t>
+            </a:r>
+          </a:p>
+        </p:txBody>
+      </p:sp>
+      <p:sp>
+        <p:nvSpPr>
+          <p:cNvPr id="11" name="Oval 10">
+            <a:extLst>
+              <a:ext uri="{FF2B5EF4-FFF2-40B4-BE49-F238E27FC236}">
+                <a16:creationId xmlns:a16="http://schemas.microsoft.com/office/drawing/2014/main" id="{6C695DE1-A44D-47D3-BC6B-6F015B4894ED}"/>
+              </a:ext>
+            </a:extLst>
+          </p:cNvPr>
+          <p:cNvSpPr/>
+          <p:nvPr/>
+        </p:nvSpPr>
+        <p:spPr>
+          <a:xfrm>
+            <a:off x="3437690" y="3370356"/>
+            <a:ext cx="382432" cy="382432"/>
+          </a:xfrm>
+          <a:prstGeom prst="ellipse">
+            <a:avLst/>
+          </a:prstGeom>
+        </p:spPr>
+        <p:style>
+          <a:lnRef idx="2">
+            <a:schemeClr val="accent1">
+              <a:shade val="50000"/>
+            </a:schemeClr>
+          </a:lnRef>
+          <a:fillRef idx="1">
+            <a:schemeClr val="accent1"/>
+          </a:fillRef>
+          <a:effectRef idx="0">
+            <a:schemeClr val="accent1"/>
+          </a:effectRef>
+          <a:fontRef idx="minor">
+            <a:schemeClr val="lt1"/>
+          </a:fontRef>
+        </p:style>
+        <p:txBody>
+          <a:bodyPr rtlCol="0" anchor="ctr"/>
+          <a:lstStyle/>
+          <a:p>
+            <a:pPr algn="ctr"/>
+            <a:r>
+              <a:rPr lang="en-IN"/>
+              <a:t>1</a:t>
+            </a:r>
+          </a:p>
+        </p:txBody>
+      </p:sp>
+      <p:sp>
+        <p:nvSpPr>
+          <p:cNvPr id="12" name="Oval 11">
+            <a:extLst>
+              <a:ext uri="{FF2B5EF4-FFF2-40B4-BE49-F238E27FC236}">
+                <a16:creationId xmlns:a16="http://schemas.microsoft.com/office/drawing/2014/main" id="{6754EEC8-CCEA-4A7A-BE2D-5B117F9152F4}"/>
+              </a:ext>
+            </a:extLst>
+          </p:cNvPr>
+          <p:cNvSpPr/>
+          <p:nvPr/>
+        </p:nvSpPr>
+        <p:spPr>
+          <a:xfrm>
+            <a:off x="6805658" y="4823307"/>
+            <a:ext cx="382432" cy="382432"/>
+          </a:xfrm>
+          <a:prstGeom prst="ellipse">
+            <a:avLst/>
+          </a:prstGeom>
+        </p:spPr>
+        <p:style>
+          <a:lnRef idx="2">
+            <a:schemeClr val="accent1">
+              <a:shade val="50000"/>
+            </a:schemeClr>
+          </a:lnRef>
+          <a:fillRef idx="1">
+            <a:schemeClr val="accent1"/>
+          </a:fillRef>
+          <a:effectRef idx="0">
+            <a:schemeClr val="accent1"/>
+          </a:effectRef>
+          <a:fontRef idx="minor">
+            <a:schemeClr val="lt1"/>
+          </a:fontRef>
+        </p:style>
+        <p:txBody>
+          <a:bodyPr rtlCol="0" anchor="ctr"/>
+          <a:lstStyle/>
+          <a:p>
+            <a:pPr algn="ctr"/>
+            <a:r>
+              <a:rPr lang="en-IN"/>
+              <a:t>2</a:t>
+            </a:r>
+          </a:p>
+        </p:txBody>
+      </p:sp>
+      <p:pic>
+        <p:nvPicPr>
+          <p:cNvPr id="16" name="Picture 15">
+            <a:extLst>
+              <a:ext uri="{FF2B5EF4-FFF2-40B4-BE49-F238E27FC236}">
+                <a16:creationId xmlns:a16="http://schemas.microsoft.com/office/drawing/2014/main" id="{8E62E0D4-8551-478E-B7DC-2CAD512C310C}"/>
+              </a:ext>
+            </a:extLst>
+          </p:cNvPr>
+          <p:cNvPicPr>
+            <a:picLocks noChangeAspect="1"/>
+          </p:cNvPicPr>
+          <p:nvPr/>
+        </p:nvPicPr>
+        <p:blipFill>
+          <a:blip r:embed="rId4">
+            <a:extLst>
+              <a:ext uri="{28A0092B-C50C-407E-A947-70E740481C1C}">
+                <a14:useLocalDpi xmlns:a14="http://schemas.microsoft.com/office/drawing/2010/main" val="0"/>
+              </a:ext>
+            </a:extLst>
+          </a:blip>
+          <a:stretch>
+            <a:fillRect/>
+          </a:stretch>
+        </p:blipFill>
+        <p:spPr>
+          <a:xfrm>
+            <a:off x="7486650" y="2368922"/>
+            <a:ext cx="6516009" cy="2152950"/>
+          </a:xfrm>
+          <a:prstGeom prst="rect">
+            <a:avLst/>
+          </a:prstGeom>
+          <a:ln>
+            <a:solidFill>
+              <a:schemeClr val="tx1"/>
+            </a:solidFill>
+          </a:ln>
+        </p:spPr>
+      </p:pic>
+      <p:sp>
+        <p:nvSpPr>
+          <p:cNvPr id="17" name="Oval 16">
+            <a:extLst>
+              <a:ext uri="{FF2B5EF4-FFF2-40B4-BE49-F238E27FC236}">
+                <a16:creationId xmlns:a16="http://schemas.microsoft.com/office/drawing/2014/main" id="{61394493-ABFC-430B-AAC8-26DF0FE37B2E}"/>
+              </a:ext>
+            </a:extLst>
+          </p:cNvPr>
+          <p:cNvSpPr/>
+          <p:nvPr/>
+        </p:nvSpPr>
+        <p:spPr>
+          <a:xfrm>
+            <a:off x="13811443" y="2177706"/>
+            <a:ext cx="382432" cy="382432"/>
+          </a:xfrm>
+          <a:prstGeom prst="ellipse">
+            <a:avLst/>
+          </a:prstGeom>
+        </p:spPr>
+        <p:style>
+          <a:lnRef idx="2">
+            <a:schemeClr val="accent1">
+              <a:shade val="50000"/>
+            </a:schemeClr>
+          </a:lnRef>
+          <a:fillRef idx="1">
+            <a:schemeClr val="accent1"/>
+          </a:fillRef>
+          <a:effectRef idx="0">
+            <a:schemeClr val="accent1"/>
+          </a:effectRef>
+          <a:fontRef idx="minor">
+            <a:schemeClr val="lt1"/>
+          </a:fontRef>
+        </p:style>
+        <p:txBody>
+          <a:bodyPr rtlCol="0" anchor="ctr"/>
+          <a:lstStyle/>
+          <a:p>
+            <a:pPr algn="ctr"/>
+            <a:r>
+              <a:rPr lang="en-IN"/>
+              <a:t>3</a:t>
+            </a:r>
+          </a:p>
+        </p:txBody>
+      </p:sp>
+      <p:sp>
+        <p:nvSpPr>
+          <p:cNvPr id="18" name="TextBox 17">
+            <a:extLst>
+              <a:ext uri="{FF2B5EF4-FFF2-40B4-BE49-F238E27FC236}">
+                <a16:creationId xmlns:a16="http://schemas.microsoft.com/office/drawing/2014/main" id="{F49D2EB7-B7BD-4D8F-9B29-1F32FDAEB8AB}"/>
+              </a:ext>
+            </a:extLst>
+          </p:cNvPr>
+          <p:cNvSpPr txBox="1"/>
+          <p:nvPr/>
+        </p:nvSpPr>
+        <p:spPr>
+          <a:xfrm>
+            <a:off x="8000050" y="1683680"/>
+            <a:ext cx="5841148" cy="523220"/>
+          </a:xfrm>
+          <a:prstGeom prst="rect">
+            <a:avLst/>
+          </a:prstGeom>
+          <a:noFill/>
+        </p:spPr>
+        <p:txBody>
+          <a:bodyPr wrap="square" rtlCol="0">
+            <a:spAutoFit/>
+          </a:bodyPr>
+          <a:lstStyle/>
+          <a:p>
+            <a:r>
+              <a:rPr lang="en-IN" sz="1400">
+                <a:latin typeface="Roboto" panose="02000000000000000000" pitchFamily="2" charset="0"/>
+                <a:ea typeface="Roboto" panose="02000000000000000000" pitchFamily="2" charset="0"/>
+              </a:rPr>
+              <a:t>This goes in the mongoose method we defined for comparing password</a:t>
+            </a:r>
+          </a:p>
+        </p:txBody>
+      </p:sp>
+      <p:sp>
+        <p:nvSpPr>
+          <p:cNvPr id="19" name="Arrow: Up 18">
+            <a:extLst>
+              <a:ext uri="{FF2B5EF4-FFF2-40B4-BE49-F238E27FC236}">
+                <a16:creationId xmlns:a16="http://schemas.microsoft.com/office/drawing/2014/main" id="{A4A1383D-4F05-45D0-9576-A23FDACE7C1F}"/>
+              </a:ext>
+            </a:extLst>
+          </p:cNvPr>
+          <p:cNvSpPr/>
+          <p:nvPr/>
+        </p:nvSpPr>
+        <p:spPr>
+          <a:xfrm>
+            <a:off x="11029950" y="2005514"/>
+            <a:ext cx="157163" cy="363408"/>
+          </a:xfrm>
+          <a:prstGeom prst="upArrow">
+            <a:avLst/>
+          </a:prstGeom>
+        </p:spPr>
+        <p:style>
+          <a:lnRef idx="2">
+            <a:schemeClr val="accent1">
+              <a:shade val="50000"/>
+            </a:schemeClr>
+          </a:lnRef>
+          <a:fillRef idx="1">
+            <a:schemeClr val="accent1"/>
+          </a:fillRef>
+          <a:effectRef idx="0">
+            <a:schemeClr val="accent1"/>
+          </a:effectRef>
+          <a:fontRef idx="minor">
+            <a:schemeClr val="lt1"/>
+          </a:fontRef>
+        </p:style>
+        <p:txBody>
+          <a:bodyPr rtlCol="0" anchor="ctr"/>
+          <a:lstStyle/>
+          <a:p>
+            <a:pPr algn="ctr"/>
+            <a:endParaRPr lang="en-IN"/>
+          </a:p>
+        </p:txBody>
+      </p:sp>
+      <p:sp>
+        <p:nvSpPr>
+          <p:cNvPr id="20" name="TextBox 19">
+            <a:extLst>
+              <a:ext uri="{FF2B5EF4-FFF2-40B4-BE49-F238E27FC236}">
+                <a16:creationId xmlns:a16="http://schemas.microsoft.com/office/drawing/2014/main" id="{340E68E4-FFFE-4656-A6DE-8545CD0768D8}"/>
+              </a:ext>
+            </a:extLst>
+          </p:cNvPr>
+          <p:cNvSpPr txBox="1"/>
+          <p:nvPr/>
+        </p:nvSpPr>
+        <p:spPr>
+          <a:xfrm>
+            <a:off x="6996874" y="392422"/>
+            <a:ext cx="7330841" cy="523220"/>
+          </a:xfrm>
+          <a:prstGeom prst="rect">
+            <a:avLst/>
+          </a:prstGeom>
+          <a:noFill/>
+        </p:spPr>
+        <p:txBody>
+          <a:bodyPr wrap="square" rtlCol="0">
+            <a:spAutoFit/>
+          </a:bodyPr>
+          <a:lstStyle/>
+          <a:p>
+            <a:r>
+              <a:rPr lang="en-IN" sz="1400" i="1">
+                <a:latin typeface="Roboto" panose="02000000000000000000" pitchFamily="2" charset="0"/>
+                <a:ea typeface="Roboto" panose="02000000000000000000" pitchFamily="2" charset="0"/>
+              </a:rPr>
+              <a:t>Note that, since we used mongoose method, we need to use bcrypt only in db.js</a:t>
+            </a:r>
+          </a:p>
+          <a:p>
+            <a:r>
+              <a:rPr lang="en-IN" sz="1400" i="1">
+                <a:latin typeface="Roboto" panose="02000000000000000000" pitchFamily="2" charset="0"/>
+                <a:ea typeface="Roboto" panose="02000000000000000000" pitchFamily="2" charset="0"/>
+              </a:rPr>
+              <a:t>As both generation and comparision is done there only</a:t>
+            </a:r>
+          </a:p>
+        </p:txBody>
+      </p:sp>
+    </p:spTree>
+    <p:extLst>
+      <p:ext uri="{BB962C8B-B14F-4D97-AF65-F5344CB8AC3E}">
+        <p14:creationId xmlns:p14="http://schemas.microsoft.com/office/powerpoint/2010/main" val="3048305878"/>
+      </p:ext>
+    </p:extLst>
+  </p:cSld>
+  <p:clrMapOvr>
+    <a:masterClrMapping/>
+  </p:clrMapOvr>
+</p:sld>
+</file>
+
+<file path=ppt/slides/slide22.xml><?xml version="1.0" encoding="utf-8"?>
+<p:sld xmlns:a="http://schemas.openxmlformats.org/drawingml/2006/main" xmlns:r="http://schemas.openxmlformats.org/officeDocument/2006/relationships" xmlns:p="http://schemas.openxmlformats.org/presentationml/2006/main">
+  <p:cSld>
+    <p:spTree>
+      <p:nvGrpSpPr>
+        <p:cNvPr id="1" name=""/>
+        <p:cNvGrpSpPr/>
+        <p:nvPr/>
+      </p:nvGrpSpPr>
+      <p:grpSpPr>
+        <a:xfrm>
+          <a:off x="0" y="0"/>
+          <a:ext cx="0" cy="0"/>
+          <a:chOff x="0" y="0"/>
+          <a:chExt cx="0" cy="0"/>
+        </a:xfrm>
+      </p:grpSpPr>
+      <p:pic>
+        <p:nvPicPr>
+          <p:cNvPr id="23" name="Picture 22">
+            <a:extLst>
+              <a:ext uri="{FF2B5EF4-FFF2-40B4-BE49-F238E27FC236}">
+                <a16:creationId xmlns:a16="http://schemas.microsoft.com/office/drawing/2014/main" id="{40925798-E86B-4BDE-A542-B6E9462A4635}"/>
+              </a:ext>
+            </a:extLst>
+          </p:cNvPr>
+          <p:cNvPicPr>
+            <a:picLocks noChangeAspect="1"/>
+          </p:cNvPicPr>
+          <p:nvPr/>
+        </p:nvPicPr>
+        <p:blipFill>
+          <a:blip r:embed="rId2">
+            <a:extLst>
+              <a:ext uri="{28A0092B-C50C-407E-A947-70E740481C1C}">
+                <a14:useLocalDpi xmlns:a14="http://schemas.microsoft.com/office/drawing/2010/main" val="0"/>
+              </a:ext>
+            </a:extLst>
+          </a:blip>
+          <a:stretch>
+            <a:fillRect/>
+          </a:stretch>
+        </p:blipFill>
+        <p:spPr>
+          <a:xfrm>
+            <a:off x="8121386" y="1609276"/>
+            <a:ext cx="6270155" cy="3755155"/>
+          </a:xfrm>
+          <a:prstGeom prst="rect">
+            <a:avLst/>
+          </a:prstGeom>
+        </p:spPr>
+      </p:pic>
+      <p:pic>
+        <p:nvPicPr>
+          <p:cNvPr id="2" name="Picture 1">
+            <a:extLst>
+              <a:ext uri="{FF2B5EF4-FFF2-40B4-BE49-F238E27FC236}">
+                <a16:creationId xmlns:a16="http://schemas.microsoft.com/office/drawing/2014/main" id="{B259DCA5-8CA8-4E53-8552-8754EED0DECC}"/>
+              </a:ext>
+            </a:extLst>
+          </p:cNvPr>
+          <p:cNvPicPr>
+            <a:picLocks noChangeAspect="1"/>
+          </p:cNvPicPr>
+          <p:nvPr/>
+        </p:nvPicPr>
+        <p:blipFill>
+          <a:blip r:embed="rId3"/>
+          <a:stretch>
+            <a:fillRect/>
+          </a:stretch>
+        </p:blipFill>
+        <p:spPr>
+          <a:xfrm>
+            <a:off x="226748" y="918547"/>
+            <a:ext cx="4674677" cy="2724766"/>
+          </a:xfrm>
+          <a:prstGeom prst="rect">
+            <a:avLst/>
+          </a:prstGeom>
+        </p:spPr>
+      </p:pic>
+      <p:sp>
+        <p:nvSpPr>
+          <p:cNvPr id="3" name="TextBox 2">
+            <a:extLst>
+              <a:ext uri="{FF2B5EF4-FFF2-40B4-BE49-F238E27FC236}">
+                <a16:creationId xmlns:a16="http://schemas.microsoft.com/office/drawing/2014/main" id="{8ABD2DAF-F196-42A9-B164-8022EF148FAE}"/>
+              </a:ext>
+            </a:extLst>
+          </p:cNvPr>
+          <p:cNvSpPr txBox="1"/>
+          <p:nvPr/>
+        </p:nvSpPr>
+        <p:spPr>
+          <a:xfrm>
+            <a:off x="155809" y="30475"/>
+            <a:ext cx="1517812" cy="523220"/>
+          </a:xfrm>
+          <a:prstGeom prst="rect">
+            <a:avLst/>
+          </a:prstGeom>
+          <a:solidFill>
+            <a:srgbClr val="FFFF00"/>
+          </a:solidFill>
+        </p:spPr>
+        <p:txBody>
+          <a:bodyPr wrap="square" rtlCol="0">
+            <a:spAutoFit/>
+          </a:bodyPr>
+          <a:lstStyle/>
+          <a:p>
+            <a:r>
+              <a:rPr lang="en-IN" sz="2800" u="sng">
+                <a:latin typeface="Roboto" panose="02000000000000000000" pitchFamily="2" charset="0"/>
+                <a:ea typeface="Roboto" panose="02000000000000000000" pitchFamily="2" charset="0"/>
+              </a:rPr>
+              <a:t>Phase 3</a:t>
+            </a:r>
+          </a:p>
+        </p:txBody>
+      </p:sp>
+      <p:sp>
+        <p:nvSpPr>
+          <p:cNvPr id="4" name="TextBox 3">
+            <a:extLst>
+              <a:ext uri="{FF2B5EF4-FFF2-40B4-BE49-F238E27FC236}">
+                <a16:creationId xmlns:a16="http://schemas.microsoft.com/office/drawing/2014/main" id="{777D6EE1-E23F-47B0-BA70-092CFBE6F033}"/>
+              </a:ext>
+            </a:extLst>
+          </p:cNvPr>
+          <p:cNvSpPr txBox="1"/>
+          <p:nvPr/>
+        </p:nvSpPr>
+        <p:spPr>
+          <a:xfrm>
+            <a:off x="226748" y="610770"/>
+            <a:ext cx="5841148" cy="307777"/>
+          </a:xfrm>
+          <a:prstGeom prst="rect">
+            <a:avLst/>
+          </a:prstGeom>
+          <a:noFill/>
+        </p:spPr>
+        <p:txBody>
+          <a:bodyPr wrap="square" rtlCol="0">
+            <a:spAutoFit/>
+          </a:bodyPr>
+          <a:lstStyle/>
+          <a:p>
+            <a:r>
+              <a:rPr lang="en-IN" sz="1400">
+                <a:latin typeface="Roboto" panose="02000000000000000000" pitchFamily="2" charset="0"/>
+                <a:ea typeface="Roboto" panose="02000000000000000000" pitchFamily="2" charset="0"/>
+              </a:rPr>
+              <a:t>We will use serial pre hook of mongoose for this purpose. </a:t>
+            </a:r>
+          </a:p>
+        </p:txBody>
+      </p:sp>
+      <p:pic>
+        <p:nvPicPr>
+          <p:cNvPr id="6" name="Picture 5">
+            <a:extLst>
+              <a:ext uri="{FF2B5EF4-FFF2-40B4-BE49-F238E27FC236}">
+                <a16:creationId xmlns:a16="http://schemas.microsoft.com/office/drawing/2014/main" id="{4FF7FE43-7163-4850-A8D5-F94B4AD32573}"/>
+              </a:ext>
+            </a:extLst>
+          </p:cNvPr>
+          <p:cNvPicPr>
+            <a:picLocks noChangeAspect="1"/>
+          </p:cNvPicPr>
+          <p:nvPr/>
+        </p:nvPicPr>
+        <p:blipFill rotWithShape="1">
+          <a:blip r:embed="rId4">
+            <a:extLst>
+              <a:ext uri="{28A0092B-C50C-407E-A947-70E740481C1C}">
+                <a14:useLocalDpi xmlns:a14="http://schemas.microsoft.com/office/drawing/2010/main" val="0"/>
+              </a:ext>
+            </a:extLst>
+          </a:blip>
+          <a:srcRect t="32696"/>
+          <a:stretch/>
+        </p:blipFill>
+        <p:spPr>
+          <a:xfrm>
+            <a:off x="326854" y="3851489"/>
+            <a:ext cx="3602393" cy="500062"/>
+          </a:xfrm>
+          <a:prstGeom prst="rect">
+            <a:avLst/>
+          </a:prstGeom>
+        </p:spPr>
+      </p:pic>
+      <p:pic>
+        <p:nvPicPr>
+          <p:cNvPr id="9" name="Picture 8">
+            <a:extLst>
+              <a:ext uri="{FF2B5EF4-FFF2-40B4-BE49-F238E27FC236}">
+                <a16:creationId xmlns:a16="http://schemas.microsoft.com/office/drawing/2014/main" id="{445B1655-6010-4988-B473-D3403CDED006}"/>
+              </a:ext>
+            </a:extLst>
+          </p:cNvPr>
+          <p:cNvPicPr>
+            <a:picLocks noChangeAspect="1"/>
+          </p:cNvPicPr>
+          <p:nvPr/>
+        </p:nvPicPr>
+        <p:blipFill>
+          <a:blip r:embed="rId5"/>
+          <a:stretch>
+            <a:fillRect/>
+          </a:stretch>
+        </p:blipFill>
+        <p:spPr>
+          <a:xfrm>
+            <a:off x="5463954" y="2643551"/>
+            <a:ext cx="2143992" cy="1686607"/>
+          </a:xfrm>
+          <a:prstGeom prst="rect">
+            <a:avLst/>
+          </a:prstGeom>
+        </p:spPr>
+      </p:pic>
+      <p:sp>
+        <p:nvSpPr>
+          <p:cNvPr id="10" name="TextBox 9">
+            <a:extLst>
+              <a:ext uri="{FF2B5EF4-FFF2-40B4-BE49-F238E27FC236}">
+                <a16:creationId xmlns:a16="http://schemas.microsoft.com/office/drawing/2014/main" id="{CD24FA5C-76ED-4EFE-997B-C82D2E321CBF}"/>
+              </a:ext>
+            </a:extLst>
+          </p:cNvPr>
+          <p:cNvSpPr txBox="1"/>
+          <p:nvPr/>
+        </p:nvSpPr>
+        <p:spPr>
+          <a:xfrm>
+            <a:off x="5463954" y="818979"/>
+            <a:ext cx="7496351" cy="523220"/>
+          </a:xfrm>
+          <a:prstGeom prst="rect">
+            <a:avLst/>
+          </a:prstGeom>
+          <a:noFill/>
+        </p:spPr>
+        <p:txBody>
+          <a:bodyPr wrap="square" rtlCol="0">
+            <a:spAutoFit/>
+          </a:bodyPr>
+          <a:lstStyle/>
+          <a:p>
+            <a:r>
+              <a:rPr lang="en-IN" sz="1400" i="1">
+                <a:solidFill>
+                  <a:srgbClr val="3333CC"/>
+                </a:solidFill>
+                <a:latin typeface="Roboto" panose="02000000000000000000" pitchFamily="2" charset="0"/>
+                <a:ea typeface="Roboto" panose="02000000000000000000" pitchFamily="2" charset="0"/>
+              </a:rPr>
+              <a:t>Recall, that save is called by userModel instance in route.js. So in this pre hook, “</a:t>
+            </a:r>
+            <a:r>
+              <a:rPr lang="en-IN" sz="1400" i="1">
+                <a:solidFill>
+                  <a:srgbClr val="FF0000"/>
+                </a:solidFill>
+                <a:latin typeface="Roboto" panose="02000000000000000000" pitchFamily="2" charset="0"/>
+                <a:ea typeface="Roboto" panose="02000000000000000000" pitchFamily="2" charset="0"/>
+              </a:rPr>
+              <a:t>this</a:t>
+            </a:r>
+            <a:r>
+              <a:rPr lang="en-IN" sz="1400" i="1">
+                <a:solidFill>
+                  <a:srgbClr val="3333CC"/>
+                </a:solidFill>
+                <a:latin typeface="Roboto" panose="02000000000000000000" pitchFamily="2" charset="0"/>
+                <a:ea typeface="Roboto" panose="02000000000000000000" pitchFamily="2" charset="0"/>
+              </a:rPr>
+              <a:t>” would refer to that model instance. This is how, we could get  the password to be hashed here.</a:t>
+            </a:r>
+          </a:p>
+        </p:txBody>
+      </p:sp>
+      <p:sp>
+        <p:nvSpPr>
+          <p:cNvPr id="13" name="Arrow: Right 12">
+            <a:extLst>
+              <a:ext uri="{FF2B5EF4-FFF2-40B4-BE49-F238E27FC236}">
+                <a16:creationId xmlns:a16="http://schemas.microsoft.com/office/drawing/2014/main" id="{CA630B9B-AF22-4F41-9FEB-0AC97FF6FEAB}"/>
+              </a:ext>
+            </a:extLst>
+          </p:cNvPr>
+          <p:cNvSpPr/>
+          <p:nvPr/>
+        </p:nvSpPr>
+        <p:spPr>
+          <a:xfrm>
+            <a:off x="7759593" y="3406398"/>
+            <a:ext cx="258330" cy="160912"/>
+          </a:xfrm>
+          <a:prstGeom prst="rightArrow">
+            <a:avLst/>
+          </a:prstGeom>
+        </p:spPr>
+        <p:style>
+          <a:lnRef idx="2">
+            <a:schemeClr val="accent1">
+              <a:shade val="50000"/>
+            </a:schemeClr>
+          </a:lnRef>
+          <a:fillRef idx="1">
+            <a:schemeClr val="accent1"/>
+          </a:fillRef>
+          <a:effectRef idx="0">
+            <a:schemeClr val="accent1"/>
+          </a:effectRef>
+          <a:fontRef idx="minor">
+            <a:schemeClr val="lt1"/>
+          </a:fontRef>
+        </p:style>
+        <p:txBody>
+          <a:bodyPr rtlCol="0" anchor="ctr"/>
+          <a:lstStyle/>
+          <a:p>
+            <a:pPr algn="ctr"/>
+            <a:endParaRPr lang="en-IN"/>
+          </a:p>
+        </p:txBody>
+      </p:sp>
+      <p:sp>
+        <p:nvSpPr>
+          <p:cNvPr id="14" name="Oval 13">
+            <a:extLst>
+              <a:ext uri="{FF2B5EF4-FFF2-40B4-BE49-F238E27FC236}">
+                <a16:creationId xmlns:a16="http://schemas.microsoft.com/office/drawing/2014/main" id="{94FAF773-10F6-4F11-98C2-DF37EDF1ECBF}"/>
+              </a:ext>
+            </a:extLst>
+          </p:cNvPr>
+          <p:cNvSpPr/>
+          <p:nvPr/>
+        </p:nvSpPr>
+        <p:spPr>
+          <a:xfrm>
+            <a:off x="3546815" y="3660273"/>
+            <a:ext cx="382432" cy="382432"/>
+          </a:xfrm>
+          <a:prstGeom prst="ellipse">
+            <a:avLst/>
+          </a:prstGeom>
+        </p:spPr>
+        <p:style>
+          <a:lnRef idx="2">
+            <a:schemeClr val="accent1">
+              <a:shade val="50000"/>
+            </a:schemeClr>
+          </a:lnRef>
+          <a:fillRef idx="1">
+            <a:schemeClr val="accent1"/>
+          </a:fillRef>
+          <a:effectRef idx="0">
+            <a:schemeClr val="accent1"/>
+          </a:effectRef>
+          <a:fontRef idx="minor">
+            <a:schemeClr val="lt1"/>
+          </a:fontRef>
+        </p:style>
+        <p:txBody>
+          <a:bodyPr rtlCol="0" anchor="ctr"/>
+          <a:lstStyle/>
+          <a:p>
+            <a:pPr algn="ctr"/>
+            <a:r>
+              <a:rPr lang="en-IN"/>
+              <a:t>1</a:t>
+            </a:r>
+          </a:p>
+        </p:txBody>
+      </p:sp>
+      <p:sp>
+        <p:nvSpPr>
+          <p:cNvPr id="15" name="Oval 14">
+            <a:extLst>
+              <a:ext uri="{FF2B5EF4-FFF2-40B4-BE49-F238E27FC236}">
+                <a16:creationId xmlns:a16="http://schemas.microsoft.com/office/drawing/2014/main" id="{442794B5-0855-4F72-AC1A-A1B0D7F58886}"/>
+              </a:ext>
+            </a:extLst>
+          </p:cNvPr>
+          <p:cNvSpPr/>
+          <p:nvPr/>
+        </p:nvSpPr>
+        <p:spPr>
+          <a:xfrm>
+            <a:off x="8017923" y="1482008"/>
+            <a:ext cx="382432" cy="382432"/>
+          </a:xfrm>
+          <a:prstGeom prst="ellipse">
+            <a:avLst/>
+          </a:prstGeom>
+        </p:spPr>
+        <p:style>
+          <a:lnRef idx="2">
+            <a:schemeClr val="accent1">
+              <a:shade val="50000"/>
+            </a:schemeClr>
+          </a:lnRef>
+          <a:fillRef idx="1">
+            <a:schemeClr val="accent1"/>
+          </a:fillRef>
+          <a:effectRef idx="0">
+            <a:schemeClr val="accent1"/>
+          </a:effectRef>
+          <a:fontRef idx="minor">
+            <a:schemeClr val="lt1"/>
+          </a:fontRef>
+        </p:style>
+        <p:txBody>
+          <a:bodyPr rtlCol="0" anchor="ctr"/>
+          <a:lstStyle/>
+          <a:p>
+            <a:pPr algn="ctr"/>
+            <a:r>
+              <a:rPr lang="en-IN"/>
+              <a:t>2</a:t>
+            </a:r>
+          </a:p>
+        </p:txBody>
+      </p:sp>
+      <p:sp>
+        <p:nvSpPr>
+          <p:cNvPr id="21" name="TextBox 20">
+            <a:extLst>
+              <a:ext uri="{FF2B5EF4-FFF2-40B4-BE49-F238E27FC236}">
+                <a16:creationId xmlns:a16="http://schemas.microsoft.com/office/drawing/2014/main" id="{9245C304-9CAE-4BF2-8770-5FD8976341C4}"/>
+              </a:ext>
+            </a:extLst>
+          </p:cNvPr>
+          <p:cNvSpPr txBox="1"/>
+          <p:nvPr/>
+        </p:nvSpPr>
+        <p:spPr>
+          <a:xfrm>
+            <a:off x="9445404" y="5631508"/>
+            <a:ext cx="4499197" cy="523220"/>
+          </a:xfrm>
+          <a:prstGeom prst="rect">
+            <a:avLst/>
+          </a:prstGeom>
+          <a:noFill/>
+        </p:spPr>
+        <p:txBody>
+          <a:bodyPr wrap="square" rtlCol="0">
+            <a:spAutoFit/>
+          </a:bodyPr>
+          <a:lstStyle/>
+          <a:p>
+            <a:r>
+              <a:rPr lang="en-IN" sz="1400" i="1">
+                <a:solidFill>
+                  <a:srgbClr val="3333CC"/>
+                </a:solidFill>
+                <a:latin typeface="Roboto" panose="02000000000000000000" pitchFamily="2" charset="0"/>
+                <a:ea typeface="Roboto" panose="02000000000000000000" pitchFamily="2" charset="0"/>
+              </a:rPr>
+              <a:t>Also Note, when there is an error, we are sending next(error)</a:t>
+            </a:r>
+          </a:p>
+        </p:txBody>
+      </p:sp>
+    </p:spTree>
+    <p:extLst>
+      <p:ext uri="{BB962C8B-B14F-4D97-AF65-F5344CB8AC3E}">
+        <p14:creationId xmlns:p14="http://schemas.microsoft.com/office/powerpoint/2010/main" val="1134625105"/>
+      </p:ext>
+    </p:extLst>
+  </p:cSld>
+  <p:clrMapOvr>
+    <a:masterClrMapping/>
+  </p:clrMapOvr>
+</p:sld>
+</file>
+
+<file path=ppt/slides/slide23.xml><?xml version="1.0" encoding="utf-8"?>
+<p:sld xmlns:a="http://schemas.openxmlformats.org/drawingml/2006/main" xmlns:r="http://schemas.openxmlformats.org/officeDocument/2006/relationships" xmlns:p="http://schemas.openxmlformats.org/presentationml/2006/main">
+  <p:cSld>
+    <p:spTree>
+      <p:nvGrpSpPr>
+        <p:cNvPr id="1" name=""/>
+        <p:cNvGrpSpPr/>
+        <p:nvPr/>
+      </p:nvGrpSpPr>
+      <p:grpSpPr>
+        <a:xfrm>
+          <a:off x="0" y="0"/>
+          <a:ext cx="0" cy="0"/>
+          <a:chOff x="0" y="0"/>
+          <a:chExt cx="0" cy="0"/>
+        </a:xfrm>
+      </p:grpSpPr>
+      <p:sp>
+        <p:nvSpPr>
+          <p:cNvPr id="3" name="TextBox 2">
+            <a:extLst>
+              <a:ext uri="{FF2B5EF4-FFF2-40B4-BE49-F238E27FC236}">
+                <a16:creationId xmlns:a16="http://schemas.microsoft.com/office/drawing/2014/main" id="{8ABD2DAF-F196-42A9-B164-8022EF148FAE}"/>
+              </a:ext>
+            </a:extLst>
+          </p:cNvPr>
+          <p:cNvSpPr txBox="1"/>
+          <p:nvPr/>
+        </p:nvSpPr>
+        <p:spPr>
+          <a:xfrm>
+            <a:off x="155809" y="30475"/>
+            <a:ext cx="1517812" cy="523220"/>
+          </a:xfrm>
+          <a:prstGeom prst="rect">
+            <a:avLst/>
+          </a:prstGeom>
+          <a:solidFill>
+            <a:srgbClr val="FFFF00"/>
+          </a:solidFill>
+        </p:spPr>
+        <p:txBody>
+          <a:bodyPr wrap="square" rtlCol="0">
+            <a:spAutoFit/>
+          </a:bodyPr>
+          <a:lstStyle/>
+          <a:p>
+            <a:r>
+              <a:rPr lang="en-IN" sz="2800" u="sng">
+                <a:latin typeface="Roboto" panose="02000000000000000000" pitchFamily="2" charset="0"/>
+                <a:ea typeface="Roboto" panose="02000000000000000000" pitchFamily="2" charset="0"/>
+              </a:rPr>
+              <a:t>Phase 3</a:t>
+            </a:r>
+          </a:p>
+        </p:txBody>
+      </p:sp>
+      <p:sp>
+        <p:nvSpPr>
+          <p:cNvPr id="17" name="TextBox 16">
+            <a:extLst>
+              <a:ext uri="{FF2B5EF4-FFF2-40B4-BE49-F238E27FC236}">
+                <a16:creationId xmlns:a16="http://schemas.microsoft.com/office/drawing/2014/main" id="{4ED90E0E-E468-409A-83D8-95434319FE04}"/>
+              </a:ext>
+            </a:extLst>
+          </p:cNvPr>
+          <p:cNvSpPr txBox="1"/>
+          <p:nvPr/>
+        </p:nvSpPr>
+        <p:spPr>
+          <a:xfrm>
+            <a:off x="155809" y="699341"/>
+            <a:ext cx="5841148" cy="307777"/>
+          </a:xfrm>
+          <a:prstGeom prst="rect">
+            <a:avLst/>
+          </a:prstGeom>
+          <a:noFill/>
+        </p:spPr>
+        <p:txBody>
+          <a:bodyPr wrap="square" rtlCol="0">
+            <a:spAutoFit/>
+          </a:bodyPr>
+          <a:lstStyle/>
+          <a:p>
+            <a:r>
+              <a:rPr lang="en-IN" sz="1400">
+                <a:latin typeface="Roboto" panose="02000000000000000000" pitchFamily="2" charset="0"/>
+                <a:ea typeface="Roboto" panose="02000000000000000000" pitchFamily="2" charset="0"/>
+              </a:rPr>
+              <a:t>And then the compare password method..</a:t>
+            </a:r>
+          </a:p>
+        </p:txBody>
+      </p:sp>
+      <p:pic>
+        <p:nvPicPr>
+          <p:cNvPr id="7" name="Picture 6">
+            <a:extLst>
+              <a:ext uri="{FF2B5EF4-FFF2-40B4-BE49-F238E27FC236}">
+                <a16:creationId xmlns:a16="http://schemas.microsoft.com/office/drawing/2014/main" id="{FBC51D9E-1C29-4B34-A409-97244772CF9B}"/>
+              </a:ext>
+            </a:extLst>
+          </p:cNvPr>
+          <p:cNvPicPr>
+            <a:picLocks noChangeAspect="1"/>
+          </p:cNvPicPr>
+          <p:nvPr/>
+        </p:nvPicPr>
+        <p:blipFill>
+          <a:blip r:embed="rId2">
+            <a:extLst>
+              <a:ext uri="{28A0092B-C50C-407E-A947-70E740481C1C}">
+                <a14:useLocalDpi xmlns:a14="http://schemas.microsoft.com/office/drawing/2010/main" val="0"/>
+              </a:ext>
+            </a:extLst>
+          </a:blip>
+          <a:stretch>
+            <a:fillRect/>
+          </a:stretch>
+        </p:blipFill>
+        <p:spPr>
+          <a:xfrm>
+            <a:off x="586002" y="1628533"/>
+            <a:ext cx="5410955" cy="3458058"/>
+          </a:xfrm>
+          <a:prstGeom prst="rect">
+            <a:avLst/>
+          </a:prstGeom>
+        </p:spPr>
+      </p:pic>
+      <p:sp>
+        <p:nvSpPr>
+          <p:cNvPr id="18" name="Oval 17">
+            <a:extLst>
+              <a:ext uri="{FF2B5EF4-FFF2-40B4-BE49-F238E27FC236}">
+                <a16:creationId xmlns:a16="http://schemas.microsoft.com/office/drawing/2014/main" id="{149771B5-D9AE-46F5-935F-A0BC5E4B37B0}"/>
+              </a:ext>
+            </a:extLst>
+          </p:cNvPr>
+          <p:cNvSpPr/>
+          <p:nvPr/>
+        </p:nvSpPr>
+        <p:spPr>
+          <a:xfrm>
+            <a:off x="5805741" y="1437317"/>
+            <a:ext cx="382432" cy="382432"/>
+          </a:xfrm>
+          <a:prstGeom prst="ellipse">
+            <a:avLst/>
+          </a:prstGeom>
+        </p:spPr>
+        <p:style>
+          <a:lnRef idx="2">
+            <a:schemeClr val="accent1">
+              <a:shade val="50000"/>
+            </a:schemeClr>
+          </a:lnRef>
+          <a:fillRef idx="1">
+            <a:schemeClr val="accent1"/>
+          </a:fillRef>
+          <a:effectRef idx="0">
+            <a:schemeClr val="accent1"/>
+          </a:effectRef>
+          <a:fontRef idx="minor">
+            <a:schemeClr val="lt1"/>
+          </a:fontRef>
+        </p:style>
+        <p:txBody>
+          <a:bodyPr rtlCol="0" anchor="ctr"/>
+          <a:lstStyle/>
+          <a:p>
+            <a:pPr algn="ctr"/>
+            <a:r>
+              <a:rPr lang="en-IN"/>
+              <a:t>3</a:t>
+            </a:r>
+          </a:p>
+        </p:txBody>
+      </p:sp>
+    </p:spTree>
+    <p:extLst>
+      <p:ext uri="{BB962C8B-B14F-4D97-AF65-F5344CB8AC3E}">
+        <p14:creationId xmlns:p14="http://schemas.microsoft.com/office/powerpoint/2010/main" val="1248192590"/>
+      </p:ext>
+    </p:extLst>
+  </p:cSld>
+  <p:clrMapOvr>
+    <a:masterClrMapping/>
+  </p:clrMapOvr>
+</p:sld>
+</file>
+
+<file path=ppt/slides/slide24.xml><?xml version="1.0" encoding="utf-8"?>
+<p:sld xmlns:a="http://schemas.openxmlformats.org/drawingml/2006/main" xmlns:r="http://schemas.openxmlformats.org/officeDocument/2006/relationships" xmlns:p="http://schemas.openxmlformats.org/presentationml/2006/main">
+  <p:cSld>
+    <p:spTree>
+      <p:nvGrpSpPr>
+        <p:cNvPr id="1" name=""/>
+        <p:cNvGrpSpPr/>
+        <p:nvPr/>
+      </p:nvGrpSpPr>
+      <p:grpSpPr>
+        <a:xfrm>
+          <a:off x="0" y="0"/>
+          <a:ext cx="0" cy="0"/>
+          <a:chOff x="0" y="0"/>
+          <a:chExt cx="0" cy="0"/>
+        </a:xfrm>
+      </p:grpSpPr>
+      <p:sp>
+        <p:nvSpPr>
+          <p:cNvPr id="3" name="TextBox 2">
+            <a:extLst>
+              <a:ext uri="{FF2B5EF4-FFF2-40B4-BE49-F238E27FC236}">
+                <a16:creationId xmlns:a16="http://schemas.microsoft.com/office/drawing/2014/main" id="{8ABD2DAF-F196-42A9-B164-8022EF148FAE}"/>
+              </a:ext>
+            </a:extLst>
+          </p:cNvPr>
+          <p:cNvSpPr txBox="1"/>
+          <p:nvPr/>
+        </p:nvSpPr>
+        <p:spPr>
+          <a:xfrm>
+            <a:off x="155809" y="30475"/>
+            <a:ext cx="1517812" cy="523220"/>
+          </a:xfrm>
+          <a:prstGeom prst="rect">
+            <a:avLst/>
+          </a:prstGeom>
+          <a:solidFill>
+            <a:srgbClr val="FFFF00"/>
+          </a:solidFill>
+        </p:spPr>
+        <p:txBody>
+          <a:bodyPr wrap="square" rtlCol="0">
+            <a:spAutoFit/>
+          </a:bodyPr>
+          <a:lstStyle/>
+          <a:p>
+            <a:r>
+              <a:rPr lang="en-IN" sz="2800" u="sng">
+                <a:latin typeface="Roboto" panose="02000000000000000000" pitchFamily="2" charset="0"/>
+                <a:ea typeface="Roboto" panose="02000000000000000000" pitchFamily="2" charset="0"/>
+              </a:rPr>
+              <a:t>Phase 4</a:t>
+            </a:r>
+          </a:p>
+        </p:txBody>
+      </p:sp>
+      <p:sp>
+        <p:nvSpPr>
+          <p:cNvPr id="6" name="Rectangle 5">
+            <a:extLst>
+              <a:ext uri="{FF2B5EF4-FFF2-40B4-BE49-F238E27FC236}">
+                <a16:creationId xmlns:a16="http://schemas.microsoft.com/office/drawing/2014/main" id="{C10FAFC2-002E-44DF-B53E-E5343809C857}"/>
+              </a:ext>
+            </a:extLst>
+          </p:cNvPr>
+          <p:cNvSpPr/>
+          <p:nvPr/>
+        </p:nvSpPr>
+        <p:spPr>
+          <a:xfrm>
+            <a:off x="753864" y="1676886"/>
+            <a:ext cx="1473594" cy="1434906"/>
+          </a:xfrm>
+          <a:prstGeom prst="rect">
+            <a:avLst/>
+          </a:prstGeom>
+          <a:solidFill>
+            <a:srgbClr val="00B050"/>
+          </a:solidFill>
+          <a:ln>
+            <a:noFill/>
+          </a:ln>
+        </p:spPr>
+        <p:style>
+          <a:lnRef idx="2">
+            <a:schemeClr val="accent1">
+              <a:shade val="50000"/>
+            </a:schemeClr>
+          </a:lnRef>
+          <a:fillRef idx="1">
+            <a:schemeClr val="accent1"/>
+          </a:fillRef>
+          <a:effectRef idx="0">
+            <a:schemeClr val="accent1"/>
+          </a:effectRef>
+          <a:fontRef idx="minor">
+            <a:schemeClr val="lt1"/>
+          </a:fontRef>
+        </p:style>
+        <p:txBody>
+          <a:bodyPr rtlCol="0" anchor="ctr"/>
+          <a:lstStyle/>
+          <a:p>
+            <a:pPr algn="ctr"/>
+            <a:endParaRPr lang="en-IN"/>
+          </a:p>
+        </p:txBody>
+      </p:sp>
+      <p:sp>
+        <p:nvSpPr>
+          <p:cNvPr id="8" name="Rectangle 7">
+            <a:extLst>
+              <a:ext uri="{FF2B5EF4-FFF2-40B4-BE49-F238E27FC236}">
+                <a16:creationId xmlns:a16="http://schemas.microsoft.com/office/drawing/2014/main" id="{652BBAE1-7524-4D5D-A66B-E36E3C6E3CEC}"/>
+              </a:ext>
+            </a:extLst>
+          </p:cNvPr>
+          <p:cNvSpPr/>
+          <p:nvPr/>
+        </p:nvSpPr>
+        <p:spPr>
+          <a:xfrm>
+            <a:off x="753864" y="2394339"/>
+            <a:ext cx="1167620" cy="717453"/>
+          </a:xfrm>
+          <a:prstGeom prst="rect">
+            <a:avLst/>
+          </a:prstGeom>
+          <a:solidFill>
+            <a:schemeClr val="accent2">
+              <a:lumMod val="75000"/>
+            </a:schemeClr>
+          </a:solidFill>
+          <a:ln>
+            <a:noFill/>
+          </a:ln>
+        </p:spPr>
+        <p:style>
+          <a:lnRef idx="2">
+            <a:schemeClr val="accent1">
+              <a:shade val="50000"/>
+            </a:schemeClr>
+          </a:lnRef>
+          <a:fillRef idx="1">
+            <a:schemeClr val="accent1"/>
+          </a:fillRef>
+          <a:effectRef idx="0">
+            <a:schemeClr val="accent1"/>
+          </a:effectRef>
+          <a:fontRef idx="minor">
+            <a:schemeClr val="lt1"/>
+          </a:fontRef>
+        </p:style>
+        <p:txBody>
+          <a:bodyPr rtlCol="0" anchor="ctr"/>
+          <a:lstStyle/>
+          <a:p>
+            <a:pPr algn="ctr"/>
+            <a:r>
+              <a:rPr lang="en-IN"/>
+              <a:t>User Mgmt</a:t>
+            </a:r>
+          </a:p>
+        </p:txBody>
+      </p:sp>
+      <p:sp>
+        <p:nvSpPr>
+          <p:cNvPr id="9" name="Rectangle 8">
+            <a:extLst>
+              <a:ext uri="{FF2B5EF4-FFF2-40B4-BE49-F238E27FC236}">
+                <a16:creationId xmlns:a16="http://schemas.microsoft.com/office/drawing/2014/main" id="{DB4C5D5C-F8E4-4D47-8D2D-2775169AAFD8}"/>
+              </a:ext>
+            </a:extLst>
+          </p:cNvPr>
+          <p:cNvSpPr/>
+          <p:nvPr/>
+        </p:nvSpPr>
+        <p:spPr>
+          <a:xfrm>
+            <a:off x="353002" y="3111792"/>
+            <a:ext cx="1871003" cy="717453"/>
+          </a:xfrm>
+          <a:prstGeom prst="rect">
+            <a:avLst/>
+          </a:prstGeom>
+          <a:ln>
+            <a:noFill/>
+          </a:ln>
+        </p:spPr>
+        <p:style>
+          <a:lnRef idx="2">
+            <a:schemeClr val="accent1">
+              <a:shade val="50000"/>
+            </a:schemeClr>
+          </a:lnRef>
+          <a:fillRef idx="1">
+            <a:schemeClr val="accent1"/>
+          </a:fillRef>
+          <a:effectRef idx="0">
+            <a:schemeClr val="accent1"/>
+          </a:effectRef>
+          <a:fontRef idx="minor">
+            <a:schemeClr val="lt1"/>
+          </a:fontRef>
+        </p:style>
+        <p:txBody>
+          <a:bodyPr rtlCol="0" anchor="ctr"/>
+          <a:lstStyle/>
+          <a:p>
+            <a:pPr algn="ctr"/>
+            <a:r>
+              <a:rPr lang="en-IN"/>
+              <a:t>Templates</a:t>
+            </a:r>
+          </a:p>
+        </p:txBody>
+      </p:sp>
+      <p:sp>
+        <p:nvSpPr>
+          <p:cNvPr id="10" name="Rectangle 9">
+            <a:extLst>
+              <a:ext uri="{FF2B5EF4-FFF2-40B4-BE49-F238E27FC236}">
+                <a16:creationId xmlns:a16="http://schemas.microsoft.com/office/drawing/2014/main" id="{D87EC050-A966-4B46-8039-6DD4EAB94180}"/>
+              </a:ext>
+            </a:extLst>
+          </p:cNvPr>
+          <p:cNvSpPr/>
+          <p:nvPr/>
+        </p:nvSpPr>
+        <p:spPr>
+          <a:xfrm>
+            <a:off x="353001" y="3801111"/>
+            <a:ext cx="1871003" cy="717453"/>
+          </a:xfrm>
+          <a:prstGeom prst="rect">
+            <a:avLst/>
+          </a:prstGeom>
+          <a:solidFill>
+            <a:schemeClr val="tx1">
+              <a:lumMod val="50000"/>
+              <a:lumOff val="50000"/>
+            </a:schemeClr>
+          </a:solidFill>
+          <a:ln>
+            <a:noFill/>
+          </a:ln>
+        </p:spPr>
+        <p:style>
+          <a:lnRef idx="2">
+            <a:schemeClr val="accent1">
+              <a:shade val="50000"/>
+            </a:schemeClr>
+          </a:lnRef>
+          <a:fillRef idx="1">
+            <a:schemeClr val="accent1"/>
+          </a:fillRef>
+          <a:effectRef idx="0">
+            <a:schemeClr val="accent1"/>
+          </a:effectRef>
+          <a:fontRef idx="minor">
+            <a:schemeClr val="lt1"/>
+          </a:fontRef>
+        </p:style>
+        <p:txBody>
+          <a:bodyPr rtlCol="0" anchor="ctr"/>
+          <a:lstStyle/>
+          <a:p>
+            <a:pPr algn="ctr"/>
+            <a:r>
+              <a:rPr lang="en-IN"/>
+              <a:t>MongoDB</a:t>
+            </a:r>
+          </a:p>
+          <a:p>
+            <a:pPr algn="ctr"/>
+            <a:r>
+              <a:rPr lang="en-IN"/>
+              <a:t>(local)</a:t>
+            </a:r>
+          </a:p>
+        </p:txBody>
+      </p:sp>
+      <p:sp>
+        <p:nvSpPr>
+          <p:cNvPr id="11" name="TextBox 10">
+            <a:extLst>
+              <a:ext uri="{FF2B5EF4-FFF2-40B4-BE49-F238E27FC236}">
+                <a16:creationId xmlns:a16="http://schemas.microsoft.com/office/drawing/2014/main" id="{A47BFEC2-16F2-4E9B-AD40-814EEC1CFABE}"/>
+              </a:ext>
+            </a:extLst>
+          </p:cNvPr>
+          <p:cNvSpPr txBox="1"/>
+          <p:nvPr/>
+        </p:nvSpPr>
+        <p:spPr>
+          <a:xfrm>
+            <a:off x="845292" y="1865014"/>
+            <a:ext cx="1290738" cy="369332"/>
+          </a:xfrm>
+          <a:prstGeom prst="rect">
+            <a:avLst/>
+          </a:prstGeom>
+          <a:noFill/>
+        </p:spPr>
+        <p:txBody>
+          <a:bodyPr wrap="none" rtlCol="0">
+            <a:spAutoFit/>
+          </a:bodyPr>
+          <a:lstStyle/>
+          <a:p>
+            <a:r>
+              <a:rPr lang="en-IN">
+                <a:solidFill>
+                  <a:schemeClr val="bg1"/>
+                </a:solidFill>
+              </a:rPr>
+              <a:t>Story Mgmt</a:t>
+            </a:r>
+          </a:p>
+        </p:txBody>
+      </p:sp>
+      <p:sp>
+        <p:nvSpPr>
+          <p:cNvPr id="12" name="Rectangle 11">
+            <a:extLst>
+              <a:ext uri="{FF2B5EF4-FFF2-40B4-BE49-F238E27FC236}">
+                <a16:creationId xmlns:a16="http://schemas.microsoft.com/office/drawing/2014/main" id="{0FE40159-B9BD-42A1-833A-7161DC370EC9}"/>
+              </a:ext>
+            </a:extLst>
+          </p:cNvPr>
+          <p:cNvSpPr/>
+          <p:nvPr/>
+        </p:nvSpPr>
+        <p:spPr>
+          <a:xfrm>
+            <a:off x="11825405" y="1033963"/>
+            <a:ext cx="1972936" cy="1789232"/>
+          </a:xfrm>
+          <a:prstGeom prst="rect">
+            <a:avLst/>
+          </a:prstGeom>
+          <a:solidFill>
+            <a:schemeClr val="accent6">
+              <a:lumMod val="40000"/>
+              <a:lumOff val="60000"/>
+            </a:schemeClr>
+          </a:solidFill>
+          <a:ln>
+            <a:noFill/>
+          </a:ln>
+        </p:spPr>
+        <p:style>
+          <a:lnRef idx="2">
+            <a:schemeClr val="accent1">
+              <a:shade val="50000"/>
+            </a:schemeClr>
+          </a:lnRef>
+          <a:fillRef idx="1">
+            <a:schemeClr val="accent1"/>
+          </a:fillRef>
+          <a:effectRef idx="0">
+            <a:schemeClr val="accent1"/>
+          </a:effectRef>
+          <a:fontRef idx="minor">
+            <a:schemeClr val="lt1"/>
+          </a:fontRef>
+        </p:style>
+        <p:txBody>
+          <a:bodyPr rtlCol="0" anchor="ctr"/>
+          <a:lstStyle/>
+          <a:p>
+            <a:pPr algn="ctr"/>
+            <a:endParaRPr lang="en-IN" sz="1400">
+              <a:latin typeface="Roboto" panose="02000000000000000000" pitchFamily="2" charset="0"/>
+              <a:ea typeface="Roboto" panose="02000000000000000000" pitchFamily="2" charset="0"/>
+            </a:endParaRPr>
+          </a:p>
+        </p:txBody>
+      </p:sp>
+      <p:sp>
+        <p:nvSpPr>
+          <p:cNvPr id="14" name="Rectangle 13">
+            <a:extLst>
+              <a:ext uri="{FF2B5EF4-FFF2-40B4-BE49-F238E27FC236}">
+                <a16:creationId xmlns:a16="http://schemas.microsoft.com/office/drawing/2014/main" id="{EF07B5F2-5E8C-4444-9AEE-3FB781E3D078}"/>
+              </a:ext>
+            </a:extLst>
+          </p:cNvPr>
+          <p:cNvSpPr/>
+          <p:nvPr/>
+        </p:nvSpPr>
+        <p:spPr>
+          <a:xfrm>
+            <a:off x="5878344" y="1033963"/>
+            <a:ext cx="1968026" cy="1761606"/>
+          </a:xfrm>
+          <a:prstGeom prst="rect">
+            <a:avLst/>
+          </a:prstGeom>
+          <a:solidFill>
+            <a:schemeClr val="accent6">
+              <a:lumMod val="40000"/>
+              <a:lumOff val="60000"/>
+            </a:schemeClr>
+          </a:solidFill>
+          <a:ln>
+            <a:noFill/>
+          </a:ln>
+        </p:spPr>
+        <p:style>
+          <a:lnRef idx="2">
+            <a:schemeClr val="accent1">
+              <a:shade val="50000"/>
+            </a:schemeClr>
+          </a:lnRef>
+          <a:fillRef idx="1">
+            <a:schemeClr val="accent1"/>
+          </a:fillRef>
+          <a:effectRef idx="0">
+            <a:schemeClr val="accent1"/>
+          </a:effectRef>
+          <a:fontRef idx="minor">
+            <a:schemeClr val="lt1"/>
+          </a:fontRef>
+        </p:style>
+        <p:txBody>
+          <a:bodyPr rtlCol="0" anchor="ctr"/>
+          <a:lstStyle/>
+          <a:p>
+            <a:pPr algn="ctr"/>
+            <a:endParaRPr lang="en-IN" sz="1400">
+              <a:latin typeface="Roboto" panose="02000000000000000000" pitchFamily="2" charset="0"/>
+              <a:ea typeface="Roboto" panose="02000000000000000000" pitchFamily="2" charset="0"/>
+            </a:endParaRPr>
+          </a:p>
+        </p:txBody>
+      </p:sp>
+      <p:sp>
+        <p:nvSpPr>
+          <p:cNvPr id="15" name="TextBox 14">
+            <a:extLst>
+              <a:ext uri="{FF2B5EF4-FFF2-40B4-BE49-F238E27FC236}">
+                <a16:creationId xmlns:a16="http://schemas.microsoft.com/office/drawing/2014/main" id="{97569C2A-9310-4C59-AABE-E4049F3DFDA2}"/>
+              </a:ext>
+            </a:extLst>
+          </p:cNvPr>
+          <p:cNvSpPr txBox="1"/>
+          <p:nvPr/>
+        </p:nvSpPr>
+        <p:spPr>
+          <a:xfrm>
+            <a:off x="6086266" y="594808"/>
+            <a:ext cx="1362874" cy="307777"/>
+          </a:xfrm>
+          <a:prstGeom prst="rect">
+            <a:avLst/>
+          </a:prstGeom>
+          <a:noFill/>
+        </p:spPr>
+        <p:txBody>
+          <a:bodyPr wrap="none" rtlCol="0">
+            <a:spAutoFit/>
+          </a:bodyPr>
+          <a:lstStyle/>
+          <a:p>
+            <a:r>
+              <a:rPr lang="en-IN" sz="1400" b="1">
+                <a:latin typeface="Roboto" panose="02000000000000000000" pitchFamily="2" charset="0"/>
+                <a:ea typeface="Roboto" panose="02000000000000000000" pitchFamily="2" charset="0"/>
+              </a:rPr>
+              <a:t>newStory.html</a:t>
+            </a:r>
+          </a:p>
+        </p:txBody>
+      </p:sp>
+      <p:sp>
+        <p:nvSpPr>
+          <p:cNvPr id="16" name="TextBox 15">
+            <a:extLst>
+              <a:ext uri="{FF2B5EF4-FFF2-40B4-BE49-F238E27FC236}">
+                <a16:creationId xmlns:a16="http://schemas.microsoft.com/office/drawing/2014/main" id="{D8405E2D-0F7C-4DDB-93D8-A1169417AC76}"/>
+              </a:ext>
+            </a:extLst>
+          </p:cNvPr>
+          <p:cNvSpPr txBox="1"/>
+          <p:nvPr/>
+        </p:nvSpPr>
+        <p:spPr>
+          <a:xfrm>
+            <a:off x="6102158" y="1423356"/>
+            <a:ext cx="1744212" cy="523220"/>
+          </a:xfrm>
+          <a:prstGeom prst="rect">
+            <a:avLst/>
+          </a:prstGeom>
+          <a:noFill/>
+        </p:spPr>
+        <p:txBody>
+          <a:bodyPr wrap="square" rtlCol="0">
+            <a:spAutoFit/>
+          </a:bodyPr>
+          <a:lstStyle/>
+          <a:p>
+            <a:r>
+              <a:rPr lang="en-IN" sz="1400">
+                <a:latin typeface="Roboto" panose="02000000000000000000" pitchFamily="2" charset="0"/>
+                <a:ea typeface="Roboto" panose="02000000000000000000" pitchFamily="2" charset="0"/>
+              </a:rPr>
+              <a:t>User creates the story</a:t>
+            </a:r>
+          </a:p>
+        </p:txBody>
+      </p:sp>
+      <p:sp>
+        <p:nvSpPr>
+          <p:cNvPr id="17" name="Rectangle 16">
+            <a:extLst>
+              <a:ext uri="{FF2B5EF4-FFF2-40B4-BE49-F238E27FC236}">
+                <a16:creationId xmlns:a16="http://schemas.microsoft.com/office/drawing/2014/main" id="{55876ABA-5D4F-4121-BFE9-5B3F8D05E79F}"/>
+              </a:ext>
+            </a:extLst>
+          </p:cNvPr>
+          <p:cNvSpPr/>
+          <p:nvPr/>
+        </p:nvSpPr>
+        <p:spPr>
+          <a:xfrm>
+            <a:off x="7798436" y="1033963"/>
+            <a:ext cx="2042298" cy="1789231"/>
+          </a:xfrm>
+          <a:prstGeom prst="rect">
+            <a:avLst/>
+          </a:prstGeom>
+          <a:solidFill>
+            <a:schemeClr val="bg1">
+              <a:lumMod val="95000"/>
+            </a:schemeClr>
+          </a:solidFill>
+          <a:ln>
+            <a:noFill/>
+          </a:ln>
+        </p:spPr>
+        <p:style>
+          <a:lnRef idx="2">
+            <a:schemeClr val="accent1">
+              <a:shade val="50000"/>
+            </a:schemeClr>
+          </a:lnRef>
+          <a:fillRef idx="1">
+            <a:schemeClr val="accent1"/>
+          </a:fillRef>
+          <a:effectRef idx="0">
+            <a:schemeClr val="accent1"/>
+          </a:effectRef>
+          <a:fontRef idx="minor">
+            <a:schemeClr val="lt1"/>
+          </a:fontRef>
+        </p:style>
+        <p:txBody>
+          <a:bodyPr rtlCol="0" anchor="ctr"/>
+          <a:lstStyle/>
+          <a:p>
+            <a:pPr algn="ctr"/>
+            <a:endParaRPr lang="en-IN" sz="1400">
+              <a:latin typeface="Roboto" panose="02000000000000000000" pitchFamily="2" charset="0"/>
+              <a:ea typeface="Roboto" panose="02000000000000000000" pitchFamily="2" charset="0"/>
+            </a:endParaRPr>
+          </a:p>
+        </p:txBody>
+      </p:sp>
+      <p:sp>
+        <p:nvSpPr>
+          <p:cNvPr id="18" name="Arrow: Right 17">
+            <a:extLst>
+              <a:ext uri="{FF2B5EF4-FFF2-40B4-BE49-F238E27FC236}">
+                <a16:creationId xmlns:a16="http://schemas.microsoft.com/office/drawing/2014/main" id="{3C60161F-6384-4400-8B20-966B1E16FABE}"/>
+              </a:ext>
+            </a:extLst>
+          </p:cNvPr>
+          <p:cNvSpPr/>
+          <p:nvPr/>
+        </p:nvSpPr>
+        <p:spPr>
+          <a:xfrm>
+            <a:off x="7196698" y="2313945"/>
+            <a:ext cx="984738" cy="323556"/>
+          </a:xfrm>
+          <a:prstGeom prst="rightArrow">
+            <a:avLst/>
+          </a:prstGeom>
+        </p:spPr>
+        <p:style>
+          <a:lnRef idx="2">
+            <a:schemeClr val="accent1">
+              <a:shade val="50000"/>
+            </a:schemeClr>
+          </a:lnRef>
+          <a:fillRef idx="1">
+            <a:schemeClr val="accent1"/>
+          </a:fillRef>
+          <a:effectRef idx="0">
+            <a:schemeClr val="accent1"/>
+          </a:effectRef>
+          <a:fontRef idx="minor">
+            <a:schemeClr val="lt1"/>
+          </a:fontRef>
+        </p:style>
+        <p:txBody>
+          <a:bodyPr rtlCol="0" anchor="ctr"/>
+          <a:lstStyle/>
+          <a:p>
+            <a:pPr algn="ctr"/>
+            <a:endParaRPr lang="en-IN" sz="1400">
+              <a:latin typeface="Roboto" panose="02000000000000000000" pitchFamily="2" charset="0"/>
+              <a:ea typeface="Roboto" panose="02000000000000000000" pitchFamily="2" charset="0"/>
+            </a:endParaRPr>
+          </a:p>
+        </p:txBody>
+      </p:sp>
+      <p:sp>
+        <p:nvSpPr>
+          <p:cNvPr id="19" name="TextBox 18">
+            <a:extLst>
+              <a:ext uri="{FF2B5EF4-FFF2-40B4-BE49-F238E27FC236}">
+                <a16:creationId xmlns:a16="http://schemas.microsoft.com/office/drawing/2014/main" id="{FF59DB87-7754-4548-A2E7-CCA912162E69}"/>
+              </a:ext>
+            </a:extLst>
+          </p:cNvPr>
+          <p:cNvSpPr txBox="1"/>
+          <p:nvPr/>
+        </p:nvSpPr>
+        <p:spPr>
+          <a:xfrm>
+            <a:off x="7109093" y="2000858"/>
+            <a:ext cx="990977" cy="307777"/>
+          </a:xfrm>
+          <a:prstGeom prst="rect">
+            <a:avLst/>
+          </a:prstGeom>
+          <a:noFill/>
+        </p:spPr>
+        <p:txBody>
+          <a:bodyPr wrap="none" rtlCol="0">
+            <a:spAutoFit/>
+          </a:bodyPr>
+          <a:lstStyle/>
+          <a:p>
+            <a:r>
+              <a:rPr lang="en-IN" sz="1400">
+                <a:solidFill>
+                  <a:srgbClr val="3333CC"/>
+                </a:solidFill>
+                <a:latin typeface="Roboto" panose="02000000000000000000" pitchFamily="2" charset="0"/>
+                <a:ea typeface="Roboto" panose="02000000000000000000" pitchFamily="2" charset="0"/>
+              </a:rPr>
+              <a:t>/addStory</a:t>
+            </a:r>
+          </a:p>
+        </p:txBody>
+      </p:sp>
+      <p:sp>
+        <p:nvSpPr>
+          <p:cNvPr id="20" name="TextBox 19">
+            <a:extLst>
+              <a:ext uri="{FF2B5EF4-FFF2-40B4-BE49-F238E27FC236}">
+                <a16:creationId xmlns:a16="http://schemas.microsoft.com/office/drawing/2014/main" id="{81752753-748F-4C81-B2C4-A18B05A7CB7C}"/>
+              </a:ext>
+            </a:extLst>
+          </p:cNvPr>
+          <p:cNvSpPr txBox="1"/>
+          <p:nvPr/>
+        </p:nvSpPr>
+        <p:spPr>
+          <a:xfrm>
+            <a:off x="8087342" y="1231368"/>
+            <a:ext cx="1460427" cy="738664"/>
+          </a:xfrm>
+          <a:prstGeom prst="rect">
+            <a:avLst/>
+          </a:prstGeom>
+          <a:noFill/>
+        </p:spPr>
+        <p:txBody>
+          <a:bodyPr wrap="square" rtlCol="0">
+            <a:spAutoFit/>
+          </a:bodyPr>
+          <a:lstStyle/>
+          <a:p>
+            <a:r>
+              <a:rPr lang="en-IN" sz="1400">
+                <a:latin typeface="Roboto" panose="02000000000000000000" pitchFamily="2" charset="0"/>
+                <a:ea typeface="Roboto" panose="02000000000000000000" pitchFamily="2" charset="0"/>
+              </a:rPr>
+              <a:t>Save in DB</a:t>
+            </a:r>
+          </a:p>
+          <a:p>
+            <a:endParaRPr lang="en-IN" sz="1400">
+              <a:latin typeface="Roboto" panose="02000000000000000000" pitchFamily="2" charset="0"/>
+              <a:ea typeface="Roboto" panose="02000000000000000000" pitchFamily="2" charset="0"/>
+            </a:endParaRPr>
+          </a:p>
+          <a:p>
+            <a:r>
+              <a:rPr lang="en-IN" sz="1400">
+                <a:latin typeface="Roboto" panose="02000000000000000000" pitchFamily="2" charset="0"/>
+                <a:ea typeface="Roboto" panose="02000000000000000000" pitchFamily="2" charset="0"/>
+              </a:rPr>
+              <a:t>If error, 500</a:t>
+            </a:r>
+          </a:p>
+        </p:txBody>
+      </p:sp>
+      <p:sp>
+        <p:nvSpPr>
+          <p:cNvPr id="21" name="TextBox 20">
+            <a:extLst>
+              <a:ext uri="{FF2B5EF4-FFF2-40B4-BE49-F238E27FC236}">
+                <a16:creationId xmlns:a16="http://schemas.microsoft.com/office/drawing/2014/main" id="{0FBC3B8B-9764-418D-99B1-DDB6A8E5C19E}"/>
+              </a:ext>
+            </a:extLst>
+          </p:cNvPr>
+          <p:cNvSpPr txBox="1"/>
+          <p:nvPr/>
+        </p:nvSpPr>
+        <p:spPr>
+          <a:xfrm>
+            <a:off x="8197891" y="638118"/>
+            <a:ext cx="880369" cy="307777"/>
+          </a:xfrm>
+          <a:prstGeom prst="rect">
+            <a:avLst/>
+          </a:prstGeom>
+          <a:noFill/>
+        </p:spPr>
+        <p:txBody>
+          <a:bodyPr wrap="none" rtlCol="0">
+            <a:spAutoFit/>
+          </a:bodyPr>
+          <a:lstStyle/>
+          <a:p>
+            <a:r>
+              <a:rPr lang="en-IN" sz="1400" b="1" i="1">
+                <a:solidFill>
+                  <a:srgbClr val="FF0000"/>
+                </a:solidFill>
+                <a:latin typeface="Roboto" panose="02000000000000000000" pitchFamily="2" charset="0"/>
+                <a:ea typeface="Roboto" panose="02000000000000000000" pitchFamily="2" charset="0"/>
+              </a:rPr>
+              <a:t>Pageless</a:t>
+            </a:r>
+          </a:p>
+        </p:txBody>
+      </p:sp>
+      <p:sp>
+        <p:nvSpPr>
+          <p:cNvPr id="22" name="Rectangle 21">
+            <a:extLst>
+              <a:ext uri="{FF2B5EF4-FFF2-40B4-BE49-F238E27FC236}">
+                <a16:creationId xmlns:a16="http://schemas.microsoft.com/office/drawing/2014/main" id="{3E067A2A-88C1-4B98-B21C-35F090DC55C6}"/>
+              </a:ext>
+            </a:extLst>
+          </p:cNvPr>
+          <p:cNvSpPr/>
+          <p:nvPr/>
+        </p:nvSpPr>
+        <p:spPr>
+          <a:xfrm>
+            <a:off x="9869240" y="1033963"/>
+            <a:ext cx="1942131" cy="1789231"/>
+          </a:xfrm>
+          <a:prstGeom prst="rect">
+            <a:avLst/>
+          </a:prstGeom>
+          <a:solidFill>
+            <a:schemeClr val="accent6">
+              <a:lumMod val="40000"/>
+              <a:lumOff val="60000"/>
+            </a:schemeClr>
+          </a:solidFill>
+          <a:ln>
+            <a:noFill/>
+          </a:ln>
+        </p:spPr>
+        <p:style>
+          <a:lnRef idx="2">
+            <a:schemeClr val="accent1">
+              <a:shade val="50000"/>
+            </a:schemeClr>
+          </a:lnRef>
+          <a:fillRef idx="1">
+            <a:schemeClr val="accent1"/>
+          </a:fillRef>
+          <a:effectRef idx="0">
+            <a:schemeClr val="accent1"/>
+          </a:effectRef>
+          <a:fontRef idx="minor">
+            <a:schemeClr val="lt1"/>
+          </a:fontRef>
+        </p:style>
+        <p:txBody>
+          <a:bodyPr rtlCol="0" anchor="ctr"/>
+          <a:lstStyle/>
+          <a:p>
+            <a:pPr algn="ctr"/>
+            <a:endParaRPr lang="en-IN" sz="1400">
+              <a:latin typeface="Roboto" panose="02000000000000000000" pitchFamily="2" charset="0"/>
+              <a:ea typeface="Roboto" panose="02000000000000000000" pitchFamily="2" charset="0"/>
+            </a:endParaRPr>
+          </a:p>
+        </p:txBody>
+      </p:sp>
+      <p:sp>
+        <p:nvSpPr>
+          <p:cNvPr id="23" name="TextBox 22">
+            <a:extLst>
+              <a:ext uri="{FF2B5EF4-FFF2-40B4-BE49-F238E27FC236}">
+                <a16:creationId xmlns:a16="http://schemas.microsoft.com/office/drawing/2014/main" id="{C2217B21-6C0A-4227-966E-B33C4CC06273}"/>
+              </a:ext>
+            </a:extLst>
+          </p:cNvPr>
+          <p:cNvSpPr txBox="1"/>
+          <p:nvPr/>
+        </p:nvSpPr>
+        <p:spPr>
+          <a:xfrm>
+            <a:off x="10148542" y="610253"/>
+            <a:ext cx="1372492" cy="307777"/>
+          </a:xfrm>
+          <a:prstGeom prst="rect">
+            <a:avLst/>
+          </a:prstGeom>
+          <a:noFill/>
+        </p:spPr>
+        <p:txBody>
+          <a:bodyPr wrap="none" rtlCol="0">
+            <a:spAutoFit/>
+          </a:bodyPr>
+          <a:lstStyle/>
+          <a:p>
+            <a:r>
+              <a:rPr lang="en-IN" sz="1400" b="1">
+                <a:latin typeface="Roboto" panose="02000000000000000000" pitchFamily="2" charset="0"/>
+                <a:ea typeface="Roboto" panose="02000000000000000000" pitchFamily="2" charset="0"/>
+              </a:rPr>
+              <a:t>allStories.html</a:t>
+            </a:r>
+          </a:p>
+        </p:txBody>
+      </p:sp>
+      <p:sp>
+        <p:nvSpPr>
+          <p:cNvPr id="24" name="TextBox 23">
+            <a:extLst>
+              <a:ext uri="{FF2B5EF4-FFF2-40B4-BE49-F238E27FC236}">
+                <a16:creationId xmlns:a16="http://schemas.microsoft.com/office/drawing/2014/main" id="{7B4BABE7-21C7-4836-AACD-CD9E032BF020}"/>
+              </a:ext>
+            </a:extLst>
+          </p:cNvPr>
+          <p:cNvSpPr txBox="1"/>
+          <p:nvPr/>
+        </p:nvSpPr>
+        <p:spPr>
+          <a:xfrm>
+            <a:off x="9989765" y="1272287"/>
+            <a:ext cx="1744212" cy="738664"/>
+          </a:xfrm>
+          <a:prstGeom prst="rect">
+            <a:avLst/>
+          </a:prstGeom>
+          <a:noFill/>
+        </p:spPr>
+        <p:txBody>
+          <a:bodyPr wrap="square" rtlCol="0">
+            <a:spAutoFit/>
+          </a:bodyPr>
+          <a:lstStyle/>
+          <a:p>
+            <a:r>
+              <a:rPr lang="en-IN" sz="1400">
+                <a:latin typeface="Roboto" panose="02000000000000000000" pitchFamily="2" charset="0"/>
+                <a:ea typeface="Roboto" panose="02000000000000000000" pitchFamily="2" charset="0"/>
+              </a:rPr>
+              <a:t>Show title and link</a:t>
+            </a:r>
+          </a:p>
+          <a:p>
+            <a:r>
+              <a:rPr lang="en-IN" sz="1400">
+                <a:latin typeface="Roboto" panose="02000000000000000000" pitchFamily="2" charset="0"/>
+                <a:ea typeface="Roboto" panose="02000000000000000000" pitchFamily="2" charset="0"/>
+              </a:rPr>
+              <a:t>For all user stories</a:t>
+            </a:r>
+          </a:p>
+          <a:p>
+            <a:r>
+              <a:rPr lang="en-IN" sz="1400">
+                <a:latin typeface="Roboto" panose="02000000000000000000" pitchFamily="2" charset="0"/>
+                <a:ea typeface="Roboto" panose="02000000000000000000" pitchFamily="2" charset="0"/>
+              </a:rPr>
+              <a:t>Here. </a:t>
+            </a:r>
+          </a:p>
+        </p:txBody>
+      </p:sp>
+      <p:sp>
+        <p:nvSpPr>
+          <p:cNvPr id="25" name="Arrow: Right 24">
+            <a:extLst>
+              <a:ext uri="{FF2B5EF4-FFF2-40B4-BE49-F238E27FC236}">
+                <a16:creationId xmlns:a16="http://schemas.microsoft.com/office/drawing/2014/main" id="{BF03637C-7108-4053-9589-4BD74B8EE120}"/>
+              </a:ext>
+            </a:extLst>
+          </p:cNvPr>
+          <p:cNvSpPr/>
+          <p:nvPr/>
+        </p:nvSpPr>
+        <p:spPr>
+          <a:xfrm>
+            <a:off x="9321948" y="2339778"/>
+            <a:ext cx="984738" cy="323556"/>
+          </a:xfrm>
+          <a:prstGeom prst="rightArrow">
+            <a:avLst/>
+          </a:prstGeom>
+        </p:spPr>
+        <p:style>
+          <a:lnRef idx="2">
+            <a:schemeClr val="accent1">
+              <a:shade val="50000"/>
+            </a:schemeClr>
+          </a:lnRef>
+          <a:fillRef idx="1">
+            <a:schemeClr val="accent1"/>
+          </a:fillRef>
+          <a:effectRef idx="0">
+            <a:schemeClr val="accent1"/>
+          </a:effectRef>
+          <a:fontRef idx="minor">
+            <a:schemeClr val="lt1"/>
+          </a:fontRef>
+        </p:style>
+        <p:txBody>
+          <a:bodyPr rtlCol="0" anchor="ctr"/>
+          <a:lstStyle/>
+          <a:p>
+            <a:pPr algn="ctr"/>
+            <a:endParaRPr lang="en-IN" sz="1400">
+              <a:latin typeface="Roboto" panose="02000000000000000000" pitchFamily="2" charset="0"/>
+              <a:ea typeface="Roboto" panose="02000000000000000000" pitchFamily="2" charset="0"/>
+            </a:endParaRPr>
+          </a:p>
+        </p:txBody>
+      </p:sp>
+      <p:sp>
+        <p:nvSpPr>
+          <p:cNvPr id="26" name="TextBox 25">
+            <a:extLst>
+              <a:ext uri="{FF2B5EF4-FFF2-40B4-BE49-F238E27FC236}">
+                <a16:creationId xmlns:a16="http://schemas.microsoft.com/office/drawing/2014/main" id="{81EE65E6-948D-4D61-9AAB-60EC5C7A66DD}"/>
+              </a:ext>
+            </a:extLst>
+          </p:cNvPr>
+          <p:cNvSpPr txBox="1"/>
+          <p:nvPr/>
+        </p:nvSpPr>
+        <p:spPr>
+          <a:xfrm>
+            <a:off x="9330818" y="2026029"/>
+            <a:ext cx="1019831" cy="307777"/>
+          </a:xfrm>
+          <a:prstGeom prst="rect">
+            <a:avLst/>
+          </a:prstGeom>
+          <a:noFill/>
+        </p:spPr>
+        <p:txBody>
+          <a:bodyPr wrap="none" rtlCol="0">
+            <a:spAutoFit/>
+          </a:bodyPr>
+          <a:lstStyle/>
+          <a:p>
+            <a:r>
+              <a:rPr lang="en-IN" sz="1400">
+                <a:solidFill>
+                  <a:srgbClr val="3333CC"/>
+                </a:solidFill>
+                <a:latin typeface="Roboto" panose="02000000000000000000" pitchFamily="2" charset="0"/>
+                <a:ea typeface="Roboto" panose="02000000000000000000" pitchFamily="2" charset="0"/>
+              </a:rPr>
+              <a:t>/allStories</a:t>
+            </a:r>
+          </a:p>
+        </p:txBody>
+      </p:sp>
+      <p:sp>
+        <p:nvSpPr>
+          <p:cNvPr id="27" name="TextBox 26">
+            <a:extLst>
+              <a:ext uri="{FF2B5EF4-FFF2-40B4-BE49-F238E27FC236}">
+                <a16:creationId xmlns:a16="http://schemas.microsoft.com/office/drawing/2014/main" id="{6A7F8463-AC20-4588-AFA5-12D756590C8D}"/>
+              </a:ext>
+            </a:extLst>
+          </p:cNvPr>
+          <p:cNvSpPr txBox="1"/>
+          <p:nvPr/>
+        </p:nvSpPr>
+        <p:spPr>
+          <a:xfrm>
+            <a:off x="7385742" y="2611101"/>
+            <a:ext cx="639919" cy="307777"/>
+          </a:xfrm>
+          <a:prstGeom prst="rect">
+            <a:avLst/>
+          </a:prstGeom>
+          <a:noFill/>
+        </p:spPr>
+        <p:txBody>
+          <a:bodyPr wrap="none" rtlCol="0">
+            <a:spAutoFit/>
+          </a:bodyPr>
+          <a:lstStyle/>
+          <a:p>
+            <a:r>
+              <a:rPr lang="en-IN" sz="1400">
+                <a:solidFill>
+                  <a:srgbClr val="3333CC"/>
+                </a:solidFill>
+                <a:latin typeface="Roboto" panose="02000000000000000000" pitchFamily="2" charset="0"/>
+                <a:ea typeface="Roboto" panose="02000000000000000000" pitchFamily="2" charset="0"/>
+              </a:rPr>
+              <a:t>POST</a:t>
+            </a:r>
+          </a:p>
+        </p:txBody>
+      </p:sp>
+      <p:sp>
+        <p:nvSpPr>
+          <p:cNvPr id="28" name="TextBox 27">
+            <a:extLst>
+              <a:ext uri="{FF2B5EF4-FFF2-40B4-BE49-F238E27FC236}">
+                <a16:creationId xmlns:a16="http://schemas.microsoft.com/office/drawing/2014/main" id="{1E32AFF4-39E1-46DE-B55A-AD5F5AE97ACC}"/>
+              </a:ext>
+            </a:extLst>
+          </p:cNvPr>
+          <p:cNvSpPr txBox="1"/>
+          <p:nvPr/>
+        </p:nvSpPr>
+        <p:spPr>
+          <a:xfrm>
+            <a:off x="9602879" y="2607589"/>
+            <a:ext cx="516488" cy="307777"/>
+          </a:xfrm>
+          <a:prstGeom prst="rect">
+            <a:avLst/>
+          </a:prstGeom>
+          <a:noFill/>
+        </p:spPr>
+        <p:txBody>
+          <a:bodyPr wrap="none" rtlCol="0">
+            <a:spAutoFit/>
+          </a:bodyPr>
+          <a:lstStyle/>
+          <a:p>
+            <a:r>
+              <a:rPr lang="en-IN" sz="1400">
+                <a:solidFill>
+                  <a:srgbClr val="3333CC"/>
+                </a:solidFill>
+                <a:latin typeface="Roboto" panose="02000000000000000000" pitchFamily="2" charset="0"/>
+                <a:ea typeface="Roboto" panose="02000000000000000000" pitchFamily="2" charset="0"/>
+              </a:rPr>
+              <a:t>GET</a:t>
+            </a:r>
+          </a:p>
+        </p:txBody>
+      </p:sp>
+      <p:sp>
+        <p:nvSpPr>
+          <p:cNvPr id="31" name="TextBox 30">
+            <a:extLst>
+              <a:ext uri="{FF2B5EF4-FFF2-40B4-BE49-F238E27FC236}">
+                <a16:creationId xmlns:a16="http://schemas.microsoft.com/office/drawing/2014/main" id="{D56D4A0A-CF38-4770-AC45-3CDECF6A0D2D}"/>
+              </a:ext>
+            </a:extLst>
+          </p:cNvPr>
+          <p:cNvSpPr txBox="1"/>
+          <p:nvPr/>
+        </p:nvSpPr>
+        <p:spPr>
+          <a:xfrm>
+            <a:off x="12122421" y="655219"/>
+            <a:ext cx="1378904" cy="307777"/>
+          </a:xfrm>
+          <a:prstGeom prst="rect">
+            <a:avLst/>
+          </a:prstGeom>
+          <a:noFill/>
+        </p:spPr>
+        <p:txBody>
+          <a:bodyPr wrap="none" rtlCol="0">
+            <a:spAutoFit/>
+          </a:bodyPr>
+          <a:lstStyle/>
+          <a:p>
+            <a:r>
+              <a:rPr lang="en-IN" sz="1400" b="1">
+                <a:solidFill>
+                  <a:srgbClr val="FF0000"/>
+                </a:solidFill>
+                <a:latin typeface="Roboto" panose="02000000000000000000" pitchFamily="2" charset="0"/>
+                <a:ea typeface="Roboto" panose="02000000000000000000" pitchFamily="2" charset="0"/>
+              </a:rPr>
+              <a:t>slug</a:t>
+            </a:r>
+            <a:r>
+              <a:rPr lang="en-IN" sz="1400" b="1">
+                <a:latin typeface="Roboto" panose="02000000000000000000" pitchFamily="2" charset="0"/>
+                <a:ea typeface="Roboto" panose="02000000000000000000" pitchFamily="2" charset="0"/>
+              </a:rPr>
+              <a:t>Story.html</a:t>
+            </a:r>
+          </a:p>
+        </p:txBody>
+      </p:sp>
+      <p:sp>
+        <p:nvSpPr>
+          <p:cNvPr id="32" name="TextBox 31">
+            <a:extLst>
+              <a:ext uri="{FF2B5EF4-FFF2-40B4-BE49-F238E27FC236}">
+                <a16:creationId xmlns:a16="http://schemas.microsoft.com/office/drawing/2014/main" id="{BBD52073-184A-4AC5-ABE7-B9B06DA2A060}"/>
+              </a:ext>
+            </a:extLst>
+          </p:cNvPr>
+          <p:cNvSpPr txBox="1"/>
+          <p:nvPr/>
+        </p:nvSpPr>
+        <p:spPr>
+          <a:xfrm>
+            <a:off x="12481396" y="1175897"/>
+            <a:ext cx="935305" cy="1169551"/>
+          </a:xfrm>
+          <a:prstGeom prst="rect">
+            <a:avLst/>
+          </a:prstGeom>
+          <a:noFill/>
+        </p:spPr>
+        <p:txBody>
+          <a:bodyPr wrap="square" rtlCol="0">
+            <a:spAutoFit/>
+          </a:bodyPr>
+          <a:lstStyle/>
+          <a:p>
+            <a:r>
+              <a:rPr lang="en-IN" sz="1400">
+                <a:latin typeface="Roboto" panose="02000000000000000000" pitchFamily="2" charset="0"/>
+                <a:ea typeface="Roboto" panose="02000000000000000000" pitchFamily="2" charset="0"/>
+              </a:rPr>
+              <a:t>Show the chosen</a:t>
+            </a:r>
+          </a:p>
+          <a:p>
+            <a:r>
+              <a:rPr lang="en-IN" sz="1400">
+                <a:latin typeface="Roboto" panose="02000000000000000000" pitchFamily="2" charset="0"/>
+                <a:ea typeface="Roboto" panose="02000000000000000000" pitchFamily="2" charset="0"/>
+              </a:rPr>
+              <a:t>Story</a:t>
+            </a:r>
+          </a:p>
+          <a:p>
+            <a:r>
+              <a:rPr lang="en-IN" sz="1400">
+                <a:latin typeface="Roboto" panose="02000000000000000000" pitchFamily="2" charset="0"/>
+                <a:ea typeface="Roboto" panose="02000000000000000000" pitchFamily="2" charset="0"/>
+              </a:rPr>
+              <a:t>Fully </a:t>
+            </a:r>
+          </a:p>
+          <a:p>
+            <a:r>
+              <a:rPr lang="en-IN" sz="1400">
+                <a:latin typeface="Roboto" panose="02000000000000000000" pitchFamily="2" charset="0"/>
+                <a:ea typeface="Roboto" panose="02000000000000000000" pitchFamily="2" charset="0"/>
+              </a:rPr>
+              <a:t>here</a:t>
+            </a:r>
+          </a:p>
+        </p:txBody>
+      </p:sp>
+      <p:sp>
+        <p:nvSpPr>
+          <p:cNvPr id="33" name="Arrow: Right 32">
+            <a:extLst>
+              <a:ext uri="{FF2B5EF4-FFF2-40B4-BE49-F238E27FC236}">
+                <a16:creationId xmlns:a16="http://schemas.microsoft.com/office/drawing/2014/main" id="{BB4725B5-0FC6-4843-B504-E4D1F79D32E6}"/>
+              </a:ext>
+            </a:extLst>
+          </p:cNvPr>
+          <p:cNvSpPr/>
+          <p:nvPr/>
+        </p:nvSpPr>
+        <p:spPr>
+          <a:xfrm>
+            <a:off x="11255686" y="2313945"/>
+            <a:ext cx="984738" cy="323556"/>
+          </a:xfrm>
+          <a:prstGeom prst="rightArrow">
+            <a:avLst/>
+          </a:prstGeom>
+        </p:spPr>
+        <p:style>
+          <a:lnRef idx="2">
+            <a:schemeClr val="accent1">
+              <a:shade val="50000"/>
+            </a:schemeClr>
+          </a:lnRef>
+          <a:fillRef idx="1">
+            <a:schemeClr val="accent1"/>
+          </a:fillRef>
+          <a:effectRef idx="0">
+            <a:schemeClr val="accent1"/>
+          </a:effectRef>
+          <a:fontRef idx="minor">
+            <a:schemeClr val="lt1"/>
+          </a:fontRef>
+        </p:style>
+        <p:txBody>
+          <a:bodyPr rtlCol="0" anchor="ctr"/>
+          <a:lstStyle/>
+          <a:p>
+            <a:pPr algn="ctr"/>
+            <a:endParaRPr lang="en-IN" sz="1400">
+              <a:latin typeface="Roboto" panose="02000000000000000000" pitchFamily="2" charset="0"/>
+              <a:ea typeface="Roboto" panose="02000000000000000000" pitchFamily="2" charset="0"/>
+            </a:endParaRPr>
+          </a:p>
+        </p:txBody>
+      </p:sp>
+      <p:sp>
+        <p:nvSpPr>
+          <p:cNvPr id="34" name="TextBox 33">
+            <a:extLst>
+              <a:ext uri="{FF2B5EF4-FFF2-40B4-BE49-F238E27FC236}">
+                <a16:creationId xmlns:a16="http://schemas.microsoft.com/office/drawing/2014/main" id="{57E6ED47-71FF-4A5A-B621-608EE32FB9B6}"/>
+              </a:ext>
+            </a:extLst>
+          </p:cNvPr>
+          <p:cNvSpPr txBox="1"/>
+          <p:nvPr/>
+        </p:nvSpPr>
+        <p:spPr>
+          <a:xfrm>
+            <a:off x="11163729" y="2044123"/>
+            <a:ext cx="1031051" cy="307777"/>
+          </a:xfrm>
+          <a:prstGeom prst="rect">
+            <a:avLst/>
+          </a:prstGeom>
+          <a:noFill/>
+        </p:spPr>
+        <p:txBody>
+          <a:bodyPr wrap="none" rtlCol="0">
+            <a:spAutoFit/>
+          </a:bodyPr>
+          <a:lstStyle/>
+          <a:p>
+            <a:r>
+              <a:rPr lang="en-IN" sz="1400">
+                <a:solidFill>
+                  <a:srgbClr val="3333CC"/>
+                </a:solidFill>
+                <a:latin typeface="Roboto" panose="02000000000000000000" pitchFamily="2" charset="0"/>
+                <a:ea typeface="Roboto" panose="02000000000000000000" pitchFamily="2" charset="0"/>
+              </a:rPr>
+              <a:t>/slugStory</a:t>
+            </a:r>
+          </a:p>
+        </p:txBody>
+      </p:sp>
+      <p:sp>
+        <p:nvSpPr>
+          <p:cNvPr id="35" name="TextBox 34">
+            <a:extLst>
+              <a:ext uri="{FF2B5EF4-FFF2-40B4-BE49-F238E27FC236}">
+                <a16:creationId xmlns:a16="http://schemas.microsoft.com/office/drawing/2014/main" id="{24A78CAB-A47C-44CA-B555-9E032467C179}"/>
+              </a:ext>
+            </a:extLst>
+          </p:cNvPr>
+          <p:cNvSpPr txBox="1"/>
+          <p:nvPr/>
+        </p:nvSpPr>
+        <p:spPr>
+          <a:xfrm>
+            <a:off x="11536617" y="2581756"/>
+            <a:ext cx="516488" cy="307777"/>
+          </a:xfrm>
+          <a:prstGeom prst="rect">
+            <a:avLst/>
+          </a:prstGeom>
+          <a:noFill/>
+        </p:spPr>
+        <p:txBody>
+          <a:bodyPr wrap="none" rtlCol="0">
+            <a:spAutoFit/>
+          </a:bodyPr>
+          <a:lstStyle/>
+          <a:p>
+            <a:r>
+              <a:rPr lang="en-IN" sz="1400">
+                <a:solidFill>
+                  <a:srgbClr val="3333CC"/>
+                </a:solidFill>
+                <a:latin typeface="Roboto" panose="02000000000000000000" pitchFamily="2" charset="0"/>
+                <a:ea typeface="Roboto" panose="02000000000000000000" pitchFamily="2" charset="0"/>
+              </a:rPr>
+              <a:t>GET</a:t>
+            </a:r>
+          </a:p>
+        </p:txBody>
+      </p:sp>
+      <p:sp>
+        <p:nvSpPr>
+          <p:cNvPr id="13" name="TextBox 12">
+            <a:extLst>
+              <a:ext uri="{FF2B5EF4-FFF2-40B4-BE49-F238E27FC236}">
+                <a16:creationId xmlns:a16="http://schemas.microsoft.com/office/drawing/2014/main" id="{B0DB0E92-661E-496D-9A04-72C3DCD65BCA}"/>
+              </a:ext>
+            </a:extLst>
+          </p:cNvPr>
+          <p:cNvSpPr txBox="1"/>
+          <p:nvPr/>
+        </p:nvSpPr>
+        <p:spPr>
+          <a:xfrm>
+            <a:off x="160457" y="4599490"/>
+            <a:ext cx="4724370" cy="1569660"/>
+          </a:xfrm>
+          <a:prstGeom prst="rect">
+            <a:avLst/>
+          </a:prstGeom>
+          <a:noFill/>
+        </p:spPr>
+        <p:txBody>
+          <a:bodyPr wrap="none" rtlCol="0">
+            <a:spAutoFit/>
+          </a:bodyPr>
+          <a:lstStyle/>
+          <a:p>
+            <a:r>
+              <a:rPr lang="en-IN" sz="1600">
+                <a:latin typeface="Roboto" panose="02000000000000000000" pitchFamily="2" charset="0"/>
+                <a:ea typeface="Roboto" panose="02000000000000000000" pitchFamily="2" charset="0"/>
+              </a:rPr>
+              <a:t>We shall store only following in DB for simplicity. </a:t>
+            </a:r>
+          </a:p>
+          <a:p>
+            <a:endParaRPr lang="en-IN" sz="1600">
+              <a:latin typeface="Roboto" panose="02000000000000000000" pitchFamily="2" charset="0"/>
+              <a:ea typeface="Roboto" panose="02000000000000000000" pitchFamily="2" charset="0"/>
+            </a:endParaRPr>
+          </a:p>
+          <a:p>
+            <a:r>
+              <a:rPr lang="en-IN" sz="1600">
+                <a:latin typeface="Roboto" panose="02000000000000000000" pitchFamily="2" charset="0"/>
+                <a:ea typeface="Roboto" panose="02000000000000000000" pitchFamily="2" charset="0"/>
+              </a:rPr>
+              <a:t>Author </a:t>
+            </a:r>
+          </a:p>
+          <a:p>
+            <a:r>
+              <a:rPr lang="en-IN" sz="1600">
+                <a:latin typeface="Roboto" panose="02000000000000000000" pitchFamily="2" charset="0"/>
+                <a:ea typeface="Roboto" panose="02000000000000000000" pitchFamily="2" charset="0"/>
+              </a:rPr>
+              <a:t>Title  (unique)</a:t>
+            </a:r>
+          </a:p>
+          <a:p>
+            <a:r>
+              <a:rPr lang="en-IN" sz="1600">
+                <a:latin typeface="Roboto" panose="02000000000000000000" pitchFamily="2" charset="0"/>
+                <a:ea typeface="Roboto" panose="02000000000000000000" pitchFamily="2" charset="0"/>
+              </a:rPr>
+              <a:t>Content</a:t>
+            </a:r>
+          </a:p>
+          <a:p>
+            <a:r>
+              <a:rPr lang="en-IN" sz="1600">
+                <a:latin typeface="Roboto" panose="02000000000000000000" pitchFamily="2" charset="0"/>
+                <a:ea typeface="Roboto" panose="02000000000000000000" pitchFamily="2" charset="0"/>
+              </a:rPr>
+              <a:t>Slug (generated from title) </a:t>
+            </a:r>
+          </a:p>
+        </p:txBody>
+      </p:sp>
+      <p:sp>
+        <p:nvSpPr>
+          <p:cNvPr id="2" name="Rectangle 1">
+            <a:extLst>
+              <a:ext uri="{FF2B5EF4-FFF2-40B4-BE49-F238E27FC236}">
+                <a16:creationId xmlns:a16="http://schemas.microsoft.com/office/drawing/2014/main" id="{0E28ABD0-8280-4587-98BE-71D55EBEC7E7}"/>
+              </a:ext>
+            </a:extLst>
+          </p:cNvPr>
+          <p:cNvSpPr/>
+          <p:nvPr/>
+        </p:nvSpPr>
+        <p:spPr>
+          <a:xfrm>
+            <a:off x="7449140" y="3629025"/>
+            <a:ext cx="6349201" cy="530812"/>
+          </a:xfrm>
+          <a:prstGeom prst="rect">
+            <a:avLst/>
+          </a:prstGeom>
+          <a:solidFill>
+            <a:schemeClr val="accent2">
+              <a:lumMod val="60000"/>
+              <a:lumOff val="40000"/>
+            </a:schemeClr>
+          </a:solidFill>
+          <a:ln>
+            <a:noFill/>
+          </a:ln>
+        </p:spPr>
+        <p:style>
+          <a:lnRef idx="2">
+            <a:schemeClr val="accent1">
+              <a:shade val="50000"/>
+            </a:schemeClr>
+          </a:lnRef>
+          <a:fillRef idx="1">
+            <a:schemeClr val="accent1"/>
+          </a:fillRef>
+          <a:effectRef idx="0">
+            <a:schemeClr val="accent1"/>
+          </a:effectRef>
+          <a:fontRef idx="minor">
+            <a:schemeClr val="lt1"/>
+          </a:fontRef>
+        </p:style>
+        <p:txBody>
+          <a:bodyPr rtlCol="0" anchor="ctr"/>
+          <a:lstStyle/>
+          <a:p>
+            <a:pPr algn="ctr"/>
+            <a:r>
+              <a:rPr lang="en-IN">
+                <a:solidFill>
+                  <a:schemeClr val="tx1"/>
+                </a:solidFill>
+              </a:rPr>
+              <a:t>Mongoose</a:t>
+            </a:r>
+          </a:p>
+        </p:txBody>
+      </p:sp>
+      <p:sp>
+        <p:nvSpPr>
+          <p:cNvPr id="4" name="Arrow: Up 3">
+            <a:extLst>
+              <a:ext uri="{FF2B5EF4-FFF2-40B4-BE49-F238E27FC236}">
+                <a16:creationId xmlns:a16="http://schemas.microsoft.com/office/drawing/2014/main" id="{D9DCE92A-D2FF-48D1-9FF9-0DBA773D397F}"/>
+              </a:ext>
+            </a:extLst>
+          </p:cNvPr>
+          <p:cNvSpPr/>
+          <p:nvPr/>
+        </p:nvSpPr>
+        <p:spPr>
+          <a:xfrm>
+            <a:off x="10623740" y="2915366"/>
+            <a:ext cx="238131" cy="713659"/>
+          </a:xfrm>
+          <a:prstGeom prst="upArrow">
+            <a:avLst/>
+          </a:prstGeom>
+          <a:solidFill>
+            <a:schemeClr val="accent2">
+              <a:lumMod val="60000"/>
+              <a:lumOff val="40000"/>
+            </a:schemeClr>
+          </a:solidFill>
+          <a:ln>
+            <a:noFill/>
+          </a:ln>
+        </p:spPr>
+        <p:style>
+          <a:lnRef idx="2">
+            <a:schemeClr val="accent1">
+              <a:shade val="50000"/>
+            </a:schemeClr>
+          </a:lnRef>
+          <a:fillRef idx="1">
+            <a:schemeClr val="accent1"/>
+          </a:fillRef>
+          <a:effectRef idx="0">
+            <a:schemeClr val="accent1"/>
+          </a:effectRef>
+          <a:fontRef idx="minor">
+            <a:schemeClr val="lt1"/>
+          </a:fontRef>
+        </p:style>
+        <p:txBody>
+          <a:bodyPr rtlCol="0" anchor="ctr"/>
+          <a:lstStyle/>
+          <a:p>
+            <a:pPr algn="ctr"/>
+            <a:endParaRPr lang="en-IN"/>
+          </a:p>
+        </p:txBody>
+      </p:sp>
+      <p:sp>
+        <p:nvSpPr>
+          <p:cNvPr id="36" name="Arrow: Up 35">
+            <a:extLst>
+              <a:ext uri="{FF2B5EF4-FFF2-40B4-BE49-F238E27FC236}">
+                <a16:creationId xmlns:a16="http://schemas.microsoft.com/office/drawing/2014/main" id="{C1A6E3ED-2757-4C4E-BD12-89663EFFCD70}"/>
+              </a:ext>
+            </a:extLst>
+          </p:cNvPr>
+          <p:cNvSpPr/>
+          <p:nvPr/>
+        </p:nvSpPr>
+        <p:spPr>
+          <a:xfrm>
+            <a:off x="12657138" y="2915365"/>
+            <a:ext cx="238131" cy="713659"/>
+          </a:xfrm>
+          <a:prstGeom prst="upArrow">
+            <a:avLst/>
+          </a:prstGeom>
+          <a:solidFill>
+            <a:schemeClr val="accent2">
+              <a:lumMod val="60000"/>
+              <a:lumOff val="40000"/>
+            </a:schemeClr>
+          </a:solidFill>
+          <a:ln>
+            <a:noFill/>
+          </a:ln>
+        </p:spPr>
+        <p:style>
+          <a:lnRef idx="2">
+            <a:schemeClr val="accent1">
+              <a:shade val="50000"/>
+            </a:schemeClr>
+          </a:lnRef>
+          <a:fillRef idx="1">
+            <a:schemeClr val="accent1"/>
+          </a:fillRef>
+          <a:effectRef idx="0">
+            <a:schemeClr val="accent1"/>
+          </a:effectRef>
+          <a:fontRef idx="minor">
+            <a:schemeClr val="lt1"/>
+          </a:fontRef>
+        </p:style>
+        <p:txBody>
+          <a:bodyPr rtlCol="0" anchor="ctr"/>
+          <a:lstStyle/>
+          <a:p>
+            <a:pPr algn="ctr"/>
+            <a:endParaRPr lang="en-IN"/>
+          </a:p>
+        </p:txBody>
+      </p:sp>
+      <p:sp>
+        <p:nvSpPr>
+          <p:cNvPr id="37" name="Arrow: Up 36">
+            <a:extLst>
+              <a:ext uri="{FF2B5EF4-FFF2-40B4-BE49-F238E27FC236}">
+                <a16:creationId xmlns:a16="http://schemas.microsoft.com/office/drawing/2014/main" id="{B850D91D-FFBB-4D78-935E-081B6B3C6289}"/>
+              </a:ext>
+            </a:extLst>
+          </p:cNvPr>
+          <p:cNvSpPr/>
+          <p:nvPr/>
+        </p:nvSpPr>
+        <p:spPr>
+          <a:xfrm rot="10800000">
+            <a:off x="8579425" y="2924604"/>
+            <a:ext cx="238131" cy="713659"/>
+          </a:xfrm>
+          <a:prstGeom prst="upArrow">
+            <a:avLst/>
+          </a:prstGeom>
+          <a:solidFill>
+            <a:schemeClr val="accent2">
+              <a:lumMod val="60000"/>
+              <a:lumOff val="40000"/>
+            </a:schemeClr>
+          </a:solidFill>
+          <a:ln>
+            <a:noFill/>
+          </a:ln>
+        </p:spPr>
+        <p:style>
+          <a:lnRef idx="2">
+            <a:schemeClr val="accent1">
+              <a:shade val="50000"/>
+            </a:schemeClr>
+          </a:lnRef>
+          <a:fillRef idx="1">
+            <a:schemeClr val="accent1"/>
+          </a:fillRef>
+          <a:effectRef idx="0">
+            <a:schemeClr val="accent1"/>
+          </a:effectRef>
+          <a:fontRef idx="minor">
+            <a:schemeClr val="lt1"/>
+          </a:fontRef>
+        </p:style>
+        <p:txBody>
+          <a:bodyPr rtlCol="0" anchor="ctr"/>
+          <a:lstStyle/>
+          <a:p>
+            <a:pPr algn="ctr"/>
+            <a:endParaRPr lang="en-IN"/>
+          </a:p>
+        </p:txBody>
+      </p:sp>
+      <p:sp>
+        <p:nvSpPr>
+          <p:cNvPr id="38" name="Oval 37">
+            <a:extLst>
+              <a:ext uri="{FF2B5EF4-FFF2-40B4-BE49-F238E27FC236}">
+                <a16:creationId xmlns:a16="http://schemas.microsoft.com/office/drawing/2014/main" id="{9AF5F1D5-9366-4413-BC37-F1C84EB456E5}"/>
+              </a:ext>
+            </a:extLst>
+          </p:cNvPr>
+          <p:cNvSpPr/>
+          <p:nvPr/>
+        </p:nvSpPr>
+        <p:spPr>
+          <a:xfrm>
+            <a:off x="8886660" y="3080978"/>
+            <a:ext cx="382432" cy="382432"/>
+          </a:xfrm>
+          <a:prstGeom prst="ellipse">
+            <a:avLst/>
+          </a:prstGeom>
+        </p:spPr>
+        <p:style>
+          <a:lnRef idx="2">
+            <a:schemeClr val="accent1">
+              <a:shade val="50000"/>
+            </a:schemeClr>
+          </a:lnRef>
+          <a:fillRef idx="1">
+            <a:schemeClr val="accent1"/>
+          </a:fillRef>
+          <a:effectRef idx="0">
+            <a:schemeClr val="accent1"/>
+          </a:effectRef>
+          <a:fontRef idx="minor">
+            <a:schemeClr val="lt1"/>
+          </a:fontRef>
+        </p:style>
+        <p:txBody>
+          <a:bodyPr rtlCol="0" anchor="ctr"/>
+          <a:lstStyle/>
+          <a:p>
+            <a:pPr algn="ctr"/>
+            <a:r>
+              <a:rPr lang="en-IN"/>
+              <a:t>1</a:t>
+            </a:r>
+          </a:p>
+        </p:txBody>
+      </p:sp>
+      <p:sp>
+        <p:nvSpPr>
+          <p:cNvPr id="39" name="Oval 38">
+            <a:extLst>
+              <a:ext uri="{FF2B5EF4-FFF2-40B4-BE49-F238E27FC236}">
+                <a16:creationId xmlns:a16="http://schemas.microsoft.com/office/drawing/2014/main" id="{C4158D38-9D1A-4A66-AB48-3B12AD873D8E}"/>
+              </a:ext>
+            </a:extLst>
+          </p:cNvPr>
+          <p:cNvSpPr/>
+          <p:nvPr/>
+        </p:nvSpPr>
+        <p:spPr>
+          <a:xfrm>
+            <a:off x="10851577" y="3075499"/>
+            <a:ext cx="382432" cy="382432"/>
+          </a:xfrm>
+          <a:prstGeom prst="ellipse">
+            <a:avLst/>
+          </a:prstGeom>
+        </p:spPr>
+        <p:style>
+          <a:lnRef idx="2">
+            <a:schemeClr val="accent1">
+              <a:shade val="50000"/>
+            </a:schemeClr>
+          </a:lnRef>
+          <a:fillRef idx="1">
+            <a:schemeClr val="accent1"/>
+          </a:fillRef>
+          <a:effectRef idx="0">
+            <a:schemeClr val="accent1"/>
+          </a:effectRef>
+          <a:fontRef idx="minor">
+            <a:schemeClr val="lt1"/>
+          </a:fontRef>
+        </p:style>
+        <p:txBody>
+          <a:bodyPr rtlCol="0" anchor="ctr"/>
+          <a:lstStyle/>
+          <a:p>
+            <a:pPr algn="ctr"/>
+            <a:r>
+              <a:rPr lang="en-IN"/>
+              <a:t>2</a:t>
+            </a:r>
+          </a:p>
+        </p:txBody>
+      </p:sp>
+      <p:sp>
+        <p:nvSpPr>
+          <p:cNvPr id="40" name="Oval 39">
+            <a:extLst>
+              <a:ext uri="{FF2B5EF4-FFF2-40B4-BE49-F238E27FC236}">
+                <a16:creationId xmlns:a16="http://schemas.microsoft.com/office/drawing/2014/main" id="{D48732DE-A47D-476A-BD03-6D709E2940F3}"/>
+              </a:ext>
+            </a:extLst>
+          </p:cNvPr>
+          <p:cNvSpPr/>
+          <p:nvPr/>
+        </p:nvSpPr>
+        <p:spPr>
+          <a:xfrm>
+            <a:off x="12949048" y="3082736"/>
+            <a:ext cx="382432" cy="382432"/>
+          </a:xfrm>
+          <a:prstGeom prst="ellipse">
+            <a:avLst/>
+          </a:prstGeom>
+        </p:spPr>
+        <p:style>
+          <a:lnRef idx="2">
+            <a:schemeClr val="accent1">
+              <a:shade val="50000"/>
+            </a:schemeClr>
+          </a:lnRef>
+          <a:fillRef idx="1">
+            <a:schemeClr val="accent1"/>
+          </a:fillRef>
+          <a:effectRef idx="0">
+            <a:schemeClr val="accent1"/>
+          </a:effectRef>
+          <a:fontRef idx="minor">
+            <a:schemeClr val="lt1"/>
+          </a:fontRef>
+        </p:style>
+        <p:txBody>
+          <a:bodyPr rtlCol="0" anchor="ctr"/>
+          <a:lstStyle/>
+          <a:p>
+            <a:pPr algn="ctr"/>
+            <a:r>
+              <a:rPr lang="en-IN"/>
+              <a:t>3</a:t>
+            </a:r>
+          </a:p>
+        </p:txBody>
+      </p:sp>
+    </p:spTree>
+    <p:extLst>
+      <p:ext uri="{BB962C8B-B14F-4D97-AF65-F5344CB8AC3E}">
+        <p14:creationId xmlns:p14="http://schemas.microsoft.com/office/powerpoint/2010/main" val="597027059"/>
+      </p:ext>
+    </p:extLst>
+  </p:cSld>
+  <p:clrMapOvr>
+    <a:masterClrMapping/>
+  </p:clrMapOvr>
+</p:sld>
+</file>
+
+<file path=ppt/slides/slide25.xml><?xml version="1.0" encoding="utf-8"?>
+<p:sld xmlns:a="http://schemas.openxmlformats.org/drawingml/2006/main" xmlns:r="http://schemas.openxmlformats.org/officeDocument/2006/relationships" xmlns:p="http://schemas.openxmlformats.org/presentationml/2006/main">
+  <p:cSld>
+    <p:spTree>
+      <p:nvGrpSpPr>
+        <p:cNvPr id="1" name=""/>
+        <p:cNvGrpSpPr/>
+        <p:nvPr/>
+      </p:nvGrpSpPr>
+      <p:grpSpPr>
+        <a:xfrm>
+          <a:off x="0" y="0"/>
+          <a:ext cx="0" cy="0"/>
+          <a:chOff x="0" y="0"/>
+          <a:chExt cx="0" cy="0"/>
+        </a:xfrm>
+      </p:grpSpPr>
+      <p:sp>
+        <p:nvSpPr>
+          <p:cNvPr id="67" name="Rectangle 66">
+            <a:extLst>
+              <a:ext uri="{FF2B5EF4-FFF2-40B4-BE49-F238E27FC236}">
+                <a16:creationId xmlns:a16="http://schemas.microsoft.com/office/drawing/2014/main" id="{DB66DB2B-53D4-4233-AC8E-83C9A9B1C641}"/>
+              </a:ext>
+            </a:extLst>
+          </p:cNvPr>
+          <p:cNvSpPr/>
+          <p:nvPr/>
+        </p:nvSpPr>
+        <p:spPr>
+          <a:xfrm>
+            <a:off x="5743575" y="680533"/>
+            <a:ext cx="8462962" cy="5391655"/>
+          </a:xfrm>
+          <a:prstGeom prst="rect">
+            <a:avLst/>
+          </a:prstGeom>
+          <a:solidFill>
+            <a:schemeClr val="tx2">
+              <a:lumMod val="20000"/>
+              <a:lumOff val="80000"/>
+            </a:schemeClr>
+          </a:solidFill>
+          <a:ln>
+            <a:noFill/>
+          </a:ln>
+        </p:spPr>
+        <p:style>
+          <a:lnRef idx="2">
+            <a:schemeClr val="accent1">
+              <a:shade val="50000"/>
+            </a:schemeClr>
+          </a:lnRef>
+          <a:fillRef idx="1">
+            <a:schemeClr val="accent1"/>
+          </a:fillRef>
+          <a:effectRef idx="0">
+            <a:schemeClr val="accent1"/>
+          </a:effectRef>
+          <a:fontRef idx="minor">
+            <a:schemeClr val="lt1"/>
+          </a:fontRef>
+        </p:style>
+        <p:txBody>
+          <a:bodyPr rtlCol="0" anchor="ctr"/>
+          <a:lstStyle/>
+          <a:p>
+            <a:pPr algn="ctr"/>
+            <a:endParaRPr lang="en-IN"/>
+          </a:p>
+        </p:txBody>
+      </p:sp>
+      <p:sp>
+        <p:nvSpPr>
+          <p:cNvPr id="3" name="TextBox 2">
+            <a:extLst>
+              <a:ext uri="{FF2B5EF4-FFF2-40B4-BE49-F238E27FC236}">
+                <a16:creationId xmlns:a16="http://schemas.microsoft.com/office/drawing/2014/main" id="{8ABD2DAF-F196-42A9-B164-8022EF148FAE}"/>
+              </a:ext>
+            </a:extLst>
+          </p:cNvPr>
+          <p:cNvSpPr txBox="1"/>
+          <p:nvPr/>
+        </p:nvSpPr>
+        <p:spPr>
+          <a:xfrm>
+            <a:off x="155809" y="30475"/>
+            <a:ext cx="1517812" cy="523220"/>
+          </a:xfrm>
+          <a:prstGeom prst="rect">
+            <a:avLst/>
+          </a:prstGeom>
+          <a:solidFill>
+            <a:srgbClr val="FFFF00"/>
+          </a:solidFill>
+        </p:spPr>
+        <p:txBody>
+          <a:bodyPr wrap="square" rtlCol="0">
+            <a:spAutoFit/>
+          </a:bodyPr>
+          <a:lstStyle/>
+          <a:p>
+            <a:r>
+              <a:rPr lang="en-IN" sz="2800" u="sng">
+                <a:latin typeface="Roboto" panose="02000000000000000000" pitchFamily="2" charset="0"/>
+                <a:ea typeface="Roboto" panose="02000000000000000000" pitchFamily="2" charset="0"/>
+              </a:rPr>
+              <a:t>Phase 4</a:t>
+            </a:r>
+          </a:p>
+        </p:txBody>
+      </p:sp>
+      <p:sp>
+        <p:nvSpPr>
+          <p:cNvPr id="42" name="Rectangle 41">
+            <a:extLst>
+              <a:ext uri="{FF2B5EF4-FFF2-40B4-BE49-F238E27FC236}">
+                <a16:creationId xmlns:a16="http://schemas.microsoft.com/office/drawing/2014/main" id="{AEC41B27-3FAF-4C9B-BDD8-263CC4AB19A9}"/>
+              </a:ext>
+            </a:extLst>
+          </p:cNvPr>
+          <p:cNvSpPr/>
+          <p:nvPr/>
+        </p:nvSpPr>
+        <p:spPr>
+          <a:xfrm>
+            <a:off x="263357" y="1119688"/>
+            <a:ext cx="1968026" cy="1761606"/>
+          </a:xfrm>
+          <a:prstGeom prst="rect">
+            <a:avLst/>
+          </a:prstGeom>
+          <a:solidFill>
+            <a:schemeClr val="accent6">
+              <a:lumMod val="40000"/>
+              <a:lumOff val="60000"/>
+            </a:schemeClr>
+          </a:solidFill>
+          <a:ln>
+            <a:noFill/>
+          </a:ln>
+        </p:spPr>
+        <p:style>
+          <a:lnRef idx="2">
+            <a:schemeClr val="accent1">
+              <a:shade val="50000"/>
+            </a:schemeClr>
+          </a:lnRef>
+          <a:fillRef idx="1">
+            <a:schemeClr val="accent1"/>
+          </a:fillRef>
+          <a:effectRef idx="0">
+            <a:schemeClr val="accent1"/>
+          </a:effectRef>
+          <a:fontRef idx="minor">
+            <a:schemeClr val="lt1"/>
+          </a:fontRef>
+        </p:style>
+        <p:txBody>
+          <a:bodyPr rtlCol="0" anchor="ctr"/>
+          <a:lstStyle/>
+          <a:p>
+            <a:pPr algn="ctr"/>
+            <a:endParaRPr lang="en-IN" sz="1400">
+              <a:latin typeface="Roboto" panose="02000000000000000000" pitchFamily="2" charset="0"/>
+              <a:ea typeface="Roboto" panose="02000000000000000000" pitchFamily="2" charset="0"/>
+            </a:endParaRPr>
+          </a:p>
+        </p:txBody>
+      </p:sp>
+      <p:sp>
+        <p:nvSpPr>
+          <p:cNvPr id="43" name="TextBox 42">
+            <a:extLst>
+              <a:ext uri="{FF2B5EF4-FFF2-40B4-BE49-F238E27FC236}">
+                <a16:creationId xmlns:a16="http://schemas.microsoft.com/office/drawing/2014/main" id="{1D111ED9-AC8B-474B-BBC6-16C3D90DB910}"/>
+              </a:ext>
+            </a:extLst>
+          </p:cNvPr>
+          <p:cNvSpPr txBox="1"/>
+          <p:nvPr/>
+        </p:nvSpPr>
+        <p:spPr>
+          <a:xfrm>
+            <a:off x="471279" y="680533"/>
+            <a:ext cx="1362874" cy="307777"/>
+          </a:xfrm>
+          <a:prstGeom prst="rect">
+            <a:avLst/>
+          </a:prstGeom>
+          <a:noFill/>
+        </p:spPr>
+        <p:txBody>
+          <a:bodyPr wrap="none" rtlCol="0">
+            <a:spAutoFit/>
+          </a:bodyPr>
+          <a:lstStyle/>
+          <a:p>
+            <a:r>
+              <a:rPr lang="en-IN" sz="1400" b="1">
+                <a:latin typeface="Roboto" panose="02000000000000000000" pitchFamily="2" charset="0"/>
+                <a:ea typeface="Roboto" panose="02000000000000000000" pitchFamily="2" charset="0"/>
+              </a:rPr>
+              <a:t>newStory.html</a:t>
+            </a:r>
+          </a:p>
+        </p:txBody>
+      </p:sp>
+      <p:sp>
+        <p:nvSpPr>
+          <p:cNvPr id="44" name="TextBox 43">
+            <a:extLst>
+              <a:ext uri="{FF2B5EF4-FFF2-40B4-BE49-F238E27FC236}">
+                <a16:creationId xmlns:a16="http://schemas.microsoft.com/office/drawing/2014/main" id="{3030AF0E-FF27-4C09-A375-50A955BD0873}"/>
+              </a:ext>
+            </a:extLst>
+          </p:cNvPr>
+          <p:cNvSpPr txBox="1"/>
+          <p:nvPr/>
+        </p:nvSpPr>
+        <p:spPr>
+          <a:xfrm>
+            <a:off x="487171" y="1509081"/>
+            <a:ext cx="1744212" cy="523220"/>
+          </a:xfrm>
+          <a:prstGeom prst="rect">
+            <a:avLst/>
+          </a:prstGeom>
+          <a:noFill/>
+        </p:spPr>
+        <p:txBody>
+          <a:bodyPr wrap="square" rtlCol="0">
+            <a:spAutoFit/>
+          </a:bodyPr>
+          <a:lstStyle/>
+          <a:p>
+            <a:r>
+              <a:rPr lang="en-IN" sz="1400">
+                <a:latin typeface="Roboto" panose="02000000000000000000" pitchFamily="2" charset="0"/>
+                <a:ea typeface="Roboto" panose="02000000000000000000" pitchFamily="2" charset="0"/>
+              </a:rPr>
+              <a:t>User creates the story</a:t>
+            </a:r>
+          </a:p>
+        </p:txBody>
+      </p:sp>
+      <p:sp>
+        <p:nvSpPr>
+          <p:cNvPr id="45" name="Rectangle 44">
+            <a:extLst>
+              <a:ext uri="{FF2B5EF4-FFF2-40B4-BE49-F238E27FC236}">
+                <a16:creationId xmlns:a16="http://schemas.microsoft.com/office/drawing/2014/main" id="{664A4E0A-54F2-426B-B50E-B45ABC2ABE56}"/>
+              </a:ext>
+            </a:extLst>
+          </p:cNvPr>
+          <p:cNvSpPr/>
+          <p:nvPr/>
+        </p:nvSpPr>
+        <p:spPr>
+          <a:xfrm>
+            <a:off x="2183449" y="1119688"/>
+            <a:ext cx="2042298" cy="1789231"/>
+          </a:xfrm>
+          <a:prstGeom prst="rect">
+            <a:avLst/>
+          </a:prstGeom>
+          <a:solidFill>
+            <a:schemeClr val="bg1">
+              <a:lumMod val="95000"/>
+            </a:schemeClr>
+          </a:solidFill>
+          <a:ln>
+            <a:noFill/>
+          </a:ln>
+        </p:spPr>
+        <p:style>
+          <a:lnRef idx="2">
+            <a:schemeClr val="accent1">
+              <a:shade val="50000"/>
+            </a:schemeClr>
+          </a:lnRef>
+          <a:fillRef idx="1">
+            <a:schemeClr val="accent1"/>
+          </a:fillRef>
+          <a:effectRef idx="0">
+            <a:schemeClr val="accent1"/>
+          </a:effectRef>
+          <a:fontRef idx="minor">
+            <a:schemeClr val="lt1"/>
+          </a:fontRef>
+        </p:style>
+        <p:txBody>
+          <a:bodyPr rtlCol="0" anchor="ctr"/>
+          <a:lstStyle/>
+          <a:p>
+            <a:pPr algn="ctr"/>
+            <a:endParaRPr lang="en-IN" sz="1400">
+              <a:latin typeface="Roboto" panose="02000000000000000000" pitchFamily="2" charset="0"/>
+              <a:ea typeface="Roboto" panose="02000000000000000000" pitchFamily="2" charset="0"/>
+            </a:endParaRPr>
+          </a:p>
+        </p:txBody>
+      </p:sp>
+      <p:sp>
+        <p:nvSpPr>
+          <p:cNvPr id="46" name="Arrow: Right 45">
+            <a:extLst>
+              <a:ext uri="{FF2B5EF4-FFF2-40B4-BE49-F238E27FC236}">
+                <a16:creationId xmlns:a16="http://schemas.microsoft.com/office/drawing/2014/main" id="{35B6DAC1-5244-49F9-8945-DB7A5C9F6142}"/>
+              </a:ext>
+            </a:extLst>
+          </p:cNvPr>
+          <p:cNvSpPr/>
+          <p:nvPr/>
+        </p:nvSpPr>
+        <p:spPr>
+          <a:xfrm>
+            <a:off x="1581711" y="2399670"/>
+            <a:ext cx="984738" cy="323556"/>
+          </a:xfrm>
+          <a:prstGeom prst="rightArrow">
+            <a:avLst/>
+          </a:prstGeom>
+        </p:spPr>
+        <p:style>
+          <a:lnRef idx="2">
+            <a:schemeClr val="accent1">
+              <a:shade val="50000"/>
+            </a:schemeClr>
+          </a:lnRef>
+          <a:fillRef idx="1">
+            <a:schemeClr val="accent1"/>
+          </a:fillRef>
+          <a:effectRef idx="0">
+            <a:schemeClr val="accent1"/>
+          </a:effectRef>
+          <a:fontRef idx="minor">
+            <a:schemeClr val="lt1"/>
+          </a:fontRef>
+        </p:style>
+        <p:txBody>
+          <a:bodyPr rtlCol="0" anchor="ctr"/>
+          <a:lstStyle/>
+          <a:p>
+            <a:pPr algn="ctr"/>
+            <a:endParaRPr lang="en-IN" sz="1400">
+              <a:latin typeface="Roboto" panose="02000000000000000000" pitchFamily="2" charset="0"/>
+              <a:ea typeface="Roboto" panose="02000000000000000000" pitchFamily="2" charset="0"/>
+            </a:endParaRPr>
+          </a:p>
+        </p:txBody>
+      </p:sp>
+      <p:sp>
+        <p:nvSpPr>
+          <p:cNvPr id="47" name="TextBox 46">
+            <a:extLst>
+              <a:ext uri="{FF2B5EF4-FFF2-40B4-BE49-F238E27FC236}">
+                <a16:creationId xmlns:a16="http://schemas.microsoft.com/office/drawing/2014/main" id="{63046D4B-D390-41F1-9756-19A57FDC813C}"/>
+              </a:ext>
+            </a:extLst>
+          </p:cNvPr>
+          <p:cNvSpPr txBox="1"/>
+          <p:nvPr/>
+        </p:nvSpPr>
+        <p:spPr>
+          <a:xfrm>
+            <a:off x="1494106" y="2086583"/>
+            <a:ext cx="990977" cy="307777"/>
+          </a:xfrm>
+          <a:prstGeom prst="rect">
+            <a:avLst/>
+          </a:prstGeom>
+          <a:noFill/>
+        </p:spPr>
+        <p:txBody>
+          <a:bodyPr wrap="none" rtlCol="0">
+            <a:spAutoFit/>
+          </a:bodyPr>
+          <a:lstStyle/>
+          <a:p>
+            <a:r>
+              <a:rPr lang="en-IN" sz="1400">
+                <a:solidFill>
+                  <a:srgbClr val="3333CC"/>
+                </a:solidFill>
+                <a:latin typeface="Roboto" panose="02000000000000000000" pitchFamily="2" charset="0"/>
+                <a:ea typeface="Roboto" panose="02000000000000000000" pitchFamily="2" charset="0"/>
+              </a:rPr>
+              <a:t>/addStory</a:t>
+            </a:r>
+          </a:p>
+        </p:txBody>
+      </p:sp>
+      <p:sp>
+        <p:nvSpPr>
+          <p:cNvPr id="48" name="TextBox 47">
+            <a:extLst>
+              <a:ext uri="{FF2B5EF4-FFF2-40B4-BE49-F238E27FC236}">
+                <a16:creationId xmlns:a16="http://schemas.microsoft.com/office/drawing/2014/main" id="{3257DA1A-274C-4205-AFF1-3FE69E660849}"/>
+              </a:ext>
+            </a:extLst>
+          </p:cNvPr>
+          <p:cNvSpPr txBox="1"/>
+          <p:nvPr/>
+        </p:nvSpPr>
+        <p:spPr>
+          <a:xfrm>
+            <a:off x="2472355" y="1317093"/>
+            <a:ext cx="1460427" cy="954107"/>
+          </a:xfrm>
+          <a:prstGeom prst="rect">
+            <a:avLst/>
+          </a:prstGeom>
+          <a:noFill/>
+        </p:spPr>
+        <p:txBody>
+          <a:bodyPr wrap="square" rtlCol="0">
+            <a:spAutoFit/>
+          </a:bodyPr>
+          <a:lstStyle/>
+          <a:p>
+            <a:r>
+              <a:rPr lang="en-IN" sz="1400">
+                <a:latin typeface="Roboto" panose="02000000000000000000" pitchFamily="2" charset="0"/>
+                <a:ea typeface="Roboto" panose="02000000000000000000" pitchFamily="2" charset="0"/>
+              </a:rPr>
+              <a:t>Save in DB</a:t>
+            </a:r>
+          </a:p>
+          <a:p>
+            <a:endParaRPr lang="en-IN" sz="1400">
+              <a:latin typeface="Roboto" panose="02000000000000000000" pitchFamily="2" charset="0"/>
+              <a:ea typeface="Roboto" panose="02000000000000000000" pitchFamily="2" charset="0"/>
+            </a:endParaRPr>
+          </a:p>
+          <a:p>
+            <a:r>
+              <a:rPr lang="en-IN" sz="1400">
+                <a:latin typeface="Roboto" panose="02000000000000000000" pitchFamily="2" charset="0"/>
+                <a:ea typeface="Roboto" panose="02000000000000000000" pitchFamily="2" charset="0"/>
+              </a:rPr>
+              <a:t>If error, 500(later)</a:t>
+            </a:r>
+          </a:p>
+        </p:txBody>
+      </p:sp>
+      <p:sp>
+        <p:nvSpPr>
+          <p:cNvPr id="49" name="TextBox 48">
+            <a:extLst>
+              <a:ext uri="{FF2B5EF4-FFF2-40B4-BE49-F238E27FC236}">
+                <a16:creationId xmlns:a16="http://schemas.microsoft.com/office/drawing/2014/main" id="{1128A4F3-6772-48D8-AAF8-819FD81DC1B5}"/>
+              </a:ext>
+            </a:extLst>
+          </p:cNvPr>
+          <p:cNvSpPr txBox="1"/>
+          <p:nvPr/>
+        </p:nvSpPr>
+        <p:spPr>
+          <a:xfrm>
+            <a:off x="2582904" y="723843"/>
+            <a:ext cx="880369" cy="307777"/>
+          </a:xfrm>
+          <a:prstGeom prst="rect">
+            <a:avLst/>
+          </a:prstGeom>
+          <a:noFill/>
+        </p:spPr>
+        <p:txBody>
+          <a:bodyPr wrap="none" rtlCol="0">
+            <a:spAutoFit/>
+          </a:bodyPr>
+          <a:lstStyle/>
+          <a:p>
+            <a:r>
+              <a:rPr lang="en-IN" sz="1400" b="1" i="1">
+                <a:solidFill>
+                  <a:srgbClr val="FF0000"/>
+                </a:solidFill>
+                <a:latin typeface="Roboto" panose="02000000000000000000" pitchFamily="2" charset="0"/>
+                <a:ea typeface="Roboto" panose="02000000000000000000" pitchFamily="2" charset="0"/>
+              </a:rPr>
+              <a:t>Pageless</a:t>
+            </a:r>
+          </a:p>
+        </p:txBody>
+      </p:sp>
+      <p:sp>
+        <p:nvSpPr>
+          <p:cNvPr id="52" name="TextBox 51">
+            <a:extLst>
+              <a:ext uri="{FF2B5EF4-FFF2-40B4-BE49-F238E27FC236}">
+                <a16:creationId xmlns:a16="http://schemas.microsoft.com/office/drawing/2014/main" id="{C00BCE0B-8BA8-4FBF-B00F-527B9B2A2E36}"/>
+              </a:ext>
+            </a:extLst>
+          </p:cNvPr>
+          <p:cNvSpPr txBox="1"/>
+          <p:nvPr/>
+        </p:nvSpPr>
+        <p:spPr>
+          <a:xfrm>
+            <a:off x="1770755" y="2696826"/>
+            <a:ext cx="639919" cy="307777"/>
+          </a:xfrm>
+          <a:prstGeom prst="rect">
+            <a:avLst/>
+          </a:prstGeom>
+          <a:noFill/>
+        </p:spPr>
+        <p:txBody>
+          <a:bodyPr wrap="none" rtlCol="0">
+            <a:spAutoFit/>
+          </a:bodyPr>
+          <a:lstStyle/>
+          <a:p>
+            <a:r>
+              <a:rPr lang="en-IN" sz="1400">
+                <a:solidFill>
+                  <a:srgbClr val="3333CC"/>
+                </a:solidFill>
+                <a:latin typeface="Roboto" panose="02000000000000000000" pitchFamily="2" charset="0"/>
+                <a:ea typeface="Roboto" panose="02000000000000000000" pitchFamily="2" charset="0"/>
+              </a:rPr>
+              <a:t>POST</a:t>
+            </a:r>
+          </a:p>
+        </p:txBody>
+      </p:sp>
+      <p:sp>
+        <p:nvSpPr>
+          <p:cNvPr id="54" name="Arrow: Up 53">
+            <a:extLst>
+              <a:ext uri="{FF2B5EF4-FFF2-40B4-BE49-F238E27FC236}">
+                <a16:creationId xmlns:a16="http://schemas.microsoft.com/office/drawing/2014/main" id="{F2CDBA48-1691-4E2E-90F5-2E9478F1333E}"/>
+              </a:ext>
+            </a:extLst>
+          </p:cNvPr>
+          <p:cNvSpPr/>
+          <p:nvPr/>
+        </p:nvSpPr>
+        <p:spPr>
+          <a:xfrm rot="10800000">
+            <a:off x="2964438" y="3010329"/>
+            <a:ext cx="238131" cy="713659"/>
+          </a:xfrm>
+          <a:prstGeom prst="upArrow">
+            <a:avLst/>
+          </a:prstGeom>
+          <a:solidFill>
+            <a:schemeClr val="accent2">
+              <a:lumMod val="60000"/>
+              <a:lumOff val="40000"/>
+            </a:schemeClr>
+          </a:solidFill>
+          <a:ln>
+            <a:noFill/>
+          </a:ln>
+        </p:spPr>
+        <p:style>
+          <a:lnRef idx="2">
+            <a:schemeClr val="accent1">
+              <a:shade val="50000"/>
+            </a:schemeClr>
+          </a:lnRef>
+          <a:fillRef idx="1">
+            <a:schemeClr val="accent1"/>
+          </a:fillRef>
+          <a:effectRef idx="0">
+            <a:schemeClr val="accent1"/>
+          </a:effectRef>
+          <a:fontRef idx="minor">
+            <a:schemeClr val="lt1"/>
+          </a:fontRef>
+        </p:style>
+        <p:txBody>
+          <a:bodyPr rtlCol="0" anchor="ctr"/>
+          <a:lstStyle/>
+          <a:p>
+            <a:pPr algn="ctr"/>
+            <a:endParaRPr lang="en-IN"/>
+          </a:p>
+        </p:txBody>
+      </p:sp>
+      <p:sp>
+        <p:nvSpPr>
+          <p:cNvPr id="55" name="Oval 54">
+            <a:extLst>
+              <a:ext uri="{FF2B5EF4-FFF2-40B4-BE49-F238E27FC236}">
+                <a16:creationId xmlns:a16="http://schemas.microsoft.com/office/drawing/2014/main" id="{0025E575-C031-4C6A-BC89-9186CBF815DE}"/>
+              </a:ext>
+            </a:extLst>
+          </p:cNvPr>
+          <p:cNvSpPr/>
+          <p:nvPr/>
+        </p:nvSpPr>
+        <p:spPr>
+          <a:xfrm>
+            <a:off x="3324529" y="3169158"/>
+            <a:ext cx="382432" cy="382432"/>
+          </a:xfrm>
+          <a:prstGeom prst="ellipse">
+            <a:avLst/>
+          </a:prstGeom>
+        </p:spPr>
+        <p:style>
+          <a:lnRef idx="2">
+            <a:schemeClr val="accent1">
+              <a:shade val="50000"/>
+            </a:schemeClr>
+          </a:lnRef>
+          <a:fillRef idx="1">
+            <a:schemeClr val="accent1"/>
+          </a:fillRef>
+          <a:effectRef idx="0">
+            <a:schemeClr val="accent1"/>
+          </a:effectRef>
+          <a:fontRef idx="minor">
+            <a:schemeClr val="lt1"/>
+          </a:fontRef>
+        </p:style>
+        <p:txBody>
+          <a:bodyPr rtlCol="0" anchor="ctr"/>
+          <a:lstStyle/>
+          <a:p>
+            <a:pPr algn="ctr"/>
+            <a:r>
+              <a:rPr lang="en-IN"/>
+              <a:t>1</a:t>
+            </a:r>
+          </a:p>
+        </p:txBody>
+      </p:sp>
+      <p:sp>
+        <p:nvSpPr>
+          <p:cNvPr id="56" name="Rectangle 55">
+            <a:extLst>
+              <a:ext uri="{FF2B5EF4-FFF2-40B4-BE49-F238E27FC236}">
+                <a16:creationId xmlns:a16="http://schemas.microsoft.com/office/drawing/2014/main" id="{6DE0B8E4-19DD-4239-9421-86F226716179}"/>
+              </a:ext>
+            </a:extLst>
+          </p:cNvPr>
+          <p:cNvSpPr/>
+          <p:nvPr/>
+        </p:nvSpPr>
+        <p:spPr>
+          <a:xfrm>
+            <a:off x="2183449" y="3723988"/>
+            <a:ext cx="2062687" cy="530812"/>
+          </a:xfrm>
+          <a:prstGeom prst="rect">
+            <a:avLst/>
+          </a:prstGeom>
+          <a:solidFill>
+            <a:schemeClr val="accent2">
+              <a:lumMod val="60000"/>
+              <a:lumOff val="40000"/>
+            </a:schemeClr>
+          </a:solidFill>
+          <a:ln>
+            <a:noFill/>
+          </a:ln>
+        </p:spPr>
+        <p:style>
+          <a:lnRef idx="2">
+            <a:schemeClr val="accent1">
+              <a:shade val="50000"/>
+            </a:schemeClr>
+          </a:lnRef>
+          <a:fillRef idx="1">
+            <a:schemeClr val="accent1"/>
+          </a:fillRef>
+          <a:effectRef idx="0">
+            <a:schemeClr val="accent1"/>
+          </a:effectRef>
+          <a:fontRef idx="minor">
+            <a:schemeClr val="lt1"/>
+          </a:fontRef>
+        </p:style>
+        <p:txBody>
+          <a:bodyPr rtlCol="0" anchor="ctr"/>
+          <a:lstStyle/>
+          <a:p>
+            <a:pPr algn="ctr"/>
+            <a:r>
+              <a:rPr lang="en-IN">
+                <a:solidFill>
+                  <a:schemeClr val="tx1"/>
+                </a:solidFill>
+              </a:rPr>
+              <a:t>Mongoose</a:t>
+            </a:r>
+          </a:p>
+        </p:txBody>
+      </p:sp>
+      <p:sp>
+        <p:nvSpPr>
+          <p:cNvPr id="57" name="TextBox 56">
+            <a:extLst>
+              <a:ext uri="{FF2B5EF4-FFF2-40B4-BE49-F238E27FC236}">
+                <a16:creationId xmlns:a16="http://schemas.microsoft.com/office/drawing/2014/main" id="{8B826D01-874B-457B-8E1C-664A4286861C}"/>
+              </a:ext>
+            </a:extLst>
+          </p:cNvPr>
+          <p:cNvSpPr txBox="1"/>
+          <p:nvPr/>
+        </p:nvSpPr>
+        <p:spPr>
+          <a:xfrm>
+            <a:off x="373726" y="4641318"/>
+            <a:ext cx="4130654" cy="1600438"/>
+          </a:xfrm>
+          <a:prstGeom prst="rect">
+            <a:avLst/>
+          </a:prstGeom>
+          <a:noFill/>
+        </p:spPr>
+        <p:txBody>
+          <a:bodyPr wrap="square" rtlCol="0">
+            <a:spAutoFit/>
+          </a:bodyPr>
+          <a:lstStyle/>
+          <a:p>
+            <a:r>
+              <a:rPr lang="en-IN" sz="1400">
+                <a:latin typeface="Roboto" panose="02000000000000000000" pitchFamily="2" charset="0"/>
+                <a:ea typeface="Roboto" panose="02000000000000000000" pitchFamily="2" charset="0"/>
+              </a:rPr>
+              <a:t>1.1. Modularize DB.js (separate userModel export)</a:t>
+            </a:r>
+          </a:p>
+          <a:p>
+            <a:endParaRPr lang="en-IN" sz="1400">
+              <a:latin typeface="Roboto" panose="02000000000000000000" pitchFamily="2" charset="0"/>
+              <a:ea typeface="Roboto" panose="02000000000000000000" pitchFamily="2" charset="0"/>
+            </a:endParaRPr>
+          </a:p>
+          <a:p>
+            <a:r>
+              <a:rPr lang="en-IN" sz="1400">
+                <a:latin typeface="Roboto" panose="02000000000000000000" pitchFamily="2" charset="0"/>
+                <a:ea typeface="Roboto" panose="02000000000000000000" pitchFamily="2" charset="0"/>
+              </a:rPr>
+              <a:t>1.2. In storyDB.js, </a:t>
+            </a:r>
+          </a:p>
+          <a:p>
+            <a:r>
+              <a:rPr lang="en-IN" sz="1400">
+                <a:latin typeface="Roboto" panose="02000000000000000000" pitchFamily="2" charset="0"/>
+                <a:ea typeface="Roboto" panose="02000000000000000000" pitchFamily="2" charset="0"/>
+              </a:rPr>
+              <a:t>Create storySchema, storyModel</a:t>
+            </a:r>
+          </a:p>
+          <a:p>
+            <a:endParaRPr lang="en-IN" sz="1400">
+              <a:latin typeface="Roboto" panose="02000000000000000000" pitchFamily="2" charset="0"/>
+              <a:ea typeface="Roboto" panose="02000000000000000000" pitchFamily="2" charset="0"/>
+            </a:endParaRPr>
+          </a:p>
+          <a:p>
+            <a:r>
+              <a:rPr lang="en-IN" sz="1400">
+                <a:latin typeface="Roboto" panose="02000000000000000000" pitchFamily="2" charset="0"/>
+                <a:ea typeface="Roboto" panose="02000000000000000000" pitchFamily="2" charset="0"/>
+              </a:rPr>
+              <a:t>1.3.Use storyModel, to save story in DB</a:t>
+            </a:r>
+          </a:p>
+        </p:txBody>
+      </p:sp>
+      <p:sp>
+        <p:nvSpPr>
+          <p:cNvPr id="58" name="TextBox 57">
+            <a:extLst>
+              <a:ext uri="{FF2B5EF4-FFF2-40B4-BE49-F238E27FC236}">
+                <a16:creationId xmlns:a16="http://schemas.microsoft.com/office/drawing/2014/main" id="{DB03138F-5D5C-49D2-A38F-B93F2D81161A}"/>
+              </a:ext>
+            </a:extLst>
+          </p:cNvPr>
+          <p:cNvSpPr txBox="1"/>
+          <p:nvPr/>
+        </p:nvSpPr>
+        <p:spPr>
+          <a:xfrm>
+            <a:off x="6426863" y="877731"/>
+            <a:ext cx="6189000" cy="1169551"/>
+          </a:xfrm>
+          <a:prstGeom prst="rect">
+            <a:avLst/>
+          </a:prstGeom>
+          <a:noFill/>
+        </p:spPr>
+        <p:txBody>
+          <a:bodyPr wrap="square" rtlCol="0">
+            <a:spAutoFit/>
+          </a:bodyPr>
+          <a:lstStyle/>
+          <a:p>
+            <a:r>
+              <a:rPr lang="en-IN" sz="1400">
+                <a:latin typeface="Roboto" panose="02000000000000000000" pitchFamily="2" charset="0"/>
+                <a:ea typeface="Roboto" panose="02000000000000000000" pitchFamily="2" charset="0"/>
+              </a:rPr>
+              <a:t>Mongoose “Special” Modularization – </a:t>
+            </a:r>
+            <a:r>
+              <a:rPr lang="en-IN" sz="1400" b="1">
+                <a:latin typeface="Roboto" panose="02000000000000000000" pitchFamily="2" charset="0"/>
+                <a:ea typeface="Roboto" panose="02000000000000000000" pitchFamily="2" charset="0"/>
+              </a:rPr>
+              <a:t>you need not export models!</a:t>
+            </a:r>
+          </a:p>
+          <a:p>
+            <a:endParaRPr lang="en-IN" sz="1400" b="1">
+              <a:latin typeface="Roboto" panose="02000000000000000000" pitchFamily="2" charset="0"/>
+              <a:ea typeface="Roboto" panose="02000000000000000000" pitchFamily="2" charset="0"/>
+            </a:endParaRPr>
+          </a:p>
+          <a:p>
+            <a:r>
+              <a:rPr lang="en-IN" sz="1400" b="1">
+                <a:latin typeface="Roboto" panose="02000000000000000000" pitchFamily="2" charset="0"/>
+                <a:ea typeface="Roboto" panose="02000000000000000000" pitchFamily="2" charset="0"/>
+              </a:rPr>
+              <a:t>Ref: </a:t>
+            </a:r>
+            <a:r>
+              <a:rPr lang="en-IN" sz="1400" b="1">
+                <a:latin typeface="Roboto" panose="02000000000000000000" pitchFamily="2" charset="0"/>
+                <a:ea typeface="Roboto" panose="02000000000000000000" pitchFamily="2" charset="0"/>
+                <a:hlinkClick r:id="rId2"/>
+              </a:rPr>
+              <a:t>https://stackoverflow.com/questions/38274979/how-to-use-a-mongoose-model-defined-in-a-separate-file-if-the-file-is-not-export</a:t>
+            </a:r>
+            <a:endParaRPr lang="en-IN" sz="1400" b="1">
+              <a:latin typeface="Roboto" panose="02000000000000000000" pitchFamily="2" charset="0"/>
+              <a:ea typeface="Roboto" panose="02000000000000000000" pitchFamily="2" charset="0"/>
+            </a:endParaRPr>
+          </a:p>
+          <a:p>
+            <a:endParaRPr lang="en-IN" sz="1400" b="1">
+              <a:latin typeface="Roboto" panose="02000000000000000000" pitchFamily="2" charset="0"/>
+              <a:ea typeface="Roboto" panose="02000000000000000000" pitchFamily="2" charset="0"/>
+            </a:endParaRPr>
+          </a:p>
+        </p:txBody>
+      </p:sp>
+      <p:pic>
+        <p:nvPicPr>
+          <p:cNvPr id="7" name="Picture 6">
+            <a:extLst>
+              <a:ext uri="{FF2B5EF4-FFF2-40B4-BE49-F238E27FC236}">
+                <a16:creationId xmlns:a16="http://schemas.microsoft.com/office/drawing/2014/main" id="{34F0A92C-E71D-424D-98BE-AA827A0A44F3}"/>
+              </a:ext>
+            </a:extLst>
+          </p:cNvPr>
+          <p:cNvPicPr>
+            <a:picLocks noChangeAspect="1"/>
+          </p:cNvPicPr>
+          <p:nvPr/>
+        </p:nvPicPr>
+        <p:blipFill rotWithShape="1">
+          <a:blip r:embed="rId3">
+            <a:extLst>
+              <a:ext uri="{28A0092B-C50C-407E-A947-70E740481C1C}">
+                <a14:useLocalDpi xmlns:a14="http://schemas.microsoft.com/office/drawing/2010/main" val="0"/>
+              </a:ext>
+            </a:extLst>
+          </a:blip>
+          <a:srcRect t="1" r="29945" b="-16519"/>
+          <a:stretch/>
+        </p:blipFill>
+        <p:spPr>
+          <a:xfrm>
+            <a:off x="6055389" y="3472575"/>
+            <a:ext cx="3717262" cy="688199"/>
+          </a:xfrm>
+          <a:prstGeom prst="rect">
+            <a:avLst/>
+          </a:prstGeom>
+        </p:spPr>
+      </p:pic>
+      <p:sp>
+        <p:nvSpPr>
+          <p:cNvPr id="59" name="TextBox 58">
+            <a:extLst>
+              <a:ext uri="{FF2B5EF4-FFF2-40B4-BE49-F238E27FC236}">
+                <a16:creationId xmlns:a16="http://schemas.microsoft.com/office/drawing/2014/main" id="{79A93BC5-FFE4-4B4E-9185-B976DBD851CC}"/>
+              </a:ext>
+            </a:extLst>
+          </p:cNvPr>
+          <p:cNvSpPr txBox="1"/>
+          <p:nvPr/>
+        </p:nvSpPr>
+        <p:spPr>
+          <a:xfrm>
+            <a:off x="10665488" y="2279504"/>
+            <a:ext cx="2850487" cy="307777"/>
+          </a:xfrm>
+          <a:prstGeom prst="rect">
+            <a:avLst/>
+          </a:prstGeom>
+          <a:noFill/>
+        </p:spPr>
+        <p:txBody>
+          <a:bodyPr wrap="square" rtlCol="0">
+            <a:spAutoFit/>
+          </a:bodyPr>
+          <a:lstStyle/>
+          <a:p>
+            <a:r>
+              <a:rPr lang="en-IN" sz="1400">
+                <a:latin typeface="Roboto" panose="02000000000000000000" pitchFamily="2" charset="0"/>
+                <a:ea typeface="Roboto" panose="02000000000000000000" pitchFamily="2" charset="0"/>
+              </a:rPr>
+              <a:t>Loaded first to do DB connection</a:t>
+            </a:r>
+            <a:endParaRPr lang="en-IN" sz="1400" b="1">
+              <a:latin typeface="Roboto" panose="02000000000000000000" pitchFamily="2" charset="0"/>
+              <a:ea typeface="Roboto" panose="02000000000000000000" pitchFamily="2" charset="0"/>
+            </a:endParaRPr>
+          </a:p>
+        </p:txBody>
+      </p:sp>
+      <p:sp>
+        <p:nvSpPr>
+          <p:cNvPr id="60" name="TextBox 59">
+            <a:extLst>
+              <a:ext uri="{FF2B5EF4-FFF2-40B4-BE49-F238E27FC236}">
+                <a16:creationId xmlns:a16="http://schemas.microsoft.com/office/drawing/2014/main" id="{4381864C-EBC6-4F5A-BD67-6F8D0E5F0BA7}"/>
+              </a:ext>
+            </a:extLst>
+          </p:cNvPr>
+          <p:cNvSpPr txBox="1"/>
+          <p:nvPr/>
+        </p:nvSpPr>
+        <p:spPr>
+          <a:xfrm>
+            <a:off x="10665488" y="3570099"/>
+            <a:ext cx="3541049" cy="307777"/>
+          </a:xfrm>
+          <a:prstGeom prst="rect">
+            <a:avLst/>
+          </a:prstGeom>
+          <a:noFill/>
+        </p:spPr>
+        <p:txBody>
+          <a:bodyPr wrap="square" rtlCol="0">
+            <a:spAutoFit/>
+          </a:bodyPr>
+          <a:lstStyle/>
+          <a:p>
+            <a:r>
+              <a:rPr lang="en-IN" sz="1400">
+                <a:latin typeface="Roboto" panose="02000000000000000000" pitchFamily="2" charset="0"/>
+                <a:ea typeface="Roboto" panose="02000000000000000000" pitchFamily="2" charset="0"/>
+              </a:rPr>
+              <a:t>Load to create models. Note: Don’t export</a:t>
+            </a:r>
+            <a:endParaRPr lang="en-IN" sz="1400" b="1">
+              <a:latin typeface="Roboto" panose="02000000000000000000" pitchFamily="2" charset="0"/>
+              <a:ea typeface="Roboto" panose="02000000000000000000" pitchFamily="2" charset="0"/>
+            </a:endParaRPr>
+          </a:p>
+        </p:txBody>
+      </p:sp>
+      <p:sp>
+        <p:nvSpPr>
+          <p:cNvPr id="61" name="Oval 60">
+            <a:extLst>
+              <a:ext uri="{FF2B5EF4-FFF2-40B4-BE49-F238E27FC236}">
+                <a16:creationId xmlns:a16="http://schemas.microsoft.com/office/drawing/2014/main" id="{EF54DC5D-4B63-45DD-B026-AB1732ADB3CA}"/>
+              </a:ext>
+            </a:extLst>
+          </p:cNvPr>
+          <p:cNvSpPr/>
+          <p:nvPr/>
+        </p:nvSpPr>
+        <p:spPr>
+          <a:xfrm>
+            <a:off x="5450002" y="390717"/>
+            <a:ext cx="579631" cy="579631"/>
+          </a:xfrm>
+          <a:prstGeom prst="ellipse">
+            <a:avLst/>
+          </a:prstGeom>
+        </p:spPr>
+        <p:style>
+          <a:lnRef idx="2">
+            <a:schemeClr val="accent1">
+              <a:shade val="50000"/>
+            </a:schemeClr>
+          </a:lnRef>
+          <a:fillRef idx="1">
+            <a:schemeClr val="accent1"/>
+          </a:fillRef>
+          <a:effectRef idx="0">
+            <a:schemeClr val="accent1"/>
+          </a:effectRef>
+          <a:fontRef idx="minor">
+            <a:schemeClr val="lt1"/>
+          </a:fontRef>
+        </p:style>
+        <p:txBody>
+          <a:bodyPr rtlCol="0" anchor="ctr"/>
+          <a:lstStyle/>
+          <a:p>
+            <a:pPr algn="ctr"/>
+            <a:r>
+              <a:rPr lang="en-IN" sz="1200">
+                <a:latin typeface="Roboto" panose="02000000000000000000" pitchFamily="2" charset="0"/>
+                <a:ea typeface="Roboto" panose="02000000000000000000" pitchFamily="2" charset="0"/>
+              </a:rPr>
+              <a:t>1.1</a:t>
+            </a:r>
+          </a:p>
+        </p:txBody>
+      </p:sp>
+      <p:sp>
+        <p:nvSpPr>
+          <p:cNvPr id="62" name="TextBox 61">
+            <a:extLst>
+              <a:ext uri="{FF2B5EF4-FFF2-40B4-BE49-F238E27FC236}">
+                <a16:creationId xmlns:a16="http://schemas.microsoft.com/office/drawing/2014/main" id="{FE74C6F7-354B-46B7-B75B-0E4BF5FB41A0}"/>
+              </a:ext>
+            </a:extLst>
+          </p:cNvPr>
+          <p:cNvSpPr txBox="1"/>
+          <p:nvPr/>
+        </p:nvSpPr>
+        <p:spPr>
+          <a:xfrm>
+            <a:off x="10665488" y="4994087"/>
+            <a:ext cx="3734725" cy="307777"/>
+          </a:xfrm>
+          <a:prstGeom prst="rect">
+            <a:avLst/>
+          </a:prstGeom>
+          <a:noFill/>
+        </p:spPr>
+        <p:txBody>
+          <a:bodyPr wrap="square" rtlCol="0">
+            <a:spAutoFit/>
+          </a:bodyPr>
+          <a:lstStyle/>
+          <a:p>
+            <a:r>
+              <a:rPr lang="en-IN" sz="1400">
+                <a:latin typeface="Roboto" panose="02000000000000000000" pitchFamily="2" charset="0"/>
+                <a:ea typeface="Roboto" panose="02000000000000000000" pitchFamily="2" charset="0"/>
+              </a:rPr>
+              <a:t>Load  routes where models would be used</a:t>
+            </a:r>
+          </a:p>
+        </p:txBody>
+      </p:sp>
+      <p:cxnSp>
+        <p:nvCxnSpPr>
+          <p:cNvPr id="30" name="Connector: Elbow 29">
+            <a:extLst>
+              <a:ext uri="{FF2B5EF4-FFF2-40B4-BE49-F238E27FC236}">
+                <a16:creationId xmlns:a16="http://schemas.microsoft.com/office/drawing/2014/main" id="{40972893-8F4C-42E5-9CDF-7B3C9B7ED4B8}"/>
+              </a:ext>
+            </a:extLst>
+          </p:cNvPr>
+          <p:cNvCxnSpPr>
+            <a:stCxn id="7" idx="3"/>
+            <a:endCxn id="59" idx="1"/>
+          </p:cNvCxnSpPr>
+          <p:nvPr/>
+        </p:nvCxnSpPr>
+        <p:spPr>
+          <a:xfrm flipV="1">
+            <a:off x="9772651" y="2433393"/>
+            <a:ext cx="892837" cy="1383282"/>
+          </a:xfrm>
+          <a:prstGeom prst="bentConnector3">
+            <a:avLst/>
+          </a:prstGeom>
+          <a:ln w="28575">
+            <a:tailEnd type="triangle"/>
+          </a:ln>
+        </p:spPr>
+        <p:style>
+          <a:lnRef idx="1">
+            <a:schemeClr val="accent1"/>
+          </a:lnRef>
+          <a:fillRef idx="0">
+            <a:schemeClr val="accent1"/>
+          </a:fillRef>
+          <a:effectRef idx="0">
+            <a:schemeClr val="accent1"/>
+          </a:effectRef>
+          <a:fontRef idx="minor">
+            <a:schemeClr val="tx1"/>
+          </a:fontRef>
+        </p:style>
+      </p:cxnSp>
+      <p:cxnSp>
+        <p:nvCxnSpPr>
+          <p:cNvPr id="64" name="Connector: Elbow 63">
+            <a:extLst>
+              <a:ext uri="{FF2B5EF4-FFF2-40B4-BE49-F238E27FC236}">
+                <a16:creationId xmlns:a16="http://schemas.microsoft.com/office/drawing/2014/main" id="{841DA142-F241-43F9-B2FE-F587F8A45DA6}"/>
+              </a:ext>
+            </a:extLst>
+          </p:cNvPr>
+          <p:cNvCxnSpPr>
+            <a:stCxn id="7" idx="3"/>
+          </p:cNvCxnSpPr>
+          <p:nvPr/>
+        </p:nvCxnSpPr>
+        <p:spPr>
+          <a:xfrm>
+            <a:off x="9772651" y="3816675"/>
+            <a:ext cx="892837" cy="12700"/>
+          </a:xfrm>
+          <a:prstGeom prst="bentConnector3">
+            <a:avLst/>
+          </a:prstGeom>
+          <a:ln w="28575">
+            <a:tailEnd type="triangle"/>
+          </a:ln>
+        </p:spPr>
+        <p:style>
+          <a:lnRef idx="1">
+            <a:schemeClr val="accent1"/>
+          </a:lnRef>
+          <a:fillRef idx="0">
+            <a:schemeClr val="accent1"/>
+          </a:fillRef>
+          <a:effectRef idx="0">
+            <a:schemeClr val="accent1"/>
+          </a:effectRef>
+          <a:fontRef idx="minor">
+            <a:schemeClr val="tx1"/>
+          </a:fontRef>
+        </p:style>
+      </p:cxnSp>
+      <p:cxnSp>
+        <p:nvCxnSpPr>
+          <p:cNvPr id="66" name="Connector: Elbow 65">
+            <a:extLst>
+              <a:ext uri="{FF2B5EF4-FFF2-40B4-BE49-F238E27FC236}">
+                <a16:creationId xmlns:a16="http://schemas.microsoft.com/office/drawing/2014/main" id="{9FB9504C-8302-4BE0-91ED-09A21E3EA2BA}"/>
+              </a:ext>
+            </a:extLst>
+          </p:cNvPr>
+          <p:cNvCxnSpPr>
+            <a:stCxn id="7" idx="3"/>
+            <a:endCxn id="62" idx="1"/>
+          </p:cNvCxnSpPr>
+          <p:nvPr/>
+        </p:nvCxnSpPr>
+        <p:spPr>
+          <a:xfrm>
+            <a:off x="9772651" y="3816675"/>
+            <a:ext cx="892837" cy="1331301"/>
+          </a:xfrm>
+          <a:prstGeom prst="bentConnector3">
+            <a:avLst/>
+          </a:prstGeom>
+          <a:ln w="28575">
+            <a:tailEnd type="triangle"/>
+          </a:ln>
+        </p:spPr>
+        <p:style>
+          <a:lnRef idx="1">
+            <a:schemeClr val="accent1"/>
+          </a:lnRef>
+          <a:fillRef idx="0">
+            <a:schemeClr val="accent1"/>
+          </a:fillRef>
+          <a:effectRef idx="0">
+            <a:schemeClr val="accent1"/>
+          </a:effectRef>
+          <a:fontRef idx="minor">
+            <a:schemeClr val="tx1"/>
+          </a:fontRef>
+        </p:style>
+      </p:cxnSp>
+      <p:sp>
+        <p:nvSpPr>
+          <p:cNvPr id="68" name="TextBox 67">
+            <a:extLst>
+              <a:ext uri="{FF2B5EF4-FFF2-40B4-BE49-F238E27FC236}">
+                <a16:creationId xmlns:a16="http://schemas.microsoft.com/office/drawing/2014/main" id="{684860C2-B211-4D7C-A10E-71963952DF06}"/>
+              </a:ext>
+            </a:extLst>
+          </p:cNvPr>
+          <p:cNvSpPr txBox="1"/>
+          <p:nvPr/>
+        </p:nvSpPr>
+        <p:spPr>
+          <a:xfrm>
+            <a:off x="5987263" y="3103526"/>
+            <a:ext cx="2850487" cy="307777"/>
+          </a:xfrm>
+          <a:prstGeom prst="rect">
+            <a:avLst/>
+          </a:prstGeom>
+          <a:noFill/>
+        </p:spPr>
+        <p:txBody>
+          <a:bodyPr wrap="square" rtlCol="0">
+            <a:spAutoFit/>
+          </a:bodyPr>
+          <a:lstStyle/>
+          <a:p>
+            <a:r>
+              <a:rPr lang="en-IN" sz="1400">
+                <a:latin typeface="Roboto" panose="02000000000000000000" pitchFamily="2" charset="0"/>
+                <a:ea typeface="Roboto" panose="02000000000000000000" pitchFamily="2" charset="0"/>
+              </a:rPr>
+              <a:t>app.js</a:t>
+            </a:r>
+            <a:endParaRPr lang="en-IN" sz="1400" b="1">
+              <a:latin typeface="Roboto" panose="02000000000000000000" pitchFamily="2" charset="0"/>
+              <a:ea typeface="Roboto" panose="02000000000000000000" pitchFamily="2" charset="0"/>
+            </a:endParaRPr>
+          </a:p>
+        </p:txBody>
+      </p:sp>
+    </p:spTree>
+    <p:extLst>
+      <p:ext uri="{BB962C8B-B14F-4D97-AF65-F5344CB8AC3E}">
+        <p14:creationId xmlns:p14="http://schemas.microsoft.com/office/powerpoint/2010/main" val="2128408210"/>
+      </p:ext>
+    </p:extLst>
+  </p:cSld>
+  <p:clrMapOvr>
+    <a:masterClrMapping/>
+  </p:clrMapOvr>
+</p:sld>
+</file>
+
+<file path=ppt/slides/slide26.xml><?xml version="1.0" encoding="utf-8"?>
+<p:sld xmlns:a="http://schemas.openxmlformats.org/drawingml/2006/main" xmlns:r="http://schemas.openxmlformats.org/officeDocument/2006/relationships" xmlns:p="http://schemas.openxmlformats.org/presentationml/2006/main">
+  <p:cSld>
+    <p:spTree>
+      <p:nvGrpSpPr>
+        <p:cNvPr id="1" name=""/>
+        <p:cNvGrpSpPr/>
+        <p:nvPr/>
+      </p:nvGrpSpPr>
+      <p:grpSpPr>
+        <a:xfrm>
+          <a:off x="0" y="0"/>
+          <a:ext cx="0" cy="0"/>
+          <a:chOff x="0" y="0"/>
+          <a:chExt cx="0" cy="0"/>
+        </a:xfrm>
+      </p:grpSpPr>
+      <p:sp>
+        <p:nvSpPr>
+          <p:cNvPr id="26" name="Rectangle 25">
+            <a:extLst>
+              <a:ext uri="{FF2B5EF4-FFF2-40B4-BE49-F238E27FC236}">
+                <a16:creationId xmlns:a16="http://schemas.microsoft.com/office/drawing/2014/main" id="{6D1733EE-4306-45A6-93C9-A672B1DF124E}"/>
+              </a:ext>
+            </a:extLst>
+          </p:cNvPr>
+          <p:cNvSpPr/>
+          <p:nvPr/>
+        </p:nvSpPr>
+        <p:spPr>
+          <a:xfrm>
+            <a:off x="10029828" y="5199350"/>
+            <a:ext cx="4370384" cy="1487200"/>
+          </a:xfrm>
+          <a:prstGeom prst="rect">
+            <a:avLst/>
+          </a:prstGeom>
+          <a:solidFill>
+            <a:schemeClr val="tx2">
+              <a:lumMod val="20000"/>
+              <a:lumOff val="80000"/>
+            </a:schemeClr>
+          </a:solidFill>
+          <a:ln>
+            <a:noFill/>
+          </a:ln>
+        </p:spPr>
+        <p:style>
+          <a:lnRef idx="2">
+            <a:schemeClr val="accent1">
+              <a:shade val="50000"/>
+            </a:schemeClr>
+          </a:lnRef>
+          <a:fillRef idx="1">
+            <a:schemeClr val="accent1"/>
+          </a:fillRef>
+          <a:effectRef idx="0">
+            <a:schemeClr val="accent1"/>
+          </a:effectRef>
+          <a:fontRef idx="minor">
+            <a:schemeClr val="lt1"/>
+          </a:fontRef>
+        </p:style>
+        <p:txBody>
+          <a:bodyPr rtlCol="0" anchor="ctr"/>
+          <a:lstStyle/>
+          <a:p>
+            <a:pPr algn="ctr"/>
+            <a:endParaRPr lang="en-IN"/>
+          </a:p>
+        </p:txBody>
+      </p:sp>
+      <p:sp>
+        <p:nvSpPr>
+          <p:cNvPr id="25" name="Rectangle 24">
+            <a:extLst>
+              <a:ext uri="{FF2B5EF4-FFF2-40B4-BE49-F238E27FC236}">
+                <a16:creationId xmlns:a16="http://schemas.microsoft.com/office/drawing/2014/main" id="{1BFB36E0-D8BB-4139-9988-B4AAFA15B010}"/>
+              </a:ext>
+            </a:extLst>
+          </p:cNvPr>
+          <p:cNvSpPr/>
+          <p:nvPr/>
+        </p:nvSpPr>
+        <p:spPr>
+          <a:xfrm>
+            <a:off x="9754308" y="880558"/>
+            <a:ext cx="4645905" cy="4085588"/>
+          </a:xfrm>
+          <a:prstGeom prst="rect">
+            <a:avLst/>
+          </a:prstGeom>
+          <a:solidFill>
+            <a:schemeClr val="tx2">
+              <a:lumMod val="20000"/>
+              <a:lumOff val="80000"/>
+            </a:schemeClr>
+          </a:solidFill>
+          <a:ln>
+            <a:noFill/>
+          </a:ln>
+        </p:spPr>
+        <p:style>
+          <a:lnRef idx="2">
+            <a:schemeClr val="accent1">
+              <a:shade val="50000"/>
+            </a:schemeClr>
+          </a:lnRef>
+          <a:fillRef idx="1">
+            <a:schemeClr val="accent1"/>
+          </a:fillRef>
+          <a:effectRef idx="0">
+            <a:schemeClr val="accent1"/>
+          </a:effectRef>
+          <a:fontRef idx="minor">
+            <a:schemeClr val="lt1"/>
+          </a:fontRef>
+        </p:style>
+        <p:txBody>
+          <a:bodyPr rtlCol="0" anchor="ctr"/>
+          <a:lstStyle/>
+          <a:p>
+            <a:pPr algn="ctr"/>
+            <a:endParaRPr lang="en-IN"/>
+          </a:p>
+        </p:txBody>
+      </p:sp>
+      <p:sp>
+        <p:nvSpPr>
+          <p:cNvPr id="13" name="Rectangle 12">
+            <a:extLst>
+              <a:ext uri="{FF2B5EF4-FFF2-40B4-BE49-F238E27FC236}">
+                <a16:creationId xmlns:a16="http://schemas.microsoft.com/office/drawing/2014/main" id="{0029EEC3-783C-48E8-9D68-72010CA1AF92}"/>
+              </a:ext>
+            </a:extLst>
+          </p:cNvPr>
+          <p:cNvSpPr/>
+          <p:nvPr/>
+        </p:nvSpPr>
+        <p:spPr>
+          <a:xfrm>
+            <a:off x="5149392" y="880559"/>
+            <a:ext cx="4695023" cy="5805991"/>
+          </a:xfrm>
+          <a:prstGeom prst="rect">
+            <a:avLst/>
+          </a:prstGeom>
+          <a:solidFill>
+            <a:schemeClr val="tx2">
+              <a:lumMod val="20000"/>
+              <a:lumOff val="80000"/>
+            </a:schemeClr>
+          </a:solidFill>
+          <a:ln>
+            <a:noFill/>
+          </a:ln>
+        </p:spPr>
+        <p:style>
+          <a:lnRef idx="2">
+            <a:schemeClr val="accent1">
+              <a:shade val="50000"/>
+            </a:schemeClr>
+          </a:lnRef>
+          <a:fillRef idx="1">
+            <a:schemeClr val="accent1"/>
+          </a:fillRef>
+          <a:effectRef idx="0">
+            <a:schemeClr val="accent1"/>
+          </a:effectRef>
+          <a:fontRef idx="minor">
+            <a:schemeClr val="lt1"/>
+          </a:fontRef>
+        </p:style>
+        <p:txBody>
+          <a:bodyPr rtlCol="0" anchor="ctr"/>
+          <a:lstStyle/>
+          <a:p>
+            <a:pPr algn="ctr"/>
+            <a:endParaRPr lang="en-IN"/>
+          </a:p>
+        </p:txBody>
+      </p:sp>
+      <p:sp>
+        <p:nvSpPr>
+          <p:cNvPr id="2" name="Rectangle 1">
+            <a:extLst>
+              <a:ext uri="{FF2B5EF4-FFF2-40B4-BE49-F238E27FC236}">
+                <a16:creationId xmlns:a16="http://schemas.microsoft.com/office/drawing/2014/main" id="{B060EDA0-1422-4653-80DA-3E2E2060E10C}"/>
+              </a:ext>
+            </a:extLst>
+          </p:cNvPr>
+          <p:cNvSpPr/>
+          <p:nvPr/>
+        </p:nvSpPr>
+        <p:spPr>
+          <a:xfrm>
+            <a:off x="614363" y="880558"/>
+            <a:ext cx="4357688" cy="5805992"/>
+          </a:xfrm>
+          <a:prstGeom prst="rect">
+            <a:avLst/>
+          </a:prstGeom>
+          <a:solidFill>
+            <a:schemeClr val="tx2">
+              <a:lumMod val="20000"/>
+              <a:lumOff val="80000"/>
+            </a:schemeClr>
+          </a:solidFill>
+          <a:ln>
+            <a:noFill/>
+          </a:ln>
+        </p:spPr>
+        <p:style>
+          <a:lnRef idx="2">
+            <a:schemeClr val="accent1">
+              <a:shade val="50000"/>
+            </a:schemeClr>
+          </a:lnRef>
+          <a:fillRef idx="1">
+            <a:schemeClr val="accent1"/>
+          </a:fillRef>
+          <a:effectRef idx="0">
+            <a:schemeClr val="accent1"/>
+          </a:effectRef>
+          <a:fontRef idx="minor">
+            <a:schemeClr val="lt1"/>
+          </a:fontRef>
+        </p:style>
+        <p:txBody>
+          <a:bodyPr rtlCol="0" anchor="ctr"/>
+          <a:lstStyle/>
+          <a:p>
+            <a:pPr algn="ctr"/>
+            <a:endParaRPr lang="en-IN"/>
+          </a:p>
+        </p:txBody>
+      </p:sp>
+      <p:sp>
+        <p:nvSpPr>
+          <p:cNvPr id="3" name="Oval 2">
+            <a:extLst>
+              <a:ext uri="{FF2B5EF4-FFF2-40B4-BE49-F238E27FC236}">
+                <a16:creationId xmlns:a16="http://schemas.microsoft.com/office/drawing/2014/main" id="{99975A9C-D242-44A8-9E66-2DB49E783EC8}"/>
+              </a:ext>
+            </a:extLst>
+          </p:cNvPr>
+          <p:cNvSpPr/>
+          <p:nvPr/>
+        </p:nvSpPr>
+        <p:spPr>
+          <a:xfrm>
+            <a:off x="320789" y="590742"/>
+            <a:ext cx="579631" cy="579631"/>
+          </a:xfrm>
+          <a:prstGeom prst="ellipse">
+            <a:avLst/>
+          </a:prstGeom>
+        </p:spPr>
+        <p:style>
+          <a:lnRef idx="2">
+            <a:schemeClr val="accent1">
+              <a:shade val="50000"/>
+            </a:schemeClr>
+          </a:lnRef>
+          <a:fillRef idx="1">
+            <a:schemeClr val="accent1"/>
+          </a:fillRef>
+          <a:effectRef idx="0">
+            <a:schemeClr val="accent1"/>
+          </a:effectRef>
+          <a:fontRef idx="minor">
+            <a:schemeClr val="lt1"/>
+          </a:fontRef>
+        </p:style>
+        <p:txBody>
+          <a:bodyPr rtlCol="0" anchor="ctr"/>
+          <a:lstStyle/>
+          <a:p>
+            <a:pPr algn="ctr"/>
+            <a:r>
+              <a:rPr lang="en-IN" sz="1200">
+                <a:latin typeface="Roboto" panose="02000000000000000000" pitchFamily="2" charset="0"/>
+                <a:ea typeface="Roboto" panose="02000000000000000000" pitchFamily="2" charset="0"/>
+              </a:rPr>
+              <a:t>1.1</a:t>
+            </a:r>
+          </a:p>
+        </p:txBody>
+      </p:sp>
+      <p:sp>
+        <p:nvSpPr>
+          <p:cNvPr id="4" name="TextBox 3">
+            <a:extLst>
+              <a:ext uri="{FF2B5EF4-FFF2-40B4-BE49-F238E27FC236}">
+                <a16:creationId xmlns:a16="http://schemas.microsoft.com/office/drawing/2014/main" id="{7E6E8A9A-7390-46CA-B25F-D6884A47DB50}"/>
+              </a:ext>
+            </a:extLst>
+          </p:cNvPr>
+          <p:cNvSpPr txBox="1"/>
+          <p:nvPr/>
+        </p:nvSpPr>
+        <p:spPr>
+          <a:xfrm>
+            <a:off x="155809" y="30475"/>
+            <a:ext cx="1517812" cy="523220"/>
+          </a:xfrm>
+          <a:prstGeom prst="rect">
+            <a:avLst/>
+          </a:prstGeom>
+          <a:solidFill>
+            <a:srgbClr val="FFFF00"/>
+          </a:solidFill>
+        </p:spPr>
+        <p:txBody>
+          <a:bodyPr wrap="square" rtlCol="0">
+            <a:spAutoFit/>
+          </a:bodyPr>
+          <a:lstStyle/>
+          <a:p>
+            <a:r>
+              <a:rPr lang="en-IN" sz="2800" u="sng">
+                <a:latin typeface="Roboto" panose="02000000000000000000" pitchFamily="2" charset="0"/>
+                <a:ea typeface="Roboto" panose="02000000000000000000" pitchFamily="2" charset="0"/>
+              </a:rPr>
+              <a:t>Phase 4</a:t>
+            </a:r>
+          </a:p>
+        </p:txBody>
+      </p:sp>
+      <p:sp>
+        <p:nvSpPr>
+          <p:cNvPr id="5" name="TextBox 4">
+            <a:extLst>
+              <a:ext uri="{FF2B5EF4-FFF2-40B4-BE49-F238E27FC236}">
+                <a16:creationId xmlns:a16="http://schemas.microsoft.com/office/drawing/2014/main" id="{1FBF23FF-8384-4B83-B86C-72AEBAF71669}"/>
+              </a:ext>
+            </a:extLst>
+          </p:cNvPr>
+          <p:cNvSpPr txBox="1"/>
+          <p:nvPr/>
+        </p:nvSpPr>
+        <p:spPr>
+          <a:xfrm>
+            <a:off x="914716" y="1170373"/>
+            <a:ext cx="4657410" cy="523220"/>
+          </a:xfrm>
+          <a:prstGeom prst="rect">
+            <a:avLst/>
+          </a:prstGeom>
+          <a:noFill/>
+        </p:spPr>
+        <p:txBody>
+          <a:bodyPr wrap="square" rtlCol="0">
+            <a:spAutoFit/>
+          </a:bodyPr>
+          <a:lstStyle/>
+          <a:p>
+            <a:r>
+              <a:rPr lang="en-IN" sz="1400">
+                <a:latin typeface="Roboto" panose="02000000000000000000" pitchFamily="2" charset="0"/>
+                <a:ea typeface="Roboto" panose="02000000000000000000" pitchFamily="2" charset="0"/>
+              </a:rPr>
+              <a:t>DB Connection (just retaind only connection part </a:t>
+            </a:r>
+          </a:p>
+          <a:p>
+            <a:r>
+              <a:rPr lang="en-IN" sz="1400">
+                <a:latin typeface="Roboto" panose="02000000000000000000" pitchFamily="2" charset="0"/>
+                <a:ea typeface="Roboto" panose="02000000000000000000" pitchFamily="2" charset="0"/>
+              </a:rPr>
+              <a:t>from previous Phase SW)</a:t>
+            </a:r>
+            <a:endParaRPr lang="en-IN" sz="1400" b="1">
+              <a:latin typeface="Roboto" panose="02000000000000000000" pitchFamily="2" charset="0"/>
+              <a:ea typeface="Roboto" panose="02000000000000000000" pitchFamily="2" charset="0"/>
+            </a:endParaRPr>
+          </a:p>
+        </p:txBody>
+      </p:sp>
+      <p:pic>
+        <p:nvPicPr>
+          <p:cNvPr id="7" name="Picture 6">
+            <a:extLst>
+              <a:ext uri="{FF2B5EF4-FFF2-40B4-BE49-F238E27FC236}">
+                <a16:creationId xmlns:a16="http://schemas.microsoft.com/office/drawing/2014/main" id="{D2FCD638-6407-4E48-9118-D6C27797ECF5}"/>
+              </a:ext>
+            </a:extLst>
+          </p:cNvPr>
+          <p:cNvPicPr>
+            <a:picLocks noChangeAspect="1"/>
+          </p:cNvPicPr>
+          <p:nvPr/>
+        </p:nvPicPr>
+        <p:blipFill>
+          <a:blip r:embed="rId2">
+            <a:extLst>
+              <a:ext uri="{28A0092B-C50C-407E-A947-70E740481C1C}">
+                <a14:useLocalDpi xmlns:a14="http://schemas.microsoft.com/office/drawing/2010/main" val="0"/>
+              </a:ext>
+            </a:extLst>
+          </a:blip>
+          <a:stretch>
+            <a:fillRect/>
+          </a:stretch>
+        </p:blipFill>
+        <p:spPr>
+          <a:xfrm>
+            <a:off x="914715" y="1767965"/>
+            <a:ext cx="3611100" cy="4475729"/>
+          </a:xfrm>
+          <a:prstGeom prst="rect">
+            <a:avLst/>
+          </a:prstGeom>
+        </p:spPr>
+      </p:pic>
+      <p:sp>
+        <p:nvSpPr>
+          <p:cNvPr id="8" name="TextBox 7">
+            <a:extLst>
+              <a:ext uri="{FF2B5EF4-FFF2-40B4-BE49-F238E27FC236}">
+                <a16:creationId xmlns:a16="http://schemas.microsoft.com/office/drawing/2014/main" id="{8B9B77FF-9096-41C9-A05D-803351AA7DA3}"/>
+              </a:ext>
+            </a:extLst>
+          </p:cNvPr>
+          <p:cNvSpPr txBox="1"/>
+          <p:nvPr/>
+        </p:nvSpPr>
+        <p:spPr>
+          <a:xfrm>
+            <a:off x="5372418" y="1097395"/>
+            <a:ext cx="4657410" cy="523220"/>
+          </a:xfrm>
+          <a:prstGeom prst="rect">
+            <a:avLst/>
+          </a:prstGeom>
+          <a:noFill/>
+        </p:spPr>
+        <p:txBody>
+          <a:bodyPr wrap="square" rtlCol="0">
+            <a:spAutoFit/>
+          </a:bodyPr>
+          <a:lstStyle/>
+          <a:p>
+            <a:r>
+              <a:rPr lang="en-IN" sz="1400">
+                <a:latin typeface="Roboto" panose="02000000000000000000" pitchFamily="2" charset="0"/>
+                <a:ea typeface="Roboto" panose="02000000000000000000" pitchFamily="2" charset="0"/>
+              </a:rPr>
+              <a:t>Model creation ready to be used in other modules without having to export</a:t>
+            </a:r>
+            <a:endParaRPr lang="en-IN" sz="1400" b="1">
+              <a:latin typeface="Roboto" panose="02000000000000000000" pitchFamily="2" charset="0"/>
+              <a:ea typeface="Roboto" panose="02000000000000000000" pitchFamily="2" charset="0"/>
+            </a:endParaRPr>
+          </a:p>
+        </p:txBody>
+      </p:sp>
+      <p:pic>
+        <p:nvPicPr>
+          <p:cNvPr id="10" name="Picture 9">
+            <a:extLst>
+              <a:ext uri="{FF2B5EF4-FFF2-40B4-BE49-F238E27FC236}">
+                <a16:creationId xmlns:a16="http://schemas.microsoft.com/office/drawing/2014/main" id="{16F456CB-1306-400E-8E24-2674B744A13B}"/>
+              </a:ext>
+            </a:extLst>
+          </p:cNvPr>
+          <p:cNvPicPr>
+            <a:picLocks noChangeAspect="1"/>
+          </p:cNvPicPr>
+          <p:nvPr/>
+        </p:nvPicPr>
+        <p:blipFill>
+          <a:blip r:embed="rId3">
+            <a:extLst>
+              <a:ext uri="{28A0092B-C50C-407E-A947-70E740481C1C}">
+                <a14:useLocalDpi xmlns:a14="http://schemas.microsoft.com/office/drawing/2010/main" val="0"/>
+              </a:ext>
+            </a:extLst>
+          </a:blip>
+          <a:stretch>
+            <a:fillRect/>
+          </a:stretch>
+        </p:blipFill>
+        <p:spPr>
+          <a:xfrm>
+            <a:off x="5372418" y="1752899"/>
+            <a:ext cx="4268370" cy="4728389"/>
+          </a:xfrm>
+          <a:prstGeom prst="rect">
+            <a:avLst/>
+          </a:prstGeom>
+        </p:spPr>
+      </p:pic>
+      <p:pic>
+        <p:nvPicPr>
+          <p:cNvPr id="12" name="Picture 11">
+            <a:extLst>
+              <a:ext uri="{FF2B5EF4-FFF2-40B4-BE49-F238E27FC236}">
+                <a16:creationId xmlns:a16="http://schemas.microsoft.com/office/drawing/2014/main" id="{71F55B78-E742-4192-9AED-C5D1D5E65581}"/>
+              </a:ext>
+            </a:extLst>
+          </p:cNvPr>
+          <p:cNvPicPr>
+            <a:picLocks noChangeAspect="1"/>
+          </p:cNvPicPr>
+          <p:nvPr/>
+        </p:nvPicPr>
+        <p:blipFill>
+          <a:blip r:embed="rId4">
+            <a:extLst>
+              <a:ext uri="{28A0092B-C50C-407E-A947-70E740481C1C}">
+                <a14:useLocalDpi xmlns:a14="http://schemas.microsoft.com/office/drawing/2010/main" val="0"/>
+              </a:ext>
+            </a:extLst>
+          </a:blip>
+          <a:stretch>
+            <a:fillRect/>
+          </a:stretch>
+        </p:blipFill>
+        <p:spPr>
+          <a:xfrm>
+            <a:off x="10147090" y="1075684"/>
+            <a:ext cx="4253123" cy="3364182"/>
+          </a:xfrm>
+          <a:prstGeom prst="rect">
+            <a:avLst/>
+          </a:prstGeom>
+        </p:spPr>
+      </p:pic>
+      <p:sp>
+        <p:nvSpPr>
+          <p:cNvPr id="14" name="Arrow: Right 13">
+            <a:extLst>
+              <a:ext uri="{FF2B5EF4-FFF2-40B4-BE49-F238E27FC236}">
+                <a16:creationId xmlns:a16="http://schemas.microsoft.com/office/drawing/2014/main" id="{3B72DE73-9BF6-4E0F-9147-BDAE10AB1AAD}"/>
+              </a:ext>
+            </a:extLst>
+          </p:cNvPr>
+          <p:cNvSpPr/>
+          <p:nvPr/>
+        </p:nvSpPr>
+        <p:spPr>
+          <a:xfrm>
+            <a:off x="9823198" y="2162742"/>
+            <a:ext cx="258147" cy="251846"/>
+          </a:xfrm>
+          <a:prstGeom prst="rightArrow">
+            <a:avLst/>
+          </a:prstGeom>
+        </p:spPr>
+        <p:style>
+          <a:lnRef idx="2">
+            <a:schemeClr val="accent1">
+              <a:shade val="50000"/>
+            </a:schemeClr>
+          </a:lnRef>
+          <a:fillRef idx="1">
+            <a:schemeClr val="accent1"/>
+          </a:fillRef>
+          <a:effectRef idx="0">
+            <a:schemeClr val="accent1"/>
+          </a:effectRef>
+          <a:fontRef idx="minor">
+            <a:schemeClr val="lt1"/>
+          </a:fontRef>
+        </p:style>
+        <p:txBody>
+          <a:bodyPr rtlCol="0" anchor="ctr"/>
+          <a:lstStyle/>
+          <a:p>
+            <a:pPr algn="ctr"/>
+            <a:endParaRPr lang="en-IN"/>
+          </a:p>
+        </p:txBody>
+      </p:sp>
+      <p:sp>
+        <p:nvSpPr>
+          <p:cNvPr id="15" name="Rectangle 14">
+            <a:extLst>
+              <a:ext uri="{FF2B5EF4-FFF2-40B4-BE49-F238E27FC236}">
+                <a16:creationId xmlns:a16="http://schemas.microsoft.com/office/drawing/2014/main" id="{97D22B9F-56C8-4CB7-A9D2-77FC23B91CC8}"/>
+              </a:ext>
+            </a:extLst>
+          </p:cNvPr>
+          <p:cNvSpPr/>
+          <p:nvPr/>
+        </p:nvSpPr>
+        <p:spPr>
+          <a:xfrm>
+            <a:off x="10175865" y="4108606"/>
+            <a:ext cx="2889351" cy="218502"/>
+          </a:xfrm>
+          <a:prstGeom prst="rect">
+            <a:avLst/>
+          </a:prstGeom>
+          <a:solidFill>
+            <a:srgbClr val="FFFF00">
+              <a:alpha val="25000"/>
+            </a:srgbClr>
+          </a:solidFill>
+          <a:ln>
+            <a:noFill/>
+          </a:ln>
+        </p:spPr>
+        <p:style>
+          <a:lnRef idx="2">
+            <a:schemeClr val="accent1">
+              <a:shade val="50000"/>
+            </a:schemeClr>
+          </a:lnRef>
+          <a:fillRef idx="1">
+            <a:schemeClr val="accent1"/>
+          </a:fillRef>
+          <a:effectRef idx="0">
+            <a:schemeClr val="accent1"/>
+          </a:effectRef>
+          <a:fontRef idx="minor">
+            <a:schemeClr val="lt1"/>
+          </a:fontRef>
+        </p:style>
+        <p:txBody>
+          <a:bodyPr rtlCol="0" anchor="ctr"/>
+          <a:lstStyle/>
+          <a:p>
+            <a:pPr algn="ctr"/>
+            <a:endParaRPr lang="en-IN"/>
+          </a:p>
+        </p:txBody>
+      </p:sp>
+      <p:cxnSp>
+        <p:nvCxnSpPr>
+          <p:cNvPr id="17" name="Straight Arrow Connector 16">
+            <a:extLst>
+              <a:ext uri="{FF2B5EF4-FFF2-40B4-BE49-F238E27FC236}">
+                <a16:creationId xmlns:a16="http://schemas.microsoft.com/office/drawing/2014/main" id="{019925DA-E5BE-4502-8116-9372DF5657EF}"/>
+              </a:ext>
+            </a:extLst>
+          </p:cNvPr>
+          <p:cNvCxnSpPr>
+            <a:cxnSpLocks/>
+          </p:cNvCxnSpPr>
+          <p:nvPr/>
+        </p:nvCxnSpPr>
+        <p:spPr>
+          <a:xfrm>
+            <a:off x="12250629" y="4327108"/>
+            <a:ext cx="571500" cy="295848"/>
+          </a:xfrm>
+          <a:prstGeom prst="straightConnector1">
+            <a:avLst/>
+          </a:prstGeom>
+          <a:ln w="28575">
+            <a:solidFill>
+              <a:srgbClr val="FF0000"/>
+            </a:solidFill>
+            <a:tailEnd type="triangle"/>
+          </a:ln>
+        </p:spPr>
+        <p:style>
+          <a:lnRef idx="1">
+            <a:schemeClr val="accent1"/>
+          </a:lnRef>
+          <a:fillRef idx="0">
+            <a:schemeClr val="accent1"/>
+          </a:fillRef>
+          <a:effectRef idx="0">
+            <a:schemeClr val="accent1"/>
+          </a:effectRef>
+          <a:fontRef idx="minor">
+            <a:schemeClr val="tx1"/>
+          </a:fontRef>
+        </p:style>
+      </p:cxnSp>
+      <p:sp>
+        <p:nvSpPr>
+          <p:cNvPr id="19" name="TextBox 18">
+            <a:extLst>
+              <a:ext uri="{FF2B5EF4-FFF2-40B4-BE49-F238E27FC236}">
+                <a16:creationId xmlns:a16="http://schemas.microsoft.com/office/drawing/2014/main" id="{F5C8C771-4810-415A-B9BB-3954D6A7079D}"/>
+              </a:ext>
+            </a:extLst>
+          </p:cNvPr>
+          <p:cNvSpPr txBox="1"/>
+          <p:nvPr/>
+        </p:nvSpPr>
+        <p:spPr>
+          <a:xfrm>
+            <a:off x="12250629" y="4658368"/>
+            <a:ext cx="1442254" cy="307777"/>
+          </a:xfrm>
+          <a:prstGeom prst="rect">
+            <a:avLst/>
+          </a:prstGeom>
+          <a:noFill/>
+        </p:spPr>
+        <p:txBody>
+          <a:bodyPr wrap="square" rtlCol="0">
+            <a:spAutoFit/>
+          </a:bodyPr>
+          <a:lstStyle/>
+          <a:p>
+            <a:r>
+              <a:rPr lang="en-IN" sz="1400">
+                <a:latin typeface="Roboto" panose="02000000000000000000" pitchFamily="2" charset="0"/>
+                <a:ea typeface="Roboto" panose="02000000000000000000" pitchFamily="2" charset="0"/>
+              </a:rPr>
+              <a:t>See, no export!</a:t>
+            </a:r>
+            <a:endParaRPr lang="en-IN" sz="1400" b="1">
+              <a:latin typeface="Roboto" panose="02000000000000000000" pitchFamily="2" charset="0"/>
+              <a:ea typeface="Roboto" panose="02000000000000000000" pitchFamily="2" charset="0"/>
+            </a:endParaRPr>
+          </a:p>
+        </p:txBody>
+      </p:sp>
+      <p:sp>
+        <p:nvSpPr>
+          <p:cNvPr id="20" name="Oval 19">
+            <a:extLst>
+              <a:ext uri="{FF2B5EF4-FFF2-40B4-BE49-F238E27FC236}">
+                <a16:creationId xmlns:a16="http://schemas.microsoft.com/office/drawing/2014/main" id="{28EE687C-E323-4AA3-80E1-43DE92C658A5}"/>
+              </a:ext>
+            </a:extLst>
+          </p:cNvPr>
+          <p:cNvSpPr/>
+          <p:nvPr/>
+        </p:nvSpPr>
+        <p:spPr>
+          <a:xfrm>
+            <a:off x="5082602" y="496053"/>
+            <a:ext cx="579631" cy="579631"/>
+          </a:xfrm>
+          <a:prstGeom prst="ellipse">
+            <a:avLst/>
+          </a:prstGeom>
+        </p:spPr>
+        <p:style>
+          <a:lnRef idx="2">
+            <a:schemeClr val="accent1">
+              <a:shade val="50000"/>
+            </a:schemeClr>
+          </a:lnRef>
+          <a:fillRef idx="1">
+            <a:schemeClr val="accent1"/>
+          </a:fillRef>
+          <a:effectRef idx="0">
+            <a:schemeClr val="accent1"/>
+          </a:effectRef>
+          <a:fontRef idx="minor">
+            <a:schemeClr val="lt1"/>
+          </a:fontRef>
+        </p:style>
+        <p:txBody>
+          <a:bodyPr rtlCol="0" anchor="ctr"/>
+          <a:lstStyle/>
+          <a:p>
+            <a:pPr algn="ctr"/>
+            <a:r>
+              <a:rPr lang="en-IN" sz="1200">
+                <a:latin typeface="Roboto" panose="02000000000000000000" pitchFamily="2" charset="0"/>
+                <a:ea typeface="Roboto" panose="02000000000000000000" pitchFamily="2" charset="0"/>
+              </a:rPr>
+              <a:t>1.1</a:t>
+            </a:r>
+          </a:p>
+        </p:txBody>
+      </p:sp>
+      <p:pic>
+        <p:nvPicPr>
+          <p:cNvPr id="22" name="Picture 21">
+            <a:extLst>
+              <a:ext uri="{FF2B5EF4-FFF2-40B4-BE49-F238E27FC236}">
+                <a16:creationId xmlns:a16="http://schemas.microsoft.com/office/drawing/2014/main" id="{8789497E-8708-4B80-964B-A64C8B1DB903}"/>
+              </a:ext>
+            </a:extLst>
+          </p:cNvPr>
+          <p:cNvPicPr>
+            <a:picLocks noChangeAspect="1"/>
+          </p:cNvPicPr>
+          <p:nvPr/>
+        </p:nvPicPr>
+        <p:blipFill>
+          <a:blip r:embed="rId5">
+            <a:extLst>
+              <a:ext uri="{28A0092B-C50C-407E-A947-70E740481C1C}">
+                <a14:useLocalDpi xmlns:a14="http://schemas.microsoft.com/office/drawing/2010/main" val="0"/>
+              </a:ext>
+            </a:extLst>
+          </a:blip>
+          <a:stretch>
+            <a:fillRect/>
+          </a:stretch>
+        </p:blipFill>
+        <p:spPr>
+          <a:xfrm>
+            <a:off x="10259772" y="5776904"/>
+            <a:ext cx="3515216" cy="466790"/>
+          </a:xfrm>
+          <a:prstGeom prst="rect">
+            <a:avLst/>
+          </a:prstGeom>
+        </p:spPr>
+      </p:pic>
+      <p:sp>
+        <p:nvSpPr>
+          <p:cNvPr id="23" name="TextBox 22">
+            <a:extLst>
+              <a:ext uri="{FF2B5EF4-FFF2-40B4-BE49-F238E27FC236}">
+                <a16:creationId xmlns:a16="http://schemas.microsoft.com/office/drawing/2014/main" id="{CE6F6195-8175-451C-9D9A-BA887AA02C6B}"/>
+              </a:ext>
+            </a:extLst>
+          </p:cNvPr>
+          <p:cNvSpPr txBox="1"/>
+          <p:nvPr/>
+        </p:nvSpPr>
+        <p:spPr>
+          <a:xfrm>
+            <a:off x="10178285" y="5409319"/>
+            <a:ext cx="4221927" cy="307777"/>
+          </a:xfrm>
+          <a:prstGeom prst="rect">
+            <a:avLst/>
+          </a:prstGeom>
+          <a:noFill/>
+        </p:spPr>
+        <p:txBody>
+          <a:bodyPr wrap="square" rtlCol="0">
+            <a:spAutoFit/>
+          </a:bodyPr>
+          <a:lstStyle/>
+          <a:p>
+            <a:r>
+              <a:rPr lang="en-IN" sz="1400" b="1">
+                <a:latin typeface="Roboto" panose="02000000000000000000" pitchFamily="2" charset="0"/>
+                <a:ea typeface="Roboto" panose="02000000000000000000" pitchFamily="2" charset="0"/>
+              </a:rPr>
+              <a:t>Route.js </a:t>
+            </a:r>
+            <a:r>
+              <a:rPr lang="en-IN" sz="1400">
+                <a:latin typeface="Roboto" panose="02000000000000000000" pitchFamily="2" charset="0"/>
+                <a:ea typeface="Roboto" panose="02000000000000000000" pitchFamily="2" charset="0"/>
+              </a:rPr>
+              <a:t>directly accessing model via mongoose</a:t>
+            </a:r>
+            <a:endParaRPr lang="en-IN" sz="1400" b="1">
+              <a:latin typeface="Roboto" panose="02000000000000000000" pitchFamily="2" charset="0"/>
+              <a:ea typeface="Roboto" panose="02000000000000000000" pitchFamily="2" charset="0"/>
+            </a:endParaRPr>
+          </a:p>
+        </p:txBody>
+      </p:sp>
+      <p:sp>
+        <p:nvSpPr>
+          <p:cNvPr id="24" name="Rectangle 23">
+            <a:extLst>
+              <a:ext uri="{FF2B5EF4-FFF2-40B4-BE49-F238E27FC236}">
+                <a16:creationId xmlns:a16="http://schemas.microsoft.com/office/drawing/2014/main" id="{1441CCA5-626B-4364-97C7-76E324EF2486}"/>
+              </a:ext>
+            </a:extLst>
+          </p:cNvPr>
+          <p:cNvSpPr/>
+          <p:nvPr/>
+        </p:nvSpPr>
+        <p:spPr>
+          <a:xfrm>
+            <a:off x="10253531" y="5935598"/>
+            <a:ext cx="3305307" cy="224672"/>
+          </a:xfrm>
+          <a:prstGeom prst="rect">
+            <a:avLst/>
+          </a:prstGeom>
+          <a:solidFill>
+            <a:srgbClr val="FFFF00">
+              <a:alpha val="25000"/>
+            </a:srgbClr>
+          </a:solidFill>
+          <a:ln>
+            <a:noFill/>
+          </a:ln>
+        </p:spPr>
+        <p:style>
+          <a:lnRef idx="2">
+            <a:schemeClr val="accent1">
+              <a:shade val="50000"/>
+            </a:schemeClr>
+          </a:lnRef>
+          <a:fillRef idx="1">
+            <a:schemeClr val="accent1"/>
+          </a:fillRef>
+          <a:effectRef idx="0">
+            <a:schemeClr val="accent1"/>
+          </a:effectRef>
+          <a:fontRef idx="minor">
+            <a:schemeClr val="lt1"/>
+          </a:fontRef>
+        </p:style>
+        <p:txBody>
+          <a:bodyPr rtlCol="0" anchor="ctr"/>
+          <a:lstStyle/>
+          <a:p>
+            <a:pPr algn="ctr"/>
+            <a:endParaRPr lang="en-IN"/>
+          </a:p>
+        </p:txBody>
+      </p:sp>
+      <p:sp>
+        <p:nvSpPr>
+          <p:cNvPr id="27" name="Oval 26">
+            <a:extLst>
+              <a:ext uri="{FF2B5EF4-FFF2-40B4-BE49-F238E27FC236}">
+                <a16:creationId xmlns:a16="http://schemas.microsoft.com/office/drawing/2014/main" id="{4C24BE0F-EC51-4A1F-9981-F869CDA09B65}"/>
+              </a:ext>
+            </a:extLst>
+          </p:cNvPr>
+          <p:cNvSpPr/>
+          <p:nvPr/>
+        </p:nvSpPr>
+        <p:spPr>
+          <a:xfrm>
+            <a:off x="9942366" y="4928642"/>
+            <a:ext cx="579631" cy="579631"/>
+          </a:xfrm>
+          <a:prstGeom prst="ellipse">
+            <a:avLst/>
+          </a:prstGeom>
+        </p:spPr>
+        <p:style>
+          <a:lnRef idx="2">
+            <a:schemeClr val="accent1">
+              <a:shade val="50000"/>
+            </a:schemeClr>
+          </a:lnRef>
+          <a:fillRef idx="1">
+            <a:schemeClr val="accent1"/>
+          </a:fillRef>
+          <a:effectRef idx="0">
+            <a:schemeClr val="accent1"/>
+          </a:effectRef>
+          <a:fontRef idx="minor">
+            <a:schemeClr val="lt1"/>
+          </a:fontRef>
+        </p:style>
+        <p:txBody>
+          <a:bodyPr rtlCol="0" anchor="ctr"/>
+          <a:lstStyle/>
+          <a:p>
+            <a:pPr algn="ctr"/>
+            <a:r>
+              <a:rPr lang="en-IN" sz="1200">
+                <a:latin typeface="Roboto" panose="02000000000000000000" pitchFamily="2" charset="0"/>
+                <a:ea typeface="Roboto" panose="02000000000000000000" pitchFamily="2" charset="0"/>
+              </a:rPr>
+              <a:t>1.1</a:t>
+            </a:r>
+          </a:p>
+        </p:txBody>
+      </p:sp>
+    </p:spTree>
+    <p:extLst>
+      <p:ext uri="{BB962C8B-B14F-4D97-AF65-F5344CB8AC3E}">
+        <p14:creationId xmlns:p14="http://schemas.microsoft.com/office/powerpoint/2010/main" val="543712331"/>
+      </p:ext>
+    </p:extLst>
+  </p:cSld>
+  <p:clrMapOvr>
+    <a:masterClrMapping/>
+  </p:clrMapOvr>
+</p:sld>
+</file>
+
+<file path=ppt/slides/slide27.xml><?xml version="1.0" encoding="utf-8"?>
+<p:sld xmlns:a="http://schemas.openxmlformats.org/drawingml/2006/main" xmlns:r="http://schemas.openxmlformats.org/officeDocument/2006/relationships" xmlns:p="http://schemas.openxmlformats.org/presentationml/2006/main">
+  <p:cSld>
+    <p:spTree>
+      <p:nvGrpSpPr>
+        <p:cNvPr id="1" name=""/>
+        <p:cNvGrpSpPr/>
+        <p:nvPr/>
+      </p:nvGrpSpPr>
+      <p:grpSpPr>
+        <a:xfrm>
+          <a:off x="0" y="0"/>
+          <a:ext cx="0" cy="0"/>
+          <a:chOff x="0" y="0"/>
+          <a:chExt cx="0" cy="0"/>
+        </a:xfrm>
+      </p:grpSpPr>
+      <p:sp>
+        <p:nvSpPr>
+          <p:cNvPr id="2" name="Rectangle 1">
+            <a:extLst>
+              <a:ext uri="{FF2B5EF4-FFF2-40B4-BE49-F238E27FC236}">
+                <a16:creationId xmlns:a16="http://schemas.microsoft.com/office/drawing/2014/main" id="{FAAE7A6F-91BC-4C12-A480-23A15214CF63}"/>
+              </a:ext>
+            </a:extLst>
+          </p:cNvPr>
+          <p:cNvSpPr/>
+          <p:nvPr/>
+        </p:nvSpPr>
+        <p:spPr>
+          <a:xfrm>
+            <a:off x="222599" y="1052009"/>
+            <a:ext cx="5849590" cy="5491666"/>
+          </a:xfrm>
+          <a:prstGeom prst="rect">
+            <a:avLst/>
+          </a:prstGeom>
+          <a:solidFill>
+            <a:schemeClr val="tx2">
+              <a:lumMod val="20000"/>
+              <a:lumOff val="80000"/>
+            </a:schemeClr>
+          </a:solidFill>
+          <a:ln>
+            <a:noFill/>
+          </a:ln>
+        </p:spPr>
+        <p:style>
+          <a:lnRef idx="2">
+            <a:schemeClr val="accent1">
+              <a:shade val="50000"/>
+            </a:schemeClr>
+          </a:lnRef>
+          <a:fillRef idx="1">
+            <a:schemeClr val="accent1"/>
+          </a:fillRef>
+          <a:effectRef idx="0">
+            <a:schemeClr val="accent1"/>
+          </a:effectRef>
+          <a:fontRef idx="minor">
+            <a:schemeClr val="lt1"/>
+          </a:fontRef>
+        </p:style>
+        <p:txBody>
+          <a:bodyPr rtlCol="0" anchor="ctr"/>
+          <a:lstStyle/>
+          <a:p>
+            <a:pPr algn="ctr"/>
+            <a:endParaRPr lang="en-IN"/>
+          </a:p>
+        </p:txBody>
+      </p:sp>
+      <p:sp>
+        <p:nvSpPr>
+          <p:cNvPr id="3" name="Oval 2">
+            <a:extLst>
+              <a:ext uri="{FF2B5EF4-FFF2-40B4-BE49-F238E27FC236}">
+                <a16:creationId xmlns:a16="http://schemas.microsoft.com/office/drawing/2014/main" id="{1EDE7B59-A5AB-4AAD-9EBA-7106B1E8A838}"/>
+              </a:ext>
+            </a:extLst>
+          </p:cNvPr>
+          <p:cNvSpPr/>
+          <p:nvPr/>
+        </p:nvSpPr>
+        <p:spPr>
+          <a:xfrm>
+            <a:off x="155809" y="667503"/>
+            <a:ext cx="579631" cy="579631"/>
+          </a:xfrm>
+          <a:prstGeom prst="ellipse">
+            <a:avLst/>
+          </a:prstGeom>
+        </p:spPr>
+        <p:style>
+          <a:lnRef idx="2">
+            <a:schemeClr val="accent1">
+              <a:shade val="50000"/>
+            </a:schemeClr>
+          </a:lnRef>
+          <a:fillRef idx="1">
+            <a:schemeClr val="accent1"/>
+          </a:fillRef>
+          <a:effectRef idx="0">
+            <a:schemeClr val="accent1"/>
+          </a:effectRef>
+          <a:fontRef idx="minor">
+            <a:schemeClr val="lt1"/>
+          </a:fontRef>
+        </p:style>
+        <p:txBody>
+          <a:bodyPr rtlCol="0" anchor="ctr"/>
+          <a:lstStyle/>
+          <a:p>
+            <a:pPr algn="ctr"/>
+            <a:r>
+              <a:rPr lang="en-IN" sz="1200">
+                <a:latin typeface="Roboto" panose="02000000000000000000" pitchFamily="2" charset="0"/>
+                <a:ea typeface="Roboto" panose="02000000000000000000" pitchFamily="2" charset="0"/>
+              </a:rPr>
+              <a:t>1.2</a:t>
+            </a:r>
+          </a:p>
+        </p:txBody>
+      </p:sp>
+      <p:sp>
+        <p:nvSpPr>
+          <p:cNvPr id="4" name="TextBox 3">
+            <a:extLst>
+              <a:ext uri="{FF2B5EF4-FFF2-40B4-BE49-F238E27FC236}">
+                <a16:creationId xmlns:a16="http://schemas.microsoft.com/office/drawing/2014/main" id="{AC6CE6F6-1252-41B5-958F-53CD7F118EA4}"/>
+              </a:ext>
+            </a:extLst>
+          </p:cNvPr>
+          <p:cNvSpPr txBox="1"/>
+          <p:nvPr/>
+        </p:nvSpPr>
+        <p:spPr>
+          <a:xfrm>
+            <a:off x="155809" y="30475"/>
+            <a:ext cx="1517812" cy="523220"/>
+          </a:xfrm>
+          <a:prstGeom prst="rect">
+            <a:avLst/>
+          </a:prstGeom>
+          <a:solidFill>
+            <a:srgbClr val="FFFF00"/>
+          </a:solidFill>
+        </p:spPr>
+        <p:txBody>
+          <a:bodyPr wrap="square" rtlCol="0">
+            <a:spAutoFit/>
+          </a:bodyPr>
+          <a:lstStyle/>
+          <a:p>
+            <a:r>
+              <a:rPr lang="en-IN" sz="2800" u="sng">
+                <a:latin typeface="Roboto" panose="02000000000000000000" pitchFamily="2" charset="0"/>
+                <a:ea typeface="Roboto" panose="02000000000000000000" pitchFamily="2" charset="0"/>
+              </a:rPr>
+              <a:t>Phase 4</a:t>
+            </a:r>
+          </a:p>
+        </p:txBody>
+      </p:sp>
+      <p:pic>
+        <p:nvPicPr>
+          <p:cNvPr id="6" name="Picture 5">
+            <a:extLst>
+              <a:ext uri="{FF2B5EF4-FFF2-40B4-BE49-F238E27FC236}">
+                <a16:creationId xmlns:a16="http://schemas.microsoft.com/office/drawing/2014/main" id="{27F267F7-464B-4D63-AF81-09D7B3741C0C}"/>
+              </a:ext>
+            </a:extLst>
+          </p:cNvPr>
+          <p:cNvPicPr>
+            <a:picLocks noChangeAspect="1"/>
+          </p:cNvPicPr>
+          <p:nvPr/>
+        </p:nvPicPr>
+        <p:blipFill>
+          <a:blip r:embed="rId2">
+            <a:extLst>
+              <a:ext uri="{28A0092B-C50C-407E-A947-70E740481C1C}">
+                <a14:useLocalDpi xmlns:a14="http://schemas.microsoft.com/office/drawing/2010/main" val="0"/>
+              </a:ext>
+            </a:extLst>
+          </a:blip>
+          <a:stretch>
+            <a:fillRect/>
+          </a:stretch>
+        </p:blipFill>
+        <p:spPr>
+          <a:xfrm>
+            <a:off x="579878" y="1609238"/>
+            <a:ext cx="5068007" cy="2629267"/>
+          </a:xfrm>
+          <a:prstGeom prst="rect">
+            <a:avLst/>
+          </a:prstGeom>
+        </p:spPr>
+      </p:pic>
+      <p:sp>
+        <p:nvSpPr>
+          <p:cNvPr id="7" name="TextBox 6">
+            <a:extLst>
+              <a:ext uri="{FF2B5EF4-FFF2-40B4-BE49-F238E27FC236}">
+                <a16:creationId xmlns:a16="http://schemas.microsoft.com/office/drawing/2014/main" id="{4B0866C9-99A7-4DA8-A9CD-E19DDE7879B2}"/>
+              </a:ext>
+            </a:extLst>
+          </p:cNvPr>
+          <p:cNvSpPr txBox="1"/>
+          <p:nvPr/>
+        </p:nvSpPr>
+        <p:spPr>
+          <a:xfrm>
+            <a:off x="579878" y="1095204"/>
+            <a:ext cx="4130654" cy="523220"/>
+          </a:xfrm>
+          <a:prstGeom prst="rect">
+            <a:avLst/>
+          </a:prstGeom>
+          <a:noFill/>
+        </p:spPr>
+        <p:txBody>
+          <a:bodyPr wrap="square" rtlCol="0">
+            <a:spAutoFit/>
+          </a:bodyPr>
+          <a:lstStyle/>
+          <a:p>
+            <a:r>
+              <a:rPr lang="en-IN" sz="1400">
+                <a:latin typeface="Roboto" panose="02000000000000000000" pitchFamily="2" charset="0"/>
+                <a:ea typeface="Roboto" panose="02000000000000000000" pitchFamily="2" charset="0"/>
+              </a:rPr>
+              <a:t>In storyDB.js, </a:t>
+            </a:r>
+          </a:p>
+          <a:p>
+            <a:r>
+              <a:rPr lang="en-IN" sz="1400">
+                <a:latin typeface="Roboto" panose="02000000000000000000" pitchFamily="2" charset="0"/>
+                <a:ea typeface="Roboto" panose="02000000000000000000" pitchFamily="2" charset="0"/>
+              </a:rPr>
+              <a:t>Create storySchema, storyModel</a:t>
+            </a:r>
+          </a:p>
+        </p:txBody>
+      </p:sp>
+      <p:pic>
+        <p:nvPicPr>
+          <p:cNvPr id="9" name="Picture 8">
+            <a:extLst>
+              <a:ext uri="{FF2B5EF4-FFF2-40B4-BE49-F238E27FC236}">
+                <a16:creationId xmlns:a16="http://schemas.microsoft.com/office/drawing/2014/main" id="{3E812107-B12C-4818-9CCB-93EC95AE5F4F}"/>
+              </a:ext>
+            </a:extLst>
+          </p:cNvPr>
+          <p:cNvPicPr>
+            <a:picLocks noChangeAspect="1"/>
+          </p:cNvPicPr>
+          <p:nvPr/>
+        </p:nvPicPr>
+        <p:blipFill>
+          <a:blip r:embed="rId3">
+            <a:extLst>
+              <a:ext uri="{28A0092B-C50C-407E-A947-70E740481C1C}">
+                <a14:useLocalDpi xmlns:a14="http://schemas.microsoft.com/office/drawing/2010/main" val="0"/>
+              </a:ext>
+            </a:extLst>
+          </a:blip>
+          <a:stretch>
+            <a:fillRect/>
+          </a:stretch>
+        </p:blipFill>
+        <p:spPr>
+          <a:xfrm>
+            <a:off x="579878" y="4736819"/>
+            <a:ext cx="5430008" cy="714475"/>
+          </a:xfrm>
+          <a:prstGeom prst="rect">
+            <a:avLst/>
+          </a:prstGeom>
+        </p:spPr>
+      </p:pic>
+      <p:sp>
+        <p:nvSpPr>
+          <p:cNvPr id="10" name="TextBox 9">
+            <a:extLst>
+              <a:ext uri="{FF2B5EF4-FFF2-40B4-BE49-F238E27FC236}">
+                <a16:creationId xmlns:a16="http://schemas.microsoft.com/office/drawing/2014/main" id="{E0C9F222-0255-49F9-A60B-4F727BEAD807}"/>
+              </a:ext>
+            </a:extLst>
+          </p:cNvPr>
+          <p:cNvSpPr txBox="1"/>
+          <p:nvPr/>
+        </p:nvSpPr>
+        <p:spPr>
+          <a:xfrm>
+            <a:off x="507431" y="4444762"/>
+            <a:ext cx="4130654" cy="307777"/>
+          </a:xfrm>
+          <a:prstGeom prst="rect">
+            <a:avLst/>
+          </a:prstGeom>
+          <a:noFill/>
+        </p:spPr>
+        <p:txBody>
+          <a:bodyPr wrap="square" rtlCol="0">
+            <a:spAutoFit/>
+          </a:bodyPr>
+          <a:lstStyle/>
+          <a:p>
+            <a:r>
+              <a:rPr lang="en-IN" sz="1400">
+                <a:latin typeface="Roboto" panose="02000000000000000000" pitchFamily="2" charset="0"/>
+                <a:ea typeface="Roboto" panose="02000000000000000000" pitchFamily="2" charset="0"/>
+              </a:rPr>
+              <a:t>Loading in app.js to register schema</a:t>
+            </a:r>
+          </a:p>
+        </p:txBody>
+      </p:sp>
+      <p:pic>
+        <p:nvPicPr>
+          <p:cNvPr id="12" name="Picture 11">
+            <a:extLst>
+              <a:ext uri="{FF2B5EF4-FFF2-40B4-BE49-F238E27FC236}">
+                <a16:creationId xmlns:a16="http://schemas.microsoft.com/office/drawing/2014/main" id="{646E98BD-D52F-4843-8706-55B8B9667E74}"/>
+              </a:ext>
+            </a:extLst>
+          </p:cNvPr>
+          <p:cNvPicPr>
+            <a:picLocks noChangeAspect="1"/>
+          </p:cNvPicPr>
+          <p:nvPr/>
+        </p:nvPicPr>
+        <p:blipFill>
+          <a:blip r:embed="rId4">
+            <a:extLst>
+              <a:ext uri="{28A0092B-C50C-407E-A947-70E740481C1C}">
+                <a14:useLocalDpi xmlns:a14="http://schemas.microsoft.com/office/drawing/2010/main" val="0"/>
+              </a:ext>
+            </a:extLst>
+          </a:blip>
+          <a:stretch>
+            <a:fillRect/>
+          </a:stretch>
+        </p:blipFill>
+        <p:spPr>
+          <a:xfrm>
+            <a:off x="579878" y="5835800"/>
+            <a:ext cx="3639058" cy="590632"/>
+          </a:xfrm>
+          <a:prstGeom prst="rect">
+            <a:avLst/>
+          </a:prstGeom>
+        </p:spPr>
+      </p:pic>
+      <p:sp>
+        <p:nvSpPr>
+          <p:cNvPr id="13" name="TextBox 12">
+            <a:extLst>
+              <a:ext uri="{FF2B5EF4-FFF2-40B4-BE49-F238E27FC236}">
+                <a16:creationId xmlns:a16="http://schemas.microsoft.com/office/drawing/2014/main" id="{CF3C610C-5889-4C8B-86FC-06F08B8CBEE7}"/>
+              </a:ext>
+            </a:extLst>
+          </p:cNvPr>
+          <p:cNvSpPr txBox="1"/>
+          <p:nvPr/>
+        </p:nvSpPr>
+        <p:spPr>
+          <a:xfrm>
+            <a:off x="511217" y="5515160"/>
+            <a:ext cx="4130654" cy="307777"/>
+          </a:xfrm>
+          <a:prstGeom prst="rect">
+            <a:avLst/>
+          </a:prstGeom>
+          <a:noFill/>
+        </p:spPr>
+        <p:txBody>
+          <a:bodyPr wrap="square" rtlCol="0">
+            <a:spAutoFit/>
+          </a:bodyPr>
+          <a:lstStyle/>
+          <a:p>
+            <a:r>
+              <a:rPr lang="en-IN" sz="1400">
+                <a:latin typeface="Roboto" panose="02000000000000000000" pitchFamily="2" charset="0"/>
+                <a:ea typeface="Roboto" panose="02000000000000000000" pitchFamily="2" charset="0"/>
+              </a:rPr>
+              <a:t>And then using in route.js</a:t>
+            </a:r>
+          </a:p>
+        </p:txBody>
+      </p:sp>
+      <p:sp>
+        <p:nvSpPr>
+          <p:cNvPr id="14" name="Rectangle 13">
+            <a:extLst>
+              <a:ext uri="{FF2B5EF4-FFF2-40B4-BE49-F238E27FC236}">
+                <a16:creationId xmlns:a16="http://schemas.microsoft.com/office/drawing/2014/main" id="{D88C8CF0-C232-4FE1-BE40-C00350A6FA0B}"/>
+              </a:ext>
+            </a:extLst>
+          </p:cNvPr>
+          <p:cNvSpPr/>
+          <p:nvPr/>
+        </p:nvSpPr>
+        <p:spPr>
+          <a:xfrm>
+            <a:off x="579878" y="5074056"/>
+            <a:ext cx="3763522" cy="229177"/>
+          </a:xfrm>
+          <a:prstGeom prst="rect">
+            <a:avLst/>
+          </a:prstGeom>
+          <a:solidFill>
+            <a:srgbClr val="FFFF00">
+              <a:alpha val="25000"/>
+            </a:srgbClr>
+          </a:solidFill>
+          <a:ln>
+            <a:noFill/>
+          </a:ln>
+        </p:spPr>
+        <p:style>
+          <a:lnRef idx="2">
+            <a:schemeClr val="accent1">
+              <a:shade val="50000"/>
+            </a:schemeClr>
+          </a:lnRef>
+          <a:fillRef idx="1">
+            <a:schemeClr val="accent1"/>
+          </a:fillRef>
+          <a:effectRef idx="0">
+            <a:schemeClr val="accent1"/>
+          </a:effectRef>
+          <a:fontRef idx="minor">
+            <a:schemeClr val="lt1"/>
+          </a:fontRef>
+        </p:style>
+        <p:txBody>
+          <a:bodyPr rtlCol="0" anchor="ctr"/>
+          <a:lstStyle/>
+          <a:p>
+            <a:pPr algn="ctr"/>
+            <a:endParaRPr lang="en-IN"/>
+          </a:p>
+        </p:txBody>
+      </p:sp>
+      <p:sp>
+        <p:nvSpPr>
+          <p:cNvPr id="15" name="Rectangle 14">
+            <a:extLst>
+              <a:ext uri="{FF2B5EF4-FFF2-40B4-BE49-F238E27FC236}">
+                <a16:creationId xmlns:a16="http://schemas.microsoft.com/office/drawing/2014/main" id="{AFAAABD7-7786-43DF-9244-D5593091C0EA}"/>
+              </a:ext>
+            </a:extLst>
+          </p:cNvPr>
+          <p:cNvSpPr/>
+          <p:nvPr/>
+        </p:nvSpPr>
+        <p:spPr>
+          <a:xfrm>
+            <a:off x="455414" y="6185106"/>
+            <a:ext cx="3763522" cy="229177"/>
+          </a:xfrm>
+          <a:prstGeom prst="rect">
+            <a:avLst/>
+          </a:prstGeom>
+          <a:solidFill>
+            <a:srgbClr val="FFFF00">
+              <a:alpha val="25000"/>
+            </a:srgbClr>
+          </a:solidFill>
+          <a:ln>
+            <a:noFill/>
+          </a:ln>
+        </p:spPr>
+        <p:style>
+          <a:lnRef idx="2">
+            <a:schemeClr val="accent1">
+              <a:shade val="50000"/>
+            </a:schemeClr>
+          </a:lnRef>
+          <a:fillRef idx="1">
+            <a:schemeClr val="accent1"/>
+          </a:fillRef>
+          <a:effectRef idx="0">
+            <a:schemeClr val="accent1"/>
+          </a:effectRef>
+          <a:fontRef idx="minor">
+            <a:schemeClr val="lt1"/>
+          </a:fontRef>
+        </p:style>
+        <p:txBody>
+          <a:bodyPr rtlCol="0" anchor="ctr"/>
+          <a:lstStyle/>
+          <a:p>
+            <a:pPr algn="ctr"/>
+            <a:endParaRPr lang="en-IN"/>
+          </a:p>
+        </p:txBody>
+      </p:sp>
+      <p:pic>
+        <p:nvPicPr>
+          <p:cNvPr id="19" name="Picture 18">
+            <a:extLst>
+              <a:ext uri="{FF2B5EF4-FFF2-40B4-BE49-F238E27FC236}">
+                <a16:creationId xmlns:a16="http://schemas.microsoft.com/office/drawing/2014/main" id="{67254833-ACCD-4DB7-BDF8-8FEDA8F1860C}"/>
+              </a:ext>
+            </a:extLst>
+          </p:cNvPr>
+          <p:cNvPicPr>
+            <a:picLocks noChangeAspect="1"/>
+          </p:cNvPicPr>
+          <p:nvPr/>
+        </p:nvPicPr>
+        <p:blipFill rotWithShape="1">
+          <a:blip r:embed="rId5">
+            <a:extLst>
+              <a:ext uri="{28A0092B-C50C-407E-A947-70E740481C1C}">
+                <a14:useLocalDpi xmlns:a14="http://schemas.microsoft.com/office/drawing/2010/main" val="0"/>
+              </a:ext>
+            </a:extLst>
+          </a:blip>
+          <a:srcRect l="1173" r="1"/>
+          <a:stretch/>
+        </p:blipFill>
+        <p:spPr>
+          <a:xfrm>
+            <a:off x="7886794" y="3886200"/>
+            <a:ext cx="3831245" cy="3012419"/>
+          </a:xfrm>
+          <a:prstGeom prst="rect">
+            <a:avLst/>
+          </a:prstGeom>
+        </p:spPr>
+      </p:pic>
+      <p:sp>
+        <p:nvSpPr>
+          <p:cNvPr id="20" name="Rectangle 19">
+            <a:extLst>
+              <a:ext uri="{FF2B5EF4-FFF2-40B4-BE49-F238E27FC236}">
+                <a16:creationId xmlns:a16="http://schemas.microsoft.com/office/drawing/2014/main" id="{CF0B8E72-6D2B-4AC9-9514-5125216C417B}"/>
+              </a:ext>
+            </a:extLst>
+          </p:cNvPr>
+          <p:cNvSpPr/>
+          <p:nvPr/>
+        </p:nvSpPr>
+        <p:spPr>
+          <a:xfrm>
+            <a:off x="8133203" y="4009328"/>
+            <a:ext cx="1225110" cy="229177"/>
+          </a:xfrm>
+          <a:prstGeom prst="rect">
+            <a:avLst/>
+          </a:prstGeom>
+          <a:solidFill>
+            <a:srgbClr val="FFFF00">
+              <a:alpha val="25000"/>
+            </a:srgbClr>
+          </a:solidFill>
+          <a:ln>
+            <a:noFill/>
+          </a:ln>
+        </p:spPr>
+        <p:style>
+          <a:lnRef idx="2">
+            <a:schemeClr val="accent1">
+              <a:shade val="50000"/>
+            </a:schemeClr>
+          </a:lnRef>
+          <a:fillRef idx="1">
+            <a:schemeClr val="accent1"/>
+          </a:fillRef>
+          <a:effectRef idx="0">
+            <a:schemeClr val="accent1"/>
+          </a:effectRef>
+          <a:fontRef idx="minor">
+            <a:schemeClr val="lt1"/>
+          </a:fontRef>
+        </p:style>
+        <p:txBody>
+          <a:bodyPr rtlCol="0" anchor="ctr"/>
+          <a:lstStyle/>
+          <a:p>
+            <a:pPr algn="ctr"/>
+            <a:endParaRPr lang="en-IN"/>
+          </a:p>
+        </p:txBody>
+      </p:sp>
+      <p:cxnSp>
+        <p:nvCxnSpPr>
+          <p:cNvPr id="24" name="Straight Arrow Connector 23">
+            <a:extLst>
+              <a:ext uri="{FF2B5EF4-FFF2-40B4-BE49-F238E27FC236}">
+                <a16:creationId xmlns:a16="http://schemas.microsoft.com/office/drawing/2014/main" id="{E956B72D-F639-4CD5-8A29-81BEEF839E80}"/>
+              </a:ext>
+            </a:extLst>
+          </p:cNvPr>
+          <p:cNvCxnSpPr/>
+          <p:nvPr/>
+        </p:nvCxnSpPr>
+        <p:spPr>
+          <a:xfrm>
+            <a:off x="10153708" y="5188644"/>
+            <a:ext cx="1776355" cy="0"/>
+          </a:xfrm>
+          <a:prstGeom prst="straightConnector1">
+            <a:avLst/>
+          </a:prstGeom>
+          <a:ln w="28575">
+            <a:solidFill>
+              <a:srgbClr val="FF0000"/>
+            </a:solidFill>
+            <a:tailEnd type="triangle"/>
+          </a:ln>
+        </p:spPr>
+        <p:style>
+          <a:lnRef idx="1">
+            <a:schemeClr val="accent1"/>
+          </a:lnRef>
+          <a:fillRef idx="0">
+            <a:schemeClr val="accent1"/>
+          </a:fillRef>
+          <a:effectRef idx="0">
+            <a:schemeClr val="accent1"/>
+          </a:effectRef>
+          <a:fontRef idx="minor">
+            <a:schemeClr val="tx1"/>
+          </a:fontRef>
+        </p:style>
+      </p:cxnSp>
+      <p:sp>
+        <p:nvSpPr>
+          <p:cNvPr id="25" name="TextBox 24">
+            <a:extLst>
+              <a:ext uri="{FF2B5EF4-FFF2-40B4-BE49-F238E27FC236}">
+                <a16:creationId xmlns:a16="http://schemas.microsoft.com/office/drawing/2014/main" id="{B247E246-8E2E-4E2C-A328-95C9F4B2441A}"/>
+              </a:ext>
+            </a:extLst>
+          </p:cNvPr>
+          <p:cNvSpPr txBox="1"/>
+          <p:nvPr/>
+        </p:nvSpPr>
+        <p:spPr>
+          <a:xfrm>
+            <a:off x="11906376" y="5050144"/>
+            <a:ext cx="2290601" cy="461665"/>
+          </a:xfrm>
+          <a:prstGeom prst="rect">
+            <a:avLst/>
+          </a:prstGeom>
+          <a:noFill/>
+        </p:spPr>
+        <p:txBody>
+          <a:bodyPr wrap="square" rtlCol="0">
+            <a:spAutoFit/>
+          </a:bodyPr>
+          <a:lstStyle/>
+          <a:p>
+            <a:r>
+              <a:rPr lang="en-IN" sz="1200">
+                <a:latin typeface="Roboto" panose="02000000000000000000" pitchFamily="2" charset="0"/>
+                <a:ea typeface="Roboto" panose="02000000000000000000" pitchFamily="2" charset="0"/>
+              </a:rPr>
+              <a:t>Serious Internal error but lets</a:t>
+            </a:r>
+          </a:p>
+          <a:p>
+            <a:r>
+              <a:rPr lang="en-IN" sz="1200">
+                <a:latin typeface="Roboto" panose="02000000000000000000" pitchFamily="2" charset="0"/>
+                <a:ea typeface="Roboto" panose="02000000000000000000" pitchFamily="2" charset="0"/>
+              </a:rPr>
+              <a:t>Throw 500 later</a:t>
+            </a:r>
+          </a:p>
+        </p:txBody>
+      </p:sp>
+      <p:sp>
+        <p:nvSpPr>
+          <p:cNvPr id="26" name="Rectangle 25">
+            <a:extLst>
+              <a:ext uri="{FF2B5EF4-FFF2-40B4-BE49-F238E27FC236}">
+                <a16:creationId xmlns:a16="http://schemas.microsoft.com/office/drawing/2014/main" id="{BB294CB2-0A24-4FCF-A28B-2289C5779E0D}"/>
+              </a:ext>
+            </a:extLst>
+          </p:cNvPr>
+          <p:cNvSpPr/>
+          <p:nvPr/>
+        </p:nvSpPr>
+        <p:spPr>
+          <a:xfrm>
+            <a:off x="8928598" y="5759480"/>
+            <a:ext cx="1225110" cy="229177"/>
+          </a:xfrm>
+          <a:prstGeom prst="rect">
+            <a:avLst/>
+          </a:prstGeom>
+          <a:solidFill>
+            <a:srgbClr val="FFFF00">
+              <a:alpha val="25000"/>
+            </a:srgbClr>
+          </a:solidFill>
+          <a:ln>
+            <a:noFill/>
+          </a:ln>
+        </p:spPr>
+        <p:style>
+          <a:lnRef idx="2">
+            <a:schemeClr val="accent1">
+              <a:shade val="50000"/>
+            </a:schemeClr>
+          </a:lnRef>
+          <a:fillRef idx="1">
+            <a:schemeClr val="accent1"/>
+          </a:fillRef>
+          <a:effectRef idx="0">
+            <a:schemeClr val="accent1"/>
+          </a:effectRef>
+          <a:fontRef idx="minor">
+            <a:schemeClr val="lt1"/>
+          </a:fontRef>
+        </p:style>
+        <p:txBody>
+          <a:bodyPr rtlCol="0" anchor="ctr"/>
+          <a:lstStyle/>
+          <a:p>
+            <a:pPr algn="ctr"/>
+            <a:endParaRPr lang="en-IN"/>
+          </a:p>
+        </p:txBody>
+      </p:sp>
+      <p:cxnSp>
+        <p:nvCxnSpPr>
+          <p:cNvPr id="27" name="Straight Arrow Connector 26">
+            <a:extLst>
+              <a:ext uri="{FF2B5EF4-FFF2-40B4-BE49-F238E27FC236}">
+                <a16:creationId xmlns:a16="http://schemas.microsoft.com/office/drawing/2014/main" id="{CAACC13F-ABB1-46EA-AE1A-29661769217D}"/>
+              </a:ext>
+            </a:extLst>
+          </p:cNvPr>
+          <p:cNvCxnSpPr/>
+          <p:nvPr/>
+        </p:nvCxnSpPr>
+        <p:spPr>
+          <a:xfrm>
+            <a:off x="10153708" y="5878677"/>
+            <a:ext cx="1776355" cy="0"/>
+          </a:xfrm>
+          <a:prstGeom prst="straightConnector1">
+            <a:avLst/>
+          </a:prstGeom>
+          <a:ln w="28575">
+            <a:solidFill>
+              <a:srgbClr val="FF0000"/>
+            </a:solidFill>
+            <a:tailEnd type="triangle"/>
+          </a:ln>
+        </p:spPr>
+        <p:style>
+          <a:lnRef idx="1">
+            <a:schemeClr val="accent1"/>
+          </a:lnRef>
+          <a:fillRef idx="0">
+            <a:schemeClr val="accent1"/>
+          </a:fillRef>
+          <a:effectRef idx="0">
+            <a:schemeClr val="accent1"/>
+          </a:effectRef>
+          <a:fontRef idx="minor">
+            <a:schemeClr val="tx1"/>
+          </a:fontRef>
+        </p:style>
+      </p:cxnSp>
+      <p:sp>
+        <p:nvSpPr>
+          <p:cNvPr id="28" name="TextBox 27">
+            <a:extLst>
+              <a:ext uri="{FF2B5EF4-FFF2-40B4-BE49-F238E27FC236}">
+                <a16:creationId xmlns:a16="http://schemas.microsoft.com/office/drawing/2014/main" id="{4E272A96-D6AF-4A9B-9A70-0CC4829739F1}"/>
+              </a:ext>
+            </a:extLst>
+          </p:cNvPr>
+          <p:cNvSpPr txBox="1"/>
+          <p:nvPr/>
+        </p:nvSpPr>
+        <p:spPr>
+          <a:xfrm>
+            <a:off x="11906375" y="5613924"/>
+            <a:ext cx="2290601" cy="1200329"/>
+          </a:xfrm>
+          <a:prstGeom prst="rect">
+            <a:avLst/>
+          </a:prstGeom>
+          <a:noFill/>
+        </p:spPr>
+        <p:txBody>
+          <a:bodyPr wrap="square" rtlCol="0">
+            <a:spAutoFit/>
+          </a:bodyPr>
+          <a:lstStyle/>
+          <a:p>
+            <a:r>
+              <a:rPr lang="en-IN" sz="1200">
+                <a:solidFill>
+                  <a:srgbClr val="FF0000"/>
+                </a:solidFill>
+                <a:latin typeface="Roboto" panose="02000000000000000000" pitchFamily="2" charset="0"/>
+                <a:ea typeface="Roboto" panose="02000000000000000000" pitchFamily="2" charset="0"/>
+              </a:rPr>
+              <a:t>Why not render instead of</a:t>
+            </a:r>
+          </a:p>
+          <a:p>
+            <a:r>
+              <a:rPr lang="en-IN" sz="1200">
+                <a:solidFill>
+                  <a:srgbClr val="FF0000"/>
+                </a:solidFill>
+                <a:latin typeface="Roboto" panose="02000000000000000000" pitchFamily="2" charset="0"/>
+                <a:ea typeface="Roboto" panose="02000000000000000000" pitchFamily="2" charset="0"/>
+              </a:rPr>
+              <a:t>Redirecting? This may answer?</a:t>
+            </a:r>
+          </a:p>
+          <a:p>
+            <a:endParaRPr lang="en-IN" sz="1200">
+              <a:solidFill>
+                <a:srgbClr val="FF0000"/>
+              </a:solidFill>
+              <a:latin typeface="Roboto" panose="02000000000000000000" pitchFamily="2" charset="0"/>
+              <a:ea typeface="Roboto" panose="02000000000000000000" pitchFamily="2" charset="0"/>
+            </a:endParaRPr>
+          </a:p>
+          <a:p>
+            <a:r>
+              <a:rPr lang="en-IN" sz="1200">
+                <a:solidFill>
+                  <a:srgbClr val="FF0000"/>
+                </a:solidFill>
+                <a:latin typeface="Roboto" panose="02000000000000000000" pitchFamily="2" charset="0"/>
+                <a:ea typeface="Roboto" panose="02000000000000000000" pitchFamily="2" charset="0"/>
+              </a:rPr>
+              <a:t>https://en.wikipedia.org/wiki/Post/Redirect/Get</a:t>
+            </a:r>
+          </a:p>
+        </p:txBody>
+      </p:sp>
+      <p:pic>
+        <p:nvPicPr>
+          <p:cNvPr id="30" name="Picture 29">
+            <a:extLst>
+              <a:ext uri="{FF2B5EF4-FFF2-40B4-BE49-F238E27FC236}">
+                <a16:creationId xmlns:a16="http://schemas.microsoft.com/office/drawing/2014/main" id="{1C24FEF5-0F0B-4235-8EB7-3AF068AC1D1D}"/>
+              </a:ext>
+            </a:extLst>
+          </p:cNvPr>
+          <p:cNvPicPr>
+            <a:picLocks noChangeAspect="1"/>
+          </p:cNvPicPr>
+          <p:nvPr/>
+        </p:nvPicPr>
+        <p:blipFill>
+          <a:blip r:embed="rId6">
+            <a:extLst>
+              <a:ext uri="{28A0092B-C50C-407E-A947-70E740481C1C}">
+                <a14:useLocalDpi xmlns:a14="http://schemas.microsoft.com/office/drawing/2010/main" val="0"/>
+              </a:ext>
+            </a:extLst>
+          </a:blip>
+          <a:stretch>
+            <a:fillRect/>
+          </a:stretch>
+        </p:blipFill>
+        <p:spPr>
+          <a:xfrm>
+            <a:off x="7893430" y="30475"/>
+            <a:ext cx="6263063" cy="3840469"/>
+          </a:xfrm>
+          <a:prstGeom prst="rect">
+            <a:avLst/>
+          </a:prstGeom>
+        </p:spPr>
+      </p:pic>
+    </p:spTree>
+    <p:extLst>
+      <p:ext uri="{BB962C8B-B14F-4D97-AF65-F5344CB8AC3E}">
+        <p14:creationId xmlns:p14="http://schemas.microsoft.com/office/powerpoint/2010/main" val="3272370630"/>
+      </p:ext>
+    </p:extLst>
+  </p:cSld>
+  <p:clrMapOvr>
+    <a:masterClrMapping/>
+  </p:clrMapOvr>
+</p:sld>
+</file>
+
+<file path=ppt/slides/slide28.xml><?xml version="1.0" encoding="utf-8"?>
+<p:sld xmlns:a="http://schemas.openxmlformats.org/drawingml/2006/main" xmlns:r="http://schemas.openxmlformats.org/officeDocument/2006/relationships" xmlns:p="http://schemas.openxmlformats.org/presentationml/2006/main">
+  <p:cSld>
+    <p:spTree>
+      <p:nvGrpSpPr>
+        <p:cNvPr id="1" name=""/>
+        <p:cNvGrpSpPr/>
+        <p:nvPr/>
+      </p:nvGrpSpPr>
+      <p:grpSpPr>
+        <a:xfrm>
+          <a:off x="0" y="0"/>
+          <a:ext cx="0" cy="0"/>
+          <a:chOff x="0" y="0"/>
+          <a:chExt cx="0" cy="0"/>
+        </a:xfrm>
+      </p:grpSpPr>
+      <p:pic>
+        <p:nvPicPr>
+          <p:cNvPr id="41" name="Picture 40">
+            <a:extLst>
+              <a:ext uri="{FF2B5EF4-FFF2-40B4-BE49-F238E27FC236}">
+                <a16:creationId xmlns:a16="http://schemas.microsoft.com/office/drawing/2014/main" id="{5C792FB6-F7AE-4987-9B86-B87F851FE87C}"/>
+              </a:ext>
+            </a:extLst>
+          </p:cNvPr>
+          <p:cNvPicPr>
+            <a:picLocks noChangeAspect="1"/>
+          </p:cNvPicPr>
+          <p:nvPr/>
+        </p:nvPicPr>
+        <p:blipFill>
+          <a:blip r:embed="rId2">
+            <a:extLst>
+              <a:ext uri="{28A0092B-C50C-407E-A947-70E740481C1C}">
+                <a14:useLocalDpi xmlns:a14="http://schemas.microsoft.com/office/drawing/2010/main" val="0"/>
+              </a:ext>
+            </a:extLst>
+          </a:blip>
+          <a:stretch>
+            <a:fillRect/>
+          </a:stretch>
+        </p:blipFill>
+        <p:spPr>
+          <a:xfrm>
+            <a:off x="5818682" y="4415803"/>
+            <a:ext cx="7840169" cy="2133898"/>
+          </a:xfrm>
+          <a:prstGeom prst="rect">
+            <a:avLst/>
+          </a:prstGeom>
+        </p:spPr>
+      </p:pic>
+      <p:sp>
+        <p:nvSpPr>
+          <p:cNvPr id="2" name="Rectangle 1">
+            <a:extLst>
+              <a:ext uri="{FF2B5EF4-FFF2-40B4-BE49-F238E27FC236}">
+                <a16:creationId xmlns:a16="http://schemas.microsoft.com/office/drawing/2014/main" id="{53F8AB91-0A3E-471C-BBA1-BCE53E92D9F9}"/>
+              </a:ext>
+            </a:extLst>
+          </p:cNvPr>
+          <p:cNvSpPr/>
+          <p:nvPr/>
+        </p:nvSpPr>
+        <p:spPr>
+          <a:xfrm>
+            <a:off x="925265" y="1391151"/>
+            <a:ext cx="1942131" cy="1789231"/>
+          </a:xfrm>
+          <a:prstGeom prst="rect">
+            <a:avLst/>
+          </a:prstGeom>
+          <a:solidFill>
+            <a:schemeClr val="accent6">
+              <a:lumMod val="40000"/>
+              <a:lumOff val="60000"/>
+            </a:schemeClr>
+          </a:solidFill>
+          <a:ln>
+            <a:noFill/>
+          </a:ln>
+        </p:spPr>
+        <p:style>
+          <a:lnRef idx="2">
+            <a:schemeClr val="accent1">
+              <a:shade val="50000"/>
+            </a:schemeClr>
+          </a:lnRef>
+          <a:fillRef idx="1">
+            <a:schemeClr val="accent1"/>
+          </a:fillRef>
+          <a:effectRef idx="0">
+            <a:schemeClr val="accent1"/>
+          </a:effectRef>
+          <a:fontRef idx="minor">
+            <a:schemeClr val="lt1"/>
+          </a:fontRef>
+        </p:style>
+        <p:txBody>
+          <a:bodyPr rtlCol="0" anchor="ctr"/>
+          <a:lstStyle/>
+          <a:p>
+            <a:pPr algn="ctr"/>
+            <a:endParaRPr lang="en-IN" sz="1400">
+              <a:latin typeface="Roboto" panose="02000000000000000000" pitchFamily="2" charset="0"/>
+              <a:ea typeface="Roboto" panose="02000000000000000000" pitchFamily="2" charset="0"/>
+            </a:endParaRPr>
+          </a:p>
+        </p:txBody>
+      </p:sp>
+      <p:sp>
+        <p:nvSpPr>
+          <p:cNvPr id="3" name="TextBox 2">
+            <a:extLst>
+              <a:ext uri="{FF2B5EF4-FFF2-40B4-BE49-F238E27FC236}">
+                <a16:creationId xmlns:a16="http://schemas.microsoft.com/office/drawing/2014/main" id="{13ECA95E-2F6C-4170-AE7F-AEED918F5394}"/>
+              </a:ext>
+            </a:extLst>
+          </p:cNvPr>
+          <p:cNvSpPr txBox="1"/>
+          <p:nvPr/>
+        </p:nvSpPr>
+        <p:spPr>
+          <a:xfrm>
+            <a:off x="1204567" y="967441"/>
+            <a:ext cx="1372492" cy="307777"/>
+          </a:xfrm>
+          <a:prstGeom prst="rect">
+            <a:avLst/>
+          </a:prstGeom>
+          <a:noFill/>
+        </p:spPr>
+        <p:txBody>
+          <a:bodyPr wrap="none" rtlCol="0">
+            <a:spAutoFit/>
+          </a:bodyPr>
+          <a:lstStyle/>
+          <a:p>
+            <a:r>
+              <a:rPr lang="en-IN" sz="1400" b="1">
+                <a:latin typeface="Roboto" panose="02000000000000000000" pitchFamily="2" charset="0"/>
+                <a:ea typeface="Roboto" panose="02000000000000000000" pitchFamily="2" charset="0"/>
+              </a:rPr>
+              <a:t>allStories.html</a:t>
+            </a:r>
+          </a:p>
+        </p:txBody>
+      </p:sp>
+      <p:sp>
+        <p:nvSpPr>
+          <p:cNvPr id="4" name="TextBox 3">
+            <a:extLst>
+              <a:ext uri="{FF2B5EF4-FFF2-40B4-BE49-F238E27FC236}">
+                <a16:creationId xmlns:a16="http://schemas.microsoft.com/office/drawing/2014/main" id="{2CF28406-BFA9-4ACD-AE84-070C44E4A85D}"/>
+              </a:ext>
+            </a:extLst>
+          </p:cNvPr>
+          <p:cNvSpPr txBox="1"/>
+          <p:nvPr/>
+        </p:nvSpPr>
+        <p:spPr>
+          <a:xfrm>
+            <a:off x="1045790" y="1629475"/>
+            <a:ext cx="1744212" cy="738664"/>
+          </a:xfrm>
+          <a:prstGeom prst="rect">
+            <a:avLst/>
+          </a:prstGeom>
+          <a:noFill/>
+        </p:spPr>
+        <p:txBody>
+          <a:bodyPr wrap="square" rtlCol="0">
+            <a:spAutoFit/>
+          </a:bodyPr>
+          <a:lstStyle/>
+          <a:p>
+            <a:r>
+              <a:rPr lang="en-IN" sz="1400">
+                <a:latin typeface="Roboto" panose="02000000000000000000" pitchFamily="2" charset="0"/>
+                <a:ea typeface="Roboto" panose="02000000000000000000" pitchFamily="2" charset="0"/>
+              </a:rPr>
+              <a:t>Show title and link</a:t>
+            </a:r>
+          </a:p>
+          <a:p>
+            <a:r>
+              <a:rPr lang="en-IN" sz="1400">
+                <a:latin typeface="Roboto" panose="02000000000000000000" pitchFamily="2" charset="0"/>
+                <a:ea typeface="Roboto" panose="02000000000000000000" pitchFamily="2" charset="0"/>
+              </a:rPr>
+              <a:t>For all user stories</a:t>
+            </a:r>
+          </a:p>
+          <a:p>
+            <a:r>
+              <a:rPr lang="en-IN" sz="1400">
+                <a:latin typeface="Roboto" panose="02000000000000000000" pitchFamily="2" charset="0"/>
+                <a:ea typeface="Roboto" panose="02000000000000000000" pitchFamily="2" charset="0"/>
+              </a:rPr>
+              <a:t>Here. </a:t>
+            </a:r>
+          </a:p>
+        </p:txBody>
+      </p:sp>
+      <p:sp>
+        <p:nvSpPr>
+          <p:cNvPr id="5" name="Arrow: Right 4">
+            <a:extLst>
+              <a:ext uri="{FF2B5EF4-FFF2-40B4-BE49-F238E27FC236}">
+                <a16:creationId xmlns:a16="http://schemas.microsoft.com/office/drawing/2014/main" id="{C13049BD-8047-4022-BA95-5974451EB6F8}"/>
+              </a:ext>
+            </a:extLst>
+          </p:cNvPr>
+          <p:cNvSpPr/>
+          <p:nvPr/>
+        </p:nvSpPr>
+        <p:spPr>
+          <a:xfrm>
+            <a:off x="377973" y="2696966"/>
+            <a:ext cx="984738" cy="323556"/>
+          </a:xfrm>
+          <a:prstGeom prst="rightArrow">
+            <a:avLst/>
+          </a:prstGeom>
+        </p:spPr>
+        <p:style>
+          <a:lnRef idx="2">
+            <a:schemeClr val="accent1">
+              <a:shade val="50000"/>
+            </a:schemeClr>
+          </a:lnRef>
+          <a:fillRef idx="1">
+            <a:schemeClr val="accent1"/>
+          </a:fillRef>
+          <a:effectRef idx="0">
+            <a:schemeClr val="accent1"/>
+          </a:effectRef>
+          <a:fontRef idx="minor">
+            <a:schemeClr val="lt1"/>
+          </a:fontRef>
+        </p:style>
+        <p:txBody>
+          <a:bodyPr rtlCol="0" anchor="ctr"/>
+          <a:lstStyle/>
+          <a:p>
+            <a:pPr algn="ctr"/>
+            <a:endParaRPr lang="en-IN" sz="1400">
+              <a:latin typeface="Roboto" panose="02000000000000000000" pitchFamily="2" charset="0"/>
+              <a:ea typeface="Roboto" panose="02000000000000000000" pitchFamily="2" charset="0"/>
+            </a:endParaRPr>
+          </a:p>
+        </p:txBody>
+      </p:sp>
+      <p:sp>
+        <p:nvSpPr>
+          <p:cNvPr id="6" name="TextBox 5">
+            <a:extLst>
+              <a:ext uri="{FF2B5EF4-FFF2-40B4-BE49-F238E27FC236}">
+                <a16:creationId xmlns:a16="http://schemas.microsoft.com/office/drawing/2014/main" id="{E16DB0BA-1F20-4C80-AC78-32F98BF526F4}"/>
+              </a:ext>
+            </a:extLst>
+          </p:cNvPr>
+          <p:cNvSpPr txBox="1"/>
+          <p:nvPr/>
+        </p:nvSpPr>
+        <p:spPr>
+          <a:xfrm>
+            <a:off x="386843" y="2383217"/>
+            <a:ext cx="1019831" cy="307777"/>
+          </a:xfrm>
+          <a:prstGeom prst="rect">
+            <a:avLst/>
+          </a:prstGeom>
+          <a:noFill/>
+        </p:spPr>
+        <p:txBody>
+          <a:bodyPr wrap="none" rtlCol="0">
+            <a:spAutoFit/>
+          </a:bodyPr>
+          <a:lstStyle/>
+          <a:p>
+            <a:r>
+              <a:rPr lang="en-IN" sz="1400">
+                <a:solidFill>
+                  <a:srgbClr val="3333CC"/>
+                </a:solidFill>
+                <a:latin typeface="Roboto" panose="02000000000000000000" pitchFamily="2" charset="0"/>
+                <a:ea typeface="Roboto" panose="02000000000000000000" pitchFamily="2" charset="0"/>
+              </a:rPr>
+              <a:t>/allStories</a:t>
+            </a:r>
+          </a:p>
+        </p:txBody>
+      </p:sp>
+      <p:sp>
+        <p:nvSpPr>
+          <p:cNvPr id="7" name="TextBox 6">
+            <a:extLst>
+              <a:ext uri="{FF2B5EF4-FFF2-40B4-BE49-F238E27FC236}">
+                <a16:creationId xmlns:a16="http://schemas.microsoft.com/office/drawing/2014/main" id="{1B61594A-FEBB-4623-BE87-6F54C692D457}"/>
+              </a:ext>
+            </a:extLst>
+          </p:cNvPr>
+          <p:cNvSpPr txBox="1"/>
+          <p:nvPr/>
+        </p:nvSpPr>
+        <p:spPr>
+          <a:xfrm>
+            <a:off x="658904" y="2964777"/>
+            <a:ext cx="516488" cy="307777"/>
+          </a:xfrm>
+          <a:prstGeom prst="rect">
+            <a:avLst/>
+          </a:prstGeom>
+          <a:noFill/>
+        </p:spPr>
+        <p:txBody>
+          <a:bodyPr wrap="none" rtlCol="0">
+            <a:spAutoFit/>
+          </a:bodyPr>
+          <a:lstStyle/>
+          <a:p>
+            <a:r>
+              <a:rPr lang="en-IN" sz="1400">
+                <a:solidFill>
+                  <a:srgbClr val="3333CC"/>
+                </a:solidFill>
+                <a:latin typeface="Roboto" panose="02000000000000000000" pitchFamily="2" charset="0"/>
+                <a:ea typeface="Roboto" panose="02000000000000000000" pitchFamily="2" charset="0"/>
+              </a:rPr>
+              <a:t>GET</a:t>
+            </a:r>
+          </a:p>
+        </p:txBody>
+      </p:sp>
+      <p:sp>
+        <p:nvSpPr>
+          <p:cNvPr id="8" name="TextBox 7">
+            <a:extLst>
+              <a:ext uri="{FF2B5EF4-FFF2-40B4-BE49-F238E27FC236}">
+                <a16:creationId xmlns:a16="http://schemas.microsoft.com/office/drawing/2014/main" id="{29016958-E264-4042-AE82-E8BCC5A26505}"/>
+              </a:ext>
+            </a:extLst>
+          </p:cNvPr>
+          <p:cNvSpPr txBox="1"/>
+          <p:nvPr/>
+        </p:nvSpPr>
+        <p:spPr>
+          <a:xfrm>
+            <a:off x="155809" y="30475"/>
+            <a:ext cx="1517812" cy="523220"/>
+          </a:xfrm>
+          <a:prstGeom prst="rect">
+            <a:avLst/>
+          </a:prstGeom>
+          <a:solidFill>
+            <a:srgbClr val="FFFF00"/>
+          </a:solidFill>
+        </p:spPr>
+        <p:txBody>
+          <a:bodyPr wrap="square" rtlCol="0">
+            <a:spAutoFit/>
+          </a:bodyPr>
+          <a:lstStyle/>
+          <a:p>
+            <a:r>
+              <a:rPr lang="en-IN" sz="2800" u="sng">
+                <a:latin typeface="Roboto" panose="02000000000000000000" pitchFamily="2" charset="0"/>
+                <a:ea typeface="Roboto" panose="02000000000000000000" pitchFamily="2" charset="0"/>
+              </a:rPr>
+              <a:t>Phase 4</a:t>
+            </a:r>
+          </a:p>
+        </p:txBody>
+      </p:sp>
+      <p:sp>
+        <p:nvSpPr>
+          <p:cNvPr id="9" name="Rectangle 8">
+            <a:extLst>
+              <a:ext uri="{FF2B5EF4-FFF2-40B4-BE49-F238E27FC236}">
+                <a16:creationId xmlns:a16="http://schemas.microsoft.com/office/drawing/2014/main" id="{417763F6-14E3-4369-82AF-859627FE2052}"/>
+              </a:ext>
+            </a:extLst>
+          </p:cNvPr>
+          <p:cNvSpPr/>
+          <p:nvPr/>
+        </p:nvSpPr>
+        <p:spPr>
+          <a:xfrm>
+            <a:off x="925265" y="3894041"/>
+            <a:ext cx="1942131" cy="530812"/>
+          </a:xfrm>
+          <a:prstGeom prst="rect">
+            <a:avLst/>
+          </a:prstGeom>
+          <a:solidFill>
+            <a:schemeClr val="accent2">
+              <a:lumMod val="60000"/>
+              <a:lumOff val="40000"/>
+            </a:schemeClr>
+          </a:solidFill>
+          <a:ln>
+            <a:noFill/>
+          </a:ln>
+        </p:spPr>
+        <p:style>
+          <a:lnRef idx="2">
+            <a:schemeClr val="accent1">
+              <a:shade val="50000"/>
+            </a:schemeClr>
+          </a:lnRef>
+          <a:fillRef idx="1">
+            <a:schemeClr val="accent1"/>
+          </a:fillRef>
+          <a:effectRef idx="0">
+            <a:schemeClr val="accent1"/>
+          </a:effectRef>
+          <a:fontRef idx="minor">
+            <a:schemeClr val="lt1"/>
+          </a:fontRef>
+        </p:style>
+        <p:txBody>
+          <a:bodyPr rtlCol="0" anchor="ctr"/>
+          <a:lstStyle/>
+          <a:p>
+            <a:pPr algn="ctr"/>
+            <a:r>
+              <a:rPr lang="en-IN">
+                <a:solidFill>
+                  <a:schemeClr val="tx1"/>
+                </a:solidFill>
+              </a:rPr>
+              <a:t>Mongoose</a:t>
+            </a:r>
+          </a:p>
+        </p:txBody>
+      </p:sp>
+      <p:sp>
+        <p:nvSpPr>
+          <p:cNvPr id="10" name="Arrow: Up 9">
+            <a:extLst>
+              <a:ext uri="{FF2B5EF4-FFF2-40B4-BE49-F238E27FC236}">
+                <a16:creationId xmlns:a16="http://schemas.microsoft.com/office/drawing/2014/main" id="{1280328F-633A-41E0-8545-4C00D085F151}"/>
+              </a:ext>
+            </a:extLst>
+          </p:cNvPr>
+          <p:cNvSpPr/>
+          <p:nvPr/>
+        </p:nvSpPr>
+        <p:spPr>
+          <a:xfrm>
+            <a:off x="1673620" y="3180382"/>
+            <a:ext cx="238131" cy="713659"/>
+          </a:xfrm>
+          <a:prstGeom prst="upArrow">
+            <a:avLst/>
+          </a:prstGeom>
+          <a:solidFill>
+            <a:schemeClr val="accent2">
+              <a:lumMod val="60000"/>
+              <a:lumOff val="40000"/>
+            </a:schemeClr>
+          </a:solidFill>
+          <a:ln>
+            <a:noFill/>
+          </a:ln>
+        </p:spPr>
+        <p:style>
+          <a:lnRef idx="2">
+            <a:schemeClr val="accent1">
+              <a:shade val="50000"/>
+            </a:schemeClr>
+          </a:lnRef>
+          <a:fillRef idx="1">
+            <a:schemeClr val="accent1"/>
+          </a:fillRef>
+          <a:effectRef idx="0">
+            <a:schemeClr val="accent1"/>
+          </a:effectRef>
+          <a:fontRef idx="minor">
+            <a:schemeClr val="lt1"/>
+          </a:fontRef>
+        </p:style>
+        <p:txBody>
+          <a:bodyPr rtlCol="0" anchor="ctr"/>
+          <a:lstStyle/>
+          <a:p>
+            <a:pPr algn="ctr"/>
+            <a:endParaRPr lang="en-IN"/>
+          </a:p>
+        </p:txBody>
+      </p:sp>
+      <p:sp>
+        <p:nvSpPr>
+          <p:cNvPr id="11" name="Oval 10">
+            <a:extLst>
+              <a:ext uri="{FF2B5EF4-FFF2-40B4-BE49-F238E27FC236}">
+                <a16:creationId xmlns:a16="http://schemas.microsoft.com/office/drawing/2014/main" id="{FC592ECF-B882-415A-9F17-83B9EA57E3E1}"/>
+              </a:ext>
+            </a:extLst>
+          </p:cNvPr>
+          <p:cNvSpPr/>
+          <p:nvPr/>
+        </p:nvSpPr>
+        <p:spPr>
+          <a:xfrm>
+            <a:off x="1901457" y="3340515"/>
+            <a:ext cx="382432" cy="382432"/>
+          </a:xfrm>
+          <a:prstGeom prst="ellipse">
+            <a:avLst/>
+          </a:prstGeom>
+        </p:spPr>
+        <p:style>
+          <a:lnRef idx="2">
+            <a:schemeClr val="accent1">
+              <a:shade val="50000"/>
+            </a:schemeClr>
+          </a:lnRef>
+          <a:fillRef idx="1">
+            <a:schemeClr val="accent1"/>
+          </a:fillRef>
+          <a:effectRef idx="0">
+            <a:schemeClr val="accent1"/>
+          </a:effectRef>
+          <a:fontRef idx="minor">
+            <a:schemeClr val="lt1"/>
+          </a:fontRef>
+        </p:style>
+        <p:txBody>
+          <a:bodyPr rtlCol="0" anchor="ctr"/>
+          <a:lstStyle/>
+          <a:p>
+            <a:pPr algn="ctr"/>
+            <a:r>
+              <a:rPr lang="en-IN"/>
+              <a:t>2</a:t>
+            </a:r>
+          </a:p>
+        </p:txBody>
+      </p:sp>
+      <p:sp>
+        <p:nvSpPr>
+          <p:cNvPr id="12" name="TextBox 11">
+            <a:extLst>
+              <a:ext uri="{FF2B5EF4-FFF2-40B4-BE49-F238E27FC236}">
+                <a16:creationId xmlns:a16="http://schemas.microsoft.com/office/drawing/2014/main" id="{94C54E47-CD2F-4269-8EBC-500FB646EBD7}"/>
+              </a:ext>
+            </a:extLst>
+          </p:cNvPr>
+          <p:cNvSpPr txBox="1"/>
+          <p:nvPr/>
+        </p:nvSpPr>
+        <p:spPr>
+          <a:xfrm>
+            <a:off x="373726" y="4641318"/>
+            <a:ext cx="4130654" cy="1169551"/>
+          </a:xfrm>
+          <a:prstGeom prst="rect">
+            <a:avLst/>
+          </a:prstGeom>
+          <a:noFill/>
+        </p:spPr>
+        <p:txBody>
+          <a:bodyPr wrap="square" rtlCol="0">
+            <a:spAutoFit/>
+          </a:bodyPr>
+          <a:lstStyle/>
+          <a:p>
+            <a:r>
+              <a:rPr lang="en-IN" sz="1400">
+                <a:latin typeface="Roboto" panose="02000000000000000000" pitchFamily="2" charset="0"/>
+                <a:ea typeface="Roboto" panose="02000000000000000000" pitchFamily="2" charset="0"/>
+              </a:rPr>
+              <a:t>All Stories may come from different paths</a:t>
+            </a:r>
+          </a:p>
+          <a:p>
+            <a:endParaRPr lang="en-IN" sz="1400">
+              <a:latin typeface="Roboto" panose="02000000000000000000" pitchFamily="2" charset="0"/>
+              <a:ea typeface="Roboto" panose="02000000000000000000" pitchFamily="2" charset="0"/>
+            </a:endParaRPr>
+          </a:p>
+          <a:p>
+            <a:pPr marL="342900" indent="-342900">
+              <a:buAutoNum type="arabicPeriod"/>
+            </a:pPr>
+            <a:r>
+              <a:rPr lang="en-IN" sz="1400">
+                <a:latin typeface="Roboto" panose="02000000000000000000" pitchFamily="2" charset="0"/>
+                <a:ea typeface="Roboto" panose="02000000000000000000" pitchFamily="2" charset="0"/>
+              </a:rPr>
+              <a:t>After creatingnew Story, routed to All Stories</a:t>
+            </a:r>
+          </a:p>
+          <a:p>
+            <a:pPr marL="342900" indent="-342900">
+              <a:buAutoNum type="arabicPeriod"/>
+            </a:pPr>
+            <a:r>
+              <a:rPr lang="en-IN" sz="1400">
+                <a:latin typeface="Roboto" panose="02000000000000000000" pitchFamily="2" charset="0"/>
+                <a:ea typeface="Roboto" panose="02000000000000000000" pitchFamily="2" charset="0"/>
+              </a:rPr>
+              <a:t>A guest (not logged in), could directly access All Stories</a:t>
+            </a:r>
+          </a:p>
+        </p:txBody>
+      </p:sp>
+      <p:sp>
+        <p:nvSpPr>
+          <p:cNvPr id="13" name="TextBox 12">
+            <a:extLst>
+              <a:ext uri="{FF2B5EF4-FFF2-40B4-BE49-F238E27FC236}">
+                <a16:creationId xmlns:a16="http://schemas.microsoft.com/office/drawing/2014/main" id="{F970B469-89B7-4508-AD6F-B3C9CF8BB2DB}"/>
+              </a:ext>
+            </a:extLst>
+          </p:cNvPr>
+          <p:cNvSpPr txBox="1"/>
+          <p:nvPr/>
+        </p:nvSpPr>
+        <p:spPr>
+          <a:xfrm>
+            <a:off x="3414688" y="1367554"/>
+            <a:ext cx="3386162" cy="954107"/>
+          </a:xfrm>
+          <a:prstGeom prst="rect">
+            <a:avLst/>
+          </a:prstGeom>
+          <a:noFill/>
+        </p:spPr>
+        <p:txBody>
+          <a:bodyPr wrap="square" rtlCol="0">
+            <a:spAutoFit/>
+          </a:bodyPr>
+          <a:lstStyle/>
+          <a:p>
+            <a:r>
+              <a:rPr lang="en-IN" sz="1400" u="sng">
+                <a:latin typeface="Roboto" panose="02000000000000000000" pitchFamily="2" charset="0"/>
+                <a:ea typeface="Roboto" panose="02000000000000000000" pitchFamily="2" charset="0"/>
+              </a:rPr>
+              <a:t>Changes Overview:</a:t>
+            </a:r>
+          </a:p>
+          <a:p>
+            <a:endParaRPr lang="en-IN" sz="1400">
+              <a:latin typeface="Roboto" panose="02000000000000000000" pitchFamily="2" charset="0"/>
+              <a:ea typeface="Roboto" panose="02000000000000000000" pitchFamily="2" charset="0"/>
+            </a:endParaRPr>
+          </a:p>
+          <a:p>
+            <a:r>
+              <a:rPr lang="en-IN" sz="1400">
+                <a:latin typeface="Roboto" panose="02000000000000000000" pitchFamily="2" charset="0"/>
+                <a:ea typeface="Roboto" panose="02000000000000000000" pitchFamily="2" charset="0"/>
+              </a:rPr>
+              <a:t>2.1 	Route.js (to retrieve stories)</a:t>
+            </a:r>
+          </a:p>
+          <a:p>
+            <a:r>
+              <a:rPr lang="en-IN" sz="1400">
+                <a:latin typeface="Roboto" panose="02000000000000000000" pitchFamily="2" charset="0"/>
+                <a:ea typeface="Roboto" panose="02000000000000000000" pitchFamily="2" charset="0"/>
+              </a:rPr>
+              <a:t>2.2 	AllStories.EJS (to display stories)</a:t>
+            </a:r>
+          </a:p>
+        </p:txBody>
+      </p:sp>
+      <p:pic>
+        <p:nvPicPr>
+          <p:cNvPr id="15" name="Picture 14">
+            <a:extLst>
+              <a:ext uri="{FF2B5EF4-FFF2-40B4-BE49-F238E27FC236}">
+                <a16:creationId xmlns:a16="http://schemas.microsoft.com/office/drawing/2014/main" id="{705CE1D0-2D4A-4FDC-A02B-16F16C4C6708}"/>
+              </a:ext>
+            </a:extLst>
+          </p:cNvPr>
+          <p:cNvPicPr>
+            <a:picLocks noChangeAspect="1"/>
+          </p:cNvPicPr>
+          <p:nvPr/>
+        </p:nvPicPr>
+        <p:blipFill>
+          <a:blip r:embed="rId3">
+            <a:extLst>
+              <a:ext uri="{28A0092B-C50C-407E-A947-70E740481C1C}">
+                <a14:useLocalDpi xmlns:a14="http://schemas.microsoft.com/office/drawing/2010/main" val="0"/>
+              </a:ext>
+            </a:extLst>
+          </a:blip>
+          <a:stretch>
+            <a:fillRect/>
+          </a:stretch>
+        </p:blipFill>
+        <p:spPr>
+          <a:xfrm>
+            <a:off x="7599775" y="197825"/>
+            <a:ext cx="5458587" cy="3696216"/>
+          </a:xfrm>
+          <a:prstGeom prst="rect">
+            <a:avLst/>
+          </a:prstGeom>
+        </p:spPr>
+      </p:pic>
+      <p:sp>
+        <p:nvSpPr>
+          <p:cNvPr id="16" name="Rectangle 15">
+            <a:extLst>
+              <a:ext uri="{FF2B5EF4-FFF2-40B4-BE49-F238E27FC236}">
+                <a16:creationId xmlns:a16="http://schemas.microsoft.com/office/drawing/2014/main" id="{5B801737-2999-4201-8C35-71EA4312D6BB}"/>
+              </a:ext>
+            </a:extLst>
+          </p:cNvPr>
+          <p:cNvSpPr/>
+          <p:nvPr/>
+        </p:nvSpPr>
+        <p:spPr>
+          <a:xfrm>
+            <a:off x="9603145" y="1491349"/>
+            <a:ext cx="969606" cy="219100"/>
+          </a:xfrm>
+          <a:prstGeom prst="rect">
+            <a:avLst/>
+          </a:prstGeom>
+          <a:solidFill>
+            <a:srgbClr val="FFFF00">
+              <a:alpha val="25000"/>
+            </a:srgbClr>
+          </a:solidFill>
+          <a:ln>
+            <a:noFill/>
+          </a:ln>
+        </p:spPr>
+        <p:style>
+          <a:lnRef idx="2">
+            <a:schemeClr val="accent1">
+              <a:shade val="50000"/>
+            </a:schemeClr>
+          </a:lnRef>
+          <a:fillRef idx="1">
+            <a:schemeClr val="accent1"/>
+          </a:fillRef>
+          <a:effectRef idx="0">
+            <a:schemeClr val="accent1"/>
+          </a:effectRef>
+          <a:fontRef idx="minor">
+            <a:schemeClr val="lt1"/>
+          </a:fontRef>
+        </p:style>
+        <p:txBody>
+          <a:bodyPr rtlCol="0" anchor="ctr"/>
+          <a:lstStyle/>
+          <a:p>
+            <a:pPr algn="ctr"/>
+            <a:endParaRPr lang="en-IN"/>
+          </a:p>
+        </p:txBody>
+      </p:sp>
+      <p:sp>
+        <p:nvSpPr>
+          <p:cNvPr id="17" name="Rectangle 16">
+            <a:extLst>
+              <a:ext uri="{FF2B5EF4-FFF2-40B4-BE49-F238E27FC236}">
+                <a16:creationId xmlns:a16="http://schemas.microsoft.com/office/drawing/2014/main" id="{F1047A01-4294-456E-89A6-0D5027402CB9}"/>
+              </a:ext>
+            </a:extLst>
+          </p:cNvPr>
+          <p:cNvSpPr/>
+          <p:nvPr/>
+        </p:nvSpPr>
+        <p:spPr>
+          <a:xfrm>
+            <a:off x="9088588" y="2781800"/>
+            <a:ext cx="2041376" cy="182978"/>
+          </a:xfrm>
+          <a:prstGeom prst="rect">
+            <a:avLst/>
+          </a:prstGeom>
+          <a:solidFill>
+            <a:srgbClr val="FFFF00">
+              <a:alpha val="25000"/>
+            </a:srgbClr>
+          </a:solidFill>
+          <a:ln>
+            <a:noFill/>
+          </a:ln>
+        </p:spPr>
+        <p:style>
+          <a:lnRef idx="2">
+            <a:schemeClr val="accent1">
+              <a:shade val="50000"/>
+            </a:schemeClr>
+          </a:lnRef>
+          <a:fillRef idx="1">
+            <a:schemeClr val="accent1"/>
+          </a:fillRef>
+          <a:effectRef idx="0">
+            <a:schemeClr val="accent1"/>
+          </a:effectRef>
+          <a:fontRef idx="minor">
+            <a:schemeClr val="lt1"/>
+          </a:fontRef>
+        </p:style>
+        <p:txBody>
+          <a:bodyPr rtlCol="0" anchor="ctr"/>
+          <a:lstStyle/>
+          <a:p>
+            <a:pPr algn="ctr"/>
+            <a:endParaRPr lang="en-IN"/>
+          </a:p>
+        </p:txBody>
+      </p:sp>
+      <p:cxnSp>
+        <p:nvCxnSpPr>
+          <p:cNvPr id="23" name="Straight Arrow Connector 22">
+            <a:extLst>
+              <a:ext uri="{FF2B5EF4-FFF2-40B4-BE49-F238E27FC236}">
+                <a16:creationId xmlns:a16="http://schemas.microsoft.com/office/drawing/2014/main" id="{62C67637-A79E-4581-9F08-DB248A6F1756}"/>
+              </a:ext>
+            </a:extLst>
+          </p:cNvPr>
+          <p:cNvCxnSpPr/>
+          <p:nvPr/>
+        </p:nvCxnSpPr>
+        <p:spPr>
+          <a:xfrm flipV="1">
+            <a:off x="6257925" y="1491349"/>
+            <a:ext cx="1185863" cy="451751"/>
+          </a:xfrm>
+          <a:prstGeom prst="straightConnector1">
+            <a:avLst/>
+          </a:prstGeom>
+          <a:ln w="28575">
+            <a:solidFill>
+              <a:srgbClr val="FF0000"/>
+            </a:solidFill>
+            <a:tailEnd type="triangle"/>
+          </a:ln>
+        </p:spPr>
+        <p:style>
+          <a:lnRef idx="1">
+            <a:schemeClr val="accent1"/>
+          </a:lnRef>
+          <a:fillRef idx="0">
+            <a:schemeClr val="accent1"/>
+          </a:fillRef>
+          <a:effectRef idx="0">
+            <a:schemeClr val="accent1"/>
+          </a:effectRef>
+          <a:fontRef idx="minor">
+            <a:schemeClr val="tx1"/>
+          </a:fontRef>
+        </p:style>
+      </p:cxnSp>
+      <p:cxnSp>
+        <p:nvCxnSpPr>
+          <p:cNvPr id="25" name="Straight Arrow Connector 24">
+            <a:extLst>
+              <a:ext uri="{FF2B5EF4-FFF2-40B4-BE49-F238E27FC236}">
+                <a16:creationId xmlns:a16="http://schemas.microsoft.com/office/drawing/2014/main" id="{43FAB274-A357-4095-85C2-3DC8BC9367D8}"/>
+              </a:ext>
+            </a:extLst>
+          </p:cNvPr>
+          <p:cNvCxnSpPr>
+            <a:cxnSpLocks/>
+          </p:cNvCxnSpPr>
+          <p:nvPr/>
+        </p:nvCxnSpPr>
+        <p:spPr>
+          <a:xfrm>
+            <a:off x="5657850" y="2321661"/>
+            <a:ext cx="771540" cy="1572380"/>
+          </a:xfrm>
+          <a:prstGeom prst="straightConnector1">
+            <a:avLst/>
+          </a:prstGeom>
+          <a:ln w="28575">
+            <a:solidFill>
+              <a:srgbClr val="FF0000"/>
+            </a:solidFill>
+            <a:tailEnd type="triangle"/>
+          </a:ln>
+        </p:spPr>
+        <p:style>
+          <a:lnRef idx="1">
+            <a:schemeClr val="accent1"/>
+          </a:lnRef>
+          <a:fillRef idx="0">
+            <a:schemeClr val="accent1"/>
+          </a:fillRef>
+          <a:effectRef idx="0">
+            <a:schemeClr val="accent1"/>
+          </a:effectRef>
+          <a:fontRef idx="minor">
+            <a:schemeClr val="tx1"/>
+          </a:fontRef>
+        </p:style>
+      </p:cxnSp>
+      <p:sp>
+        <p:nvSpPr>
+          <p:cNvPr id="27" name="Rectangle 26">
+            <a:extLst>
+              <a:ext uri="{FF2B5EF4-FFF2-40B4-BE49-F238E27FC236}">
+                <a16:creationId xmlns:a16="http://schemas.microsoft.com/office/drawing/2014/main" id="{388A7A59-0C7D-4028-9230-F206AA66AD96}"/>
+              </a:ext>
+            </a:extLst>
+          </p:cNvPr>
+          <p:cNvSpPr/>
+          <p:nvPr/>
+        </p:nvSpPr>
+        <p:spPr>
+          <a:xfrm>
+            <a:off x="9603145" y="5627891"/>
+            <a:ext cx="2841268" cy="182978"/>
+          </a:xfrm>
+          <a:prstGeom prst="rect">
+            <a:avLst/>
+          </a:prstGeom>
+          <a:solidFill>
+            <a:srgbClr val="FFFF00">
+              <a:alpha val="25000"/>
+            </a:srgbClr>
+          </a:solidFill>
+          <a:ln>
+            <a:noFill/>
+          </a:ln>
+        </p:spPr>
+        <p:style>
+          <a:lnRef idx="2">
+            <a:schemeClr val="accent1">
+              <a:shade val="50000"/>
+            </a:schemeClr>
+          </a:lnRef>
+          <a:fillRef idx="1">
+            <a:schemeClr val="accent1"/>
+          </a:fillRef>
+          <a:effectRef idx="0">
+            <a:schemeClr val="accent1"/>
+          </a:effectRef>
+          <a:fontRef idx="minor">
+            <a:schemeClr val="lt1"/>
+          </a:fontRef>
+        </p:style>
+        <p:txBody>
+          <a:bodyPr rtlCol="0" anchor="ctr"/>
+          <a:lstStyle/>
+          <a:p>
+            <a:pPr algn="ctr"/>
+            <a:endParaRPr lang="en-IN"/>
+          </a:p>
+        </p:txBody>
+      </p:sp>
+      <p:sp>
+        <p:nvSpPr>
+          <p:cNvPr id="28" name="TextBox 27">
+            <a:extLst>
+              <a:ext uri="{FF2B5EF4-FFF2-40B4-BE49-F238E27FC236}">
+                <a16:creationId xmlns:a16="http://schemas.microsoft.com/office/drawing/2014/main" id="{B5441587-33E9-449D-99B5-0B94D0C65386}"/>
+              </a:ext>
+            </a:extLst>
+          </p:cNvPr>
+          <p:cNvSpPr txBox="1"/>
+          <p:nvPr/>
+        </p:nvSpPr>
+        <p:spPr>
+          <a:xfrm>
+            <a:off x="5424463" y="6488929"/>
+            <a:ext cx="8262962" cy="307777"/>
+          </a:xfrm>
+          <a:prstGeom prst="rect">
+            <a:avLst/>
+          </a:prstGeom>
+          <a:noFill/>
+        </p:spPr>
+        <p:txBody>
+          <a:bodyPr wrap="square" rtlCol="0">
+            <a:spAutoFit/>
+          </a:bodyPr>
+          <a:lstStyle/>
+          <a:p>
+            <a:r>
+              <a:rPr lang="en-IN" sz="1400">
+                <a:latin typeface="Roboto" panose="02000000000000000000" pitchFamily="2" charset="0"/>
+                <a:ea typeface="Roboto" panose="02000000000000000000" pitchFamily="2" charset="0"/>
+              </a:rPr>
+              <a:t>User can now access individual stories from here so next, we will create story page for them..</a:t>
+            </a:r>
+          </a:p>
+        </p:txBody>
+      </p:sp>
+      <p:cxnSp>
+        <p:nvCxnSpPr>
+          <p:cNvPr id="30" name="Straight Arrow Connector 29">
+            <a:extLst>
+              <a:ext uri="{FF2B5EF4-FFF2-40B4-BE49-F238E27FC236}">
+                <a16:creationId xmlns:a16="http://schemas.microsoft.com/office/drawing/2014/main" id="{CF381585-A3FC-4926-A95E-DF149E9DD10A}"/>
+              </a:ext>
+            </a:extLst>
+          </p:cNvPr>
+          <p:cNvCxnSpPr>
+            <a:cxnSpLocks/>
+          </p:cNvCxnSpPr>
+          <p:nvPr/>
+        </p:nvCxnSpPr>
+        <p:spPr>
+          <a:xfrm flipH="1">
+            <a:off x="11023779" y="5821782"/>
+            <a:ext cx="106186" cy="764434"/>
+          </a:xfrm>
+          <a:prstGeom prst="straightConnector1">
+            <a:avLst/>
+          </a:prstGeom>
+          <a:ln w="28575">
+            <a:solidFill>
+              <a:srgbClr val="FF0000"/>
+            </a:solidFill>
+            <a:tailEnd type="triangle"/>
+          </a:ln>
+        </p:spPr>
+        <p:style>
+          <a:lnRef idx="1">
+            <a:schemeClr val="accent1"/>
+          </a:lnRef>
+          <a:fillRef idx="0">
+            <a:schemeClr val="accent1"/>
+          </a:fillRef>
+          <a:effectRef idx="0">
+            <a:schemeClr val="accent1"/>
+          </a:effectRef>
+          <a:fontRef idx="minor">
+            <a:schemeClr val="tx1"/>
+          </a:fontRef>
+        </p:style>
+      </p:cxnSp>
+      <p:sp>
+        <p:nvSpPr>
+          <p:cNvPr id="34" name="Arrow: Right 33">
+            <a:extLst>
+              <a:ext uri="{FF2B5EF4-FFF2-40B4-BE49-F238E27FC236}">
+                <a16:creationId xmlns:a16="http://schemas.microsoft.com/office/drawing/2014/main" id="{9D430F4D-FE22-4522-9447-A849485AB9CF}"/>
+              </a:ext>
+            </a:extLst>
+          </p:cNvPr>
+          <p:cNvSpPr/>
+          <p:nvPr/>
+        </p:nvSpPr>
+        <p:spPr>
+          <a:xfrm>
+            <a:off x="2382309" y="2641985"/>
+            <a:ext cx="984738" cy="323556"/>
+          </a:xfrm>
+          <a:prstGeom prst="rightArrow">
+            <a:avLst/>
+          </a:prstGeom>
+        </p:spPr>
+        <p:style>
+          <a:lnRef idx="2">
+            <a:schemeClr val="accent1">
+              <a:shade val="50000"/>
+            </a:schemeClr>
+          </a:lnRef>
+          <a:fillRef idx="1">
+            <a:schemeClr val="accent1"/>
+          </a:fillRef>
+          <a:effectRef idx="0">
+            <a:schemeClr val="accent1"/>
+          </a:effectRef>
+          <a:fontRef idx="minor">
+            <a:schemeClr val="lt1"/>
+          </a:fontRef>
+        </p:style>
+        <p:txBody>
+          <a:bodyPr rtlCol="0" anchor="ctr"/>
+          <a:lstStyle/>
+          <a:p>
+            <a:pPr algn="ctr"/>
+            <a:endParaRPr lang="en-IN" sz="1400">
+              <a:latin typeface="Roboto" panose="02000000000000000000" pitchFamily="2" charset="0"/>
+              <a:ea typeface="Roboto" panose="02000000000000000000" pitchFamily="2" charset="0"/>
+            </a:endParaRPr>
+          </a:p>
+        </p:txBody>
+      </p:sp>
+      <p:sp>
+        <p:nvSpPr>
+          <p:cNvPr id="35" name="TextBox 34">
+            <a:extLst>
+              <a:ext uri="{FF2B5EF4-FFF2-40B4-BE49-F238E27FC236}">
+                <a16:creationId xmlns:a16="http://schemas.microsoft.com/office/drawing/2014/main" id="{835752A8-6DFD-4C8F-BE5C-D21FD4DDEB3C}"/>
+              </a:ext>
+            </a:extLst>
+          </p:cNvPr>
+          <p:cNvSpPr txBox="1"/>
+          <p:nvPr/>
+        </p:nvSpPr>
+        <p:spPr>
+          <a:xfrm>
+            <a:off x="2290352" y="2372163"/>
+            <a:ext cx="1031051" cy="307777"/>
+          </a:xfrm>
+          <a:prstGeom prst="rect">
+            <a:avLst/>
+          </a:prstGeom>
+          <a:noFill/>
+        </p:spPr>
+        <p:txBody>
+          <a:bodyPr wrap="none" rtlCol="0">
+            <a:spAutoFit/>
+          </a:bodyPr>
+          <a:lstStyle/>
+          <a:p>
+            <a:r>
+              <a:rPr lang="en-IN" sz="1400">
+                <a:solidFill>
+                  <a:srgbClr val="3333CC"/>
+                </a:solidFill>
+                <a:latin typeface="Roboto" panose="02000000000000000000" pitchFamily="2" charset="0"/>
+                <a:ea typeface="Roboto" panose="02000000000000000000" pitchFamily="2" charset="0"/>
+              </a:rPr>
+              <a:t>/slugStory</a:t>
+            </a:r>
+          </a:p>
+        </p:txBody>
+      </p:sp>
+      <p:sp>
+        <p:nvSpPr>
+          <p:cNvPr id="36" name="TextBox 35">
+            <a:extLst>
+              <a:ext uri="{FF2B5EF4-FFF2-40B4-BE49-F238E27FC236}">
+                <a16:creationId xmlns:a16="http://schemas.microsoft.com/office/drawing/2014/main" id="{AB65DF08-9FDC-47AC-8B28-8530AAE88671}"/>
+              </a:ext>
+            </a:extLst>
+          </p:cNvPr>
+          <p:cNvSpPr txBox="1"/>
+          <p:nvPr/>
+        </p:nvSpPr>
+        <p:spPr>
+          <a:xfrm>
+            <a:off x="2663240" y="2909796"/>
+            <a:ext cx="516488" cy="307777"/>
+          </a:xfrm>
+          <a:prstGeom prst="rect">
+            <a:avLst/>
+          </a:prstGeom>
+          <a:noFill/>
+        </p:spPr>
+        <p:txBody>
+          <a:bodyPr wrap="none" rtlCol="0">
+            <a:spAutoFit/>
+          </a:bodyPr>
+          <a:lstStyle/>
+          <a:p>
+            <a:r>
+              <a:rPr lang="en-IN" sz="1400">
+                <a:solidFill>
+                  <a:srgbClr val="3333CC"/>
+                </a:solidFill>
+                <a:latin typeface="Roboto" panose="02000000000000000000" pitchFamily="2" charset="0"/>
+                <a:ea typeface="Roboto" panose="02000000000000000000" pitchFamily="2" charset="0"/>
+              </a:rPr>
+              <a:t>GET</a:t>
+            </a:r>
+          </a:p>
+        </p:txBody>
+      </p:sp>
+      <p:sp>
+        <p:nvSpPr>
+          <p:cNvPr id="42" name="Oval 41">
+            <a:extLst>
+              <a:ext uri="{FF2B5EF4-FFF2-40B4-BE49-F238E27FC236}">
+                <a16:creationId xmlns:a16="http://schemas.microsoft.com/office/drawing/2014/main" id="{BF48EDBD-95E9-4353-80EF-8DDFDE43AD4A}"/>
+              </a:ext>
+            </a:extLst>
+          </p:cNvPr>
+          <p:cNvSpPr/>
+          <p:nvPr/>
+        </p:nvSpPr>
+        <p:spPr>
+          <a:xfrm>
+            <a:off x="7231966" y="-34818"/>
+            <a:ext cx="579631" cy="579631"/>
+          </a:xfrm>
+          <a:prstGeom prst="ellipse">
+            <a:avLst/>
+          </a:prstGeom>
+        </p:spPr>
+        <p:style>
+          <a:lnRef idx="2">
+            <a:schemeClr val="accent1">
+              <a:shade val="50000"/>
+            </a:schemeClr>
+          </a:lnRef>
+          <a:fillRef idx="1">
+            <a:schemeClr val="accent1"/>
+          </a:fillRef>
+          <a:effectRef idx="0">
+            <a:schemeClr val="accent1"/>
+          </a:effectRef>
+          <a:fontRef idx="minor">
+            <a:schemeClr val="lt1"/>
+          </a:fontRef>
+        </p:style>
+        <p:txBody>
+          <a:bodyPr rtlCol="0" anchor="ctr"/>
+          <a:lstStyle/>
+          <a:p>
+            <a:pPr algn="ctr"/>
+            <a:r>
+              <a:rPr lang="en-IN" sz="1200">
+                <a:latin typeface="Roboto" panose="02000000000000000000" pitchFamily="2" charset="0"/>
+                <a:ea typeface="Roboto" panose="02000000000000000000" pitchFamily="2" charset="0"/>
+              </a:rPr>
+              <a:t>2.1</a:t>
+            </a:r>
+          </a:p>
+        </p:txBody>
+      </p:sp>
+      <p:sp>
+        <p:nvSpPr>
+          <p:cNvPr id="43" name="Oval 42">
+            <a:extLst>
+              <a:ext uri="{FF2B5EF4-FFF2-40B4-BE49-F238E27FC236}">
+                <a16:creationId xmlns:a16="http://schemas.microsoft.com/office/drawing/2014/main" id="{50FA640D-3B6E-478B-90E3-9B986F3D714C}"/>
+              </a:ext>
+            </a:extLst>
+          </p:cNvPr>
+          <p:cNvSpPr/>
+          <p:nvPr/>
+        </p:nvSpPr>
+        <p:spPr>
+          <a:xfrm>
+            <a:off x="5474611" y="4061687"/>
+            <a:ext cx="579631" cy="579631"/>
+          </a:xfrm>
+          <a:prstGeom prst="ellipse">
+            <a:avLst/>
+          </a:prstGeom>
+        </p:spPr>
+        <p:style>
+          <a:lnRef idx="2">
+            <a:schemeClr val="accent1">
+              <a:shade val="50000"/>
+            </a:schemeClr>
+          </a:lnRef>
+          <a:fillRef idx="1">
+            <a:schemeClr val="accent1"/>
+          </a:fillRef>
+          <a:effectRef idx="0">
+            <a:schemeClr val="accent1"/>
+          </a:effectRef>
+          <a:fontRef idx="minor">
+            <a:schemeClr val="lt1"/>
+          </a:fontRef>
+        </p:style>
+        <p:txBody>
+          <a:bodyPr rtlCol="0" anchor="ctr"/>
+          <a:lstStyle/>
+          <a:p>
+            <a:pPr algn="ctr"/>
+            <a:r>
+              <a:rPr lang="en-IN" sz="1200">
+                <a:latin typeface="Roboto" panose="02000000000000000000" pitchFamily="2" charset="0"/>
+                <a:ea typeface="Roboto" panose="02000000000000000000" pitchFamily="2" charset="0"/>
+              </a:rPr>
+              <a:t>2.2</a:t>
+            </a:r>
+          </a:p>
+        </p:txBody>
+      </p:sp>
+    </p:spTree>
+    <p:extLst>
+      <p:ext uri="{BB962C8B-B14F-4D97-AF65-F5344CB8AC3E}">
+        <p14:creationId xmlns:p14="http://schemas.microsoft.com/office/powerpoint/2010/main" val="1329203954"/>
+      </p:ext>
+    </p:extLst>
+  </p:cSld>
+  <p:clrMapOvr>
+    <a:masterClrMapping/>
+  </p:clrMapOvr>
+</p:sld>
+</file>
+
+<file path=ppt/slides/slide29.xml><?xml version="1.0" encoding="utf-8"?>
+<p:sld xmlns:a="http://schemas.openxmlformats.org/drawingml/2006/main" xmlns:r="http://schemas.openxmlformats.org/officeDocument/2006/relationships" xmlns:p="http://schemas.openxmlformats.org/presentationml/2006/main">
+  <p:cSld>
+    <p:spTree>
+      <p:nvGrpSpPr>
+        <p:cNvPr id="1" name=""/>
+        <p:cNvGrpSpPr/>
+        <p:nvPr/>
+      </p:nvGrpSpPr>
+      <p:grpSpPr>
+        <a:xfrm>
+          <a:off x="0" y="0"/>
+          <a:ext cx="0" cy="0"/>
+          <a:chOff x="0" y="0"/>
+          <a:chExt cx="0" cy="0"/>
+        </a:xfrm>
+      </p:grpSpPr>
+      <p:sp>
+        <p:nvSpPr>
+          <p:cNvPr id="2" name="TextBox 1">
+            <a:extLst>
+              <a:ext uri="{FF2B5EF4-FFF2-40B4-BE49-F238E27FC236}">
+                <a16:creationId xmlns:a16="http://schemas.microsoft.com/office/drawing/2014/main" id="{55F5B48D-6FE4-41EF-8C8E-0B6003FA79CC}"/>
+              </a:ext>
+            </a:extLst>
+          </p:cNvPr>
+          <p:cNvSpPr txBox="1"/>
+          <p:nvPr/>
+        </p:nvSpPr>
+        <p:spPr>
+          <a:xfrm>
+            <a:off x="155809" y="30475"/>
+            <a:ext cx="1517812" cy="523220"/>
+          </a:xfrm>
+          <a:prstGeom prst="rect">
+            <a:avLst/>
+          </a:prstGeom>
+          <a:solidFill>
+            <a:srgbClr val="FFFF00"/>
+          </a:solidFill>
+        </p:spPr>
+        <p:txBody>
+          <a:bodyPr wrap="square" rtlCol="0">
+            <a:spAutoFit/>
+          </a:bodyPr>
+          <a:lstStyle/>
+          <a:p>
+            <a:r>
+              <a:rPr lang="en-IN" sz="2800" u="sng">
+                <a:latin typeface="Roboto" panose="02000000000000000000" pitchFamily="2" charset="0"/>
+                <a:ea typeface="Roboto" panose="02000000000000000000" pitchFamily="2" charset="0"/>
+              </a:rPr>
+              <a:t>Phase 4</a:t>
+            </a:r>
+          </a:p>
+        </p:txBody>
+      </p:sp>
+      <p:sp>
+        <p:nvSpPr>
+          <p:cNvPr id="3" name="Rectangle 2">
+            <a:extLst>
+              <a:ext uri="{FF2B5EF4-FFF2-40B4-BE49-F238E27FC236}">
+                <a16:creationId xmlns:a16="http://schemas.microsoft.com/office/drawing/2014/main" id="{90813E24-5317-4E31-ACE3-37418AB8FF63}"/>
+              </a:ext>
+            </a:extLst>
+          </p:cNvPr>
+          <p:cNvSpPr/>
+          <p:nvPr/>
+        </p:nvSpPr>
+        <p:spPr>
+          <a:xfrm>
+            <a:off x="523993" y="1148263"/>
+            <a:ext cx="1972936" cy="1789232"/>
+          </a:xfrm>
+          <a:prstGeom prst="rect">
+            <a:avLst/>
+          </a:prstGeom>
+          <a:solidFill>
+            <a:schemeClr val="accent6">
+              <a:lumMod val="40000"/>
+              <a:lumOff val="60000"/>
+            </a:schemeClr>
+          </a:solidFill>
+          <a:ln>
+            <a:noFill/>
+          </a:ln>
+        </p:spPr>
+        <p:style>
+          <a:lnRef idx="2">
+            <a:schemeClr val="accent1">
+              <a:shade val="50000"/>
+            </a:schemeClr>
+          </a:lnRef>
+          <a:fillRef idx="1">
+            <a:schemeClr val="accent1"/>
+          </a:fillRef>
+          <a:effectRef idx="0">
+            <a:schemeClr val="accent1"/>
+          </a:effectRef>
+          <a:fontRef idx="minor">
+            <a:schemeClr val="lt1"/>
+          </a:fontRef>
+        </p:style>
+        <p:txBody>
+          <a:bodyPr rtlCol="0" anchor="ctr"/>
+          <a:lstStyle/>
+          <a:p>
+            <a:pPr algn="ctr"/>
+            <a:endParaRPr lang="en-IN" sz="1400">
+              <a:latin typeface="Roboto" panose="02000000000000000000" pitchFamily="2" charset="0"/>
+              <a:ea typeface="Roboto" panose="02000000000000000000" pitchFamily="2" charset="0"/>
+            </a:endParaRPr>
+          </a:p>
+        </p:txBody>
+      </p:sp>
+      <p:sp>
+        <p:nvSpPr>
+          <p:cNvPr id="4" name="TextBox 3">
+            <a:extLst>
+              <a:ext uri="{FF2B5EF4-FFF2-40B4-BE49-F238E27FC236}">
+                <a16:creationId xmlns:a16="http://schemas.microsoft.com/office/drawing/2014/main" id="{F9ED0151-9226-4838-9099-E710D2540DFB}"/>
+              </a:ext>
+            </a:extLst>
+          </p:cNvPr>
+          <p:cNvSpPr txBox="1"/>
+          <p:nvPr/>
+        </p:nvSpPr>
+        <p:spPr>
+          <a:xfrm>
+            <a:off x="821009" y="769519"/>
+            <a:ext cx="1378904" cy="307777"/>
+          </a:xfrm>
+          <a:prstGeom prst="rect">
+            <a:avLst/>
+          </a:prstGeom>
+          <a:noFill/>
+        </p:spPr>
+        <p:txBody>
+          <a:bodyPr wrap="none" rtlCol="0">
+            <a:spAutoFit/>
+          </a:bodyPr>
+          <a:lstStyle/>
+          <a:p>
+            <a:r>
+              <a:rPr lang="en-IN" sz="1400" b="1">
+                <a:solidFill>
+                  <a:srgbClr val="FF0000"/>
+                </a:solidFill>
+                <a:latin typeface="Roboto" panose="02000000000000000000" pitchFamily="2" charset="0"/>
+                <a:ea typeface="Roboto" panose="02000000000000000000" pitchFamily="2" charset="0"/>
+              </a:rPr>
+              <a:t>slug</a:t>
+            </a:r>
+            <a:r>
+              <a:rPr lang="en-IN" sz="1400" b="1">
+                <a:latin typeface="Roboto" panose="02000000000000000000" pitchFamily="2" charset="0"/>
+                <a:ea typeface="Roboto" panose="02000000000000000000" pitchFamily="2" charset="0"/>
+              </a:rPr>
+              <a:t>Story.html</a:t>
+            </a:r>
+          </a:p>
+        </p:txBody>
+      </p:sp>
+      <p:sp>
+        <p:nvSpPr>
+          <p:cNvPr id="5" name="TextBox 4">
+            <a:extLst>
+              <a:ext uri="{FF2B5EF4-FFF2-40B4-BE49-F238E27FC236}">
+                <a16:creationId xmlns:a16="http://schemas.microsoft.com/office/drawing/2014/main" id="{B853BFEE-643D-44CC-BB8C-AB5DCA957851}"/>
+              </a:ext>
+            </a:extLst>
+          </p:cNvPr>
+          <p:cNvSpPr txBox="1"/>
+          <p:nvPr/>
+        </p:nvSpPr>
+        <p:spPr>
+          <a:xfrm>
+            <a:off x="1179984" y="1290197"/>
+            <a:ext cx="935305" cy="1169551"/>
+          </a:xfrm>
+          <a:prstGeom prst="rect">
+            <a:avLst/>
+          </a:prstGeom>
+          <a:noFill/>
+        </p:spPr>
+        <p:txBody>
+          <a:bodyPr wrap="square" rtlCol="0">
+            <a:spAutoFit/>
+          </a:bodyPr>
+          <a:lstStyle/>
+          <a:p>
+            <a:r>
+              <a:rPr lang="en-IN" sz="1400">
+                <a:latin typeface="Roboto" panose="02000000000000000000" pitchFamily="2" charset="0"/>
+                <a:ea typeface="Roboto" panose="02000000000000000000" pitchFamily="2" charset="0"/>
+              </a:rPr>
+              <a:t>Show the chosen</a:t>
+            </a:r>
+          </a:p>
+          <a:p>
+            <a:r>
+              <a:rPr lang="en-IN" sz="1400">
+                <a:latin typeface="Roboto" panose="02000000000000000000" pitchFamily="2" charset="0"/>
+                <a:ea typeface="Roboto" panose="02000000000000000000" pitchFamily="2" charset="0"/>
+              </a:rPr>
+              <a:t>Story</a:t>
+            </a:r>
+          </a:p>
+          <a:p>
+            <a:r>
+              <a:rPr lang="en-IN" sz="1400">
+                <a:latin typeface="Roboto" panose="02000000000000000000" pitchFamily="2" charset="0"/>
+                <a:ea typeface="Roboto" panose="02000000000000000000" pitchFamily="2" charset="0"/>
+              </a:rPr>
+              <a:t>Fully </a:t>
+            </a:r>
+          </a:p>
+          <a:p>
+            <a:r>
+              <a:rPr lang="en-IN" sz="1400">
+                <a:latin typeface="Roboto" panose="02000000000000000000" pitchFamily="2" charset="0"/>
+                <a:ea typeface="Roboto" panose="02000000000000000000" pitchFamily="2" charset="0"/>
+              </a:rPr>
+              <a:t>here</a:t>
+            </a:r>
+          </a:p>
+        </p:txBody>
+      </p:sp>
+      <p:sp>
+        <p:nvSpPr>
+          <p:cNvPr id="6" name="Arrow: Right 5">
+            <a:extLst>
+              <a:ext uri="{FF2B5EF4-FFF2-40B4-BE49-F238E27FC236}">
+                <a16:creationId xmlns:a16="http://schemas.microsoft.com/office/drawing/2014/main" id="{3763A818-4707-4FD7-AB26-F2AC6772F497}"/>
+              </a:ext>
+            </a:extLst>
+          </p:cNvPr>
+          <p:cNvSpPr/>
+          <p:nvPr/>
+        </p:nvSpPr>
+        <p:spPr>
+          <a:xfrm>
+            <a:off x="-45726" y="2428245"/>
+            <a:ext cx="984738" cy="323556"/>
+          </a:xfrm>
+          <a:prstGeom prst="rightArrow">
+            <a:avLst/>
+          </a:prstGeom>
+        </p:spPr>
+        <p:style>
+          <a:lnRef idx="2">
+            <a:schemeClr val="accent1">
+              <a:shade val="50000"/>
+            </a:schemeClr>
+          </a:lnRef>
+          <a:fillRef idx="1">
+            <a:schemeClr val="accent1"/>
+          </a:fillRef>
+          <a:effectRef idx="0">
+            <a:schemeClr val="accent1"/>
+          </a:effectRef>
+          <a:fontRef idx="minor">
+            <a:schemeClr val="lt1"/>
+          </a:fontRef>
+        </p:style>
+        <p:txBody>
+          <a:bodyPr rtlCol="0" anchor="ctr"/>
+          <a:lstStyle/>
+          <a:p>
+            <a:pPr algn="ctr"/>
+            <a:endParaRPr lang="en-IN" sz="1400">
+              <a:latin typeface="Roboto" panose="02000000000000000000" pitchFamily="2" charset="0"/>
+              <a:ea typeface="Roboto" panose="02000000000000000000" pitchFamily="2" charset="0"/>
+            </a:endParaRPr>
+          </a:p>
+        </p:txBody>
+      </p:sp>
+      <p:sp>
+        <p:nvSpPr>
+          <p:cNvPr id="7" name="TextBox 6">
+            <a:extLst>
+              <a:ext uri="{FF2B5EF4-FFF2-40B4-BE49-F238E27FC236}">
+                <a16:creationId xmlns:a16="http://schemas.microsoft.com/office/drawing/2014/main" id="{EE20184E-FCF4-4AEF-88C2-00F637597A46}"/>
+              </a:ext>
+            </a:extLst>
+          </p:cNvPr>
+          <p:cNvSpPr txBox="1"/>
+          <p:nvPr/>
+        </p:nvSpPr>
+        <p:spPr>
+          <a:xfrm>
+            <a:off x="-137683" y="2158423"/>
+            <a:ext cx="1031051" cy="307777"/>
+          </a:xfrm>
+          <a:prstGeom prst="rect">
+            <a:avLst/>
+          </a:prstGeom>
+          <a:noFill/>
+        </p:spPr>
+        <p:txBody>
+          <a:bodyPr wrap="none" rtlCol="0">
+            <a:spAutoFit/>
+          </a:bodyPr>
+          <a:lstStyle/>
+          <a:p>
+            <a:r>
+              <a:rPr lang="en-IN" sz="1400">
+                <a:solidFill>
+                  <a:srgbClr val="3333CC"/>
+                </a:solidFill>
+                <a:latin typeface="Roboto" panose="02000000000000000000" pitchFamily="2" charset="0"/>
+                <a:ea typeface="Roboto" panose="02000000000000000000" pitchFamily="2" charset="0"/>
+              </a:rPr>
+              <a:t>/slugStory</a:t>
+            </a:r>
+          </a:p>
+        </p:txBody>
+      </p:sp>
+      <p:sp>
+        <p:nvSpPr>
+          <p:cNvPr id="8" name="TextBox 7">
+            <a:extLst>
+              <a:ext uri="{FF2B5EF4-FFF2-40B4-BE49-F238E27FC236}">
+                <a16:creationId xmlns:a16="http://schemas.microsoft.com/office/drawing/2014/main" id="{99EE0C80-41BB-4911-A6DE-F30C5AC0E76B}"/>
+              </a:ext>
+            </a:extLst>
+          </p:cNvPr>
+          <p:cNvSpPr txBox="1"/>
+          <p:nvPr/>
+        </p:nvSpPr>
+        <p:spPr>
+          <a:xfrm>
+            <a:off x="235205" y="2696056"/>
+            <a:ext cx="516488" cy="307777"/>
+          </a:xfrm>
+          <a:prstGeom prst="rect">
+            <a:avLst/>
+          </a:prstGeom>
+          <a:noFill/>
+        </p:spPr>
+        <p:txBody>
+          <a:bodyPr wrap="none" rtlCol="0">
+            <a:spAutoFit/>
+          </a:bodyPr>
+          <a:lstStyle/>
+          <a:p>
+            <a:r>
+              <a:rPr lang="en-IN" sz="1400">
+                <a:solidFill>
+                  <a:srgbClr val="3333CC"/>
+                </a:solidFill>
+                <a:latin typeface="Roboto" panose="02000000000000000000" pitchFamily="2" charset="0"/>
+                <a:ea typeface="Roboto" panose="02000000000000000000" pitchFamily="2" charset="0"/>
+              </a:rPr>
+              <a:t>GET</a:t>
+            </a:r>
+          </a:p>
+        </p:txBody>
+      </p:sp>
+      <p:sp>
+        <p:nvSpPr>
+          <p:cNvPr id="9" name="Rectangle 8">
+            <a:extLst>
+              <a:ext uri="{FF2B5EF4-FFF2-40B4-BE49-F238E27FC236}">
+                <a16:creationId xmlns:a16="http://schemas.microsoft.com/office/drawing/2014/main" id="{0E93C53D-CC0C-40B3-882B-145BB9E1D607}"/>
+              </a:ext>
+            </a:extLst>
+          </p:cNvPr>
+          <p:cNvSpPr/>
+          <p:nvPr/>
+        </p:nvSpPr>
+        <p:spPr>
+          <a:xfrm>
+            <a:off x="523993" y="3743325"/>
+            <a:ext cx="1972936" cy="530812"/>
+          </a:xfrm>
+          <a:prstGeom prst="rect">
+            <a:avLst/>
+          </a:prstGeom>
+          <a:solidFill>
+            <a:schemeClr val="accent2">
+              <a:lumMod val="60000"/>
+              <a:lumOff val="40000"/>
+            </a:schemeClr>
+          </a:solidFill>
+          <a:ln>
+            <a:noFill/>
+          </a:ln>
+        </p:spPr>
+        <p:style>
+          <a:lnRef idx="2">
+            <a:schemeClr val="accent1">
+              <a:shade val="50000"/>
+            </a:schemeClr>
+          </a:lnRef>
+          <a:fillRef idx="1">
+            <a:schemeClr val="accent1"/>
+          </a:fillRef>
+          <a:effectRef idx="0">
+            <a:schemeClr val="accent1"/>
+          </a:effectRef>
+          <a:fontRef idx="minor">
+            <a:schemeClr val="lt1"/>
+          </a:fontRef>
+        </p:style>
+        <p:txBody>
+          <a:bodyPr rtlCol="0" anchor="ctr"/>
+          <a:lstStyle/>
+          <a:p>
+            <a:pPr algn="ctr"/>
+            <a:r>
+              <a:rPr lang="en-IN">
+                <a:solidFill>
+                  <a:schemeClr val="tx1"/>
+                </a:solidFill>
+              </a:rPr>
+              <a:t>Mongoose</a:t>
+            </a:r>
+          </a:p>
+        </p:txBody>
+      </p:sp>
+      <p:sp>
+        <p:nvSpPr>
+          <p:cNvPr id="10" name="Arrow: Up 9">
+            <a:extLst>
+              <a:ext uri="{FF2B5EF4-FFF2-40B4-BE49-F238E27FC236}">
+                <a16:creationId xmlns:a16="http://schemas.microsoft.com/office/drawing/2014/main" id="{2B3324F8-2931-446E-B468-B4672E6B800B}"/>
+              </a:ext>
+            </a:extLst>
+          </p:cNvPr>
+          <p:cNvSpPr/>
+          <p:nvPr/>
+        </p:nvSpPr>
+        <p:spPr>
+          <a:xfrm>
+            <a:off x="1355726" y="3029665"/>
+            <a:ext cx="238131" cy="713659"/>
+          </a:xfrm>
+          <a:prstGeom prst="upArrow">
+            <a:avLst/>
+          </a:prstGeom>
+          <a:solidFill>
+            <a:schemeClr val="accent2">
+              <a:lumMod val="60000"/>
+              <a:lumOff val="40000"/>
+            </a:schemeClr>
+          </a:solidFill>
+          <a:ln>
+            <a:noFill/>
+          </a:ln>
+        </p:spPr>
+        <p:style>
+          <a:lnRef idx="2">
+            <a:schemeClr val="accent1">
+              <a:shade val="50000"/>
+            </a:schemeClr>
+          </a:lnRef>
+          <a:fillRef idx="1">
+            <a:schemeClr val="accent1"/>
+          </a:fillRef>
+          <a:effectRef idx="0">
+            <a:schemeClr val="accent1"/>
+          </a:effectRef>
+          <a:fontRef idx="minor">
+            <a:schemeClr val="lt1"/>
+          </a:fontRef>
+        </p:style>
+        <p:txBody>
+          <a:bodyPr rtlCol="0" anchor="ctr"/>
+          <a:lstStyle/>
+          <a:p>
+            <a:pPr algn="ctr"/>
+            <a:endParaRPr lang="en-IN"/>
+          </a:p>
+        </p:txBody>
+      </p:sp>
+      <p:sp>
+        <p:nvSpPr>
+          <p:cNvPr id="11" name="Oval 10">
+            <a:extLst>
+              <a:ext uri="{FF2B5EF4-FFF2-40B4-BE49-F238E27FC236}">
+                <a16:creationId xmlns:a16="http://schemas.microsoft.com/office/drawing/2014/main" id="{D85F0192-885E-4867-93F2-7F54D8C623F7}"/>
+              </a:ext>
+            </a:extLst>
+          </p:cNvPr>
+          <p:cNvSpPr/>
+          <p:nvPr/>
+        </p:nvSpPr>
+        <p:spPr>
+          <a:xfrm>
+            <a:off x="1647636" y="3197036"/>
+            <a:ext cx="382432" cy="382432"/>
+          </a:xfrm>
+          <a:prstGeom prst="ellipse">
+            <a:avLst/>
+          </a:prstGeom>
+        </p:spPr>
+        <p:style>
+          <a:lnRef idx="2">
+            <a:schemeClr val="accent1">
+              <a:shade val="50000"/>
+            </a:schemeClr>
+          </a:lnRef>
+          <a:fillRef idx="1">
+            <a:schemeClr val="accent1"/>
+          </a:fillRef>
+          <a:effectRef idx="0">
+            <a:schemeClr val="accent1"/>
+          </a:effectRef>
+          <a:fontRef idx="minor">
+            <a:schemeClr val="lt1"/>
+          </a:fontRef>
+        </p:style>
+        <p:txBody>
+          <a:bodyPr rtlCol="0" anchor="ctr"/>
+          <a:lstStyle/>
+          <a:p>
+            <a:pPr algn="ctr"/>
+            <a:r>
+              <a:rPr lang="en-IN"/>
+              <a:t>3</a:t>
+            </a:r>
+          </a:p>
+        </p:txBody>
+      </p:sp>
+      <p:sp>
+        <p:nvSpPr>
+          <p:cNvPr id="12" name="TextBox 11">
+            <a:extLst>
+              <a:ext uri="{FF2B5EF4-FFF2-40B4-BE49-F238E27FC236}">
+                <a16:creationId xmlns:a16="http://schemas.microsoft.com/office/drawing/2014/main" id="{5A229161-A598-4F06-BFBA-311D2573560D}"/>
+              </a:ext>
+            </a:extLst>
+          </p:cNvPr>
+          <p:cNvSpPr txBox="1"/>
+          <p:nvPr/>
+        </p:nvSpPr>
+        <p:spPr>
+          <a:xfrm>
+            <a:off x="3066648" y="1197138"/>
+            <a:ext cx="5069812" cy="2462213"/>
+          </a:xfrm>
+          <a:prstGeom prst="rect">
+            <a:avLst/>
+          </a:prstGeom>
+          <a:noFill/>
+        </p:spPr>
+        <p:txBody>
+          <a:bodyPr wrap="square" rtlCol="0">
+            <a:spAutoFit/>
+          </a:bodyPr>
+          <a:lstStyle/>
+          <a:p>
+            <a:r>
+              <a:rPr lang="en-IN" sz="1400" u="sng">
+                <a:latin typeface="Roboto" panose="02000000000000000000" pitchFamily="2" charset="0"/>
+                <a:ea typeface="Roboto" panose="02000000000000000000" pitchFamily="2" charset="0"/>
+              </a:rPr>
+              <a:t>Change Overview</a:t>
+            </a:r>
+          </a:p>
+          <a:p>
+            <a:endParaRPr lang="en-IN" sz="1400">
+              <a:latin typeface="Roboto" panose="02000000000000000000" pitchFamily="2" charset="0"/>
+              <a:ea typeface="Roboto" panose="02000000000000000000" pitchFamily="2" charset="0"/>
+            </a:endParaRPr>
+          </a:p>
+          <a:p>
+            <a:r>
+              <a:rPr lang="en-IN" sz="1400">
+                <a:latin typeface="Roboto" panose="02000000000000000000" pitchFamily="2" charset="0"/>
+                <a:ea typeface="Roboto" panose="02000000000000000000" pitchFamily="2" charset="0"/>
+              </a:rPr>
+              <a:t>3.1 In App.js define route for </a:t>
+            </a:r>
+            <a:r>
+              <a:rPr lang="en-IN" sz="1400">
+                <a:solidFill>
+                  <a:srgbClr val="3333CC"/>
+                </a:solidFill>
+                <a:latin typeface="Roboto" panose="02000000000000000000" pitchFamily="2" charset="0"/>
+                <a:ea typeface="Roboto" panose="02000000000000000000" pitchFamily="2" charset="0"/>
+              </a:rPr>
+              <a:t>/allStories/</a:t>
+            </a:r>
+            <a:r>
+              <a:rPr lang="en-IN" sz="1400" b="1">
+                <a:solidFill>
+                  <a:srgbClr val="3333CC"/>
+                </a:solidFill>
+                <a:latin typeface="Roboto" panose="02000000000000000000" pitchFamily="2" charset="0"/>
+                <a:ea typeface="Roboto" panose="02000000000000000000" pitchFamily="2" charset="0"/>
+              </a:rPr>
+              <a:t>:slug </a:t>
+            </a:r>
+            <a:r>
+              <a:rPr lang="en-IN" sz="1400">
+                <a:latin typeface="Roboto" panose="02000000000000000000" pitchFamily="2" charset="0"/>
+                <a:ea typeface="Roboto" panose="02000000000000000000" pitchFamily="2" charset="0"/>
+              </a:rPr>
+              <a:t>to slugStory.EJS</a:t>
+            </a:r>
+          </a:p>
+          <a:p>
+            <a:pPr marL="342900" indent="-342900">
+              <a:buAutoNum type="arabicPeriod"/>
+            </a:pPr>
+            <a:endParaRPr lang="en-IN" sz="1400">
+              <a:latin typeface="Roboto" panose="02000000000000000000" pitchFamily="2" charset="0"/>
+              <a:ea typeface="Roboto" panose="02000000000000000000" pitchFamily="2" charset="0"/>
+            </a:endParaRPr>
+          </a:p>
+          <a:p>
+            <a:r>
+              <a:rPr lang="en-IN" sz="1400">
+                <a:latin typeface="Roboto" panose="02000000000000000000" pitchFamily="2" charset="0"/>
+                <a:ea typeface="Roboto" panose="02000000000000000000" pitchFamily="2" charset="0"/>
+              </a:rPr>
+              <a:t>3.2 In route.js, using storyModel, findOne(), get the story</a:t>
+            </a:r>
+          </a:p>
+          <a:p>
+            <a:r>
+              <a:rPr lang="en-IN" sz="1400">
+                <a:latin typeface="Roboto" panose="02000000000000000000" pitchFamily="2" charset="0"/>
+                <a:ea typeface="Roboto" panose="02000000000000000000" pitchFamily="2" charset="0"/>
+              </a:rPr>
+              <a:t>Which matches the slug. Pass on </a:t>
+            </a:r>
+            <a:r>
+              <a:rPr lang="en-IN" sz="1400" b="1">
+                <a:latin typeface="Roboto" panose="02000000000000000000" pitchFamily="2" charset="0"/>
+                <a:ea typeface="Roboto" panose="02000000000000000000" pitchFamily="2" charset="0"/>
+              </a:rPr>
+              <a:t>foundStory</a:t>
+            </a:r>
+            <a:r>
+              <a:rPr lang="en-IN" sz="1400">
+                <a:latin typeface="Roboto" panose="02000000000000000000" pitchFamily="2" charset="0"/>
+                <a:ea typeface="Roboto" panose="02000000000000000000" pitchFamily="2" charset="0"/>
+              </a:rPr>
+              <a:t> that to slugStory.EJS via render method</a:t>
+            </a:r>
+          </a:p>
+          <a:p>
+            <a:endParaRPr lang="en-IN" sz="1400">
+              <a:latin typeface="Roboto" panose="02000000000000000000" pitchFamily="2" charset="0"/>
+              <a:ea typeface="Roboto" panose="02000000000000000000" pitchFamily="2" charset="0"/>
+            </a:endParaRPr>
+          </a:p>
+          <a:p>
+            <a:r>
+              <a:rPr lang="en-IN" sz="1400">
+                <a:latin typeface="Roboto" panose="02000000000000000000" pitchFamily="2" charset="0"/>
+                <a:ea typeface="Roboto" panose="02000000000000000000" pitchFamily="2" charset="0"/>
+              </a:rPr>
+              <a:t>3.3. If foundStory is not undefined, display the title and contents in slugStory.EJS</a:t>
+            </a:r>
+          </a:p>
+        </p:txBody>
+      </p:sp>
+      <p:pic>
+        <p:nvPicPr>
+          <p:cNvPr id="14" name="Picture 13">
+            <a:extLst>
+              <a:ext uri="{FF2B5EF4-FFF2-40B4-BE49-F238E27FC236}">
+                <a16:creationId xmlns:a16="http://schemas.microsoft.com/office/drawing/2014/main" id="{858FD33F-2831-4032-AA1D-3129170FEA00}"/>
+              </a:ext>
+            </a:extLst>
+          </p:cNvPr>
+          <p:cNvPicPr>
+            <a:picLocks noChangeAspect="1"/>
+          </p:cNvPicPr>
+          <p:nvPr/>
+        </p:nvPicPr>
+        <p:blipFill>
+          <a:blip r:embed="rId2">
+            <a:extLst>
+              <a:ext uri="{28A0092B-C50C-407E-A947-70E740481C1C}">
+                <a14:useLocalDpi xmlns:a14="http://schemas.microsoft.com/office/drawing/2010/main" val="0"/>
+              </a:ext>
+            </a:extLst>
+          </a:blip>
+          <a:stretch>
+            <a:fillRect/>
+          </a:stretch>
+        </p:blipFill>
+        <p:spPr>
+          <a:xfrm>
+            <a:off x="8808258" y="2751801"/>
+            <a:ext cx="5591955" cy="4105848"/>
+          </a:xfrm>
+          <a:prstGeom prst="rect">
+            <a:avLst/>
+          </a:prstGeom>
+        </p:spPr>
+      </p:pic>
+      <p:pic>
+        <p:nvPicPr>
+          <p:cNvPr id="16" name="Picture 15">
+            <a:extLst>
+              <a:ext uri="{FF2B5EF4-FFF2-40B4-BE49-F238E27FC236}">
+                <a16:creationId xmlns:a16="http://schemas.microsoft.com/office/drawing/2014/main" id="{1B4A7D43-D4B8-488B-BD32-92241603D5E9}"/>
+              </a:ext>
+            </a:extLst>
+          </p:cNvPr>
+          <p:cNvPicPr>
+            <a:picLocks noChangeAspect="1"/>
+          </p:cNvPicPr>
+          <p:nvPr/>
+        </p:nvPicPr>
+        <p:blipFill>
+          <a:blip r:embed="rId3">
+            <a:extLst>
+              <a:ext uri="{28A0092B-C50C-407E-A947-70E740481C1C}">
+                <a14:useLocalDpi xmlns:a14="http://schemas.microsoft.com/office/drawing/2010/main" val="0"/>
+              </a:ext>
+            </a:extLst>
+          </a:blip>
+          <a:stretch>
+            <a:fillRect/>
+          </a:stretch>
+        </p:blipFill>
+        <p:spPr>
+          <a:xfrm>
+            <a:off x="8808258" y="652894"/>
+            <a:ext cx="3886742" cy="990738"/>
+          </a:xfrm>
+          <a:prstGeom prst="rect">
+            <a:avLst/>
+          </a:prstGeom>
+        </p:spPr>
+      </p:pic>
+      <p:sp>
+        <p:nvSpPr>
+          <p:cNvPr id="17" name="Rectangle 16">
+            <a:extLst>
+              <a:ext uri="{FF2B5EF4-FFF2-40B4-BE49-F238E27FC236}">
+                <a16:creationId xmlns:a16="http://schemas.microsoft.com/office/drawing/2014/main" id="{C30B116D-1C90-44DE-9F2C-79CAE6225E70}"/>
+              </a:ext>
+            </a:extLst>
+          </p:cNvPr>
+          <p:cNvSpPr/>
+          <p:nvPr/>
+        </p:nvSpPr>
+        <p:spPr>
+          <a:xfrm>
+            <a:off x="9466371" y="1318773"/>
+            <a:ext cx="2841268" cy="182978"/>
+          </a:xfrm>
+          <a:prstGeom prst="rect">
+            <a:avLst/>
+          </a:prstGeom>
+          <a:solidFill>
+            <a:srgbClr val="FFFF00">
+              <a:alpha val="25000"/>
+            </a:srgbClr>
+          </a:solidFill>
+          <a:ln>
+            <a:noFill/>
+          </a:ln>
+        </p:spPr>
+        <p:style>
+          <a:lnRef idx="2">
+            <a:schemeClr val="accent1">
+              <a:shade val="50000"/>
+            </a:schemeClr>
+          </a:lnRef>
+          <a:fillRef idx="1">
+            <a:schemeClr val="accent1"/>
+          </a:fillRef>
+          <a:effectRef idx="0">
+            <a:schemeClr val="accent1"/>
+          </a:effectRef>
+          <a:fontRef idx="minor">
+            <a:schemeClr val="lt1"/>
+          </a:fontRef>
+        </p:style>
+        <p:txBody>
+          <a:bodyPr rtlCol="0" anchor="ctr"/>
+          <a:lstStyle/>
+          <a:p>
+            <a:pPr algn="ctr"/>
+            <a:endParaRPr lang="en-IN"/>
+          </a:p>
+        </p:txBody>
+      </p:sp>
+      <p:sp>
+        <p:nvSpPr>
+          <p:cNvPr id="18" name="Rectangle 17">
+            <a:extLst>
+              <a:ext uri="{FF2B5EF4-FFF2-40B4-BE49-F238E27FC236}">
+                <a16:creationId xmlns:a16="http://schemas.microsoft.com/office/drawing/2014/main" id="{83823B8A-7396-4A44-93F7-3BB1583FB38F}"/>
+              </a:ext>
+            </a:extLst>
+          </p:cNvPr>
+          <p:cNvSpPr/>
+          <p:nvPr/>
+        </p:nvSpPr>
+        <p:spPr>
+          <a:xfrm>
+            <a:off x="9173040" y="3359482"/>
+            <a:ext cx="2841268" cy="182978"/>
+          </a:xfrm>
+          <a:prstGeom prst="rect">
+            <a:avLst/>
+          </a:prstGeom>
+          <a:solidFill>
+            <a:srgbClr val="FFFF00">
+              <a:alpha val="25000"/>
+            </a:srgbClr>
+          </a:solidFill>
+          <a:ln>
+            <a:noFill/>
+          </a:ln>
+        </p:spPr>
+        <p:style>
+          <a:lnRef idx="2">
+            <a:schemeClr val="accent1">
+              <a:shade val="50000"/>
+            </a:schemeClr>
+          </a:lnRef>
+          <a:fillRef idx="1">
+            <a:schemeClr val="accent1"/>
+          </a:fillRef>
+          <a:effectRef idx="0">
+            <a:schemeClr val="accent1"/>
+          </a:effectRef>
+          <a:fontRef idx="minor">
+            <a:schemeClr val="lt1"/>
+          </a:fontRef>
+        </p:style>
+        <p:txBody>
+          <a:bodyPr rtlCol="0" anchor="ctr"/>
+          <a:lstStyle/>
+          <a:p>
+            <a:pPr algn="ctr"/>
+            <a:endParaRPr lang="en-IN"/>
+          </a:p>
+        </p:txBody>
+      </p:sp>
+      <p:sp>
+        <p:nvSpPr>
+          <p:cNvPr id="19" name="Rectangle 18">
+            <a:extLst>
+              <a:ext uri="{FF2B5EF4-FFF2-40B4-BE49-F238E27FC236}">
+                <a16:creationId xmlns:a16="http://schemas.microsoft.com/office/drawing/2014/main" id="{9EB73197-1728-485C-BC5C-0EC3DF41D33B}"/>
+              </a:ext>
+            </a:extLst>
+          </p:cNvPr>
+          <p:cNvSpPr/>
+          <p:nvPr/>
+        </p:nvSpPr>
+        <p:spPr>
+          <a:xfrm>
+            <a:off x="11082802" y="4620907"/>
+            <a:ext cx="931506" cy="179693"/>
+          </a:xfrm>
+          <a:prstGeom prst="rect">
+            <a:avLst/>
+          </a:prstGeom>
+          <a:solidFill>
+            <a:srgbClr val="FFFF00">
+              <a:alpha val="25000"/>
+            </a:srgbClr>
+          </a:solidFill>
+          <a:ln>
+            <a:noFill/>
+          </a:ln>
+        </p:spPr>
+        <p:style>
+          <a:lnRef idx="2">
+            <a:schemeClr val="accent1">
+              <a:shade val="50000"/>
+            </a:schemeClr>
+          </a:lnRef>
+          <a:fillRef idx="1">
+            <a:schemeClr val="accent1"/>
+          </a:fillRef>
+          <a:effectRef idx="0">
+            <a:schemeClr val="accent1"/>
+          </a:effectRef>
+          <a:fontRef idx="minor">
+            <a:schemeClr val="lt1"/>
+          </a:fontRef>
+        </p:style>
+        <p:txBody>
+          <a:bodyPr rtlCol="0" anchor="ctr"/>
+          <a:lstStyle/>
+          <a:p>
+            <a:pPr algn="ctr"/>
+            <a:endParaRPr lang="en-IN"/>
+          </a:p>
+        </p:txBody>
+      </p:sp>
+      <p:sp>
+        <p:nvSpPr>
+          <p:cNvPr id="20" name="Rectangle 19">
+            <a:extLst>
+              <a:ext uri="{FF2B5EF4-FFF2-40B4-BE49-F238E27FC236}">
+                <a16:creationId xmlns:a16="http://schemas.microsoft.com/office/drawing/2014/main" id="{AB22E4D9-9A38-494B-8500-E26ED7A6FAF5}"/>
+              </a:ext>
+            </a:extLst>
+          </p:cNvPr>
+          <p:cNvSpPr/>
+          <p:nvPr/>
+        </p:nvSpPr>
+        <p:spPr>
+          <a:xfrm>
+            <a:off x="10285876" y="5729076"/>
+            <a:ext cx="1829924" cy="179693"/>
+          </a:xfrm>
+          <a:prstGeom prst="rect">
+            <a:avLst/>
+          </a:prstGeom>
+          <a:solidFill>
+            <a:srgbClr val="FFFF00">
+              <a:alpha val="25000"/>
+            </a:srgbClr>
+          </a:solidFill>
+          <a:ln>
+            <a:noFill/>
+          </a:ln>
+        </p:spPr>
+        <p:style>
+          <a:lnRef idx="2">
+            <a:schemeClr val="accent1">
+              <a:shade val="50000"/>
+            </a:schemeClr>
+          </a:lnRef>
+          <a:fillRef idx="1">
+            <a:schemeClr val="accent1"/>
+          </a:fillRef>
+          <a:effectRef idx="0">
+            <a:schemeClr val="accent1"/>
+          </a:effectRef>
+          <a:fontRef idx="minor">
+            <a:schemeClr val="lt1"/>
+          </a:fontRef>
+        </p:style>
+        <p:txBody>
+          <a:bodyPr rtlCol="0" anchor="ctr"/>
+          <a:lstStyle/>
+          <a:p>
+            <a:pPr algn="ctr"/>
+            <a:endParaRPr lang="en-IN"/>
+          </a:p>
+        </p:txBody>
+      </p:sp>
+      <p:cxnSp>
+        <p:nvCxnSpPr>
+          <p:cNvPr id="21" name="Straight Arrow Connector 20">
+            <a:extLst>
+              <a:ext uri="{FF2B5EF4-FFF2-40B4-BE49-F238E27FC236}">
+                <a16:creationId xmlns:a16="http://schemas.microsoft.com/office/drawing/2014/main" id="{ED54BD66-4751-48D1-A175-8DD8548FCF1E}"/>
+              </a:ext>
+            </a:extLst>
+          </p:cNvPr>
+          <p:cNvCxnSpPr/>
+          <p:nvPr/>
+        </p:nvCxnSpPr>
+        <p:spPr>
+          <a:xfrm flipV="1">
+            <a:off x="7235034" y="1318773"/>
+            <a:ext cx="1185863" cy="451751"/>
+          </a:xfrm>
+          <a:prstGeom prst="straightConnector1">
+            <a:avLst/>
+          </a:prstGeom>
+          <a:ln w="28575">
+            <a:solidFill>
+              <a:srgbClr val="FF0000"/>
+            </a:solidFill>
+            <a:tailEnd type="triangle"/>
+          </a:ln>
+        </p:spPr>
+        <p:style>
+          <a:lnRef idx="1">
+            <a:schemeClr val="accent1"/>
+          </a:lnRef>
+          <a:fillRef idx="0">
+            <a:schemeClr val="accent1"/>
+          </a:fillRef>
+          <a:effectRef idx="0">
+            <a:schemeClr val="accent1"/>
+          </a:effectRef>
+          <a:fontRef idx="minor">
+            <a:schemeClr val="tx1"/>
+          </a:fontRef>
+        </p:style>
+      </p:cxnSp>
+      <p:cxnSp>
+        <p:nvCxnSpPr>
+          <p:cNvPr id="22" name="Straight Arrow Connector 21">
+            <a:extLst>
+              <a:ext uri="{FF2B5EF4-FFF2-40B4-BE49-F238E27FC236}">
+                <a16:creationId xmlns:a16="http://schemas.microsoft.com/office/drawing/2014/main" id="{07980C9A-A5A8-4580-B386-463A01F4A7C1}"/>
+              </a:ext>
+            </a:extLst>
+          </p:cNvPr>
+          <p:cNvCxnSpPr>
+            <a:cxnSpLocks/>
+          </p:cNvCxnSpPr>
+          <p:nvPr/>
+        </p:nvCxnSpPr>
+        <p:spPr>
+          <a:xfrm>
+            <a:off x="7700819" y="2664781"/>
+            <a:ext cx="1005360" cy="721713"/>
+          </a:xfrm>
+          <a:prstGeom prst="straightConnector1">
+            <a:avLst/>
+          </a:prstGeom>
+          <a:ln w="28575">
+            <a:solidFill>
+              <a:srgbClr val="FF0000"/>
+            </a:solidFill>
+            <a:tailEnd type="triangle"/>
+          </a:ln>
+        </p:spPr>
+        <p:style>
+          <a:lnRef idx="1">
+            <a:schemeClr val="accent1"/>
+          </a:lnRef>
+          <a:fillRef idx="0">
+            <a:schemeClr val="accent1"/>
+          </a:fillRef>
+          <a:effectRef idx="0">
+            <a:schemeClr val="accent1"/>
+          </a:effectRef>
+          <a:fontRef idx="minor">
+            <a:schemeClr val="tx1"/>
+          </a:fontRef>
+        </p:style>
+      </p:cxnSp>
+      <p:sp>
+        <p:nvSpPr>
+          <p:cNvPr id="24" name="Oval 23">
+            <a:extLst>
+              <a:ext uri="{FF2B5EF4-FFF2-40B4-BE49-F238E27FC236}">
+                <a16:creationId xmlns:a16="http://schemas.microsoft.com/office/drawing/2014/main" id="{CE05058F-9524-477C-A8CF-274AA4850DBC}"/>
+              </a:ext>
+            </a:extLst>
+          </p:cNvPr>
+          <p:cNvSpPr/>
+          <p:nvPr/>
+        </p:nvSpPr>
+        <p:spPr>
+          <a:xfrm>
+            <a:off x="8416363" y="263879"/>
+            <a:ext cx="579631" cy="579631"/>
+          </a:xfrm>
+          <a:prstGeom prst="ellipse">
+            <a:avLst/>
+          </a:prstGeom>
+        </p:spPr>
+        <p:style>
+          <a:lnRef idx="2">
+            <a:schemeClr val="accent1">
+              <a:shade val="50000"/>
+            </a:schemeClr>
+          </a:lnRef>
+          <a:fillRef idx="1">
+            <a:schemeClr val="accent1"/>
+          </a:fillRef>
+          <a:effectRef idx="0">
+            <a:schemeClr val="accent1"/>
+          </a:effectRef>
+          <a:fontRef idx="minor">
+            <a:schemeClr val="lt1"/>
+          </a:fontRef>
+        </p:style>
+        <p:txBody>
+          <a:bodyPr rtlCol="0" anchor="ctr"/>
+          <a:lstStyle/>
+          <a:p>
+            <a:pPr algn="ctr"/>
+            <a:r>
+              <a:rPr lang="en-IN" sz="1200">
+                <a:latin typeface="Roboto" panose="02000000000000000000" pitchFamily="2" charset="0"/>
+                <a:ea typeface="Roboto" panose="02000000000000000000" pitchFamily="2" charset="0"/>
+              </a:rPr>
+              <a:t>3.1</a:t>
+            </a:r>
+          </a:p>
+        </p:txBody>
+      </p:sp>
+      <p:sp>
+        <p:nvSpPr>
+          <p:cNvPr id="25" name="Oval 24">
+            <a:extLst>
+              <a:ext uri="{FF2B5EF4-FFF2-40B4-BE49-F238E27FC236}">
+                <a16:creationId xmlns:a16="http://schemas.microsoft.com/office/drawing/2014/main" id="{15C8CA68-42F6-415A-8952-6F84A1714411}"/>
+              </a:ext>
+            </a:extLst>
+          </p:cNvPr>
+          <p:cNvSpPr/>
+          <p:nvPr/>
+        </p:nvSpPr>
+        <p:spPr>
+          <a:xfrm>
+            <a:off x="8416362" y="2300207"/>
+            <a:ext cx="579631" cy="579631"/>
+          </a:xfrm>
+          <a:prstGeom prst="ellipse">
+            <a:avLst/>
+          </a:prstGeom>
+        </p:spPr>
+        <p:style>
+          <a:lnRef idx="2">
+            <a:schemeClr val="accent1">
+              <a:shade val="50000"/>
+            </a:schemeClr>
+          </a:lnRef>
+          <a:fillRef idx="1">
+            <a:schemeClr val="accent1"/>
+          </a:fillRef>
+          <a:effectRef idx="0">
+            <a:schemeClr val="accent1"/>
+          </a:effectRef>
+          <a:fontRef idx="minor">
+            <a:schemeClr val="lt1"/>
+          </a:fontRef>
+        </p:style>
+        <p:txBody>
+          <a:bodyPr rtlCol="0" anchor="ctr"/>
+          <a:lstStyle/>
+          <a:p>
+            <a:pPr algn="ctr"/>
+            <a:r>
+              <a:rPr lang="en-IN" sz="1200">
+                <a:latin typeface="Roboto" panose="02000000000000000000" pitchFamily="2" charset="0"/>
+                <a:ea typeface="Roboto" panose="02000000000000000000" pitchFamily="2" charset="0"/>
+              </a:rPr>
+              <a:t>3.2</a:t>
+            </a:r>
+          </a:p>
+        </p:txBody>
+      </p:sp>
+      <p:cxnSp>
+        <p:nvCxnSpPr>
+          <p:cNvPr id="28" name="Straight Arrow Connector 27">
+            <a:extLst>
+              <a:ext uri="{FF2B5EF4-FFF2-40B4-BE49-F238E27FC236}">
+                <a16:creationId xmlns:a16="http://schemas.microsoft.com/office/drawing/2014/main" id="{A2F290E9-900F-48CA-B73C-5F22ED219E81}"/>
+              </a:ext>
+            </a:extLst>
+          </p:cNvPr>
+          <p:cNvCxnSpPr>
+            <a:cxnSpLocks/>
+          </p:cNvCxnSpPr>
+          <p:nvPr/>
+        </p:nvCxnSpPr>
+        <p:spPr>
+          <a:xfrm flipH="1">
+            <a:off x="5601554" y="3580617"/>
+            <a:ext cx="480015" cy="1040290"/>
+          </a:xfrm>
+          <a:prstGeom prst="straightConnector1">
+            <a:avLst/>
+          </a:prstGeom>
+          <a:ln w="28575">
+            <a:solidFill>
+              <a:srgbClr val="FF0000"/>
+            </a:solidFill>
+            <a:tailEnd type="triangle"/>
+          </a:ln>
+        </p:spPr>
+        <p:style>
+          <a:lnRef idx="1">
+            <a:schemeClr val="accent1"/>
+          </a:lnRef>
+          <a:fillRef idx="0">
+            <a:schemeClr val="accent1"/>
+          </a:fillRef>
+          <a:effectRef idx="0">
+            <a:schemeClr val="accent1"/>
+          </a:effectRef>
+          <a:fontRef idx="minor">
+            <a:schemeClr val="tx1"/>
+          </a:fontRef>
+        </p:style>
+      </p:cxnSp>
+      <p:sp>
+        <p:nvSpPr>
+          <p:cNvPr id="32" name="TextBox 31">
+            <a:extLst>
+              <a:ext uri="{FF2B5EF4-FFF2-40B4-BE49-F238E27FC236}">
+                <a16:creationId xmlns:a16="http://schemas.microsoft.com/office/drawing/2014/main" id="{7491CF50-02E6-4C39-9C82-751127F8D052}"/>
+              </a:ext>
+            </a:extLst>
+          </p:cNvPr>
+          <p:cNvSpPr txBox="1"/>
+          <p:nvPr/>
+        </p:nvSpPr>
+        <p:spPr>
+          <a:xfrm>
+            <a:off x="1673621" y="6343865"/>
+            <a:ext cx="5561413" cy="523220"/>
+          </a:xfrm>
+          <a:prstGeom prst="rect">
+            <a:avLst/>
+          </a:prstGeom>
+          <a:noFill/>
+        </p:spPr>
+        <p:txBody>
+          <a:bodyPr wrap="square" rtlCol="0">
+            <a:spAutoFit/>
+          </a:bodyPr>
+          <a:lstStyle/>
+          <a:p>
+            <a:r>
+              <a:rPr lang="en-IN" sz="1400">
+                <a:latin typeface="Roboto" panose="02000000000000000000" pitchFamily="2" charset="0"/>
+                <a:ea typeface="Roboto" panose="02000000000000000000" pitchFamily="2" charset="0"/>
+              </a:rPr>
+              <a:t>Validation if storyForEJS undefined is not required caz, we would</a:t>
+            </a:r>
+          </a:p>
+          <a:p>
+            <a:r>
+              <a:rPr lang="en-IN" sz="1400">
+                <a:latin typeface="Roboto" panose="02000000000000000000" pitchFamily="2" charset="0"/>
+                <a:ea typeface="Roboto" panose="02000000000000000000" pitchFamily="2" charset="0"/>
+              </a:rPr>
+              <a:t>Not be in this page without an existing story in first place</a:t>
+            </a:r>
+          </a:p>
+        </p:txBody>
+      </p:sp>
+      <p:pic>
+        <p:nvPicPr>
+          <p:cNvPr id="40" name="Picture 39">
+            <a:extLst>
+              <a:ext uri="{FF2B5EF4-FFF2-40B4-BE49-F238E27FC236}">
+                <a16:creationId xmlns:a16="http://schemas.microsoft.com/office/drawing/2014/main" id="{84AE0A52-5E27-4A87-ADD1-D0CCBBDFDFA7}"/>
+              </a:ext>
+            </a:extLst>
+          </p:cNvPr>
+          <p:cNvPicPr>
+            <a:picLocks noChangeAspect="1"/>
+          </p:cNvPicPr>
+          <p:nvPr/>
+        </p:nvPicPr>
+        <p:blipFill>
+          <a:blip r:embed="rId4">
+            <a:extLst>
+              <a:ext uri="{28A0092B-C50C-407E-A947-70E740481C1C}">
+                <a14:useLocalDpi xmlns:a14="http://schemas.microsoft.com/office/drawing/2010/main" val="0"/>
+              </a:ext>
+            </a:extLst>
+          </a:blip>
+          <a:stretch>
+            <a:fillRect/>
+          </a:stretch>
+        </p:blipFill>
+        <p:spPr>
+          <a:xfrm>
+            <a:off x="1426244" y="4829296"/>
+            <a:ext cx="6115904" cy="1352739"/>
+          </a:xfrm>
+          <a:prstGeom prst="rect">
+            <a:avLst/>
+          </a:prstGeom>
+        </p:spPr>
+      </p:pic>
+      <p:sp>
+        <p:nvSpPr>
+          <p:cNvPr id="31" name="Oval 30">
+            <a:extLst>
+              <a:ext uri="{FF2B5EF4-FFF2-40B4-BE49-F238E27FC236}">
+                <a16:creationId xmlns:a16="http://schemas.microsoft.com/office/drawing/2014/main" id="{EC61322C-915C-45C7-9158-D63F928FAA2C}"/>
+              </a:ext>
+            </a:extLst>
+          </p:cNvPr>
+          <p:cNvSpPr/>
+          <p:nvPr/>
+        </p:nvSpPr>
+        <p:spPr>
+          <a:xfrm>
+            <a:off x="1065910" y="4482526"/>
+            <a:ext cx="579631" cy="579631"/>
+          </a:xfrm>
+          <a:prstGeom prst="ellipse">
+            <a:avLst/>
+          </a:prstGeom>
+        </p:spPr>
+        <p:style>
+          <a:lnRef idx="2">
+            <a:schemeClr val="accent1">
+              <a:shade val="50000"/>
+            </a:schemeClr>
+          </a:lnRef>
+          <a:fillRef idx="1">
+            <a:schemeClr val="accent1"/>
+          </a:fillRef>
+          <a:effectRef idx="0">
+            <a:schemeClr val="accent1"/>
+          </a:effectRef>
+          <a:fontRef idx="minor">
+            <a:schemeClr val="lt1"/>
+          </a:fontRef>
+        </p:style>
+        <p:txBody>
+          <a:bodyPr rtlCol="0" anchor="ctr"/>
+          <a:lstStyle/>
+          <a:p>
+            <a:pPr algn="ctr"/>
+            <a:r>
+              <a:rPr lang="en-IN" sz="1200">
+                <a:latin typeface="Roboto" panose="02000000000000000000" pitchFamily="2" charset="0"/>
+                <a:ea typeface="Roboto" panose="02000000000000000000" pitchFamily="2" charset="0"/>
+              </a:rPr>
+              <a:t>3.3</a:t>
+            </a:r>
+          </a:p>
+        </p:txBody>
+      </p:sp>
+    </p:spTree>
+    <p:extLst>
+      <p:ext uri="{BB962C8B-B14F-4D97-AF65-F5344CB8AC3E}">
+        <p14:creationId xmlns:p14="http://schemas.microsoft.com/office/powerpoint/2010/main" val="2551986595"/>
+      </p:ext>
+    </p:extLst>
+  </p:cSld>
+  <p:clrMapOvr>
+    <a:masterClrMapping/>
+  </p:clrMapOvr>
+</p:sld>
+</file>
+
 <file path=ppt/slides/slide3.xml><?xml version="1.0" encoding="utf-8"?>
 <p:sld xmlns:a="http://schemas.openxmlformats.org/drawingml/2006/main" xmlns:r="http://schemas.openxmlformats.org/officeDocument/2006/relationships" xmlns:p="http://schemas.openxmlformats.org/presentationml/2006/main">
   <p:cSld>

--- a/My Understanding.pptx
+++ b/My Understanding.pptx
@@ -5,7 +5,7 @@
     <p:sldMasterId id="2147483660" r:id="rId1"/>
   </p:sldMasterIdLst>
   <p:notesMasterIdLst>
-    <p:notesMasterId r:id="rId31"/>
+    <p:notesMasterId r:id="rId34"/>
   </p:notesMasterIdLst>
   <p:sldIdLst>
     <p:sldId id="259" r:id="rId2"/>
@@ -37,6 +37,9 @@
     <p:sldId id="286" r:id="rId28"/>
     <p:sldId id="287" r:id="rId29"/>
     <p:sldId id="288" r:id="rId30"/>
+    <p:sldId id="289" r:id="rId31"/>
+    <p:sldId id="290" r:id="rId32"/>
+    <p:sldId id="291" r:id="rId33"/>
   </p:sldIdLst>
   <p:sldSz cx="14400213" cy="6858000"/>
   <p:notesSz cx="6858000" cy="9144000"/>
@@ -229,7 +232,7 @@
           <a:p>
             <a:fld id="{EC33A393-DAB2-4034-922D-E0C16E3D4877}" type="datetimeFigureOut">
               <a:rPr lang="en-IN" smtClean="0"/>
-              <a:t>12-10-2017</a:t>
+              <a:t>16-10-2017</a:t>
             </a:fld>
             <a:endParaRPr lang="en-IN"/>
           </a:p>
@@ -801,7 +804,7 @@
           <a:p>
             <a:fld id="{21283FD9-7D71-4B97-B325-4182E961AB8D}" type="datetimeFigureOut">
               <a:rPr lang="en-IN" smtClean="0"/>
-              <a:t>12-10-2017</a:t>
+              <a:t>16-10-2017</a:t>
             </a:fld>
             <a:endParaRPr lang="en-IN"/>
           </a:p>
@@ -971,7 +974,7 @@
           <a:p>
             <a:fld id="{21283FD9-7D71-4B97-B325-4182E961AB8D}" type="datetimeFigureOut">
               <a:rPr lang="en-IN" smtClean="0"/>
-              <a:t>12-10-2017</a:t>
+              <a:t>16-10-2017</a:t>
             </a:fld>
             <a:endParaRPr lang="en-IN"/>
           </a:p>
@@ -1151,7 +1154,7 @@
           <a:p>
             <a:fld id="{21283FD9-7D71-4B97-B325-4182E961AB8D}" type="datetimeFigureOut">
               <a:rPr lang="en-IN" smtClean="0"/>
-              <a:t>12-10-2017</a:t>
+              <a:t>16-10-2017</a:t>
             </a:fld>
             <a:endParaRPr lang="en-IN"/>
           </a:p>
@@ -1321,7 +1324,7 @@
           <a:p>
             <a:fld id="{21283FD9-7D71-4B97-B325-4182E961AB8D}" type="datetimeFigureOut">
               <a:rPr lang="en-IN" smtClean="0"/>
-              <a:t>12-10-2017</a:t>
+              <a:t>16-10-2017</a:t>
             </a:fld>
             <a:endParaRPr lang="en-IN"/>
           </a:p>
@@ -1567,7 +1570,7 @@
           <a:p>
             <a:fld id="{21283FD9-7D71-4B97-B325-4182E961AB8D}" type="datetimeFigureOut">
               <a:rPr lang="en-IN" smtClean="0"/>
-              <a:t>12-10-2017</a:t>
+              <a:t>16-10-2017</a:t>
             </a:fld>
             <a:endParaRPr lang="en-IN"/>
           </a:p>
@@ -1799,7 +1802,7 @@
           <a:p>
             <a:fld id="{21283FD9-7D71-4B97-B325-4182E961AB8D}" type="datetimeFigureOut">
               <a:rPr lang="en-IN" smtClean="0"/>
-              <a:t>12-10-2017</a:t>
+              <a:t>16-10-2017</a:t>
             </a:fld>
             <a:endParaRPr lang="en-IN"/>
           </a:p>
@@ -2166,7 +2169,7 @@
           <a:p>
             <a:fld id="{21283FD9-7D71-4B97-B325-4182E961AB8D}" type="datetimeFigureOut">
               <a:rPr lang="en-IN" smtClean="0"/>
-              <a:t>12-10-2017</a:t>
+              <a:t>16-10-2017</a:t>
             </a:fld>
             <a:endParaRPr lang="en-IN"/>
           </a:p>
@@ -2284,7 +2287,7 @@
           <a:p>
             <a:fld id="{21283FD9-7D71-4B97-B325-4182E961AB8D}" type="datetimeFigureOut">
               <a:rPr lang="en-IN" smtClean="0"/>
-              <a:t>12-10-2017</a:t>
+              <a:t>16-10-2017</a:t>
             </a:fld>
             <a:endParaRPr lang="en-IN"/>
           </a:p>
@@ -2379,7 +2382,7 @@
           <a:p>
             <a:fld id="{21283FD9-7D71-4B97-B325-4182E961AB8D}" type="datetimeFigureOut">
               <a:rPr lang="en-IN" smtClean="0"/>
-              <a:t>12-10-2017</a:t>
+              <a:t>16-10-2017</a:t>
             </a:fld>
             <a:endParaRPr lang="en-IN"/>
           </a:p>
@@ -2656,7 +2659,7 @@
           <a:p>
             <a:fld id="{21283FD9-7D71-4B97-B325-4182E961AB8D}" type="datetimeFigureOut">
               <a:rPr lang="en-IN" smtClean="0"/>
-              <a:t>12-10-2017</a:t>
+              <a:t>16-10-2017</a:t>
             </a:fld>
             <a:endParaRPr lang="en-IN"/>
           </a:p>
@@ -2913,7 +2916,7 @@
           <a:p>
             <a:fld id="{21283FD9-7D71-4B97-B325-4182E961AB8D}" type="datetimeFigureOut">
               <a:rPr lang="en-IN" smtClean="0"/>
-              <a:t>12-10-2017</a:t>
+              <a:t>16-10-2017</a:t>
             </a:fld>
             <a:endParaRPr lang="en-IN"/>
           </a:p>
@@ -3126,7 +3129,7 @@
           <a:p>
             <a:fld id="{21283FD9-7D71-4B97-B325-4182E961AB8D}" type="datetimeFigureOut">
               <a:rPr lang="en-IN" smtClean="0"/>
-              <a:t>12-10-2017</a:t>
+              <a:t>16-10-2017</a:t>
             </a:fld>
             <a:endParaRPr lang="en-IN"/>
           </a:p>
@@ -26390,6 +26393,1835 @@
 </p:sld>
 </file>
 
+<file path=ppt/slides/slide30.xml><?xml version="1.0" encoding="utf-8"?>
+<p:sld xmlns:a="http://schemas.openxmlformats.org/drawingml/2006/main" xmlns:r="http://schemas.openxmlformats.org/officeDocument/2006/relationships" xmlns:p="http://schemas.openxmlformats.org/presentationml/2006/main">
+  <p:cSld>
+    <p:spTree>
+      <p:nvGrpSpPr>
+        <p:cNvPr id="1" name=""/>
+        <p:cNvGrpSpPr/>
+        <p:nvPr/>
+      </p:nvGrpSpPr>
+      <p:grpSpPr>
+        <a:xfrm>
+          <a:off x="0" y="0"/>
+          <a:ext cx="0" cy="0"/>
+          <a:chOff x="0" y="0"/>
+          <a:chExt cx="0" cy="0"/>
+        </a:xfrm>
+      </p:grpSpPr>
+      <p:sp>
+        <p:nvSpPr>
+          <p:cNvPr id="2" name="Rectangle 1">
+            <a:extLst>
+              <a:ext uri="{FF2B5EF4-FFF2-40B4-BE49-F238E27FC236}">
+                <a16:creationId xmlns:a16="http://schemas.microsoft.com/office/drawing/2014/main" id="{89C7697E-47C6-4B08-B239-205A00C607A2}"/>
+              </a:ext>
+            </a:extLst>
+          </p:cNvPr>
+          <p:cNvSpPr/>
+          <p:nvPr/>
+        </p:nvSpPr>
+        <p:spPr>
+          <a:xfrm>
+            <a:off x="1370689" y="1976923"/>
+            <a:ext cx="1473594" cy="1434906"/>
+          </a:xfrm>
+          <a:prstGeom prst="rect">
+            <a:avLst/>
+          </a:prstGeom>
+          <a:solidFill>
+            <a:srgbClr val="00B050"/>
+          </a:solidFill>
+          <a:ln>
+            <a:noFill/>
+          </a:ln>
+        </p:spPr>
+        <p:style>
+          <a:lnRef idx="2">
+            <a:schemeClr val="accent1">
+              <a:shade val="50000"/>
+            </a:schemeClr>
+          </a:lnRef>
+          <a:fillRef idx="1">
+            <a:schemeClr val="accent1"/>
+          </a:fillRef>
+          <a:effectRef idx="0">
+            <a:schemeClr val="accent1"/>
+          </a:effectRef>
+          <a:fontRef idx="minor">
+            <a:schemeClr val="lt1"/>
+          </a:fontRef>
+        </p:style>
+        <p:txBody>
+          <a:bodyPr rtlCol="0" anchor="ctr"/>
+          <a:lstStyle/>
+          <a:p>
+            <a:pPr algn="ctr"/>
+            <a:endParaRPr lang="en-IN"/>
+          </a:p>
+        </p:txBody>
+      </p:sp>
+      <p:sp>
+        <p:nvSpPr>
+          <p:cNvPr id="3" name="Rectangle 2">
+            <a:extLst>
+              <a:ext uri="{FF2B5EF4-FFF2-40B4-BE49-F238E27FC236}">
+                <a16:creationId xmlns:a16="http://schemas.microsoft.com/office/drawing/2014/main" id="{B120DFA5-69BB-4C77-8C4C-C52B50DBB569}"/>
+              </a:ext>
+            </a:extLst>
+          </p:cNvPr>
+          <p:cNvSpPr/>
+          <p:nvPr/>
+        </p:nvSpPr>
+        <p:spPr>
+          <a:xfrm>
+            <a:off x="1370689" y="2694376"/>
+            <a:ext cx="1167620" cy="717453"/>
+          </a:xfrm>
+          <a:prstGeom prst="rect">
+            <a:avLst/>
+          </a:prstGeom>
+          <a:solidFill>
+            <a:schemeClr val="accent2">
+              <a:lumMod val="75000"/>
+            </a:schemeClr>
+          </a:solidFill>
+          <a:ln>
+            <a:noFill/>
+          </a:ln>
+        </p:spPr>
+        <p:style>
+          <a:lnRef idx="2">
+            <a:schemeClr val="accent1">
+              <a:shade val="50000"/>
+            </a:schemeClr>
+          </a:lnRef>
+          <a:fillRef idx="1">
+            <a:schemeClr val="accent1"/>
+          </a:fillRef>
+          <a:effectRef idx="0">
+            <a:schemeClr val="accent1"/>
+          </a:effectRef>
+          <a:fontRef idx="minor">
+            <a:schemeClr val="lt1"/>
+          </a:fontRef>
+        </p:style>
+        <p:txBody>
+          <a:bodyPr rtlCol="0" anchor="ctr"/>
+          <a:lstStyle/>
+          <a:p>
+            <a:pPr algn="ctr"/>
+            <a:r>
+              <a:rPr lang="en-IN"/>
+              <a:t>User Mgmt</a:t>
+            </a:r>
+          </a:p>
+        </p:txBody>
+      </p:sp>
+      <p:sp>
+        <p:nvSpPr>
+          <p:cNvPr id="4" name="Rectangle 3">
+            <a:extLst>
+              <a:ext uri="{FF2B5EF4-FFF2-40B4-BE49-F238E27FC236}">
+                <a16:creationId xmlns:a16="http://schemas.microsoft.com/office/drawing/2014/main" id="{CDB37928-000B-4EE7-B721-1C7F677AAC96}"/>
+              </a:ext>
+            </a:extLst>
+          </p:cNvPr>
+          <p:cNvSpPr/>
+          <p:nvPr/>
+        </p:nvSpPr>
+        <p:spPr>
+          <a:xfrm>
+            <a:off x="973281" y="3411829"/>
+            <a:ext cx="1871003" cy="717453"/>
+          </a:xfrm>
+          <a:prstGeom prst="rect">
+            <a:avLst/>
+          </a:prstGeom>
+          <a:ln>
+            <a:noFill/>
+          </a:ln>
+        </p:spPr>
+        <p:style>
+          <a:lnRef idx="2">
+            <a:schemeClr val="accent1">
+              <a:shade val="50000"/>
+            </a:schemeClr>
+          </a:lnRef>
+          <a:fillRef idx="1">
+            <a:schemeClr val="accent1"/>
+          </a:fillRef>
+          <a:effectRef idx="0">
+            <a:schemeClr val="accent1"/>
+          </a:effectRef>
+          <a:fontRef idx="minor">
+            <a:schemeClr val="lt1"/>
+          </a:fontRef>
+        </p:style>
+        <p:txBody>
+          <a:bodyPr rtlCol="0" anchor="ctr"/>
+          <a:lstStyle/>
+          <a:p>
+            <a:pPr algn="ctr"/>
+            <a:r>
+              <a:rPr lang="en-IN"/>
+              <a:t>Templates</a:t>
+            </a:r>
+          </a:p>
+        </p:txBody>
+      </p:sp>
+      <p:sp>
+        <p:nvSpPr>
+          <p:cNvPr id="5" name="Rectangle 4">
+            <a:extLst>
+              <a:ext uri="{FF2B5EF4-FFF2-40B4-BE49-F238E27FC236}">
+                <a16:creationId xmlns:a16="http://schemas.microsoft.com/office/drawing/2014/main" id="{A9C088C1-C896-499B-BFA8-EAEFDC59DD36}"/>
+              </a:ext>
+            </a:extLst>
+          </p:cNvPr>
+          <p:cNvSpPr/>
+          <p:nvPr/>
+        </p:nvSpPr>
+        <p:spPr>
+          <a:xfrm>
+            <a:off x="973280" y="4101148"/>
+            <a:ext cx="1871003" cy="717453"/>
+          </a:xfrm>
+          <a:prstGeom prst="rect">
+            <a:avLst/>
+          </a:prstGeom>
+          <a:solidFill>
+            <a:schemeClr val="tx1">
+              <a:lumMod val="50000"/>
+              <a:lumOff val="50000"/>
+            </a:schemeClr>
+          </a:solidFill>
+          <a:ln>
+            <a:noFill/>
+          </a:ln>
+        </p:spPr>
+        <p:style>
+          <a:lnRef idx="2">
+            <a:schemeClr val="accent1">
+              <a:shade val="50000"/>
+            </a:schemeClr>
+          </a:lnRef>
+          <a:fillRef idx="1">
+            <a:schemeClr val="accent1"/>
+          </a:fillRef>
+          <a:effectRef idx="0">
+            <a:schemeClr val="accent1"/>
+          </a:effectRef>
+          <a:fontRef idx="minor">
+            <a:schemeClr val="lt1"/>
+          </a:fontRef>
+        </p:style>
+        <p:txBody>
+          <a:bodyPr rtlCol="0" anchor="ctr"/>
+          <a:lstStyle/>
+          <a:p>
+            <a:pPr algn="ctr"/>
+            <a:r>
+              <a:rPr lang="en-IN"/>
+              <a:t>MongoDB</a:t>
+            </a:r>
+          </a:p>
+          <a:p>
+            <a:pPr algn="ctr"/>
+            <a:r>
+              <a:rPr lang="en-IN"/>
+              <a:t>(Cloud)</a:t>
+            </a:r>
+          </a:p>
+        </p:txBody>
+      </p:sp>
+      <p:sp>
+        <p:nvSpPr>
+          <p:cNvPr id="6" name="TextBox 5">
+            <a:extLst>
+              <a:ext uri="{FF2B5EF4-FFF2-40B4-BE49-F238E27FC236}">
+                <a16:creationId xmlns:a16="http://schemas.microsoft.com/office/drawing/2014/main" id="{B9EEFF51-9155-45E1-A45F-3EC5EC63733B}"/>
+              </a:ext>
+            </a:extLst>
+          </p:cNvPr>
+          <p:cNvSpPr txBox="1"/>
+          <p:nvPr/>
+        </p:nvSpPr>
+        <p:spPr>
+          <a:xfrm>
+            <a:off x="1462117" y="2165051"/>
+            <a:ext cx="1290738" cy="369332"/>
+          </a:xfrm>
+          <a:prstGeom prst="rect">
+            <a:avLst/>
+          </a:prstGeom>
+          <a:noFill/>
+        </p:spPr>
+        <p:txBody>
+          <a:bodyPr wrap="none" rtlCol="0">
+            <a:spAutoFit/>
+          </a:bodyPr>
+          <a:lstStyle/>
+          <a:p>
+            <a:r>
+              <a:rPr lang="en-IN">
+                <a:solidFill>
+                  <a:schemeClr val="bg1"/>
+                </a:solidFill>
+              </a:rPr>
+              <a:t>Story Mgmt</a:t>
+            </a:r>
+          </a:p>
+        </p:txBody>
+      </p:sp>
+      <p:sp>
+        <p:nvSpPr>
+          <p:cNvPr id="7" name="Rectangle 6">
+            <a:extLst>
+              <a:ext uri="{FF2B5EF4-FFF2-40B4-BE49-F238E27FC236}">
+                <a16:creationId xmlns:a16="http://schemas.microsoft.com/office/drawing/2014/main" id="{65A1458F-6CD1-4BD2-B2E0-D56F87ED0FBE}"/>
+              </a:ext>
+            </a:extLst>
+          </p:cNvPr>
+          <p:cNvSpPr/>
+          <p:nvPr/>
+        </p:nvSpPr>
+        <p:spPr>
+          <a:xfrm>
+            <a:off x="976791" y="1976923"/>
+            <a:ext cx="397408" cy="1434906"/>
+          </a:xfrm>
+          <a:prstGeom prst="rect">
+            <a:avLst/>
+          </a:prstGeom>
+          <a:solidFill>
+            <a:schemeClr val="accent4">
+              <a:lumMod val="60000"/>
+              <a:lumOff val="40000"/>
+            </a:schemeClr>
+          </a:solidFill>
+          <a:ln>
+            <a:noFill/>
+          </a:ln>
+        </p:spPr>
+        <p:style>
+          <a:lnRef idx="2">
+            <a:schemeClr val="accent1">
+              <a:shade val="50000"/>
+            </a:schemeClr>
+          </a:lnRef>
+          <a:fillRef idx="1">
+            <a:schemeClr val="accent1"/>
+          </a:fillRef>
+          <a:effectRef idx="0">
+            <a:schemeClr val="accent1"/>
+          </a:effectRef>
+          <a:fontRef idx="minor">
+            <a:schemeClr val="lt1"/>
+          </a:fontRef>
+        </p:style>
+        <p:txBody>
+          <a:bodyPr rtlCol="0" anchor="ctr"/>
+          <a:lstStyle/>
+          <a:p>
+            <a:pPr algn="ctr"/>
+            <a:endParaRPr lang="en-IN"/>
+          </a:p>
+        </p:txBody>
+      </p:sp>
+      <p:sp>
+        <p:nvSpPr>
+          <p:cNvPr id="8" name="TextBox 7">
+            <a:extLst>
+              <a:ext uri="{FF2B5EF4-FFF2-40B4-BE49-F238E27FC236}">
+                <a16:creationId xmlns:a16="http://schemas.microsoft.com/office/drawing/2014/main" id="{0FF87D8F-D354-4C0E-A001-23359228901B}"/>
+              </a:ext>
+            </a:extLst>
+          </p:cNvPr>
+          <p:cNvSpPr txBox="1"/>
+          <p:nvPr/>
+        </p:nvSpPr>
+        <p:spPr>
+          <a:xfrm rot="16200000">
+            <a:off x="695207" y="2507536"/>
+            <a:ext cx="932499" cy="369332"/>
+          </a:xfrm>
+          <a:prstGeom prst="rect">
+            <a:avLst/>
+          </a:prstGeom>
+          <a:noFill/>
+        </p:spPr>
+        <p:txBody>
+          <a:bodyPr wrap="none" rtlCol="0">
+            <a:spAutoFit/>
+          </a:bodyPr>
+          <a:lstStyle/>
+          <a:p>
+            <a:r>
+              <a:rPr lang="en-IN"/>
+              <a:t>Others*</a:t>
+            </a:r>
+          </a:p>
+        </p:txBody>
+      </p:sp>
+      <p:sp>
+        <p:nvSpPr>
+          <p:cNvPr id="9" name="TextBox 8">
+            <a:extLst>
+              <a:ext uri="{FF2B5EF4-FFF2-40B4-BE49-F238E27FC236}">
+                <a16:creationId xmlns:a16="http://schemas.microsoft.com/office/drawing/2014/main" id="{F727467C-3857-4516-A251-9BF424BB23AB}"/>
+              </a:ext>
+            </a:extLst>
+          </p:cNvPr>
+          <p:cNvSpPr txBox="1"/>
+          <p:nvPr/>
+        </p:nvSpPr>
+        <p:spPr>
+          <a:xfrm>
+            <a:off x="797321" y="5146206"/>
+            <a:ext cx="2260812" cy="307777"/>
+          </a:xfrm>
+          <a:prstGeom prst="rect">
+            <a:avLst/>
+          </a:prstGeom>
+          <a:noFill/>
+        </p:spPr>
+        <p:txBody>
+          <a:bodyPr wrap="none" rtlCol="0">
+            <a:spAutoFit/>
+          </a:bodyPr>
+          <a:lstStyle/>
+          <a:p>
+            <a:r>
+              <a:rPr lang="en-IN" sz="1400"/>
+              <a:t>Error Mgmt (404, 500,Chalk)</a:t>
+            </a:r>
+          </a:p>
+        </p:txBody>
+      </p:sp>
+      <p:sp>
+        <p:nvSpPr>
+          <p:cNvPr id="10" name="TextBox 9">
+            <a:extLst>
+              <a:ext uri="{FF2B5EF4-FFF2-40B4-BE49-F238E27FC236}">
+                <a16:creationId xmlns:a16="http://schemas.microsoft.com/office/drawing/2014/main" id="{06D9F812-F890-407A-8D26-9948CB987CF8}"/>
+              </a:ext>
+            </a:extLst>
+          </p:cNvPr>
+          <p:cNvSpPr txBox="1"/>
+          <p:nvPr/>
+        </p:nvSpPr>
+        <p:spPr>
+          <a:xfrm>
+            <a:off x="155809" y="30475"/>
+            <a:ext cx="1517812" cy="523220"/>
+          </a:xfrm>
+          <a:prstGeom prst="rect">
+            <a:avLst/>
+          </a:prstGeom>
+          <a:solidFill>
+            <a:srgbClr val="FFFF00"/>
+          </a:solidFill>
+        </p:spPr>
+        <p:txBody>
+          <a:bodyPr wrap="square" rtlCol="0">
+            <a:spAutoFit/>
+          </a:bodyPr>
+          <a:lstStyle/>
+          <a:p>
+            <a:r>
+              <a:rPr lang="en-IN" sz="2800" u="sng">
+                <a:latin typeface="Roboto" panose="02000000000000000000" pitchFamily="2" charset="0"/>
+                <a:ea typeface="Roboto" panose="02000000000000000000" pitchFamily="2" charset="0"/>
+              </a:rPr>
+              <a:t>Phase 5</a:t>
+            </a:r>
+          </a:p>
+        </p:txBody>
+      </p:sp>
+      <p:sp>
+        <p:nvSpPr>
+          <p:cNvPr id="11" name="TextBox 10">
+            <a:extLst>
+              <a:ext uri="{FF2B5EF4-FFF2-40B4-BE49-F238E27FC236}">
+                <a16:creationId xmlns:a16="http://schemas.microsoft.com/office/drawing/2014/main" id="{71AACA41-0E3E-4D95-AAD5-A6B228D82B2E}"/>
+              </a:ext>
+            </a:extLst>
+          </p:cNvPr>
+          <p:cNvSpPr txBox="1"/>
+          <p:nvPr/>
+        </p:nvSpPr>
+        <p:spPr>
+          <a:xfrm>
+            <a:off x="277426" y="5746743"/>
+            <a:ext cx="5561413" cy="523220"/>
+          </a:xfrm>
+          <a:prstGeom prst="rect">
+            <a:avLst/>
+          </a:prstGeom>
+          <a:noFill/>
+        </p:spPr>
+        <p:txBody>
+          <a:bodyPr wrap="square" rtlCol="0">
+            <a:spAutoFit/>
+          </a:bodyPr>
+          <a:lstStyle/>
+          <a:p>
+            <a:r>
+              <a:rPr lang="en-IN" sz="1400">
+                <a:latin typeface="Roboto" panose="02000000000000000000" pitchFamily="2" charset="0"/>
+                <a:ea typeface="Roboto" panose="02000000000000000000" pitchFamily="2" charset="0"/>
+              </a:rPr>
+              <a:t>Add comments shall be postponed as an exercise</a:t>
+            </a:r>
+          </a:p>
+          <a:p>
+            <a:r>
+              <a:rPr lang="en-IN" sz="1400">
+                <a:latin typeface="Roboto" panose="02000000000000000000" pitchFamily="2" charset="0"/>
+                <a:ea typeface="Roboto" panose="02000000000000000000" pitchFamily="2" charset="0"/>
+              </a:rPr>
+              <a:t>(actually not feeling well while doing this, so want to wrap up)</a:t>
+            </a:r>
+          </a:p>
+        </p:txBody>
+      </p:sp>
+      <p:sp>
+        <p:nvSpPr>
+          <p:cNvPr id="12" name="TextBox 11">
+            <a:extLst>
+              <a:ext uri="{FF2B5EF4-FFF2-40B4-BE49-F238E27FC236}">
+                <a16:creationId xmlns:a16="http://schemas.microsoft.com/office/drawing/2014/main" id="{8B7336B3-3C75-42EE-8231-FE65E3E4C482}"/>
+              </a:ext>
+            </a:extLst>
+          </p:cNvPr>
+          <p:cNvSpPr txBox="1"/>
+          <p:nvPr/>
+        </p:nvSpPr>
+        <p:spPr>
+          <a:xfrm>
+            <a:off x="5530464" y="852499"/>
+            <a:ext cx="5561413" cy="5047536"/>
+          </a:xfrm>
+          <a:prstGeom prst="rect">
+            <a:avLst/>
+          </a:prstGeom>
+          <a:noFill/>
+        </p:spPr>
+        <p:txBody>
+          <a:bodyPr wrap="square" rtlCol="0">
+            <a:spAutoFit/>
+          </a:bodyPr>
+          <a:lstStyle/>
+          <a:p>
+            <a:r>
+              <a:rPr lang="en-IN" sz="1400" b="1" u="sng">
+                <a:latin typeface="Roboto" panose="02000000000000000000" pitchFamily="2" charset="0"/>
+                <a:ea typeface="Roboto" panose="02000000000000000000" pitchFamily="2" charset="0"/>
+              </a:rPr>
+              <a:t>Summary:</a:t>
+            </a:r>
+          </a:p>
+          <a:p>
+            <a:endParaRPr lang="en-IN" sz="1400">
+              <a:latin typeface="Roboto" panose="02000000000000000000" pitchFamily="2" charset="0"/>
+              <a:ea typeface="Roboto" panose="02000000000000000000" pitchFamily="2" charset="0"/>
+            </a:endParaRPr>
+          </a:p>
+          <a:p>
+            <a:r>
+              <a:rPr lang="en-IN" sz="1400">
+                <a:latin typeface="Roboto" panose="02000000000000000000" pitchFamily="2" charset="0"/>
+                <a:ea typeface="Roboto" panose="02000000000000000000" pitchFamily="2" charset="0"/>
+              </a:rPr>
+              <a:t>5.1. We could use logout page template for 404 &amp; 500. Why?</a:t>
+            </a:r>
+          </a:p>
+          <a:p>
+            <a:r>
+              <a:rPr lang="en-IN" sz="1400">
+                <a:latin typeface="Roboto" panose="02000000000000000000" pitchFamily="2" charset="0"/>
+                <a:ea typeface="Roboto" panose="02000000000000000000" pitchFamily="2" charset="0"/>
+              </a:rPr>
+              <a:t>We want to avoid any further error that might arise from log check in sidebar.ejs. </a:t>
+            </a:r>
+          </a:p>
+          <a:p>
+            <a:endParaRPr lang="en-IN" sz="1400">
+              <a:latin typeface="Roboto" panose="02000000000000000000" pitchFamily="2" charset="0"/>
+              <a:ea typeface="Roboto" panose="02000000000000000000" pitchFamily="2" charset="0"/>
+            </a:endParaRPr>
+          </a:p>
+          <a:p>
+            <a:r>
+              <a:rPr lang="en-IN" sz="1400">
+                <a:latin typeface="Roboto" panose="02000000000000000000" pitchFamily="2" charset="0"/>
+                <a:ea typeface="Roboto" panose="02000000000000000000" pitchFamily="2" charset="0"/>
+              </a:rPr>
+              <a:t>5.2. During normal routing, we just render. But this error handling, we</a:t>
+            </a:r>
+          </a:p>
+          <a:p>
+            <a:r>
+              <a:rPr lang="en-IN" sz="1400">
+                <a:latin typeface="Roboto" panose="02000000000000000000" pitchFamily="2" charset="0"/>
+                <a:ea typeface="Roboto" panose="02000000000000000000" pitchFamily="2" charset="0"/>
+              </a:rPr>
+              <a:t>Need to inform client, the http status (which otherwise receive 200 for normal). So we set the status and send as follows</a:t>
+            </a:r>
+          </a:p>
+          <a:p>
+            <a:endParaRPr lang="en-IN" sz="1400">
+              <a:latin typeface="Roboto" panose="02000000000000000000" pitchFamily="2" charset="0"/>
+              <a:ea typeface="Roboto" panose="02000000000000000000" pitchFamily="2" charset="0"/>
+            </a:endParaRPr>
+          </a:p>
+          <a:p>
+            <a:r>
+              <a:rPr lang="en-IN" sz="1400">
+                <a:solidFill>
+                  <a:srgbClr val="3333CC"/>
+                </a:solidFill>
+                <a:latin typeface="Roboto" panose="02000000000000000000" pitchFamily="2" charset="0"/>
+                <a:ea typeface="Roboto" panose="02000000000000000000" pitchFamily="2" charset="0"/>
+              </a:rPr>
+              <a:t>Response.status(404).render(“404”); in app.js</a:t>
+            </a:r>
+          </a:p>
+          <a:p>
+            <a:endParaRPr lang="en-IN" sz="1400">
+              <a:solidFill>
+                <a:srgbClr val="3333CC"/>
+              </a:solidFill>
+              <a:latin typeface="Roboto" panose="02000000000000000000" pitchFamily="2" charset="0"/>
+              <a:ea typeface="Roboto" panose="02000000000000000000" pitchFamily="2" charset="0"/>
+            </a:endParaRPr>
+          </a:p>
+          <a:p>
+            <a:r>
+              <a:rPr lang="en-IN" sz="1400">
+                <a:solidFill>
+                  <a:srgbClr val="3333CC"/>
+                </a:solidFill>
+                <a:latin typeface="Roboto" panose="02000000000000000000" pitchFamily="2" charset="0"/>
+                <a:ea typeface="Roboto" panose="02000000000000000000" pitchFamily="2" charset="0"/>
+              </a:rPr>
+              <a:t>Response.status(500).render(“500”) in app.js &amp; error location</a:t>
+            </a:r>
+          </a:p>
+          <a:p>
+            <a:endParaRPr lang="en-IN" sz="1400">
+              <a:latin typeface="Roboto" panose="02000000000000000000" pitchFamily="2" charset="0"/>
+              <a:ea typeface="Roboto" panose="02000000000000000000" pitchFamily="2" charset="0"/>
+            </a:endParaRPr>
+          </a:p>
+          <a:p>
+            <a:r>
+              <a:rPr lang="en-IN" sz="1400">
+                <a:latin typeface="Roboto" panose="02000000000000000000" pitchFamily="2" charset="0"/>
+                <a:ea typeface="Roboto" panose="02000000000000000000" pitchFamily="2" charset="0"/>
+              </a:rPr>
+              <a:t>5.3. These routing in app.js should be placed as last of all routing. </a:t>
+            </a:r>
+          </a:p>
+          <a:p>
+            <a:endParaRPr lang="en-IN" sz="1400">
+              <a:latin typeface="Roboto" panose="02000000000000000000" pitchFamily="2" charset="0"/>
+              <a:ea typeface="Roboto" panose="02000000000000000000" pitchFamily="2" charset="0"/>
+            </a:endParaRPr>
+          </a:p>
+          <a:p>
+            <a:r>
+              <a:rPr lang="en-IN" sz="1400">
+                <a:latin typeface="Roboto" panose="02000000000000000000" pitchFamily="2" charset="0"/>
+                <a:ea typeface="Roboto" panose="02000000000000000000" pitchFamily="2" charset="0"/>
+              </a:rPr>
+              <a:t>5.4. For now for demo, </a:t>
+            </a:r>
+          </a:p>
+          <a:p>
+            <a:r>
+              <a:rPr lang="en-IN" sz="1400">
+                <a:latin typeface="Roboto" panose="02000000000000000000" pitchFamily="2" charset="0"/>
+                <a:ea typeface="Roboto" panose="02000000000000000000" pitchFamily="2" charset="0"/>
+              </a:rPr>
+              <a:t>	DB error for saving story : 500</a:t>
+            </a:r>
+          </a:p>
+          <a:p>
+            <a:r>
+              <a:rPr lang="en-IN" sz="1400">
+                <a:latin typeface="Roboto" panose="02000000000000000000" pitchFamily="2" charset="0"/>
+                <a:ea typeface="Roboto" panose="02000000000000000000" pitchFamily="2" charset="0"/>
+              </a:rPr>
+              <a:t>	DB connection: chalk</a:t>
+            </a:r>
+          </a:p>
+          <a:p>
+            <a:endParaRPr lang="en-IN" sz="1400">
+              <a:latin typeface="Roboto" panose="02000000000000000000" pitchFamily="2" charset="0"/>
+              <a:ea typeface="Roboto" panose="02000000000000000000" pitchFamily="2" charset="0"/>
+            </a:endParaRPr>
+          </a:p>
+          <a:p>
+            <a:r>
+              <a:rPr lang="en-IN" sz="1400">
+                <a:latin typeface="Roboto" panose="02000000000000000000" pitchFamily="2" charset="0"/>
+                <a:ea typeface="Roboto" panose="02000000000000000000" pitchFamily="2" charset="0"/>
+              </a:rPr>
+              <a:t>5.5. MongoDB using online cloud service. And then Heroku deployment.</a:t>
+            </a:r>
+          </a:p>
+        </p:txBody>
+      </p:sp>
+    </p:spTree>
+    <p:extLst>
+      <p:ext uri="{BB962C8B-B14F-4D97-AF65-F5344CB8AC3E}">
+        <p14:creationId xmlns:p14="http://schemas.microsoft.com/office/powerpoint/2010/main" val="658212983"/>
+      </p:ext>
+    </p:extLst>
+  </p:cSld>
+  <p:clrMapOvr>
+    <a:masterClrMapping/>
+  </p:clrMapOvr>
+</p:sld>
+</file>
+
+<file path=ppt/slides/slide31.xml><?xml version="1.0" encoding="utf-8"?>
+<p:sld xmlns:a="http://schemas.openxmlformats.org/drawingml/2006/main" xmlns:r="http://schemas.openxmlformats.org/officeDocument/2006/relationships" xmlns:p="http://schemas.openxmlformats.org/presentationml/2006/main">
+  <p:cSld>
+    <p:spTree>
+      <p:nvGrpSpPr>
+        <p:cNvPr id="1" name=""/>
+        <p:cNvGrpSpPr/>
+        <p:nvPr/>
+      </p:nvGrpSpPr>
+      <p:grpSpPr>
+        <a:xfrm>
+          <a:off x="0" y="0"/>
+          <a:ext cx="0" cy="0"/>
+          <a:chOff x="0" y="0"/>
+          <a:chExt cx="0" cy="0"/>
+        </a:xfrm>
+      </p:grpSpPr>
+      <p:sp>
+        <p:nvSpPr>
+          <p:cNvPr id="10" name="TextBox 9">
+            <a:extLst>
+              <a:ext uri="{FF2B5EF4-FFF2-40B4-BE49-F238E27FC236}">
+                <a16:creationId xmlns:a16="http://schemas.microsoft.com/office/drawing/2014/main" id="{06D9F812-F890-407A-8D26-9948CB987CF8}"/>
+              </a:ext>
+            </a:extLst>
+          </p:cNvPr>
+          <p:cNvSpPr txBox="1"/>
+          <p:nvPr/>
+        </p:nvSpPr>
+        <p:spPr>
+          <a:xfrm>
+            <a:off x="155809" y="30475"/>
+            <a:ext cx="1517812" cy="523220"/>
+          </a:xfrm>
+          <a:prstGeom prst="rect">
+            <a:avLst/>
+          </a:prstGeom>
+          <a:solidFill>
+            <a:srgbClr val="FFFF00"/>
+          </a:solidFill>
+        </p:spPr>
+        <p:txBody>
+          <a:bodyPr wrap="square" rtlCol="0">
+            <a:spAutoFit/>
+          </a:bodyPr>
+          <a:lstStyle/>
+          <a:p>
+            <a:r>
+              <a:rPr lang="en-IN" sz="2800" u="sng">
+                <a:latin typeface="Roboto" panose="02000000000000000000" pitchFamily="2" charset="0"/>
+                <a:ea typeface="Roboto" panose="02000000000000000000" pitchFamily="2" charset="0"/>
+              </a:rPr>
+              <a:t>Phase 5</a:t>
+            </a:r>
+          </a:p>
+        </p:txBody>
+      </p:sp>
+      <p:sp>
+        <p:nvSpPr>
+          <p:cNvPr id="12" name="TextBox 11">
+            <a:extLst>
+              <a:ext uri="{FF2B5EF4-FFF2-40B4-BE49-F238E27FC236}">
+                <a16:creationId xmlns:a16="http://schemas.microsoft.com/office/drawing/2014/main" id="{8B7336B3-3C75-42EE-8231-FE65E3E4C482}"/>
+              </a:ext>
+            </a:extLst>
+          </p:cNvPr>
+          <p:cNvSpPr txBox="1"/>
+          <p:nvPr/>
+        </p:nvSpPr>
+        <p:spPr>
+          <a:xfrm>
+            <a:off x="265737" y="861735"/>
+            <a:ext cx="5561413" cy="4401205"/>
+          </a:xfrm>
+          <a:prstGeom prst="rect">
+            <a:avLst/>
+          </a:prstGeom>
+          <a:noFill/>
+        </p:spPr>
+        <p:txBody>
+          <a:bodyPr wrap="square" rtlCol="0">
+            <a:spAutoFit/>
+          </a:bodyPr>
+          <a:lstStyle/>
+          <a:p>
+            <a:r>
+              <a:rPr lang="en-IN" sz="1400" b="1" u="sng">
+                <a:latin typeface="Roboto" panose="02000000000000000000" pitchFamily="2" charset="0"/>
+                <a:ea typeface="Roboto" panose="02000000000000000000" pitchFamily="2" charset="0"/>
+              </a:rPr>
+              <a:t>Summary:</a:t>
+            </a:r>
+          </a:p>
+          <a:p>
+            <a:endParaRPr lang="en-IN" sz="1400">
+              <a:latin typeface="Roboto" panose="02000000000000000000" pitchFamily="2" charset="0"/>
+              <a:ea typeface="Roboto" panose="02000000000000000000" pitchFamily="2" charset="0"/>
+            </a:endParaRPr>
+          </a:p>
+          <a:p>
+            <a:r>
+              <a:rPr lang="en-IN" sz="1400">
+                <a:latin typeface="Roboto" panose="02000000000000000000" pitchFamily="2" charset="0"/>
+                <a:ea typeface="Roboto" panose="02000000000000000000" pitchFamily="2" charset="0"/>
+              </a:rPr>
+              <a:t>5.1. We could use logout page template for 404 &amp; 500. Why?</a:t>
+            </a:r>
+          </a:p>
+          <a:p>
+            <a:r>
+              <a:rPr lang="en-IN" sz="1400">
+                <a:latin typeface="Roboto" panose="02000000000000000000" pitchFamily="2" charset="0"/>
+                <a:ea typeface="Roboto" panose="02000000000000000000" pitchFamily="2" charset="0"/>
+              </a:rPr>
+              <a:t>We want to avoid any further error that might arise from log check in sidebar.ejs. </a:t>
+            </a:r>
+          </a:p>
+          <a:p>
+            <a:endParaRPr lang="en-IN" sz="1400">
+              <a:latin typeface="Roboto" panose="02000000000000000000" pitchFamily="2" charset="0"/>
+              <a:ea typeface="Roboto" panose="02000000000000000000" pitchFamily="2" charset="0"/>
+            </a:endParaRPr>
+          </a:p>
+          <a:p>
+            <a:r>
+              <a:rPr lang="en-IN" sz="1400">
+                <a:latin typeface="Roboto" panose="02000000000000000000" pitchFamily="2" charset="0"/>
+                <a:ea typeface="Roboto" panose="02000000000000000000" pitchFamily="2" charset="0"/>
+              </a:rPr>
+              <a:t>5.2. During normal routing, we just render. But this error handling, we</a:t>
+            </a:r>
+          </a:p>
+          <a:p>
+            <a:r>
+              <a:rPr lang="en-IN" sz="1400">
+                <a:latin typeface="Roboto" panose="02000000000000000000" pitchFamily="2" charset="0"/>
+                <a:ea typeface="Roboto" panose="02000000000000000000" pitchFamily="2" charset="0"/>
+              </a:rPr>
+              <a:t>Need to inform client, the http status (which otherwise receive 200 for normal). So we set the status and send as follows</a:t>
+            </a:r>
+          </a:p>
+          <a:p>
+            <a:endParaRPr lang="en-IN" sz="1400">
+              <a:latin typeface="Roboto" panose="02000000000000000000" pitchFamily="2" charset="0"/>
+              <a:ea typeface="Roboto" panose="02000000000000000000" pitchFamily="2" charset="0"/>
+            </a:endParaRPr>
+          </a:p>
+          <a:p>
+            <a:r>
+              <a:rPr lang="en-IN" sz="1400">
+                <a:solidFill>
+                  <a:srgbClr val="3333CC"/>
+                </a:solidFill>
+                <a:latin typeface="Roboto" panose="02000000000000000000" pitchFamily="2" charset="0"/>
+                <a:ea typeface="Roboto" panose="02000000000000000000" pitchFamily="2" charset="0"/>
+              </a:rPr>
+              <a:t>Response.status(404).render(“404”); in app.js</a:t>
+            </a:r>
+          </a:p>
+          <a:p>
+            <a:endParaRPr lang="en-IN" sz="1400">
+              <a:solidFill>
+                <a:srgbClr val="3333CC"/>
+              </a:solidFill>
+              <a:latin typeface="Roboto" panose="02000000000000000000" pitchFamily="2" charset="0"/>
+              <a:ea typeface="Roboto" panose="02000000000000000000" pitchFamily="2" charset="0"/>
+            </a:endParaRPr>
+          </a:p>
+          <a:p>
+            <a:r>
+              <a:rPr lang="en-IN" sz="1400">
+                <a:solidFill>
+                  <a:srgbClr val="3333CC"/>
+                </a:solidFill>
+                <a:latin typeface="Roboto" panose="02000000000000000000" pitchFamily="2" charset="0"/>
+                <a:ea typeface="Roboto" panose="02000000000000000000" pitchFamily="2" charset="0"/>
+              </a:rPr>
+              <a:t>Response.status(500).render(“500”) in app.js &amp; error location</a:t>
+            </a:r>
+          </a:p>
+          <a:p>
+            <a:endParaRPr lang="en-IN" sz="1400">
+              <a:latin typeface="Roboto" panose="02000000000000000000" pitchFamily="2" charset="0"/>
+              <a:ea typeface="Roboto" panose="02000000000000000000" pitchFamily="2" charset="0"/>
+            </a:endParaRPr>
+          </a:p>
+          <a:p>
+            <a:r>
+              <a:rPr lang="en-IN" sz="1400">
+                <a:latin typeface="Roboto" panose="02000000000000000000" pitchFamily="2" charset="0"/>
+                <a:ea typeface="Roboto" panose="02000000000000000000" pitchFamily="2" charset="0"/>
+              </a:rPr>
+              <a:t>5.3. These routing in app.js should be placed as last of all routing. </a:t>
+            </a:r>
+          </a:p>
+          <a:p>
+            <a:endParaRPr lang="en-IN" sz="1400">
+              <a:latin typeface="Roboto" panose="02000000000000000000" pitchFamily="2" charset="0"/>
+              <a:ea typeface="Roboto" panose="02000000000000000000" pitchFamily="2" charset="0"/>
+            </a:endParaRPr>
+          </a:p>
+          <a:p>
+            <a:r>
+              <a:rPr lang="en-IN" sz="1400">
+                <a:latin typeface="Roboto" panose="02000000000000000000" pitchFamily="2" charset="0"/>
+                <a:ea typeface="Roboto" panose="02000000000000000000" pitchFamily="2" charset="0"/>
+              </a:rPr>
+              <a:t>5.4. For now for demo, </a:t>
+            </a:r>
+          </a:p>
+          <a:p>
+            <a:r>
+              <a:rPr lang="en-IN" sz="1400">
+                <a:latin typeface="Roboto" panose="02000000000000000000" pitchFamily="2" charset="0"/>
+                <a:ea typeface="Roboto" panose="02000000000000000000" pitchFamily="2" charset="0"/>
+              </a:rPr>
+              <a:t>	DB error for saving story : 500</a:t>
+            </a:r>
+          </a:p>
+          <a:p>
+            <a:r>
+              <a:rPr lang="en-IN" sz="1400">
+                <a:latin typeface="Roboto" panose="02000000000000000000" pitchFamily="2" charset="0"/>
+                <a:ea typeface="Roboto" panose="02000000000000000000" pitchFamily="2" charset="0"/>
+              </a:rPr>
+              <a:t>	DB connection: chalk</a:t>
+            </a:r>
+          </a:p>
+        </p:txBody>
+      </p:sp>
+      <p:pic>
+        <p:nvPicPr>
+          <p:cNvPr id="14" name="Picture 13">
+            <a:extLst>
+              <a:ext uri="{FF2B5EF4-FFF2-40B4-BE49-F238E27FC236}">
+                <a16:creationId xmlns:a16="http://schemas.microsoft.com/office/drawing/2014/main" id="{58D044C8-F58D-42E2-801C-1DE0B45B2406}"/>
+              </a:ext>
+            </a:extLst>
+          </p:cNvPr>
+          <p:cNvPicPr>
+            <a:picLocks noChangeAspect="1"/>
+          </p:cNvPicPr>
+          <p:nvPr/>
+        </p:nvPicPr>
+        <p:blipFill>
+          <a:blip r:embed="rId2">
+            <a:extLst>
+              <a:ext uri="{28A0092B-C50C-407E-A947-70E740481C1C}">
+                <a14:useLocalDpi xmlns:a14="http://schemas.microsoft.com/office/drawing/2010/main" val="0"/>
+              </a:ext>
+            </a:extLst>
+          </a:blip>
+          <a:stretch>
+            <a:fillRect/>
+          </a:stretch>
+        </p:blipFill>
+        <p:spPr>
+          <a:xfrm>
+            <a:off x="6235666" y="1184919"/>
+            <a:ext cx="3130006" cy="2880934"/>
+          </a:xfrm>
+          <a:prstGeom prst="rect">
+            <a:avLst/>
+          </a:prstGeom>
+        </p:spPr>
+      </p:pic>
+      <p:sp>
+        <p:nvSpPr>
+          <p:cNvPr id="16" name="TextBox 15">
+            <a:extLst>
+              <a:ext uri="{FF2B5EF4-FFF2-40B4-BE49-F238E27FC236}">
+                <a16:creationId xmlns:a16="http://schemas.microsoft.com/office/drawing/2014/main" id="{BD2573AA-6DBB-40C3-925D-1F699F35C8D0}"/>
+              </a:ext>
+            </a:extLst>
+          </p:cNvPr>
+          <p:cNvSpPr txBox="1"/>
+          <p:nvPr/>
+        </p:nvSpPr>
+        <p:spPr>
+          <a:xfrm>
+            <a:off x="6169891" y="864658"/>
+            <a:ext cx="766557" cy="338554"/>
+          </a:xfrm>
+          <a:prstGeom prst="rect">
+            <a:avLst/>
+          </a:prstGeom>
+          <a:noFill/>
+        </p:spPr>
+        <p:txBody>
+          <a:bodyPr wrap="none" rtlCol="0">
+            <a:spAutoFit/>
+          </a:bodyPr>
+          <a:lstStyle/>
+          <a:p>
+            <a:r>
+              <a:rPr lang="en-IN" sz="1600">
+                <a:latin typeface="Roboto" panose="02000000000000000000" pitchFamily="2" charset="0"/>
+                <a:ea typeface="Roboto" panose="02000000000000000000" pitchFamily="2" charset="0"/>
+              </a:rPr>
+              <a:t>App.js</a:t>
+            </a:r>
+          </a:p>
+        </p:txBody>
+      </p:sp>
+      <p:sp>
+        <p:nvSpPr>
+          <p:cNvPr id="18" name="TextBox 17">
+            <a:extLst>
+              <a:ext uri="{FF2B5EF4-FFF2-40B4-BE49-F238E27FC236}">
+                <a16:creationId xmlns:a16="http://schemas.microsoft.com/office/drawing/2014/main" id="{3D4724AB-F100-48D2-BECB-3296465AF5B0}"/>
+              </a:ext>
+            </a:extLst>
+          </p:cNvPr>
+          <p:cNvSpPr txBox="1"/>
+          <p:nvPr/>
+        </p:nvSpPr>
+        <p:spPr>
+          <a:xfrm>
+            <a:off x="10015268" y="846365"/>
+            <a:ext cx="949299" cy="338554"/>
+          </a:xfrm>
+          <a:prstGeom prst="rect">
+            <a:avLst/>
+          </a:prstGeom>
+          <a:noFill/>
+        </p:spPr>
+        <p:txBody>
+          <a:bodyPr wrap="none" rtlCol="0">
+            <a:spAutoFit/>
+          </a:bodyPr>
+          <a:lstStyle/>
+          <a:p>
+            <a:r>
+              <a:rPr lang="en-IN" sz="1600">
+                <a:latin typeface="Roboto" panose="02000000000000000000" pitchFamily="2" charset="0"/>
+                <a:ea typeface="Roboto" panose="02000000000000000000" pitchFamily="2" charset="0"/>
+              </a:rPr>
+              <a:t>Route.js</a:t>
+            </a:r>
+          </a:p>
+        </p:txBody>
+      </p:sp>
+      <p:pic>
+        <p:nvPicPr>
+          <p:cNvPr id="20" name="Picture 19">
+            <a:extLst>
+              <a:ext uri="{FF2B5EF4-FFF2-40B4-BE49-F238E27FC236}">
+                <a16:creationId xmlns:a16="http://schemas.microsoft.com/office/drawing/2014/main" id="{1EA194B2-01EA-4BDC-AF18-BA11ABF953AF}"/>
+              </a:ext>
+            </a:extLst>
+          </p:cNvPr>
+          <p:cNvPicPr>
+            <a:picLocks noChangeAspect="1"/>
+          </p:cNvPicPr>
+          <p:nvPr/>
+        </p:nvPicPr>
+        <p:blipFill rotWithShape="1">
+          <a:blip r:embed="rId3">
+            <a:extLst>
+              <a:ext uri="{28A0092B-C50C-407E-A947-70E740481C1C}">
+                <a14:useLocalDpi xmlns:a14="http://schemas.microsoft.com/office/drawing/2010/main" val="0"/>
+              </a:ext>
+            </a:extLst>
+          </a:blip>
+          <a:srcRect r="40062"/>
+          <a:stretch/>
+        </p:blipFill>
+        <p:spPr>
+          <a:xfrm>
+            <a:off x="10015268" y="1203212"/>
+            <a:ext cx="3910798" cy="2862641"/>
+          </a:xfrm>
+          <a:prstGeom prst="rect">
+            <a:avLst/>
+          </a:prstGeom>
+        </p:spPr>
+      </p:pic>
+      <p:sp>
+        <p:nvSpPr>
+          <p:cNvPr id="21" name="Rectangle 20">
+            <a:extLst>
+              <a:ext uri="{FF2B5EF4-FFF2-40B4-BE49-F238E27FC236}">
+                <a16:creationId xmlns:a16="http://schemas.microsoft.com/office/drawing/2014/main" id="{9A338132-A494-4A48-909B-3D7F2C3A9C3C}"/>
+              </a:ext>
+            </a:extLst>
+          </p:cNvPr>
+          <p:cNvSpPr/>
+          <p:nvPr/>
+        </p:nvSpPr>
+        <p:spPr>
+          <a:xfrm>
+            <a:off x="10854058" y="2442407"/>
+            <a:ext cx="1439542" cy="328501"/>
+          </a:xfrm>
+          <a:prstGeom prst="rect">
+            <a:avLst/>
+          </a:prstGeom>
+          <a:solidFill>
+            <a:srgbClr val="FFFF00">
+              <a:alpha val="25000"/>
+            </a:srgbClr>
+          </a:solidFill>
+          <a:ln>
+            <a:noFill/>
+          </a:ln>
+        </p:spPr>
+        <p:style>
+          <a:lnRef idx="2">
+            <a:schemeClr val="accent1">
+              <a:shade val="50000"/>
+            </a:schemeClr>
+          </a:lnRef>
+          <a:fillRef idx="1">
+            <a:schemeClr val="accent1"/>
+          </a:fillRef>
+          <a:effectRef idx="0">
+            <a:schemeClr val="accent1"/>
+          </a:effectRef>
+          <a:fontRef idx="minor">
+            <a:schemeClr val="lt1"/>
+          </a:fontRef>
+        </p:style>
+        <p:txBody>
+          <a:bodyPr rtlCol="0" anchor="ctr"/>
+          <a:lstStyle/>
+          <a:p>
+            <a:pPr algn="ctr"/>
+            <a:endParaRPr lang="en-IN"/>
+          </a:p>
+        </p:txBody>
+      </p:sp>
+      <p:sp>
+        <p:nvSpPr>
+          <p:cNvPr id="22" name="Rectangle 21">
+            <a:extLst>
+              <a:ext uri="{FF2B5EF4-FFF2-40B4-BE49-F238E27FC236}">
+                <a16:creationId xmlns:a16="http://schemas.microsoft.com/office/drawing/2014/main" id="{E11A342A-E06C-4FFF-8711-CC19EF828EB6}"/>
+              </a:ext>
+            </a:extLst>
+          </p:cNvPr>
+          <p:cNvSpPr/>
+          <p:nvPr/>
+        </p:nvSpPr>
+        <p:spPr>
+          <a:xfrm>
+            <a:off x="6757731" y="3342953"/>
+            <a:ext cx="1536524" cy="370065"/>
+          </a:xfrm>
+          <a:prstGeom prst="rect">
+            <a:avLst/>
+          </a:prstGeom>
+          <a:solidFill>
+            <a:srgbClr val="FFFF00">
+              <a:alpha val="25000"/>
+            </a:srgbClr>
+          </a:solidFill>
+          <a:ln>
+            <a:noFill/>
+          </a:ln>
+        </p:spPr>
+        <p:style>
+          <a:lnRef idx="2">
+            <a:schemeClr val="accent1">
+              <a:shade val="50000"/>
+            </a:schemeClr>
+          </a:lnRef>
+          <a:fillRef idx="1">
+            <a:schemeClr val="accent1"/>
+          </a:fillRef>
+          <a:effectRef idx="0">
+            <a:schemeClr val="accent1"/>
+          </a:effectRef>
+          <a:fontRef idx="minor">
+            <a:schemeClr val="lt1"/>
+          </a:fontRef>
+        </p:style>
+        <p:txBody>
+          <a:bodyPr rtlCol="0" anchor="ctr"/>
+          <a:lstStyle/>
+          <a:p>
+            <a:pPr algn="ctr"/>
+            <a:endParaRPr lang="en-IN"/>
+          </a:p>
+        </p:txBody>
+      </p:sp>
+      <p:sp>
+        <p:nvSpPr>
+          <p:cNvPr id="23" name="Rectangle 22">
+            <a:extLst>
+              <a:ext uri="{FF2B5EF4-FFF2-40B4-BE49-F238E27FC236}">
+                <a16:creationId xmlns:a16="http://schemas.microsoft.com/office/drawing/2014/main" id="{925F8846-4685-4AC0-AB6D-2C81DF963165}"/>
+              </a:ext>
+            </a:extLst>
+          </p:cNvPr>
+          <p:cNvSpPr/>
+          <p:nvPr/>
+        </p:nvSpPr>
+        <p:spPr>
+          <a:xfrm>
+            <a:off x="6757731" y="2072342"/>
+            <a:ext cx="1536524" cy="370065"/>
+          </a:xfrm>
+          <a:prstGeom prst="rect">
+            <a:avLst/>
+          </a:prstGeom>
+          <a:solidFill>
+            <a:srgbClr val="FFFF00">
+              <a:alpha val="25000"/>
+            </a:srgbClr>
+          </a:solidFill>
+          <a:ln>
+            <a:noFill/>
+          </a:ln>
+        </p:spPr>
+        <p:style>
+          <a:lnRef idx="2">
+            <a:schemeClr val="accent1">
+              <a:shade val="50000"/>
+            </a:schemeClr>
+          </a:lnRef>
+          <a:fillRef idx="1">
+            <a:schemeClr val="accent1"/>
+          </a:fillRef>
+          <a:effectRef idx="0">
+            <a:schemeClr val="accent1"/>
+          </a:effectRef>
+          <a:fontRef idx="minor">
+            <a:schemeClr val="lt1"/>
+          </a:fontRef>
+        </p:style>
+        <p:txBody>
+          <a:bodyPr rtlCol="0" anchor="ctr"/>
+          <a:lstStyle/>
+          <a:p>
+            <a:pPr algn="ctr"/>
+            <a:endParaRPr lang="en-IN"/>
+          </a:p>
+        </p:txBody>
+      </p:sp>
+      <p:sp>
+        <p:nvSpPr>
+          <p:cNvPr id="24" name="TextBox 23">
+            <a:extLst>
+              <a:ext uri="{FF2B5EF4-FFF2-40B4-BE49-F238E27FC236}">
+                <a16:creationId xmlns:a16="http://schemas.microsoft.com/office/drawing/2014/main" id="{D004FC7B-09D6-45F8-83C7-65510F46DFFD}"/>
+              </a:ext>
+            </a:extLst>
+          </p:cNvPr>
+          <p:cNvSpPr txBox="1"/>
+          <p:nvPr/>
+        </p:nvSpPr>
+        <p:spPr>
+          <a:xfrm>
+            <a:off x="10125450" y="4232844"/>
+            <a:ext cx="3690434" cy="738664"/>
+          </a:xfrm>
+          <a:prstGeom prst="rect">
+            <a:avLst/>
+          </a:prstGeom>
+          <a:noFill/>
+        </p:spPr>
+        <p:txBody>
+          <a:bodyPr wrap="none" rtlCol="0">
+            <a:spAutoFit/>
+          </a:bodyPr>
+          <a:lstStyle/>
+          <a:p>
+            <a:r>
+              <a:rPr lang="en-IN" sz="1400" b="1">
+                <a:latin typeface="Roboto" panose="02000000000000000000" pitchFamily="2" charset="0"/>
+                <a:ea typeface="Roboto" panose="02000000000000000000" pitchFamily="2" charset="0"/>
+              </a:rPr>
+              <a:t>Note</a:t>
+            </a:r>
+            <a:r>
+              <a:rPr lang="en-IN" sz="1400">
+                <a:latin typeface="Roboto" panose="02000000000000000000" pitchFamily="2" charset="0"/>
+                <a:ea typeface="Roboto" panose="02000000000000000000" pitchFamily="2" charset="0"/>
+              </a:rPr>
+              <a:t>: As per tutorial we have to send(500)</a:t>
+            </a:r>
+          </a:p>
+          <a:p>
+            <a:r>
+              <a:rPr lang="en-IN" sz="1400">
+                <a:latin typeface="Roboto" panose="02000000000000000000" pitchFamily="2" charset="0"/>
+                <a:ea typeface="Roboto" panose="02000000000000000000" pitchFamily="2" charset="0"/>
+              </a:rPr>
+              <a:t>Instead of render() as above  which atm</a:t>
+            </a:r>
+          </a:p>
+          <a:p>
+            <a:r>
+              <a:rPr lang="en-IN" sz="1400">
+                <a:latin typeface="Roboto" panose="02000000000000000000" pitchFamily="2" charset="0"/>
+                <a:ea typeface="Roboto" panose="02000000000000000000" pitchFamily="2" charset="0"/>
+              </a:rPr>
+              <a:t>Raised as a query. Awaiting edureka’s reply</a:t>
+            </a:r>
+          </a:p>
+        </p:txBody>
+      </p:sp>
+    </p:spTree>
+    <p:extLst>
+      <p:ext uri="{BB962C8B-B14F-4D97-AF65-F5344CB8AC3E}">
+        <p14:creationId xmlns:p14="http://schemas.microsoft.com/office/powerpoint/2010/main" val="1906766288"/>
+      </p:ext>
+    </p:extLst>
+  </p:cSld>
+  <p:clrMapOvr>
+    <a:masterClrMapping/>
+  </p:clrMapOvr>
+</p:sld>
+</file>
+
+<file path=ppt/slides/slide32.xml><?xml version="1.0" encoding="utf-8"?>
+<p:sld xmlns:a="http://schemas.openxmlformats.org/drawingml/2006/main" xmlns:r="http://schemas.openxmlformats.org/officeDocument/2006/relationships" xmlns:p="http://schemas.openxmlformats.org/presentationml/2006/main">
+  <p:cSld>
+    <p:spTree>
+      <p:nvGrpSpPr>
+        <p:cNvPr id="1" name=""/>
+        <p:cNvGrpSpPr/>
+        <p:nvPr/>
+      </p:nvGrpSpPr>
+      <p:grpSpPr>
+        <a:xfrm>
+          <a:off x="0" y="0"/>
+          <a:ext cx="0" cy="0"/>
+          <a:chOff x="0" y="0"/>
+          <a:chExt cx="0" cy="0"/>
+        </a:xfrm>
+      </p:grpSpPr>
+      <p:sp>
+        <p:nvSpPr>
+          <p:cNvPr id="10" name="TextBox 9">
+            <a:extLst>
+              <a:ext uri="{FF2B5EF4-FFF2-40B4-BE49-F238E27FC236}">
+                <a16:creationId xmlns:a16="http://schemas.microsoft.com/office/drawing/2014/main" id="{06D9F812-F890-407A-8D26-9948CB987CF8}"/>
+              </a:ext>
+            </a:extLst>
+          </p:cNvPr>
+          <p:cNvSpPr txBox="1"/>
+          <p:nvPr/>
+        </p:nvSpPr>
+        <p:spPr>
+          <a:xfrm>
+            <a:off x="155809" y="30475"/>
+            <a:ext cx="1517812" cy="523220"/>
+          </a:xfrm>
+          <a:prstGeom prst="rect">
+            <a:avLst/>
+          </a:prstGeom>
+          <a:solidFill>
+            <a:srgbClr val="FFFF00"/>
+          </a:solidFill>
+        </p:spPr>
+        <p:txBody>
+          <a:bodyPr wrap="square" rtlCol="0">
+            <a:spAutoFit/>
+          </a:bodyPr>
+          <a:lstStyle/>
+          <a:p>
+            <a:r>
+              <a:rPr lang="en-IN" sz="2800" u="sng">
+                <a:latin typeface="Roboto" panose="02000000000000000000" pitchFamily="2" charset="0"/>
+                <a:ea typeface="Roboto" panose="02000000000000000000" pitchFamily="2" charset="0"/>
+              </a:rPr>
+              <a:t>Phase 5</a:t>
+            </a:r>
+          </a:p>
+        </p:txBody>
+      </p:sp>
+      <p:pic>
+        <p:nvPicPr>
+          <p:cNvPr id="3" name="Picture 2">
+            <a:extLst>
+              <a:ext uri="{FF2B5EF4-FFF2-40B4-BE49-F238E27FC236}">
+                <a16:creationId xmlns:a16="http://schemas.microsoft.com/office/drawing/2014/main" id="{A6C5ECE8-ACBC-4B77-A9BA-6B958B011A1A}"/>
+              </a:ext>
+            </a:extLst>
+          </p:cNvPr>
+          <p:cNvPicPr>
+            <a:picLocks noChangeAspect="1"/>
+          </p:cNvPicPr>
+          <p:nvPr/>
+        </p:nvPicPr>
+        <p:blipFill>
+          <a:blip r:embed="rId2">
+            <a:extLst>
+              <a:ext uri="{28A0092B-C50C-407E-A947-70E740481C1C}">
+                <a14:useLocalDpi xmlns:a14="http://schemas.microsoft.com/office/drawing/2010/main" val="0"/>
+              </a:ext>
+            </a:extLst>
+          </a:blip>
+          <a:stretch>
+            <a:fillRect/>
+          </a:stretch>
+        </p:blipFill>
+        <p:spPr>
+          <a:xfrm>
+            <a:off x="295563" y="1080940"/>
+            <a:ext cx="5477164" cy="5523806"/>
+          </a:xfrm>
+          <a:prstGeom prst="rect">
+            <a:avLst/>
+          </a:prstGeom>
+        </p:spPr>
+      </p:pic>
+      <p:sp>
+        <p:nvSpPr>
+          <p:cNvPr id="15" name="TextBox 14">
+            <a:extLst>
+              <a:ext uri="{FF2B5EF4-FFF2-40B4-BE49-F238E27FC236}">
+                <a16:creationId xmlns:a16="http://schemas.microsoft.com/office/drawing/2014/main" id="{949A3751-456C-42BD-A6DA-A79ADE04C8B6}"/>
+              </a:ext>
+            </a:extLst>
+          </p:cNvPr>
+          <p:cNvSpPr txBox="1"/>
+          <p:nvPr/>
+        </p:nvSpPr>
+        <p:spPr>
+          <a:xfrm>
+            <a:off x="295563" y="742386"/>
+            <a:ext cx="3259226" cy="338554"/>
+          </a:xfrm>
+          <a:prstGeom prst="rect">
+            <a:avLst/>
+          </a:prstGeom>
+          <a:noFill/>
+        </p:spPr>
+        <p:txBody>
+          <a:bodyPr wrap="none" rtlCol="0">
+            <a:spAutoFit/>
+          </a:bodyPr>
+          <a:lstStyle/>
+          <a:p>
+            <a:r>
+              <a:rPr lang="en-IN" sz="1600">
+                <a:latin typeface="Roboto" panose="02000000000000000000" pitchFamily="2" charset="0"/>
+                <a:ea typeface="Roboto" panose="02000000000000000000" pitchFamily="2" charset="0"/>
+              </a:rPr>
+              <a:t>404.Ejs (and similarly for 500.ejs)</a:t>
+            </a:r>
+          </a:p>
+        </p:txBody>
+      </p:sp>
+      <p:pic>
+        <p:nvPicPr>
+          <p:cNvPr id="5" name="Picture 4">
+            <a:extLst>
+              <a:ext uri="{FF2B5EF4-FFF2-40B4-BE49-F238E27FC236}">
+                <a16:creationId xmlns:a16="http://schemas.microsoft.com/office/drawing/2014/main" id="{79453244-9D6F-47D2-885D-0630F313869A}"/>
+              </a:ext>
+            </a:extLst>
+          </p:cNvPr>
+          <p:cNvPicPr>
+            <a:picLocks noChangeAspect="1"/>
+          </p:cNvPicPr>
+          <p:nvPr/>
+        </p:nvPicPr>
+        <p:blipFill>
+          <a:blip r:embed="rId3">
+            <a:extLst>
+              <a:ext uri="{28A0092B-C50C-407E-A947-70E740481C1C}">
+                <a14:useLocalDpi xmlns:a14="http://schemas.microsoft.com/office/drawing/2010/main" val="0"/>
+              </a:ext>
+            </a:extLst>
+          </a:blip>
+          <a:stretch>
+            <a:fillRect/>
+          </a:stretch>
+        </p:blipFill>
+        <p:spPr>
+          <a:xfrm>
+            <a:off x="7808867" y="553695"/>
+            <a:ext cx="3782769" cy="4067560"/>
+          </a:xfrm>
+          <a:prstGeom prst="rect">
+            <a:avLst/>
+          </a:prstGeom>
+        </p:spPr>
+      </p:pic>
+      <p:sp>
+        <p:nvSpPr>
+          <p:cNvPr id="17" name="TextBox 16">
+            <a:extLst>
+              <a:ext uri="{FF2B5EF4-FFF2-40B4-BE49-F238E27FC236}">
+                <a16:creationId xmlns:a16="http://schemas.microsoft.com/office/drawing/2014/main" id="{7D52D9B6-CCD7-4CA6-AED2-16DF750433BB}"/>
+              </a:ext>
+            </a:extLst>
+          </p:cNvPr>
+          <p:cNvSpPr txBox="1"/>
+          <p:nvPr/>
+        </p:nvSpPr>
+        <p:spPr>
+          <a:xfrm>
+            <a:off x="7624618" y="215141"/>
+            <a:ext cx="4161717" cy="338554"/>
+          </a:xfrm>
+          <a:prstGeom prst="rect">
+            <a:avLst/>
+          </a:prstGeom>
+          <a:noFill/>
+        </p:spPr>
+        <p:txBody>
+          <a:bodyPr wrap="none" rtlCol="0">
+            <a:spAutoFit/>
+          </a:bodyPr>
+          <a:lstStyle/>
+          <a:p>
+            <a:r>
+              <a:rPr lang="en-IN" sz="1600">
+                <a:latin typeface="Roboto" panose="02000000000000000000" pitchFamily="2" charset="0"/>
+                <a:ea typeface="Roboto" panose="02000000000000000000" pitchFamily="2" charset="0"/>
+              </a:rPr>
+              <a:t>Using chalk in db.js (very straight forward)</a:t>
+            </a:r>
+          </a:p>
+        </p:txBody>
+      </p:sp>
+      <p:sp>
+        <p:nvSpPr>
+          <p:cNvPr id="19" name="Rectangle 18">
+            <a:extLst>
+              <a:ext uri="{FF2B5EF4-FFF2-40B4-BE49-F238E27FC236}">
+                <a16:creationId xmlns:a16="http://schemas.microsoft.com/office/drawing/2014/main" id="{F15B1B56-71D8-4CA9-B790-2BAEAF776AA7}"/>
+              </a:ext>
+            </a:extLst>
+          </p:cNvPr>
+          <p:cNvSpPr/>
+          <p:nvPr/>
+        </p:nvSpPr>
+        <p:spPr>
+          <a:xfrm>
+            <a:off x="7808867" y="727998"/>
+            <a:ext cx="1439542" cy="164251"/>
+          </a:xfrm>
+          <a:prstGeom prst="rect">
+            <a:avLst/>
+          </a:prstGeom>
+          <a:solidFill>
+            <a:srgbClr val="FFFF00">
+              <a:alpha val="25000"/>
+            </a:srgbClr>
+          </a:solidFill>
+          <a:ln>
+            <a:noFill/>
+          </a:ln>
+        </p:spPr>
+        <p:style>
+          <a:lnRef idx="2">
+            <a:schemeClr val="accent1">
+              <a:shade val="50000"/>
+            </a:schemeClr>
+          </a:lnRef>
+          <a:fillRef idx="1">
+            <a:schemeClr val="accent1"/>
+          </a:fillRef>
+          <a:effectRef idx="0">
+            <a:schemeClr val="accent1"/>
+          </a:effectRef>
+          <a:fontRef idx="minor">
+            <a:schemeClr val="lt1"/>
+          </a:fontRef>
+        </p:style>
+        <p:txBody>
+          <a:bodyPr rtlCol="0" anchor="ctr"/>
+          <a:lstStyle/>
+          <a:p>
+            <a:pPr algn="ctr"/>
+            <a:endParaRPr lang="en-IN"/>
+          </a:p>
+        </p:txBody>
+      </p:sp>
+      <p:sp>
+        <p:nvSpPr>
+          <p:cNvPr id="25" name="Rectangle 24">
+            <a:extLst>
+              <a:ext uri="{FF2B5EF4-FFF2-40B4-BE49-F238E27FC236}">
+                <a16:creationId xmlns:a16="http://schemas.microsoft.com/office/drawing/2014/main" id="{F798FF56-F0AB-4E2A-B92E-84D042164B1E}"/>
+              </a:ext>
+            </a:extLst>
+          </p:cNvPr>
+          <p:cNvSpPr/>
+          <p:nvPr/>
+        </p:nvSpPr>
+        <p:spPr>
+          <a:xfrm>
+            <a:off x="8783783" y="2438018"/>
+            <a:ext cx="665018" cy="185109"/>
+          </a:xfrm>
+          <a:prstGeom prst="rect">
+            <a:avLst/>
+          </a:prstGeom>
+          <a:solidFill>
+            <a:srgbClr val="FFFF00">
+              <a:alpha val="25000"/>
+            </a:srgbClr>
+          </a:solidFill>
+          <a:ln>
+            <a:noFill/>
+          </a:ln>
+        </p:spPr>
+        <p:style>
+          <a:lnRef idx="2">
+            <a:schemeClr val="accent1">
+              <a:shade val="50000"/>
+            </a:schemeClr>
+          </a:lnRef>
+          <a:fillRef idx="1">
+            <a:schemeClr val="accent1"/>
+          </a:fillRef>
+          <a:effectRef idx="0">
+            <a:schemeClr val="accent1"/>
+          </a:effectRef>
+          <a:fontRef idx="minor">
+            <a:schemeClr val="lt1"/>
+          </a:fontRef>
+        </p:style>
+        <p:txBody>
+          <a:bodyPr rtlCol="0" anchor="ctr"/>
+          <a:lstStyle/>
+          <a:p>
+            <a:pPr algn="ctr"/>
+            <a:endParaRPr lang="en-IN"/>
+          </a:p>
+        </p:txBody>
+      </p:sp>
+      <p:sp>
+        <p:nvSpPr>
+          <p:cNvPr id="26" name="Rectangle 25">
+            <a:extLst>
+              <a:ext uri="{FF2B5EF4-FFF2-40B4-BE49-F238E27FC236}">
+                <a16:creationId xmlns:a16="http://schemas.microsoft.com/office/drawing/2014/main" id="{267D5DC7-C196-4B41-BE15-723855E87F6C}"/>
+              </a:ext>
+            </a:extLst>
+          </p:cNvPr>
+          <p:cNvSpPr/>
+          <p:nvPr/>
+        </p:nvSpPr>
+        <p:spPr>
+          <a:xfrm>
+            <a:off x="8686801" y="3209254"/>
+            <a:ext cx="665018" cy="185109"/>
+          </a:xfrm>
+          <a:prstGeom prst="rect">
+            <a:avLst/>
+          </a:prstGeom>
+          <a:solidFill>
+            <a:srgbClr val="FFFF00">
+              <a:alpha val="25000"/>
+            </a:srgbClr>
+          </a:solidFill>
+          <a:ln>
+            <a:noFill/>
+          </a:ln>
+        </p:spPr>
+        <p:style>
+          <a:lnRef idx="2">
+            <a:schemeClr val="accent1">
+              <a:shade val="50000"/>
+            </a:schemeClr>
+          </a:lnRef>
+          <a:fillRef idx="1">
+            <a:schemeClr val="accent1"/>
+          </a:fillRef>
+          <a:effectRef idx="0">
+            <a:schemeClr val="accent1"/>
+          </a:effectRef>
+          <a:fontRef idx="minor">
+            <a:schemeClr val="lt1"/>
+          </a:fontRef>
+        </p:style>
+        <p:txBody>
+          <a:bodyPr rtlCol="0" anchor="ctr"/>
+          <a:lstStyle/>
+          <a:p>
+            <a:pPr algn="ctr"/>
+            <a:endParaRPr lang="en-IN"/>
+          </a:p>
+        </p:txBody>
+      </p:sp>
+      <p:sp>
+        <p:nvSpPr>
+          <p:cNvPr id="27" name="Rectangle 26">
+            <a:extLst>
+              <a:ext uri="{FF2B5EF4-FFF2-40B4-BE49-F238E27FC236}">
+                <a16:creationId xmlns:a16="http://schemas.microsoft.com/office/drawing/2014/main" id="{036B0D79-F49E-4555-8F05-70BB24401860}"/>
+              </a:ext>
+            </a:extLst>
+          </p:cNvPr>
+          <p:cNvSpPr/>
+          <p:nvPr/>
+        </p:nvSpPr>
+        <p:spPr>
+          <a:xfrm>
+            <a:off x="8686801" y="4076341"/>
+            <a:ext cx="665018" cy="185109"/>
+          </a:xfrm>
+          <a:prstGeom prst="rect">
+            <a:avLst/>
+          </a:prstGeom>
+          <a:solidFill>
+            <a:srgbClr val="FFFF00">
+              <a:alpha val="25000"/>
+            </a:srgbClr>
+          </a:solidFill>
+          <a:ln>
+            <a:noFill/>
+          </a:ln>
+        </p:spPr>
+        <p:style>
+          <a:lnRef idx="2">
+            <a:schemeClr val="accent1">
+              <a:shade val="50000"/>
+            </a:schemeClr>
+          </a:lnRef>
+          <a:fillRef idx="1">
+            <a:schemeClr val="accent1"/>
+          </a:fillRef>
+          <a:effectRef idx="0">
+            <a:schemeClr val="accent1"/>
+          </a:effectRef>
+          <a:fontRef idx="minor">
+            <a:schemeClr val="lt1"/>
+          </a:fontRef>
+        </p:style>
+        <p:txBody>
+          <a:bodyPr rtlCol="0" anchor="ctr"/>
+          <a:lstStyle/>
+          <a:p>
+            <a:pPr algn="ctr"/>
+            <a:endParaRPr lang="en-IN"/>
+          </a:p>
+        </p:txBody>
+      </p:sp>
+      <p:pic>
+        <p:nvPicPr>
+          <p:cNvPr id="8" name="Picture 7">
+            <a:extLst>
+              <a:ext uri="{FF2B5EF4-FFF2-40B4-BE49-F238E27FC236}">
+                <a16:creationId xmlns:a16="http://schemas.microsoft.com/office/drawing/2014/main" id="{8B3F1475-5DB0-4D61-89DB-0FF5DB494A6B}"/>
+              </a:ext>
+            </a:extLst>
+          </p:cNvPr>
+          <p:cNvPicPr>
+            <a:picLocks noChangeAspect="1"/>
+          </p:cNvPicPr>
+          <p:nvPr/>
+        </p:nvPicPr>
+        <p:blipFill rotWithShape="1">
+          <a:blip r:embed="rId4">
+            <a:extLst>
+              <a:ext uri="{28A0092B-C50C-407E-A947-70E740481C1C}">
+                <a14:useLocalDpi xmlns:a14="http://schemas.microsoft.com/office/drawing/2010/main" val="0"/>
+              </a:ext>
+            </a:extLst>
+          </a:blip>
+          <a:srcRect r="50221" b="38869"/>
+          <a:stretch/>
+        </p:blipFill>
+        <p:spPr>
+          <a:xfrm>
+            <a:off x="6705627" y="4729776"/>
+            <a:ext cx="4627366" cy="1963184"/>
+          </a:xfrm>
+          <a:prstGeom prst="rect">
+            <a:avLst/>
+          </a:prstGeom>
+        </p:spPr>
+      </p:pic>
+      <p:sp>
+        <p:nvSpPr>
+          <p:cNvPr id="9" name="Arrow: Bent 8">
+            <a:extLst>
+              <a:ext uri="{FF2B5EF4-FFF2-40B4-BE49-F238E27FC236}">
+                <a16:creationId xmlns:a16="http://schemas.microsoft.com/office/drawing/2014/main" id="{BDC23366-9F09-4858-B14B-31CE9B95FD89}"/>
+              </a:ext>
+            </a:extLst>
+          </p:cNvPr>
+          <p:cNvSpPr/>
+          <p:nvPr/>
+        </p:nvSpPr>
+        <p:spPr>
+          <a:xfrm rot="16200000" flipH="1">
+            <a:off x="7043823" y="3956650"/>
+            <a:ext cx="531091" cy="609600"/>
+          </a:xfrm>
+          <a:prstGeom prst="bentArrow">
+            <a:avLst/>
+          </a:prstGeom>
+        </p:spPr>
+        <p:style>
+          <a:lnRef idx="2">
+            <a:schemeClr val="accent1">
+              <a:shade val="50000"/>
+            </a:schemeClr>
+          </a:lnRef>
+          <a:fillRef idx="1">
+            <a:schemeClr val="accent1"/>
+          </a:fillRef>
+          <a:effectRef idx="0">
+            <a:schemeClr val="accent1"/>
+          </a:effectRef>
+          <a:fontRef idx="minor">
+            <a:schemeClr val="lt1"/>
+          </a:fontRef>
+        </p:style>
+        <p:txBody>
+          <a:bodyPr rtlCol="0" anchor="ctr"/>
+          <a:lstStyle/>
+          <a:p>
+            <a:pPr algn="ctr"/>
+            <a:endParaRPr lang="en-IN">
+              <a:solidFill>
+                <a:schemeClr val="tx1"/>
+              </a:solidFill>
+            </a:endParaRPr>
+          </a:p>
+        </p:txBody>
+      </p:sp>
+    </p:spTree>
+    <p:extLst>
+      <p:ext uri="{BB962C8B-B14F-4D97-AF65-F5344CB8AC3E}">
+        <p14:creationId xmlns:p14="http://schemas.microsoft.com/office/powerpoint/2010/main" val="2444859022"/>
+      </p:ext>
+    </p:extLst>
+  </p:cSld>
+  <p:clrMapOvr>
+    <a:masterClrMapping/>
+  </p:clrMapOvr>
+</p:sld>
+</file>
+
 <file path=ppt/slides/slide4.xml><?xml version="1.0" encoding="utf-8"?>
 <p:sld xmlns:a="http://schemas.openxmlformats.org/drawingml/2006/main" xmlns:r="http://schemas.openxmlformats.org/officeDocument/2006/relationships" xmlns:p="http://schemas.openxmlformats.org/presentationml/2006/main">
   <p:cSld>

--- a/My Understanding.pptx
+++ b/My Understanding.pptx
@@ -5,7 +5,7 @@
     <p:sldMasterId id="2147483660" r:id="rId1"/>
   </p:sldMasterIdLst>
   <p:notesMasterIdLst>
-    <p:notesMasterId r:id="rId34"/>
+    <p:notesMasterId r:id="rId35"/>
   </p:notesMasterIdLst>
   <p:sldIdLst>
     <p:sldId id="259" r:id="rId2"/>
@@ -40,6 +40,7 @@
     <p:sldId id="289" r:id="rId31"/>
     <p:sldId id="290" r:id="rId32"/>
     <p:sldId id="291" r:id="rId33"/>
+    <p:sldId id="292" r:id="rId34"/>
   </p:sldIdLst>
   <p:sldSz cx="14400213" cy="6858000"/>
   <p:notesSz cx="6858000" cy="9144000"/>
@@ -28222,6 +28223,487 @@
 </p:sld>
 </file>
 
+<file path=ppt/slides/slide33.xml><?xml version="1.0" encoding="utf-8"?>
+<p:sld xmlns:a="http://schemas.openxmlformats.org/drawingml/2006/main" xmlns:r="http://schemas.openxmlformats.org/officeDocument/2006/relationships" xmlns:p="http://schemas.openxmlformats.org/presentationml/2006/main">
+  <p:cSld>
+    <p:spTree>
+      <p:nvGrpSpPr>
+        <p:cNvPr id="1" name=""/>
+        <p:cNvGrpSpPr/>
+        <p:nvPr/>
+      </p:nvGrpSpPr>
+      <p:grpSpPr>
+        <a:xfrm>
+          <a:off x="0" y="0"/>
+          <a:ext cx="0" cy="0"/>
+          <a:chOff x="0" y="0"/>
+          <a:chExt cx="0" cy="0"/>
+        </a:xfrm>
+      </p:grpSpPr>
+      <p:sp>
+        <p:nvSpPr>
+          <p:cNvPr id="10" name="TextBox 9">
+            <a:extLst>
+              <a:ext uri="{FF2B5EF4-FFF2-40B4-BE49-F238E27FC236}">
+                <a16:creationId xmlns:a16="http://schemas.microsoft.com/office/drawing/2014/main" id="{06D9F812-F890-407A-8D26-9948CB987CF8}"/>
+              </a:ext>
+            </a:extLst>
+          </p:cNvPr>
+          <p:cNvSpPr txBox="1"/>
+          <p:nvPr/>
+        </p:nvSpPr>
+        <p:spPr>
+          <a:xfrm>
+            <a:off x="155809" y="30475"/>
+            <a:ext cx="1517812" cy="523220"/>
+          </a:xfrm>
+          <a:prstGeom prst="rect">
+            <a:avLst/>
+          </a:prstGeom>
+          <a:solidFill>
+            <a:srgbClr val="FFFF00"/>
+          </a:solidFill>
+        </p:spPr>
+        <p:txBody>
+          <a:bodyPr wrap="square" rtlCol="0">
+            <a:spAutoFit/>
+          </a:bodyPr>
+          <a:lstStyle/>
+          <a:p>
+            <a:r>
+              <a:rPr lang="en-IN" sz="2800" u="sng">
+                <a:latin typeface="Roboto" panose="02000000000000000000" pitchFamily="2" charset="0"/>
+                <a:ea typeface="Roboto" panose="02000000000000000000" pitchFamily="2" charset="0"/>
+              </a:rPr>
+              <a:t>Phase 5</a:t>
+            </a:r>
+          </a:p>
+        </p:txBody>
+      </p:sp>
+      <p:pic>
+        <p:nvPicPr>
+          <p:cNvPr id="5" name="Picture 4">
+            <a:extLst>
+              <a:ext uri="{FF2B5EF4-FFF2-40B4-BE49-F238E27FC236}">
+                <a16:creationId xmlns:a16="http://schemas.microsoft.com/office/drawing/2014/main" id="{79453244-9D6F-47D2-885D-0630F313869A}"/>
+              </a:ext>
+            </a:extLst>
+          </p:cNvPr>
+          <p:cNvPicPr>
+            <a:picLocks noChangeAspect="1"/>
+          </p:cNvPicPr>
+          <p:nvPr/>
+        </p:nvPicPr>
+        <p:blipFill>
+          <a:blip r:embed="rId2">
+            <a:extLst>
+              <a:ext uri="{28A0092B-C50C-407E-A947-70E740481C1C}">
+                <a14:useLocalDpi xmlns:a14="http://schemas.microsoft.com/office/drawing/2010/main" val="0"/>
+              </a:ext>
+            </a:extLst>
+          </a:blip>
+          <a:stretch>
+            <a:fillRect/>
+          </a:stretch>
+        </p:blipFill>
+        <p:spPr>
+          <a:xfrm>
+            <a:off x="7808867" y="553695"/>
+            <a:ext cx="3782769" cy="4067560"/>
+          </a:xfrm>
+          <a:prstGeom prst="rect">
+            <a:avLst/>
+          </a:prstGeom>
+        </p:spPr>
+      </p:pic>
+      <p:sp>
+        <p:nvSpPr>
+          <p:cNvPr id="17" name="TextBox 16">
+            <a:extLst>
+              <a:ext uri="{FF2B5EF4-FFF2-40B4-BE49-F238E27FC236}">
+                <a16:creationId xmlns:a16="http://schemas.microsoft.com/office/drawing/2014/main" id="{7D52D9B6-CCD7-4CA6-AED2-16DF750433BB}"/>
+              </a:ext>
+            </a:extLst>
+          </p:cNvPr>
+          <p:cNvSpPr txBox="1"/>
+          <p:nvPr/>
+        </p:nvSpPr>
+        <p:spPr>
+          <a:xfrm>
+            <a:off x="155809" y="810123"/>
+            <a:ext cx="6191118" cy="1569660"/>
+          </a:xfrm>
+          <a:prstGeom prst="rect">
+            <a:avLst/>
+          </a:prstGeom>
+          <a:noFill/>
+        </p:spPr>
+        <p:txBody>
+          <a:bodyPr wrap="none" rtlCol="0">
+            <a:spAutoFit/>
+          </a:bodyPr>
+          <a:lstStyle/>
+          <a:p>
+            <a:r>
+              <a:rPr lang="en-IN" sz="1600">
+                <a:latin typeface="Roboto" panose="02000000000000000000" pitchFamily="2" charset="0"/>
+                <a:ea typeface="Roboto" panose="02000000000000000000" pitchFamily="2" charset="0"/>
+              </a:rPr>
+              <a:t>Connecting to MongoDB online is so simple and straight forward:</a:t>
+            </a:r>
+          </a:p>
+          <a:p>
+            <a:endParaRPr lang="en-IN" sz="1600">
+              <a:latin typeface="Roboto" panose="02000000000000000000" pitchFamily="2" charset="0"/>
+              <a:ea typeface="Roboto" panose="02000000000000000000" pitchFamily="2" charset="0"/>
+            </a:endParaRPr>
+          </a:p>
+          <a:p>
+            <a:r>
+              <a:rPr lang="en-IN" sz="1600">
+                <a:latin typeface="Roboto" panose="02000000000000000000" pitchFamily="2" charset="0"/>
+                <a:ea typeface="Roboto" panose="02000000000000000000" pitchFamily="2" charset="0"/>
+              </a:rPr>
+              <a:t>Just sign up, create user, get link and use in the app</a:t>
+            </a:r>
+          </a:p>
+          <a:p>
+            <a:endParaRPr lang="en-IN" sz="1600">
+              <a:latin typeface="Roboto" panose="02000000000000000000" pitchFamily="2" charset="0"/>
+              <a:ea typeface="Roboto" panose="02000000000000000000" pitchFamily="2" charset="0"/>
+            </a:endParaRPr>
+          </a:p>
+          <a:p>
+            <a:endParaRPr lang="en-IN" sz="1600">
+              <a:latin typeface="Roboto" panose="02000000000000000000" pitchFamily="2" charset="0"/>
+              <a:ea typeface="Roboto" panose="02000000000000000000" pitchFamily="2" charset="0"/>
+            </a:endParaRPr>
+          </a:p>
+          <a:p>
+            <a:r>
+              <a:rPr lang="en-IN" sz="1600">
+                <a:latin typeface="Roboto" panose="02000000000000000000" pitchFamily="2" charset="0"/>
+                <a:ea typeface="Roboto" panose="02000000000000000000" pitchFamily="2" charset="0"/>
+              </a:rPr>
+              <a:t>Heroku deployment is as usual.</a:t>
+            </a:r>
+          </a:p>
+        </p:txBody>
+      </p:sp>
+      <p:sp>
+        <p:nvSpPr>
+          <p:cNvPr id="19" name="Rectangle 18">
+            <a:extLst>
+              <a:ext uri="{FF2B5EF4-FFF2-40B4-BE49-F238E27FC236}">
+                <a16:creationId xmlns:a16="http://schemas.microsoft.com/office/drawing/2014/main" id="{F15B1B56-71D8-4CA9-B790-2BAEAF776AA7}"/>
+              </a:ext>
+            </a:extLst>
+          </p:cNvPr>
+          <p:cNvSpPr/>
+          <p:nvPr/>
+        </p:nvSpPr>
+        <p:spPr>
+          <a:xfrm>
+            <a:off x="7808867" y="727998"/>
+            <a:ext cx="1439542" cy="164251"/>
+          </a:xfrm>
+          <a:prstGeom prst="rect">
+            <a:avLst/>
+          </a:prstGeom>
+          <a:solidFill>
+            <a:srgbClr val="FFFF00">
+              <a:alpha val="25000"/>
+            </a:srgbClr>
+          </a:solidFill>
+          <a:ln>
+            <a:noFill/>
+          </a:ln>
+        </p:spPr>
+        <p:style>
+          <a:lnRef idx="2">
+            <a:schemeClr val="accent1">
+              <a:shade val="50000"/>
+            </a:schemeClr>
+          </a:lnRef>
+          <a:fillRef idx="1">
+            <a:schemeClr val="accent1"/>
+          </a:fillRef>
+          <a:effectRef idx="0">
+            <a:schemeClr val="accent1"/>
+          </a:effectRef>
+          <a:fontRef idx="minor">
+            <a:schemeClr val="lt1"/>
+          </a:fontRef>
+        </p:style>
+        <p:txBody>
+          <a:bodyPr rtlCol="0" anchor="ctr"/>
+          <a:lstStyle/>
+          <a:p>
+            <a:pPr algn="ctr"/>
+            <a:endParaRPr lang="en-IN"/>
+          </a:p>
+        </p:txBody>
+      </p:sp>
+      <p:sp>
+        <p:nvSpPr>
+          <p:cNvPr id="25" name="Rectangle 24">
+            <a:extLst>
+              <a:ext uri="{FF2B5EF4-FFF2-40B4-BE49-F238E27FC236}">
+                <a16:creationId xmlns:a16="http://schemas.microsoft.com/office/drawing/2014/main" id="{F798FF56-F0AB-4E2A-B92E-84D042164B1E}"/>
+              </a:ext>
+            </a:extLst>
+          </p:cNvPr>
+          <p:cNvSpPr/>
+          <p:nvPr/>
+        </p:nvSpPr>
+        <p:spPr>
+          <a:xfrm>
+            <a:off x="8783783" y="2438018"/>
+            <a:ext cx="665018" cy="185109"/>
+          </a:xfrm>
+          <a:prstGeom prst="rect">
+            <a:avLst/>
+          </a:prstGeom>
+          <a:solidFill>
+            <a:srgbClr val="FFFF00">
+              <a:alpha val="25000"/>
+            </a:srgbClr>
+          </a:solidFill>
+          <a:ln>
+            <a:noFill/>
+          </a:ln>
+        </p:spPr>
+        <p:style>
+          <a:lnRef idx="2">
+            <a:schemeClr val="accent1">
+              <a:shade val="50000"/>
+            </a:schemeClr>
+          </a:lnRef>
+          <a:fillRef idx="1">
+            <a:schemeClr val="accent1"/>
+          </a:fillRef>
+          <a:effectRef idx="0">
+            <a:schemeClr val="accent1"/>
+          </a:effectRef>
+          <a:fontRef idx="minor">
+            <a:schemeClr val="lt1"/>
+          </a:fontRef>
+        </p:style>
+        <p:txBody>
+          <a:bodyPr rtlCol="0" anchor="ctr"/>
+          <a:lstStyle/>
+          <a:p>
+            <a:pPr algn="ctr"/>
+            <a:endParaRPr lang="en-IN"/>
+          </a:p>
+        </p:txBody>
+      </p:sp>
+      <p:sp>
+        <p:nvSpPr>
+          <p:cNvPr id="26" name="Rectangle 25">
+            <a:extLst>
+              <a:ext uri="{FF2B5EF4-FFF2-40B4-BE49-F238E27FC236}">
+                <a16:creationId xmlns:a16="http://schemas.microsoft.com/office/drawing/2014/main" id="{267D5DC7-C196-4B41-BE15-723855E87F6C}"/>
+              </a:ext>
+            </a:extLst>
+          </p:cNvPr>
+          <p:cNvSpPr/>
+          <p:nvPr/>
+        </p:nvSpPr>
+        <p:spPr>
+          <a:xfrm>
+            <a:off x="8686801" y="3209254"/>
+            <a:ext cx="665018" cy="185109"/>
+          </a:xfrm>
+          <a:prstGeom prst="rect">
+            <a:avLst/>
+          </a:prstGeom>
+          <a:solidFill>
+            <a:srgbClr val="FFFF00">
+              <a:alpha val="25000"/>
+            </a:srgbClr>
+          </a:solidFill>
+          <a:ln>
+            <a:noFill/>
+          </a:ln>
+        </p:spPr>
+        <p:style>
+          <a:lnRef idx="2">
+            <a:schemeClr val="accent1">
+              <a:shade val="50000"/>
+            </a:schemeClr>
+          </a:lnRef>
+          <a:fillRef idx="1">
+            <a:schemeClr val="accent1"/>
+          </a:fillRef>
+          <a:effectRef idx="0">
+            <a:schemeClr val="accent1"/>
+          </a:effectRef>
+          <a:fontRef idx="minor">
+            <a:schemeClr val="lt1"/>
+          </a:fontRef>
+        </p:style>
+        <p:txBody>
+          <a:bodyPr rtlCol="0" anchor="ctr"/>
+          <a:lstStyle/>
+          <a:p>
+            <a:pPr algn="ctr"/>
+            <a:endParaRPr lang="en-IN"/>
+          </a:p>
+        </p:txBody>
+      </p:sp>
+      <p:sp>
+        <p:nvSpPr>
+          <p:cNvPr id="27" name="Rectangle 26">
+            <a:extLst>
+              <a:ext uri="{FF2B5EF4-FFF2-40B4-BE49-F238E27FC236}">
+                <a16:creationId xmlns:a16="http://schemas.microsoft.com/office/drawing/2014/main" id="{036B0D79-F49E-4555-8F05-70BB24401860}"/>
+              </a:ext>
+            </a:extLst>
+          </p:cNvPr>
+          <p:cNvSpPr/>
+          <p:nvPr/>
+        </p:nvSpPr>
+        <p:spPr>
+          <a:xfrm>
+            <a:off x="8686801" y="4076341"/>
+            <a:ext cx="665018" cy="185109"/>
+          </a:xfrm>
+          <a:prstGeom prst="rect">
+            <a:avLst/>
+          </a:prstGeom>
+          <a:solidFill>
+            <a:srgbClr val="FFFF00">
+              <a:alpha val="25000"/>
+            </a:srgbClr>
+          </a:solidFill>
+          <a:ln>
+            <a:noFill/>
+          </a:ln>
+        </p:spPr>
+        <p:style>
+          <a:lnRef idx="2">
+            <a:schemeClr val="accent1">
+              <a:shade val="50000"/>
+            </a:schemeClr>
+          </a:lnRef>
+          <a:fillRef idx="1">
+            <a:schemeClr val="accent1"/>
+          </a:fillRef>
+          <a:effectRef idx="0">
+            <a:schemeClr val="accent1"/>
+          </a:effectRef>
+          <a:fontRef idx="minor">
+            <a:schemeClr val="lt1"/>
+          </a:fontRef>
+        </p:style>
+        <p:txBody>
+          <a:bodyPr rtlCol="0" anchor="ctr"/>
+          <a:lstStyle/>
+          <a:p>
+            <a:pPr algn="ctr"/>
+            <a:endParaRPr lang="en-IN"/>
+          </a:p>
+        </p:txBody>
+      </p:sp>
+      <p:pic>
+        <p:nvPicPr>
+          <p:cNvPr id="8" name="Picture 7">
+            <a:extLst>
+              <a:ext uri="{FF2B5EF4-FFF2-40B4-BE49-F238E27FC236}">
+                <a16:creationId xmlns:a16="http://schemas.microsoft.com/office/drawing/2014/main" id="{8B3F1475-5DB0-4D61-89DB-0FF5DB494A6B}"/>
+              </a:ext>
+            </a:extLst>
+          </p:cNvPr>
+          <p:cNvPicPr>
+            <a:picLocks noChangeAspect="1"/>
+          </p:cNvPicPr>
+          <p:nvPr/>
+        </p:nvPicPr>
+        <p:blipFill rotWithShape="1">
+          <a:blip r:embed="rId3">
+            <a:extLst>
+              <a:ext uri="{28A0092B-C50C-407E-A947-70E740481C1C}">
+                <a14:useLocalDpi xmlns:a14="http://schemas.microsoft.com/office/drawing/2010/main" val="0"/>
+              </a:ext>
+            </a:extLst>
+          </a:blip>
+          <a:srcRect r="50221" b="38869"/>
+          <a:stretch/>
+        </p:blipFill>
+        <p:spPr>
+          <a:xfrm>
+            <a:off x="6705627" y="4729776"/>
+            <a:ext cx="4627366" cy="1963184"/>
+          </a:xfrm>
+          <a:prstGeom prst="rect">
+            <a:avLst/>
+          </a:prstGeom>
+        </p:spPr>
+      </p:pic>
+      <p:sp>
+        <p:nvSpPr>
+          <p:cNvPr id="9" name="Arrow: Bent 8">
+            <a:extLst>
+              <a:ext uri="{FF2B5EF4-FFF2-40B4-BE49-F238E27FC236}">
+                <a16:creationId xmlns:a16="http://schemas.microsoft.com/office/drawing/2014/main" id="{BDC23366-9F09-4858-B14B-31CE9B95FD89}"/>
+              </a:ext>
+            </a:extLst>
+          </p:cNvPr>
+          <p:cNvSpPr/>
+          <p:nvPr/>
+        </p:nvSpPr>
+        <p:spPr>
+          <a:xfrm rot="16200000" flipH="1">
+            <a:off x="7043823" y="3956650"/>
+            <a:ext cx="531091" cy="609600"/>
+          </a:xfrm>
+          <a:prstGeom prst="bentArrow">
+            <a:avLst/>
+          </a:prstGeom>
+        </p:spPr>
+        <p:style>
+          <a:lnRef idx="2">
+            <a:schemeClr val="accent1">
+              <a:shade val="50000"/>
+            </a:schemeClr>
+          </a:lnRef>
+          <a:fillRef idx="1">
+            <a:schemeClr val="accent1"/>
+          </a:fillRef>
+          <a:effectRef idx="0">
+            <a:schemeClr val="accent1"/>
+          </a:effectRef>
+          <a:fontRef idx="minor">
+            <a:schemeClr val="lt1"/>
+          </a:fontRef>
+        </p:style>
+        <p:txBody>
+          <a:bodyPr rtlCol="0" anchor="ctr"/>
+          <a:lstStyle/>
+          <a:p>
+            <a:pPr algn="ctr"/>
+            <a:endParaRPr lang="en-IN">
+              <a:solidFill>
+                <a:schemeClr val="tx1"/>
+              </a:solidFill>
+            </a:endParaRPr>
+          </a:p>
+        </p:txBody>
+      </p:sp>
+    </p:spTree>
+    <p:extLst>
+      <p:ext uri="{BB962C8B-B14F-4D97-AF65-F5344CB8AC3E}">
+        <p14:creationId xmlns:p14="http://schemas.microsoft.com/office/powerpoint/2010/main" val="4227192373"/>
+      </p:ext>
+    </p:extLst>
+  </p:cSld>
+  <p:clrMapOvr>
+    <a:masterClrMapping/>
+  </p:clrMapOvr>
+</p:sld>
+</file>
+
 <file path=ppt/slides/slide4.xml><?xml version="1.0" encoding="utf-8"?>
 <p:sld xmlns:a="http://schemas.openxmlformats.org/drawingml/2006/main" xmlns:r="http://schemas.openxmlformats.org/officeDocument/2006/relationships" xmlns:p="http://schemas.openxmlformats.org/presentationml/2006/main">
   <p:cSld>
